--- a/Git_használat.pptx
+++ b/Git_használat.pptx
@@ -115,6 +115,11 @@
       </a:defRPr>
     </a:lvl9pPr>
   </p:defaultTextStyle>
+  <p:extLst>
+    <p:ext uri="{EFAFB233-063F-42B5-8137-9DF3F51BA10A}">
+      <p15:sldGuideLst xmlns:p15="http://schemas.microsoft.com/office/powerpoint/2012/main"/>
+    </p:ext>
+  </p:extLst>
 </p:presentation>
 </file>
 
@@ -265,7 +270,7 @@
           <a:p>
             <a:fld id="{837BAD36-7A2E-4BBD-9EE7-519292F2A9F3}" type="datetimeFigureOut">
               <a:rPr lang="hu-HU" smtClean="0"/>
-              <a:t>2024. 10. 19.</a:t>
+              <a:t>2024. 10. 21.</a:t>
             </a:fld>
             <a:endParaRPr lang="hu-HU"/>
           </a:p>
@@ -463,7 +468,7 @@
           <a:p>
             <a:fld id="{837BAD36-7A2E-4BBD-9EE7-519292F2A9F3}" type="datetimeFigureOut">
               <a:rPr lang="hu-HU" smtClean="0"/>
-              <a:t>2024. 10. 19.</a:t>
+              <a:t>2024. 10. 21.</a:t>
             </a:fld>
             <a:endParaRPr lang="hu-HU"/>
           </a:p>
@@ -671,7 +676,7 @@
           <a:p>
             <a:fld id="{837BAD36-7A2E-4BBD-9EE7-519292F2A9F3}" type="datetimeFigureOut">
               <a:rPr lang="hu-HU" smtClean="0"/>
-              <a:t>2024. 10. 19.</a:t>
+              <a:t>2024. 10. 21.</a:t>
             </a:fld>
             <a:endParaRPr lang="hu-HU"/>
           </a:p>
@@ -869,7 +874,7 @@
           <a:p>
             <a:fld id="{837BAD36-7A2E-4BBD-9EE7-519292F2A9F3}" type="datetimeFigureOut">
               <a:rPr lang="hu-HU" smtClean="0"/>
-              <a:t>2024. 10. 19.</a:t>
+              <a:t>2024. 10. 21.</a:t>
             </a:fld>
             <a:endParaRPr lang="hu-HU"/>
           </a:p>
@@ -1144,7 +1149,7 @@
           <a:p>
             <a:fld id="{837BAD36-7A2E-4BBD-9EE7-519292F2A9F3}" type="datetimeFigureOut">
               <a:rPr lang="hu-HU" smtClean="0"/>
-              <a:t>2024. 10. 19.</a:t>
+              <a:t>2024. 10. 21.</a:t>
             </a:fld>
             <a:endParaRPr lang="hu-HU"/>
           </a:p>
@@ -1409,7 +1414,7 @@
           <a:p>
             <a:fld id="{837BAD36-7A2E-4BBD-9EE7-519292F2A9F3}" type="datetimeFigureOut">
               <a:rPr lang="hu-HU" smtClean="0"/>
-              <a:t>2024. 10. 19.</a:t>
+              <a:t>2024. 10. 21.</a:t>
             </a:fld>
             <a:endParaRPr lang="hu-HU"/>
           </a:p>
@@ -1821,7 +1826,7 @@
           <a:p>
             <a:fld id="{837BAD36-7A2E-4BBD-9EE7-519292F2A9F3}" type="datetimeFigureOut">
               <a:rPr lang="hu-HU" smtClean="0"/>
-              <a:t>2024. 10. 19.</a:t>
+              <a:t>2024. 10. 21.</a:t>
             </a:fld>
             <a:endParaRPr lang="hu-HU"/>
           </a:p>
@@ -1962,7 +1967,7 @@
           <a:p>
             <a:fld id="{837BAD36-7A2E-4BBD-9EE7-519292F2A9F3}" type="datetimeFigureOut">
               <a:rPr lang="hu-HU" smtClean="0"/>
-              <a:t>2024. 10. 19.</a:t>
+              <a:t>2024. 10. 21.</a:t>
             </a:fld>
             <a:endParaRPr lang="hu-HU"/>
           </a:p>
@@ -2075,7 +2080,7 @@
           <a:p>
             <a:fld id="{837BAD36-7A2E-4BBD-9EE7-519292F2A9F3}" type="datetimeFigureOut">
               <a:rPr lang="hu-HU" smtClean="0"/>
-              <a:t>2024. 10. 19.</a:t>
+              <a:t>2024. 10. 21.</a:t>
             </a:fld>
             <a:endParaRPr lang="hu-HU"/>
           </a:p>
@@ -2386,7 +2391,7 @@
           <a:p>
             <a:fld id="{837BAD36-7A2E-4BBD-9EE7-519292F2A9F3}" type="datetimeFigureOut">
               <a:rPr lang="hu-HU" smtClean="0"/>
-              <a:t>2024. 10. 19.</a:t>
+              <a:t>2024. 10. 21.</a:t>
             </a:fld>
             <a:endParaRPr lang="hu-HU"/>
           </a:p>
@@ -2674,7 +2679,7 @@
           <a:p>
             <a:fld id="{837BAD36-7A2E-4BBD-9EE7-519292F2A9F3}" type="datetimeFigureOut">
               <a:rPr lang="hu-HU" smtClean="0"/>
-              <a:t>2024. 10. 19.</a:t>
+              <a:t>2024. 10. 21.</a:t>
             </a:fld>
             <a:endParaRPr lang="hu-HU"/>
           </a:p>
@@ -2915,7 +2920,7 @@
           <a:p>
             <a:fld id="{837BAD36-7A2E-4BBD-9EE7-519292F2A9F3}" type="datetimeFigureOut">
               <a:rPr lang="hu-HU" smtClean="0"/>
-              <a:t>2024. 10. 19.</a:t>
+              <a:t>2024. 10. 21.</a:t>
             </a:fld>
             <a:endParaRPr lang="hu-HU"/>
           </a:p>
@@ -3353,6 +3358,10 @@
           <a:bodyPr/>
           <a:lstStyle/>
           <a:p>
+            <a:r>
+              <a:rPr lang="hu-HU"/>
+              <a:t>Git</a:t>
+            </a:r>
             <a:endParaRPr lang="hu-HU" dirty="0"/>
           </a:p>
         </p:txBody>

--- a/Git_használat.pptx
+++ b/Git_használat.pptx
@@ -6,17 +6,16 @@
   </p:sldMasterIdLst>
   <p:sldIdLst>
     <p:sldId id="256" r:id="rId2"/>
-    <p:sldId id="257" r:id="rId3"/>
-    <p:sldId id="258" r:id="rId4"/>
-    <p:sldId id="259" r:id="rId5"/>
-    <p:sldId id="260" r:id="rId6"/>
-    <p:sldId id="261" r:id="rId7"/>
-    <p:sldId id="262" r:id="rId8"/>
-    <p:sldId id="263" r:id="rId9"/>
-    <p:sldId id="264" r:id="rId10"/>
-    <p:sldId id="265" r:id="rId11"/>
-    <p:sldId id="266" r:id="rId12"/>
-    <p:sldId id="267" r:id="rId13"/>
+    <p:sldId id="269" r:id="rId3"/>
+    <p:sldId id="268" r:id="rId4"/>
+    <p:sldId id="257" r:id="rId5"/>
+    <p:sldId id="258" r:id="rId6"/>
+    <p:sldId id="259" r:id="rId7"/>
+    <p:sldId id="260" r:id="rId8"/>
+    <p:sldId id="261" r:id="rId9"/>
+    <p:sldId id="262" r:id="rId10"/>
+    <p:sldId id="263" r:id="rId11"/>
+    <p:sldId id="264" r:id="rId12"/>
   </p:sldIdLst>
   <p:sldSz cx="12192000" cy="6858000"/>
   <p:notesSz cx="6858000" cy="9144000"/>
@@ -115,6 +114,11 @@
       </a:defRPr>
     </a:lvl9pPr>
   </p:defaultTextStyle>
+  <p:extLst>
+    <p:ext uri="{EFAFB233-063F-42B5-8137-9DF3F51BA10A}">
+      <p15:sldGuideLst xmlns:p15="http://schemas.microsoft.com/office/powerpoint/2012/main"/>
+    </p:ext>
+  </p:extLst>
 </p:presentation>
 </file>
 
@@ -265,7 +269,7 @@
           <a:p>
             <a:fld id="{837BAD36-7A2E-4BBD-9EE7-519292F2A9F3}" type="datetimeFigureOut">
               <a:rPr lang="hu-HU" smtClean="0"/>
-              <a:t>2024. 10. 19.</a:t>
+              <a:t>2024. 10. 21.</a:t>
             </a:fld>
             <a:endParaRPr lang="hu-HU"/>
           </a:p>
@@ -463,7 +467,7 @@
           <a:p>
             <a:fld id="{837BAD36-7A2E-4BBD-9EE7-519292F2A9F3}" type="datetimeFigureOut">
               <a:rPr lang="hu-HU" smtClean="0"/>
-              <a:t>2024. 10. 19.</a:t>
+              <a:t>2024. 10. 21.</a:t>
             </a:fld>
             <a:endParaRPr lang="hu-HU"/>
           </a:p>
@@ -671,7 +675,7 @@
           <a:p>
             <a:fld id="{837BAD36-7A2E-4BBD-9EE7-519292F2A9F3}" type="datetimeFigureOut">
               <a:rPr lang="hu-HU" smtClean="0"/>
-              <a:t>2024. 10. 19.</a:t>
+              <a:t>2024. 10. 21.</a:t>
             </a:fld>
             <a:endParaRPr lang="hu-HU"/>
           </a:p>
@@ -869,7 +873,7 @@
           <a:p>
             <a:fld id="{837BAD36-7A2E-4BBD-9EE7-519292F2A9F3}" type="datetimeFigureOut">
               <a:rPr lang="hu-HU" smtClean="0"/>
-              <a:t>2024. 10. 19.</a:t>
+              <a:t>2024. 10. 21.</a:t>
             </a:fld>
             <a:endParaRPr lang="hu-HU"/>
           </a:p>
@@ -1144,7 +1148,7 @@
           <a:p>
             <a:fld id="{837BAD36-7A2E-4BBD-9EE7-519292F2A9F3}" type="datetimeFigureOut">
               <a:rPr lang="hu-HU" smtClean="0"/>
-              <a:t>2024. 10. 19.</a:t>
+              <a:t>2024. 10. 21.</a:t>
             </a:fld>
             <a:endParaRPr lang="hu-HU"/>
           </a:p>
@@ -1409,7 +1413,7 @@
           <a:p>
             <a:fld id="{837BAD36-7A2E-4BBD-9EE7-519292F2A9F3}" type="datetimeFigureOut">
               <a:rPr lang="hu-HU" smtClean="0"/>
-              <a:t>2024. 10. 19.</a:t>
+              <a:t>2024. 10. 21.</a:t>
             </a:fld>
             <a:endParaRPr lang="hu-HU"/>
           </a:p>
@@ -1821,7 +1825,7 @@
           <a:p>
             <a:fld id="{837BAD36-7A2E-4BBD-9EE7-519292F2A9F3}" type="datetimeFigureOut">
               <a:rPr lang="hu-HU" smtClean="0"/>
-              <a:t>2024. 10. 19.</a:t>
+              <a:t>2024. 10. 21.</a:t>
             </a:fld>
             <a:endParaRPr lang="hu-HU"/>
           </a:p>
@@ -1962,7 +1966,7 @@
           <a:p>
             <a:fld id="{837BAD36-7A2E-4BBD-9EE7-519292F2A9F3}" type="datetimeFigureOut">
               <a:rPr lang="hu-HU" smtClean="0"/>
-              <a:t>2024. 10. 19.</a:t>
+              <a:t>2024. 10. 21.</a:t>
             </a:fld>
             <a:endParaRPr lang="hu-HU"/>
           </a:p>
@@ -2075,7 +2079,7 @@
           <a:p>
             <a:fld id="{837BAD36-7A2E-4BBD-9EE7-519292F2A9F3}" type="datetimeFigureOut">
               <a:rPr lang="hu-HU" smtClean="0"/>
-              <a:t>2024. 10. 19.</a:t>
+              <a:t>2024. 10. 21.</a:t>
             </a:fld>
             <a:endParaRPr lang="hu-HU"/>
           </a:p>
@@ -2386,7 +2390,7 @@
           <a:p>
             <a:fld id="{837BAD36-7A2E-4BBD-9EE7-519292F2A9F3}" type="datetimeFigureOut">
               <a:rPr lang="hu-HU" smtClean="0"/>
-              <a:t>2024. 10. 19.</a:t>
+              <a:t>2024. 10. 21.</a:t>
             </a:fld>
             <a:endParaRPr lang="hu-HU"/>
           </a:p>
@@ -2674,7 +2678,7 @@
           <a:p>
             <a:fld id="{837BAD36-7A2E-4BBD-9EE7-519292F2A9F3}" type="datetimeFigureOut">
               <a:rPr lang="hu-HU" smtClean="0"/>
-              <a:t>2024. 10. 19.</a:t>
+              <a:t>2024. 10. 21.</a:t>
             </a:fld>
             <a:endParaRPr lang="hu-HU"/>
           </a:p>
@@ -2915,7 +2919,7 @@
           <a:p>
             <a:fld id="{837BAD36-7A2E-4BBD-9EE7-519292F2A9F3}" type="datetimeFigureOut">
               <a:rPr lang="hu-HU" smtClean="0"/>
-              <a:t>2024. 10. 19.</a:t>
+              <a:t>2024. 10. 21.</a:t>
             </a:fld>
             <a:endParaRPr lang="hu-HU"/>
           </a:p>
@@ -3353,7 +3357,14 @@
           <a:bodyPr/>
           <a:lstStyle/>
           <a:p>
-            <a:endParaRPr lang="hu-HU" dirty="0"/>
+            <a:r>
+              <a:rPr lang="hu-HU" dirty="0" err="1"/>
+              <a:t>Git</a:t>
+            </a:r>
+            <a:r>
+              <a:rPr lang="hu-HU" dirty="0"/>
+              <a:t> használata</a:t>
+            </a:r>
           </a:p>
         </p:txBody>
       </p:sp>
@@ -3378,7 +3389,10 @@
           <a:bodyPr/>
           <a:lstStyle/>
           <a:p>
-            <a:endParaRPr lang="hu-HU"/>
+            <a:r>
+              <a:rPr lang="hu-HU" dirty="0"/>
+              <a:t>Készítette: Bak Roland, Bognár Bálint, Menyhát Noel Joakim</a:t>
+            </a:r>
           </a:p>
         </p:txBody>
       </p:sp>
@@ -3417,7 +3431,7 @@
           <p:cNvPr id="2" name="Cím 1">
             <a:extLst>
               <a:ext uri="{FF2B5EF4-FFF2-40B4-BE49-F238E27FC236}">
-                <a16:creationId xmlns:a16="http://schemas.microsoft.com/office/drawing/2014/main" id="{A79188DE-62E9-2059-76C3-D86FAC4F300B}"/>
+                <a16:creationId xmlns:a16="http://schemas.microsoft.com/office/drawing/2014/main" id="{9EBB0BEF-0605-148F-FD70-15C5A82A2699}"/>
               </a:ext>
             </a:extLst>
           </p:cNvPr>
@@ -3433,7 +3447,10 @@
           <a:bodyPr/>
           <a:lstStyle/>
           <a:p>
-            <a:endParaRPr lang="hu-HU"/>
+            <a:r>
+              <a:rPr lang="hu-HU" dirty="0"/>
+              <a:t>Munkabeosztás</a:t>
+            </a:r>
           </a:p>
         </p:txBody>
       </p:sp>
@@ -3442,7 +3459,7 @@
           <p:cNvPr id="3" name="Tartalom helye 2">
             <a:extLst>
               <a:ext uri="{FF2B5EF4-FFF2-40B4-BE49-F238E27FC236}">
-                <a16:creationId xmlns:a16="http://schemas.microsoft.com/office/drawing/2014/main" id="{B561C9EC-CBD6-99E2-E3A4-A8913372D475}"/>
+                <a16:creationId xmlns:a16="http://schemas.microsoft.com/office/drawing/2014/main" id="{66D46CE8-8258-0330-28E2-718E04BB6A7A}"/>
               </a:ext>
             </a:extLst>
           </p:cNvPr>
@@ -3458,14 +3475,14 @@
           <a:bodyPr/>
           <a:lstStyle/>
           <a:p>
-            <a:endParaRPr lang="hu-HU"/>
+            <a:endParaRPr lang="hu-HU" dirty="0"/>
           </a:p>
         </p:txBody>
       </p:sp>
     </p:spTree>
     <p:extLst>
       <p:ext uri="{BB962C8B-B14F-4D97-AF65-F5344CB8AC3E}">
-        <p14:creationId xmlns:p14="http://schemas.microsoft.com/office/powerpoint/2010/main" val="3392300426"/>
+        <p14:creationId xmlns:p14="http://schemas.microsoft.com/office/powerpoint/2010/main" val="4160150568"/>
       </p:ext>
     </p:extLst>
   </p:cSld>
@@ -3497,7 +3514,7 @@
           <p:cNvPr id="2" name="Cím 1">
             <a:extLst>
               <a:ext uri="{FF2B5EF4-FFF2-40B4-BE49-F238E27FC236}">
-                <a16:creationId xmlns:a16="http://schemas.microsoft.com/office/drawing/2014/main" id="{789FC1E8-9895-8BFF-3806-9844131B5684}"/>
+                <a16:creationId xmlns:a16="http://schemas.microsoft.com/office/drawing/2014/main" id="{CC41AF3F-CE3B-CB4A-09A0-F656543C2819}"/>
               </a:ext>
             </a:extLst>
           </p:cNvPr>
@@ -3513,7 +3530,10 @@
           <a:bodyPr/>
           <a:lstStyle/>
           <a:p>
-            <a:endParaRPr lang="hu-HU"/>
+            <a:r>
+              <a:rPr lang="hu-HU"/>
+              <a:t>Források</a:t>
+            </a:r>
           </a:p>
         </p:txBody>
       </p:sp>
@@ -3522,7 +3542,7 @@
           <p:cNvPr id="3" name="Tartalom helye 2">
             <a:extLst>
               <a:ext uri="{FF2B5EF4-FFF2-40B4-BE49-F238E27FC236}">
-                <a16:creationId xmlns:a16="http://schemas.microsoft.com/office/drawing/2014/main" id="{C2F5F2D0-61B4-A39F-3A6C-DDCD54778B49}"/>
+                <a16:creationId xmlns:a16="http://schemas.microsoft.com/office/drawing/2014/main" id="{DEBCEB30-AE1D-CE0D-45A3-B98E443CB03C}"/>
               </a:ext>
             </a:extLst>
           </p:cNvPr>
@@ -3545,87 +3565,7 @@
     </p:spTree>
     <p:extLst>
       <p:ext uri="{BB962C8B-B14F-4D97-AF65-F5344CB8AC3E}">
-        <p14:creationId xmlns:p14="http://schemas.microsoft.com/office/powerpoint/2010/main" val="882028972"/>
-      </p:ext>
-    </p:extLst>
-  </p:cSld>
-  <p:clrMapOvr>
-    <a:masterClrMapping/>
-  </p:clrMapOvr>
-</p:sld>
-</file>
-
-<file path=ppt/slides/slide12.xml><?xml version="1.0" encoding="utf-8"?>
-<p:sld xmlns:a="http://schemas.openxmlformats.org/drawingml/2006/main" xmlns:r="http://schemas.openxmlformats.org/officeDocument/2006/relationships" xmlns:p="http://schemas.openxmlformats.org/presentationml/2006/main">
-  <p:cSld>
-    <p:spTree>
-      <p:nvGrpSpPr>
-        <p:cNvPr id="1" name=""/>
-        <p:cNvGrpSpPr/>
-        <p:nvPr/>
-      </p:nvGrpSpPr>
-      <p:grpSpPr>
-        <a:xfrm>
-          <a:off x="0" y="0"/>
-          <a:ext cx="0" cy="0"/>
-          <a:chOff x="0" y="0"/>
-          <a:chExt cx="0" cy="0"/>
-        </a:xfrm>
-      </p:grpSpPr>
-      <p:sp>
-        <p:nvSpPr>
-          <p:cNvPr id="2" name="Cím 1">
-            <a:extLst>
-              <a:ext uri="{FF2B5EF4-FFF2-40B4-BE49-F238E27FC236}">
-                <a16:creationId xmlns:a16="http://schemas.microsoft.com/office/drawing/2014/main" id="{80E9EE6F-FC03-0B5A-03D2-873680AAB378}"/>
-              </a:ext>
-            </a:extLst>
-          </p:cNvPr>
-          <p:cNvSpPr>
-            <a:spLocks noGrp="1"/>
-          </p:cNvSpPr>
-          <p:nvPr>
-            <p:ph type="title"/>
-          </p:nvPr>
-        </p:nvSpPr>
-        <p:spPr/>
-        <p:txBody>
-          <a:bodyPr/>
-          <a:lstStyle/>
-          <a:p>
-            <a:endParaRPr lang="hu-HU"/>
-          </a:p>
-        </p:txBody>
-      </p:sp>
-      <p:sp>
-        <p:nvSpPr>
-          <p:cNvPr id="3" name="Tartalom helye 2">
-            <a:extLst>
-              <a:ext uri="{FF2B5EF4-FFF2-40B4-BE49-F238E27FC236}">
-                <a16:creationId xmlns:a16="http://schemas.microsoft.com/office/drawing/2014/main" id="{5EF623A5-62E2-76FD-7BFB-A60BAD6593B7}"/>
-              </a:ext>
-            </a:extLst>
-          </p:cNvPr>
-          <p:cNvSpPr>
-            <a:spLocks noGrp="1"/>
-          </p:cNvSpPr>
-          <p:nvPr>
-            <p:ph idx="1"/>
-          </p:nvPr>
-        </p:nvSpPr>
-        <p:spPr/>
-        <p:txBody>
-          <a:bodyPr/>
-          <a:lstStyle/>
-          <a:p>
-            <a:endParaRPr lang="hu-HU"/>
-          </a:p>
-        </p:txBody>
-      </p:sp>
-    </p:spTree>
-    <p:extLst>
-      <p:ext uri="{BB962C8B-B14F-4D97-AF65-F5344CB8AC3E}">
-        <p14:creationId xmlns:p14="http://schemas.microsoft.com/office/powerpoint/2010/main" val="2713643879"/>
+        <p14:creationId xmlns:p14="http://schemas.microsoft.com/office/powerpoint/2010/main" val="1002041123"/>
       </p:ext>
     </p:extLst>
   </p:cSld>
@@ -3657,7 +3597,7 @@
           <p:cNvPr id="2" name="Cím 1">
             <a:extLst>
               <a:ext uri="{FF2B5EF4-FFF2-40B4-BE49-F238E27FC236}">
-                <a16:creationId xmlns:a16="http://schemas.microsoft.com/office/drawing/2014/main" id="{413F723F-4917-548F-DB48-FC3F37F268E9}"/>
+                <a16:creationId xmlns:a16="http://schemas.microsoft.com/office/drawing/2014/main" id="{096EDB4F-5C9F-393D-03C8-5EFDAE83F79A}"/>
               </a:ext>
             </a:extLst>
           </p:cNvPr>
@@ -3673,7 +3613,22 @@
           <a:bodyPr/>
           <a:lstStyle/>
           <a:p>
-            <a:endParaRPr lang="hu-HU"/>
+            <a:r>
+              <a:rPr lang="hu-HU" dirty="0" err="1"/>
+              <a:t>Github</a:t>
+            </a:r>
+            <a:r>
+              <a:rPr lang="hu-HU" dirty="0"/>
+              <a:t> regisztráció, </a:t>
+            </a:r>
+            <a:r>
+              <a:rPr lang="hu-HU" dirty="0" err="1"/>
+              <a:t>repo</a:t>
+            </a:r>
+            <a:r>
+              <a:rPr lang="hu-HU" dirty="0"/>
+              <a:t> létrehozása</a:t>
+            </a:r>
           </a:p>
         </p:txBody>
       </p:sp>
@@ -3682,7 +3637,7 @@
           <p:cNvPr id="3" name="Tartalom helye 2">
             <a:extLst>
               <a:ext uri="{FF2B5EF4-FFF2-40B4-BE49-F238E27FC236}">
-                <a16:creationId xmlns:a16="http://schemas.microsoft.com/office/drawing/2014/main" id="{15CB4F0E-24AB-35C7-FD6C-34EA8C9618FB}"/>
+                <a16:creationId xmlns:a16="http://schemas.microsoft.com/office/drawing/2014/main" id="{D2AD30A8-6EA1-6875-305C-4983517F73FA}"/>
               </a:ext>
             </a:extLst>
           </p:cNvPr>
@@ -3693,19 +3648,53 @@
             <p:ph idx="1"/>
           </p:nvPr>
         </p:nvSpPr>
-        <p:spPr/>
-        <p:txBody>
-          <a:bodyPr/>
-          <a:lstStyle/>
-          <a:p>
-            <a:endParaRPr lang="hu-HU"/>
-          </a:p>
-        </p:txBody>
-      </p:sp>
+        <p:spPr>
+          <a:xfrm>
+            <a:off x="4818888" y="1825625"/>
+            <a:ext cx="6534912" cy="4351338"/>
+          </a:xfrm>
+        </p:spPr>
+        <p:txBody>
+          <a:bodyPr/>
+          <a:lstStyle/>
+          <a:p>
+            <a:endParaRPr lang="hu-HU" dirty="0"/>
+          </a:p>
+        </p:txBody>
+      </p:sp>
+      <p:pic>
+        <p:nvPicPr>
+          <p:cNvPr id="5" name="Kép 4">
+            <a:extLst>
+              <a:ext uri="{FF2B5EF4-FFF2-40B4-BE49-F238E27FC236}">
+                <a16:creationId xmlns:a16="http://schemas.microsoft.com/office/drawing/2014/main" id="{0C93500F-0C01-C06C-0AF2-FD6DB44D4669}"/>
+              </a:ext>
+            </a:extLst>
+          </p:cNvPr>
+          <p:cNvPicPr>
+            <a:picLocks noChangeAspect="1"/>
+          </p:cNvPicPr>
+          <p:nvPr/>
+        </p:nvPicPr>
+        <p:blipFill>
+          <a:blip r:embed="rId2"/>
+          <a:srcRect l="16548" r="15772" b="31936"/>
+          <a:stretch/>
+        </p:blipFill>
+        <p:spPr>
+          <a:xfrm>
+            <a:off x="256031" y="1495361"/>
+            <a:ext cx="4154989" cy="2697480"/>
+          </a:xfrm>
+          <a:prstGeom prst="rect">
+            <a:avLst/>
+          </a:prstGeom>
+        </p:spPr>
+      </p:pic>
     </p:spTree>
     <p:extLst>
       <p:ext uri="{BB962C8B-B14F-4D97-AF65-F5344CB8AC3E}">
-        <p14:creationId xmlns:p14="http://schemas.microsoft.com/office/powerpoint/2010/main" val="418339410"/>
+        <p14:creationId xmlns:p14="http://schemas.microsoft.com/office/powerpoint/2010/main" val="2992480103"/>
       </p:ext>
     </p:extLst>
   </p:cSld>
@@ -3737,7 +3726,7 @@
           <p:cNvPr id="2" name="Cím 1">
             <a:extLst>
               <a:ext uri="{FF2B5EF4-FFF2-40B4-BE49-F238E27FC236}">
-                <a16:creationId xmlns:a16="http://schemas.microsoft.com/office/drawing/2014/main" id="{43FE83D7-BBCF-A2B2-ABD2-193BA4B2DBCF}"/>
+                <a16:creationId xmlns:a16="http://schemas.microsoft.com/office/drawing/2014/main" id="{3DFE6B6F-1209-1B2E-0831-1CDDD930A9B3}"/>
               </a:ext>
             </a:extLst>
           </p:cNvPr>
@@ -3753,7 +3742,22 @@
           <a:bodyPr/>
           <a:lstStyle/>
           <a:p>
-            <a:endParaRPr lang="hu-HU"/>
+            <a:r>
+              <a:rPr lang="hu-HU" dirty="0" err="1"/>
+              <a:t>Git</a:t>
+            </a:r>
+            <a:r>
+              <a:rPr lang="hu-HU" dirty="0"/>
+              <a:t> </a:t>
+            </a:r>
+            <a:r>
+              <a:rPr lang="hu-HU" dirty="0" err="1"/>
+              <a:t>bash</a:t>
+            </a:r>
+            <a:r>
+              <a:rPr lang="hu-HU" dirty="0"/>
+              <a:t> letöltése</a:t>
+            </a:r>
           </a:p>
         </p:txBody>
       </p:sp>
@@ -3762,7 +3766,7 @@
           <p:cNvPr id="3" name="Tartalom helye 2">
             <a:extLst>
               <a:ext uri="{FF2B5EF4-FFF2-40B4-BE49-F238E27FC236}">
-                <a16:creationId xmlns:a16="http://schemas.microsoft.com/office/drawing/2014/main" id="{94EB5D69-B103-C495-3433-3B49A3C95A4C}"/>
+                <a16:creationId xmlns:a16="http://schemas.microsoft.com/office/drawing/2014/main" id="{819880DE-CEE5-F391-DEBB-E917AD00063D}"/>
               </a:ext>
             </a:extLst>
           </p:cNvPr>
@@ -3778,14 +3782,14 @@
           <a:bodyPr/>
           <a:lstStyle/>
           <a:p>
-            <a:endParaRPr lang="hu-HU"/>
+            <a:endParaRPr lang="hu-HU" dirty="0"/>
           </a:p>
         </p:txBody>
       </p:sp>
     </p:spTree>
     <p:extLst>
       <p:ext uri="{BB962C8B-B14F-4D97-AF65-F5344CB8AC3E}">
-        <p14:creationId xmlns:p14="http://schemas.microsoft.com/office/powerpoint/2010/main" val="263027883"/>
+        <p14:creationId xmlns:p14="http://schemas.microsoft.com/office/powerpoint/2010/main" val="489037620"/>
       </p:ext>
     </p:extLst>
   </p:cSld>
@@ -3817,7 +3821,7 @@
           <p:cNvPr id="2" name="Cím 1">
             <a:extLst>
               <a:ext uri="{FF2B5EF4-FFF2-40B4-BE49-F238E27FC236}">
-                <a16:creationId xmlns:a16="http://schemas.microsoft.com/office/drawing/2014/main" id="{14FDF42F-A302-8F3E-5203-5DA4D131F042}"/>
+                <a16:creationId xmlns:a16="http://schemas.microsoft.com/office/drawing/2014/main" id="{413F723F-4917-548F-DB48-FC3F37F268E9}"/>
               </a:ext>
             </a:extLst>
           </p:cNvPr>
@@ -3833,7 +3837,35 @@
           <a:bodyPr/>
           <a:lstStyle/>
           <a:p>
-            <a:endParaRPr lang="hu-HU"/>
+            <a:r>
+              <a:rPr lang="hu-HU" b="1" dirty="0"/>
+              <a:t>1. </a:t>
+            </a:r>
+            <a:r>
+              <a:rPr lang="hu-HU" dirty="0"/>
+              <a:t>Local </a:t>
+            </a:r>
+            <a:r>
+              <a:rPr lang="hu-HU" dirty="0" err="1"/>
+              <a:t>repository</a:t>
+            </a:r>
+            <a:r>
+              <a:rPr lang="hu-HU" dirty="0"/>
+              <a:t> létrehozása és összeköttetése a </a:t>
+            </a:r>
+            <a:r>
+              <a:rPr lang="hu-HU" dirty="0" err="1"/>
+              <a:t>remote</a:t>
+            </a:r>
+            <a:r>
+              <a:rPr lang="hu-HU" dirty="0"/>
+              <a:t> </a:t>
+            </a:r>
+            <a:r>
+              <a:rPr lang="hu-HU" dirty="0" err="1"/>
+              <a:t>repository-val</a:t>
+            </a:r>
+            <a:endParaRPr lang="hu-HU" dirty="0"/>
           </a:p>
         </p:txBody>
       </p:sp>
@@ -3842,7 +3874,7 @@
           <p:cNvPr id="3" name="Tartalom helye 2">
             <a:extLst>
               <a:ext uri="{FF2B5EF4-FFF2-40B4-BE49-F238E27FC236}">
-                <a16:creationId xmlns:a16="http://schemas.microsoft.com/office/drawing/2014/main" id="{1BE82491-C013-D66E-8FAF-8357C197129D}"/>
+                <a16:creationId xmlns:a16="http://schemas.microsoft.com/office/drawing/2014/main" id="{15CB4F0E-24AB-35C7-FD6C-34EA8C9618FB}"/>
               </a:ext>
             </a:extLst>
           </p:cNvPr>
@@ -3853,19 +3885,98 @@
             <p:ph idx="1"/>
           </p:nvPr>
         </p:nvSpPr>
-        <p:spPr/>
-        <p:txBody>
-          <a:bodyPr/>
-          <a:lstStyle/>
-          <a:p>
-            <a:endParaRPr lang="hu-HU"/>
-          </a:p>
-        </p:txBody>
-      </p:sp>
+        <p:spPr>
+          <a:xfrm>
+            <a:off x="5036976" y="1690688"/>
+            <a:ext cx="6756918" cy="4351338"/>
+          </a:xfrm>
+        </p:spPr>
+        <p:txBody>
+          <a:bodyPr/>
+          <a:lstStyle/>
+          <a:p>
+            <a:r>
+              <a:rPr lang="hu-HU" sz="3200" dirty="0"/>
+              <a:t>1. Navigáljunk bele a mappába ahol local </a:t>
+            </a:r>
+            <a:r>
+              <a:rPr lang="hu-HU" sz="3200" dirty="0" err="1"/>
+              <a:t>repository</a:t>
+            </a:r>
+            <a:r>
+              <a:rPr lang="hu-HU" sz="3200" dirty="0"/>
+              <a:t>-t szeretnénk létrehozni, majd </a:t>
+            </a:r>
+            <a:r>
+              <a:rPr lang="hu-HU" sz="3200" dirty="0" err="1"/>
+              <a:t>irjuk</a:t>
+            </a:r>
+            <a:r>
+              <a:rPr lang="hu-HU" sz="3200" dirty="0"/>
+              <a:t> be hogy „</a:t>
+            </a:r>
+            <a:r>
+              <a:rPr lang="hu-HU" sz="3200" dirty="0" err="1"/>
+              <a:t>git</a:t>
+            </a:r>
+            <a:r>
+              <a:rPr lang="hu-HU" sz="3200" dirty="0"/>
+              <a:t> </a:t>
+            </a:r>
+            <a:r>
+              <a:rPr lang="hu-HU" sz="3200" dirty="0" err="1"/>
+              <a:t>init</a:t>
+            </a:r>
+            <a:r>
+              <a:rPr lang="hu-HU" sz="3200" dirty="0"/>
+              <a:t>” hogy létrehozzuk.</a:t>
+            </a:r>
+          </a:p>
+          <a:p>
+            <a:endParaRPr lang="hu-HU" dirty="0"/>
+          </a:p>
+          <a:p>
+            <a:r>
+              <a:rPr lang="hu-HU" dirty="0"/>
+              <a:t>2. </a:t>
+            </a:r>
+          </a:p>
+        </p:txBody>
+      </p:sp>
+      <p:pic>
+        <p:nvPicPr>
+          <p:cNvPr id="7" name="Kép 6">
+            <a:extLst>
+              <a:ext uri="{FF2B5EF4-FFF2-40B4-BE49-F238E27FC236}">
+                <a16:creationId xmlns:a16="http://schemas.microsoft.com/office/drawing/2014/main" id="{CF76A9C6-2B72-5D9A-408A-7F9B3857170B}"/>
+              </a:ext>
+            </a:extLst>
+          </p:cNvPr>
+          <p:cNvPicPr>
+            <a:picLocks noChangeAspect="1"/>
+          </p:cNvPicPr>
+          <p:nvPr/>
+        </p:nvPicPr>
+        <p:blipFill>
+          <a:blip r:embed="rId2"/>
+          <a:stretch>
+            <a:fillRect/>
+          </a:stretch>
+        </p:blipFill>
+        <p:spPr>
+          <a:xfrm>
+            <a:off x="950167" y="1690688"/>
+            <a:ext cx="3752850" cy="1238250"/>
+          </a:xfrm>
+          <a:prstGeom prst="rect">
+            <a:avLst/>
+          </a:prstGeom>
+        </p:spPr>
+      </p:pic>
     </p:spTree>
     <p:extLst>
       <p:ext uri="{BB962C8B-B14F-4D97-AF65-F5344CB8AC3E}">
-        <p14:creationId xmlns:p14="http://schemas.microsoft.com/office/powerpoint/2010/main" val="4283837504"/>
+        <p14:creationId xmlns:p14="http://schemas.microsoft.com/office/powerpoint/2010/main" val="418339410"/>
       </p:ext>
     </p:extLst>
   </p:cSld>
@@ -3897,7 +4008,7 @@
           <p:cNvPr id="2" name="Cím 1">
             <a:extLst>
               <a:ext uri="{FF2B5EF4-FFF2-40B4-BE49-F238E27FC236}">
-                <a16:creationId xmlns:a16="http://schemas.microsoft.com/office/drawing/2014/main" id="{5287EDD4-57BA-4900-0459-D6264188BC45}"/>
+                <a16:creationId xmlns:a16="http://schemas.microsoft.com/office/drawing/2014/main" id="{43FE83D7-BBCF-A2B2-ABD2-193BA4B2DBCF}"/>
               </a:ext>
             </a:extLst>
           </p:cNvPr>
@@ -3913,7 +4024,18 @@
           <a:bodyPr/>
           <a:lstStyle/>
           <a:p>
-            <a:endParaRPr lang="hu-HU"/>
+            <a:r>
+              <a:rPr lang="hu-HU" b="1" dirty="0"/>
+              <a:t>2. </a:t>
+            </a:r>
+            <a:r>
+              <a:rPr lang="hu-HU" dirty="0" err="1"/>
+              <a:t>Repository</a:t>
+            </a:r>
+            <a:r>
+              <a:rPr lang="hu-HU" dirty="0"/>
+              <a:t> klónozása</a:t>
+            </a:r>
           </a:p>
         </p:txBody>
       </p:sp>
@@ -3922,7 +4044,7 @@
           <p:cNvPr id="3" name="Tartalom helye 2">
             <a:extLst>
               <a:ext uri="{FF2B5EF4-FFF2-40B4-BE49-F238E27FC236}">
-                <a16:creationId xmlns:a16="http://schemas.microsoft.com/office/drawing/2014/main" id="{04C143E6-E73E-7E5F-B116-545583F8DE76}"/>
+                <a16:creationId xmlns:a16="http://schemas.microsoft.com/office/drawing/2014/main" id="{94EB5D69-B103-C495-3433-3B49A3C95A4C}"/>
               </a:ext>
             </a:extLst>
           </p:cNvPr>
@@ -3945,7 +4067,7 @@
     </p:spTree>
     <p:extLst>
       <p:ext uri="{BB962C8B-B14F-4D97-AF65-F5344CB8AC3E}">
-        <p14:creationId xmlns:p14="http://schemas.microsoft.com/office/powerpoint/2010/main" val="267911924"/>
+        <p14:creationId xmlns:p14="http://schemas.microsoft.com/office/powerpoint/2010/main" val="263027883"/>
       </p:ext>
     </p:extLst>
   </p:cSld>
@@ -3977,7 +4099,7 @@
           <p:cNvPr id="2" name="Cím 1">
             <a:extLst>
               <a:ext uri="{FF2B5EF4-FFF2-40B4-BE49-F238E27FC236}">
-                <a16:creationId xmlns:a16="http://schemas.microsoft.com/office/drawing/2014/main" id="{103F830D-1880-B1EA-4A50-E2116F7FE27E}"/>
+                <a16:creationId xmlns:a16="http://schemas.microsoft.com/office/drawing/2014/main" id="{14FDF42F-A302-8F3E-5203-5DA4D131F042}"/>
               </a:ext>
             </a:extLst>
           </p:cNvPr>
@@ -3993,7 +4115,14 @@
           <a:bodyPr/>
           <a:lstStyle/>
           <a:p>
-            <a:endParaRPr lang="hu-HU"/>
+            <a:r>
+              <a:rPr lang="hu-HU" b="1" dirty="0"/>
+              <a:t>3. </a:t>
+            </a:r>
+            <a:r>
+              <a:rPr lang="hu-HU" dirty="0"/>
+              <a:t>Klónozás ellenőrzése</a:t>
+            </a:r>
           </a:p>
         </p:txBody>
       </p:sp>
@@ -4002,7 +4131,7 @@
           <p:cNvPr id="3" name="Tartalom helye 2">
             <a:extLst>
               <a:ext uri="{FF2B5EF4-FFF2-40B4-BE49-F238E27FC236}">
-                <a16:creationId xmlns:a16="http://schemas.microsoft.com/office/drawing/2014/main" id="{68C21A90-7D6C-9845-8E43-99EFE0E119F1}"/>
+                <a16:creationId xmlns:a16="http://schemas.microsoft.com/office/drawing/2014/main" id="{1BE82491-C013-D66E-8FAF-8357C197129D}"/>
               </a:ext>
             </a:extLst>
           </p:cNvPr>
@@ -4025,7 +4154,7 @@
     </p:spTree>
     <p:extLst>
       <p:ext uri="{BB962C8B-B14F-4D97-AF65-F5344CB8AC3E}">
-        <p14:creationId xmlns:p14="http://schemas.microsoft.com/office/powerpoint/2010/main" val="2937607529"/>
+        <p14:creationId xmlns:p14="http://schemas.microsoft.com/office/powerpoint/2010/main" val="4283837504"/>
       </p:ext>
     </p:extLst>
   </p:cSld>
@@ -4057,7 +4186,7 @@
           <p:cNvPr id="2" name="Cím 1">
             <a:extLst>
               <a:ext uri="{FF2B5EF4-FFF2-40B4-BE49-F238E27FC236}">
-                <a16:creationId xmlns:a16="http://schemas.microsoft.com/office/drawing/2014/main" id="{0059DFBF-DAB3-BEDF-9A01-E5FDABC6D7B9}"/>
+                <a16:creationId xmlns:a16="http://schemas.microsoft.com/office/drawing/2014/main" id="{5287EDD4-57BA-4900-0459-D6264188BC45}"/>
               </a:ext>
             </a:extLst>
           </p:cNvPr>
@@ -4073,7 +4202,19 @@
           <a:bodyPr/>
           <a:lstStyle/>
           <a:p>
-            <a:endParaRPr lang="hu-HU"/>
+            <a:r>
+              <a:rPr lang="hu-HU" b="1" dirty="0"/>
+              <a:t>4. </a:t>
+            </a:r>
+            <a:r>
+              <a:rPr lang="hu-HU" dirty="0"/>
+              <a:t>Fájl(ok) felkészítése a </a:t>
+            </a:r>
+            <a:r>
+              <a:rPr lang="hu-HU" dirty="0" err="1"/>
+              <a:t>pusholásra</a:t>
+            </a:r>
+            <a:endParaRPr lang="hu-HU" dirty="0"/>
           </a:p>
         </p:txBody>
       </p:sp>
@@ -4082,7 +4223,7 @@
           <p:cNvPr id="3" name="Tartalom helye 2">
             <a:extLst>
               <a:ext uri="{FF2B5EF4-FFF2-40B4-BE49-F238E27FC236}">
-                <a16:creationId xmlns:a16="http://schemas.microsoft.com/office/drawing/2014/main" id="{14EEA2A7-C2F1-B25C-9D5B-30F1E6B02FE5}"/>
+                <a16:creationId xmlns:a16="http://schemas.microsoft.com/office/drawing/2014/main" id="{04C143E6-E73E-7E5F-B116-545583F8DE76}"/>
               </a:ext>
             </a:extLst>
           </p:cNvPr>
@@ -4105,7 +4246,7 @@
     </p:spTree>
     <p:extLst>
       <p:ext uri="{BB962C8B-B14F-4D97-AF65-F5344CB8AC3E}">
-        <p14:creationId xmlns:p14="http://schemas.microsoft.com/office/powerpoint/2010/main" val="83792643"/>
+        <p14:creationId xmlns:p14="http://schemas.microsoft.com/office/powerpoint/2010/main" val="267911924"/>
       </p:ext>
     </p:extLst>
   </p:cSld>
@@ -4137,7 +4278,7 @@
           <p:cNvPr id="2" name="Cím 1">
             <a:extLst>
               <a:ext uri="{FF2B5EF4-FFF2-40B4-BE49-F238E27FC236}">
-                <a16:creationId xmlns:a16="http://schemas.microsoft.com/office/drawing/2014/main" id="{9EBB0BEF-0605-148F-FD70-15C5A82A2699}"/>
+                <a16:creationId xmlns:a16="http://schemas.microsoft.com/office/drawing/2014/main" id="{103F830D-1880-B1EA-4A50-E2116F7FE27E}"/>
               </a:ext>
             </a:extLst>
           </p:cNvPr>
@@ -4153,7 +4294,38 @@
           <a:bodyPr/>
           <a:lstStyle/>
           <a:p>
-            <a:endParaRPr lang="hu-HU"/>
+            <a:r>
+              <a:rPr lang="hu-HU" b="1" dirty="0"/>
+              <a:t>5. </a:t>
+            </a:r>
+            <a:r>
+              <a:rPr lang="hu-HU" dirty="0"/>
+              <a:t>Fájl(ok) feltöltése a </a:t>
+            </a:r>
+            <a:r>
+              <a:rPr lang="hu-HU" dirty="0" err="1"/>
+              <a:t>remote</a:t>
+            </a:r>
+            <a:r>
+              <a:rPr lang="hu-HU" dirty="0"/>
+              <a:t> </a:t>
+            </a:r>
+            <a:r>
+              <a:rPr lang="hu-HU" dirty="0" err="1"/>
+              <a:t>repo-ba</a:t>
+            </a:r>
+            <a:r>
+              <a:rPr lang="hu-HU" dirty="0"/>
+              <a:t> (</a:t>
+            </a:r>
+            <a:r>
+              <a:rPr lang="hu-HU" dirty="0" err="1"/>
+              <a:t>push-olás</a:t>
+            </a:r>
+            <a:r>
+              <a:rPr lang="hu-HU" dirty="0"/>
+              <a:t>)</a:t>
+            </a:r>
           </a:p>
         </p:txBody>
       </p:sp>
@@ -4162,7 +4334,7 @@
           <p:cNvPr id="3" name="Tartalom helye 2">
             <a:extLst>
               <a:ext uri="{FF2B5EF4-FFF2-40B4-BE49-F238E27FC236}">
-                <a16:creationId xmlns:a16="http://schemas.microsoft.com/office/drawing/2014/main" id="{66D46CE8-8258-0330-28E2-718E04BB6A7A}"/>
+                <a16:creationId xmlns:a16="http://schemas.microsoft.com/office/drawing/2014/main" id="{68C21A90-7D6C-9845-8E43-99EFE0E119F1}"/>
               </a:ext>
             </a:extLst>
           </p:cNvPr>
@@ -4185,7 +4357,7 @@
     </p:spTree>
     <p:extLst>
       <p:ext uri="{BB962C8B-B14F-4D97-AF65-F5344CB8AC3E}">
-        <p14:creationId xmlns:p14="http://schemas.microsoft.com/office/powerpoint/2010/main" val="4160150568"/>
+        <p14:creationId xmlns:p14="http://schemas.microsoft.com/office/powerpoint/2010/main" val="2937607529"/>
       </p:ext>
     </p:extLst>
   </p:cSld>
@@ -4217,7 +4389,7 @@
           <p:cNvPr id="2" name="Cím 1">
             <a:extLst>
               <a:ext uri="{FF2B5EF4-FFF2-40B4-BE49-F238E27FC236}">
-                <a16:creationId xmlns:a16="http://schemas.microsoft.com/office/drawing/2014/main" id="{CC41AF3F-CE3B-CB4A-09A0-F656543C2819}"/>
+                <a16:creationId xmlns:a16="http://schemas.microsoft.com/office/drawing/2014/main" id="{0059DFBF-DAB3-BEDF-9A01-E5FDABC6D7B9}"/>
               </a:ext>
             </a:extLst>
           </p:cNvPr>
@@ -4233,7 +4405,30 @@
           <a:bodyPr/>
           <a:lstStyle/>
           <a:p>
-            <a:endParaRPr lang="hu-HU"/>
+            <a:r>
+              <a:rPr lang="hu-HU" b="1" dirty="0"/>
+              <a:t>6. </a:t>
+            </a:r>
+            <a:r>
+              <a:rPr lang="hu-HU" dirty="0"/>
+              <a:t>Fájlok letöltése a local </a:t>
+            </a:r>
+            <a:r>
+              <a:rPr lang="hu-HU" dirty="0" err="1"/>
+              <a:t>repo-ba</a:t>
+            </a:r>
+            <a:r>
+              <a:rPr lang="hu-HU" dirty="0"/>
+              <a:t> (</a:t>
+            </a:r>
+            <a:r>
+              <a:rPr lang="hu-HU" dirty="0" err="1"/>
+              <a:t>pull-olás</a:t>
+            </a:r>
+            <a:r>
+              <a:rPr lang="hu-HU" dirty="0"/>
+              <a:t>)</a:t>
+            </a:r>
           </a:p>
         </p:txBody>
       </p:sp>
@@ -4242,7 +4437,7 @@
           <p:cNvPr id="3" name="Tartalom helye 2">
             <a:extLst>
               <a:ext uri="{FF2B5EF4-FFF2-40B4-BE49-F238E27FC236}">
-                <a16:creationId xmlns:a16="http://schemas.microsoft.com/office/drawing/2014/main" id="{DEBCEB30-AE1D-CE0D-45A3-B98E443CB03C}"/>
+                <a16:creationId xmlns:a16="http://schemas.microsoft.com/office/drawing/2014/main" id="{14EEA2A7-C2F1-B25C-9D5B-30F1E6B02FE5}"/>
               </a:ext>
             </a:extLst>
           </p:cNvPr>
@@ -4265,7 +4460,7 @@
     </p:spTree>
     <p:extLst>
       <p:ext uri="{BB962C8B-B14F-4D97-AF65-F5344CB8AC3E}">
-        <p14:creationId xmlns:p14="http://schemas.microsoft.com/office/powerpoint/2010/main" val="1002041123"/>
+        <p14:creationId xmlns:p14="http://schemas.microsoft.com/office/powerpoint/2010/main" val="83792643"/>
       </p:ext>
     </p:extLst>
   </p:cSld>

--- a/Git_használat.pptx
+++ b/Git_használat.pptx
@@ -3623,6 +3623,14 @@
             </a:r>
             <a:r>
               <a:rPr lang="hu-HU" dirty="0" err="1"/>
+              <a:t>remote</a:t>
+            </a:r>
+            <a:r>
+              <a:rPr lang="hu-HU" dirty="0"/>
+              <a:t> </a:t>
+            </a:r>
+            <a:r>
+              <a:rPr lang="hu-HU" dirty="0" err="1"/>
               <a:t>repo</a:t>
             </a:r>
             <a:r>
@@ -3650,24 +3658,64 @@
         </p:nvSpPr>
         <p:spPr>
           <a:xfrm>
-            <a:off x="4818888" y="1825625"/>
-            <a:ext cx="6534912" cy="4351338"/>
+            <a:off x="5546675" y="1440625"/>
+            <a:ext cx="6534912" cy="2175669"/>
           </a:xfrm>
         </p:spPr>
         <p:txBody>
-          <a:bodyPr/>
-          <a:lstStyle/>
-          <a:p>
-            <a:endParaRPr lang="hu-HU" dirty="0"/>
+          <a:bodyPr>
+            <a:normAutofit lnSpcReduction="10000"/>
+          </a:bodyPr>
+          <a:lstStyle/>
+          <a:p>
+            <a:pPr algn="just"/>
+            <a:r>
+              <a:rPr lang="hu-HU" sz="3200" dirty="0"/>
+              <a:t>Miután regisztráltunk a </a:t>
+            </a:r>
+            <a:r>
+              <a:rPr lang="hu-HU" sz="3200" dirty="0">
+                <a:hlinkClick r:id="rId2"/>
+              </a:rPr>
+              <a:t>https://github.com/</a:t>
+            </a:r>
+            <a:r>
+              <a:rPr lang="hu-HU" sz="3200" dirty="0"/>
+              <a:t> oldalán, navigáljunk a profilunkra, majd a „</a:t>
+            </a:r>
+            <a:r>
+              <a:rPr lang="hu-HU" sz="3200" b="1" dirty="0" err="1"/>
+              <a:t>Your</a:t>
+            </a:r>
+            <a:r>
+              <a:rPr lang="hu-HU" sz="3200" b="1" dirty="0"/>
+              <a:t> </a:t>
+            </a:r>
+            <a:r>
+              <a:rPr lang="hu-HU" sz="3200" b="1" dirty="0" err="1"/>
+              <a:t>repositories</a:t>
+            </a:r>
+            <a:r>
+              <a:rPr lang="hu-HU" sz="3200" dirty="0"/>
+              <a:t>” menüpontra, itt kattintsunk a „</a:t>
+            </a:r>
+            <a:r>
+              <a:rPr lang="hu-HU" sz="3200" b="1" dirty="0"/>
+              <a:t>New</a:t>
+            </a:r>
+            <a:r>
+              <a:rPr lang="hu-HU" sz="3200" dirty="0"/>
+              <a:t>” gombra.</a:t>
+            </a:r>
           </a:p>
         </p:txBody>
       </p:sp>
       <p:pic>
         <p:nvPicPr>
-          <p:cNvPr id="5" name="Kép 4">
-            <a:extLst>
-              <a:ext uri="{FF2B5EF4-FFF2-40B4-BE49-F238E27FC236}">
-                <a16:creationId xmlns:a16="http://schemas.microsoft.com/office/drawing/2014/main" id="{0C93500F-0C01-C06C-0AF2-FD6DB44D4669}"/>
+          <p:cNvPr id="8" name="Kép 7">
+            <a:extLst>
+              <a:ext uri="{FF2B5EF4-FFF2-40B4-BE49-F238E27FC236}">
+                <a16:creationId xmlns:a16="http://schemas.microsoft.com/office/drawing/2014/main" id="{3ACBF52C-28AF-FDDA-4258-2B03F93E6AB4}"/>
               </a:ext>
             </a:extLst>
           </p:cNvPr>
@@ -3677,20 +3725,125 @@
           <p:nvPr/>
         </p:nvPicPr>
         <p:blipFill>
-          <a:blip r:embed="rId2"/>
-          <a:srcRect l="16548" r="15772" b="31936"/>
-          <a:stretch/>
+          <a:blip r:embed="rId3"/>
+          <a:stretch>
+            <a:fillRect/>
+          </a:stretch>
         </p:blipFill>
         <p:spPr>
           <a:xfrm>
-            <a:off x="256031" y="1495361"/>
-            <a:ext cx="4154989" cy="2697480"/>
+            <a:off x="2369969" y="1874064"/>
+            <a:ext cx="3381607" cy="2071830"/>
           </a:xfrm>
           <a:prstGeom prst="rect">
             <a:avLst/>
           </a:prstGeom>
         </p:spPr>
       </p:pic>
+      <p:pic>
+        <p:nvPicPr>
+          <p:cNvPr id="10" name="Kép 9">
+            <a:extLst>
+              <a:ext uri="{FF2B5EF4-FFF2-40B4-BE49-F238E27FC236}">
+                <a16:creationId xmlns:a16="http://schemas.microsoft.com/office/drawing/2014/main" id="{EC972000-81DB-0048-4B22-5706EBEEE7F7}"/>
+              </a:ext>
+            </a:extLst>
+          </p:cNvPr>
+          <p:cNvPicPr>
+            <a:picLocks noChangeAspect="1"/>
+          </p:cNvPicPr>
+          <p:nvPr/>
+        </p:nvPicPr>
+        <p:blipFill>
+          <a:blip r:embed="rId4"/>
+          <a:stretch>
+            <a:fillRect/>
+          </a:stretch>
+        </p:blipFill>
+        <p:spPr>
+          <a:xfrm>
+            <a:off x="349859" y="4125850"/>
+            <a:ext cx="2587587" cy="2189497"/>
+          </a:xfrm>
+          <a:prstGeom prst="rect">
+            <a:avLst/>
+          </a:prstGeom>
+        </p:spPr>
+      </p:pic>
+      <p:pic>
+        <p:nvPicPr>
+          <p:cNvPr id="12" name="Kép 11">
+            <a:extLst>
+              <a:ext uri="{FF2B5EF4-FFF2-40B4-BE49-F238E27FC236}">
+                <a16:creationId xmlns:a16="http://schemas.microsoft.com/office/drawing/2014/main" id="{A51BFBFB-5632-028A-34A6-80FE51C9E345}"/>
+              </a:ext>
+            </a:extLst>
+          </p:cNvPr>
+          <p:cNvPicPr>
+            <a:picLocks noChangeAspect="1"/>
+          </p:cNvPicPr>
+          <p:nvPr/>
+        </p:nvPicPr>
+        <p:blipFill>
+          <a:blip r:embed="rId5"/>
+          <a:stretch>
+            <a:fillRect/>
+          </a:stretch>
+        </p:blipFill>
+        <p:spPr>
+          <a:xfrm>
+            <a:off x="110413" y="1440625"/>
+            <a:ext cx="2057400" cy="1609725"/>
+          </a:xfrm>
+          <a:prstGeom prst="rect">
+            <a:avLst/>
+          </a:prstGeom>
+        </p:spPr>
+      </p:pic>
+      <p:sp>
+        <p:nvSpPr>
+          <p:cNvPr id="14" name="Szövegdoboz 13">
+            <a:extLst>
+              <a:ext uri="{FF2B5EF4-FFF2-40B4-BE49-F238E27FC236}">
+                <a16:creationId xmlns:a16="http://schemas.microsoft.com/office/drawing/2014/main" id="{43DE9973-1172-FBB5-DAF8-17705F463733}"/>
+              </a:ext>
+            </a:extLst>
+          </p:cNvPr>
+          <p:cNvSpPr txBox="1"/>
+          <p:nvPr/>
+        </p:nvSpPr>
+        <p:spPr>
+          <a:xfrm>
+            <a:off x="5815584" y="3722449"/>
+            <a:ext cx="6026557" cy="2062103"/>
+          </a:xfrm>
+          <a:prstGeom prst="rect">
+            <a:avLst/>
+          </a:prstGeom>
+          <a:noFill/>
+        </p:spPr>
+        <p:txBody>
+          <a:bodyPr wrap="square" rtlCol="0">
+            <a:spAutoFit/>
+          </a:bodyPr>
+          <a:lstStyle/>
+          <a:p>
+            <a:pPr algn="just"/>
+            <a:r>
+              <a:rPr lang="hu-HU" sz="3200" dirty="0"/>
+              <a:t>A képen is látható módon adjunk meg egy nevet és döntsük el hogy ez a </a:t>
+            </a:r>
+            <a:r>
+              <a:rPr lang="hu-HU" sz="3200" dirty="0" err="1"/>
+              <a:t>repo</a:t>
+            </a:r>
+            <a:r>
+              <a:rPr lang="hu-HU" sz="3200" dirty="0"/>
+              <a:t> publikus lesz vagy privát</a:t>
+            </a:r>
+          </a:p>
+        </p:txBody>
+      </p:sp>
     </p:spTree>
     <p:extLst>
       <p:ext uri="{BB962C8B-B14F-4D97-AF65-F5344CB8AC3E}">
@@ -3777,15 +3930,107 @@
             <p:ph idx="1"/>
           </p:nvPr>
         </p:nvSpPr>
-        <p:spPr/>
-        <p:txBody>
-          <a:bodyPr/>
-          <a:lstStyle/>
-          <a:p>
-            <a:endParaRPr lang="hu-HU" dirty="0"/>
-          </a:p>
-        </p:txBody>
-      </p:sp>
+        <p:spPr>
+          <a:xfrm>
+            <a:off x="5449824" y="1825625"/>
+            <a:ext cx="6601968" cy="4667250"/>
+          </a:xfrm>
+        </p:spPr>
+        <p:txBody>
+          <a:bodyPr>
+            <a:normAutofit/>
+          </a:bodyPr>
+          <a:lstStyle/>
+          <a:p>
+            <a:r>
+              <a:rPr lang="hu-HU" sz="3200" dirty="0"/>
+              <a:t>A </a:t>
+            </a:r>
+            <a:r>
+              <a:rPr lang="hu-HU" sz="3200" dirty="0" err="1"/>
+              <a:t>Git</a:t>
+            </a:r>
+            <a:r>
+              <a:rPr lang="hu-HU" sz="3200" dirty="0"/>
+              <a:t> </a:t>
+            </a:r>
+            <a:r>
+              <a:rPr lang="hu-HU" sz="3200" dirty="0" err="1"/>
+              <a:t>Bash</a:t>
+            </a:r>
+            <a:r>
+              <a:rPr lang="hu-HU" sz="3200" dirty="0"/>
+              <a:t>-t a</a:t>
+            </a:r>
+            <a:br>
+              <a:rPr lang="hu-HU" sz="3200" dirty="0"/>
+            </a:br>
+            <a:r>
+              <a:rPr lang="hu-HU" sz="3200" dirty="0">
+                <a:hlinkClick r:id="rId2"/>
+              </a:rPr>
+              <a:t>https://git-scm.com/downloads</a:t>
+            </a:r>
+            <a:r>
+              <a:rPr lang="hu-HU" sz="3200" dirty="0"/>
+              <a:t> weboldalán tudjuk letölteni, kattintsunk a Windows</a:t>
+            </a:r>
+            <a:br>
+              <a:rPr lang="hu-HU" sz="3200" dirty="0"/>
+            </a:br>
+            <a:r>
+              <a:rPr lang="hu-HU" sz="3200" dirty="0"/>
+              <a:t>feliratra ami letölti a </a:t>
+            </a:r>
+            <a:r>
+              <a:rPr lang="hu-HU" sz="3200" dirty="0" err="1"/>
+              <a:t>git</a:t>
+            </a:r>
+            <a:r>
+              <a:rPr lang="hu-HU" sz="3200" dirty="0"/>
+              <a:t> </a:t>
+            </a:r>
+            <a:r>
+              <a:rPr lang="hu-HU" sz="3200" dirty="0" err="1"/>
+              <a:t>bash</a:t>
+            </a:r>
+            <a:r>
+              <a:rPr lang="hu-HU" sz="3200" dirty="0"/>
+              <a:t> telepítőjét.</a:t>
+            </a:r>
+          </a:p>
+        </p:txBody>
+      </p:sp>
+      <p:pic>
+        <p:nvPicPr>
+          <p:cNvPr id="5" name="Kép 4">
+            <a:extLst>
+              <a:ext uri="{FF2B5EF4-FFF2-40B4-BE49-F238E27FC236}">
+                <a16:creationId xmlns:a16="http://schemas.microsoft.com/office/drawing/2014/main" id="{5C87C201-78F9-EC16-E7E8-69919BFDC455}"/>
+              </a:ext>
+            </a:extLst>
+          </p:cNvPr>
+          <p:cNvPicPr>
+            <a:picLocks noChangeAspect="1"/>
+          </p:cNvPicPr>
+          <p:nvPr/>
+        </p:nvPicPr>
+        <p:blipFill>
+          <a:blip r:embed="rId3"/>
+          <a:stretch>
+            <a:fillRect/>
+          </a:stretch>
+        </p:blipFill>
+        <p:spPr>
+          <a:xfrm>
+            <a:off x="402336" y="1825625"/>
+            <a:ext cx="4571999" cy="2164446"/>
+          </a:xfrm>
+          <a:prstGeom prst="rect">
+            <a:avLst/>
+          </a:prstGeom>
+        </p:spPr>
+      </p:pic>
     </p:spTree>
     <p:extLst>
       <p:ext uri="{BB962C8B-B14F-4D97-AF65-F5344CB8AC3E}">
@@ -3938,7 +4183,47 @@
           <a:p>
             <a:r>
               <a:rPr lang="hu-HU" dirty="0"/>
-              <a:t>2. </a:t>
+              <a:t>2. Majd </a:t>
+            </a:r>
+            <a:r>
+              <a:rPr lang="hu-HU" dirty="0" err="1"/>
+              <a:t>irjuk</a:t>
+            </a:r>
+            <a:r>
+              <a:rPr lang="hu-HU" dirty="0"/>
+              <a:t> be hogy „</a:t>
+            </a:r>
+            <a:r>
+              <a:rPr lang="hu-HU" dirty="0" err="1"/>
+              <a:t>git</a:t>
+            </a:r>
+            <a:r>
+              <a:rPr lang="hu-HU" dirty="0"/>
+              <a:t> </a:t>
+            </a:r>
+            <a:r>
+              <a:rPr lang="hu-HU" dirty="0" err="1"/>
+              <a:t>remote</a:t>
+            </a:r>
+            <a:r>
+              <a:rPr lang="hu-HU" dirty="0"/>
+              <a:t> add </a:t>
+            </a:r>
+            <a:r>
+              <a:rPr lang="hu-HU" dirty="0" err="1"/>
+              <a:t>origin</a:t>
+            </a:r>
+            <a:r>
+              <a:rPr lang="hu-HU" dirty="0"/>
+              <a:t> [a </a:t>
+            </a:r>
+            <a:r>
+              <a:rPr lang="hu-HU" dirty="0" err="1"/>
+              <a:t>github</a:t>
+            </a:r>
+            <a:r>
+              <a:rPr lang="hu-HU" dirty="0"/>
+              <a:t> oldaláról kimásolt link]”.</a:t>
             </a:r>
           </a:p>
         </p:txBody>
@@ -3967,6 +4252,66 @@
           <a:xfrm>
             <a:off x="950167" y="1690688"/>
             <a:ext cx="3752850" cy="1238250"/>
+          </a:xfrm>
+          <a:prstGeom prst="rect">
+            <a:avLst/>
+          </a:prstGeom>
+        </p:spPr>
+      </p:pic>
+      <p:pic>
+        <p:nvPicPr>
+          <p:cNvPr id="5" name="Kép 4">
+            <a:extLst>
+              <a:ext uri="{FF2B5EF4-FFF2-40B4-BE49-F238E27FC236}">
+                <a16:creationId xmlns:a16="http://schemas.microsoft.com/office/drawing/2014/main" id="{E7B88A81-F3F7-360B-57CB-457B75E41CF5}"/>
+              </a:ext>
+            </a:extLst>
+          </p:cNvPr>
+          <p:cNvPicPr>
+            <a:picLocks noChangeAspect="1"/>
+          </p:cNvPicPr>
+          <p:nvPr/>
+        </p:nvPicPr>
+        <p:blipFill>
+          <a:blip r:embed="rId3"/>
+          <a:stretch>
+            <a:fillRect/>
+          </a:stretch>
+        </p:blipFill>
+        <p:spPr>
+          <a:xfrm>
+            <a:off x="859679" y="4603253"/>
+            <a:ext cx="3933825" cy="1657350"/>
+          </a:xfrm>
+          <a:prstGeom prst="rect">
+            <a:avLst/>
+          </a:prstGeom>
+        </p:spPr>
+      </p:pic>
+      <p:pic>
+        <p:nvPicPr>
+          <p:cNvPr id="8" name="Kép 7">
+            <a:extLst>
+              <a:ext uri="{FF2B5EF4-FFF2-40B4-BE49-F238E27FC236}">
+                <a16:creationId xmlns:a16="http://schemas.microsoft.com/office/drawing/2014/main" id="{DD399F40-1083-062E-6E89-118D6FBD80F8}"/>
+              </a:ext>
+            </a:extLst>
+          </p:cNvPr>
+          <p:cNvPicPr>
+            <a:picLocks noChangeAspect="1"/>
+          </p:cNvPicPr>
+          <p:nvPr/>
+        </p:nvPicPr>
+        <p:blipFill>
+          <a:blip r:embed="rId4"/>
+          <a:stretch>
+            <a:fillRect/>
+          </a:stretch>
+        </p:blipFill>
+        <p:spPr>
+          <a:xfrm>
+            <a:off x="817959" y="3277690"/>
+            <a:ext cx="3933825" cy="976811"/>
           </a:xfrm>
           <a:prstGeom prst="rect">
             <a:avLst/>

--- a/Git_használat.pptx
+++ b/Git_használat.pptx
@@ -4132,12 +4132,14 @@
         </p:nvSpPr>
         <p:spPr>
           <a:xfrm>
-            <a:off x="5036976" y="1690688"/>
+            <a:off x="5036976" y="1830647"/>
             <a:ext cx="6756918" cy="4351338"/>
           </a:xfrm>
         </p:spPr>
         <p:txBody>
-          <a:bodyPr/>
+          <a:bodyPr>
+            <a:normAutofit/>
+          </a:bodyPr>
           <a:lstStyle/>
           <a:p>
             <a:r>
@@ -4178,51 +4180,51 @@
             </a:r>
           </a:p>
           <a:p>
-            <a:endParaRPr lang="hu-HU" dirty="0"/>
-          </a:p>
-          <a:p>
-            <a:r>
-              <a:rPr lang="hu-HU" dirty="0"/>
+            <a:endParaRPr lang="hu-HU" sz="3200" dirty="0"/>
+          </a:p>
+          <a:p>
+            <a:r>
+              <a:rPr lang="hu-HU" sz="3200" dirty="0"/>
               <a:t>2. Majd </a:t>
             </a:r>
             <a:r>
-              <a:rPr lang="hu-HU" dirty="0" err="1"/>
+              <a:rPr lang="hu-HU" sz="3200" dirty="0" err="1"/>
               <a:t>irjuk</a:t>
             </a:r>
             <a:r>
-              <a:rPr lang="hu-HU" dirty="0"/>
+              <a:rPr lang="hu-HU" sz="3200" dirty="0"/>
               <a:t> be hogy „</a:t>
             </a:r>
             <a:r>
-              <a:rPr lang="hu-HU" dirty="0" err="1"/>
+              <a:rPr lang="hu-HU" sz="3200" dirty="0" err="1"/>
               <a:t>git</a:t>
             </a:r>
             <a:r>
-              <a:rPr lang="hu-HU" dirty="0"/>
+              <a:rPr lang="hu-HU" sz="3200" dirty="0"/>
               <a:t> </a:t>
             </a:r>
             <a:r>
-              <a:rPr lang="hu-HU" dirty="0" err="1"/>
+              <a:rPr lang="hu-HU" sz="3200" dirty="0" err="1"/>
               <a:t>remote</a:t>
             </a:r>
             <a:r>
-              <a:rPr lang="hu-HU" dirty="0"/>
+              <a:rPr lang="hu-HU" sz="3200" dirty="0"/>
               <a:t> add </a:t>
             </a:r>
             <a:r>
-              <a:rPr lang="hu-HU" dirty="0" err="1"/>
+              <a:rPr lang="hu-HU" sz="3200" dirty="0" err="1"/>
               <a:t>origin</a:t>
             </a:r>
             <a:r>
-              <a:rPr lang="hu-HU" dirty="0"/>
+              <a:rPr lang="hu-HU" sz="3200" dirty="0"/>
               <a:t> [a </a:t>
             </a:r>
             <a:r>
-              <a:rPr lang="hu-HU" dirty="0" err="1"/>
+              <a:rPr lang="hu-HU" sz="3200" dirty="0" err="1"/>
               <a:t>github</a:t>
             </a:r>
             <a:r>
-              <a:rPr lang="hu-HU" dirty="0"/>
+              <a:rPr lang="hu-HU" sz="3200" dirty="0"/>
               <a:t> oldaláról kimásolt link]”.</a:t>
             </a:r>
           </a:p>
@@ -4400,15 +4402,80 @@
             <p:ph idx="1"/>
           </p:nvPr>
         </p:nvSpPr>
-        <p:spPr/>
-        <p:txBody>
-          <a:bodyPr/>
-          <a:lstStyle/>
-          <a:p>
-            <a:endParaRPr lang="hu-HU"/>
-          </a:p>
-        </p:txBody>
-      </p:sp>
+        <p:spPr>
+          <a:xfrm>
+            <a:off x="5708088" y="2268757"/>
+            <a:ext cx="6235552" cy="2817523"/>
+          </a:xfrm>
+        </p:spPr>
+        <p:txBody>
+          <a:bodyPr>
+            <a:normAutofit/>
+          </a:bodyPr>
+          <a:lstStyle/>
+          <a:p>
+            <a:r>
+              <a:rPr lang="hu-HU" sz="3200" dirty="0"/>
+              <a:t>Miután megvoltunk az összeköttetéssel ezután következik a klónozás mely a feltöltött fájlokat másolja be a </a:t>
+            </a:r>
+            <a:r>
+              <a:rPr lang="hu-HU" sz="3200" b="1" dirty="0"/>
+              <a:t>Local repository</a:t>
+            </a:r>
+            <a:r>
+              <a:rPr lang="hu-HU" sz="3200" dirty="0"/>
+              <a:t>-ba.</a:t>
+            </a:r>
+          </a:p>
+        </p:txBody>
+      </p:sp>
+      <p:pic>
+        <p:nvPicPr>
+          <p:cNvPr id="1028" name="Picture 4">
+            <a:extLst>
+              <a:ext uri="{FF2B5EF4-FFF2-40B4-BE49-F238E27FC236}">
+                <a16:creationId xmlns:a16="http://schemas.microsoft.com/office/drawing/2014/main" id="{05E6BDF5-0332-370C-50D8-58EBEEADA04D}"/>
+              </a:ext>
+            </a:extLst>
+          </p:cNvPr>
+          <p:cNvPicPr>
+            <a:picLocks noChangeAspect="1" noChangeArrowheads="1"/>
+          </p:cNvPicPr>
+          <p:nvPr/>
+        </p:nvPicPr>
+        <p:blipFill>
+          <a:blip r:embed="rId2">
+            <a:extLst>
+              <a:ext uri="{28A0092B-C50C-407E-A947-70E740481C1C}">
+                <a14:useLocalDpi xmlns:a14="http://schemas.microsoft.com/office/drawing/2010/main" val="0"/>
+              </a:ext>
+            </a:extLst>
+          </a:blip>
+          <a:srcRect/>
+          <a:stretch>
+            <a:fillRect/>
+          </a:stretch>
+        </p:blipFill>
+        <p:spPr bwMode="auto">
+          <a:xfrm>
+            <a:off x="185607" y="2139012"/>
+            <a:ext cx="5372003" cy="1370670"/>
+          </a:xfrm>
+          <a:prstGeom prst="rect">
+            <a:avLst/>
+          </a:prstGeom>
+          <a:noFill/>
+          <a:extLst>
+            <a:ext uri="{909E8E84-426E-40DD-AFC4-6F175D3DCCD1}">
+              <a14:hiddenFill xmlns:a14="http://schemas.microsoft.com/office/drawing/2010/main">
+                <a:solidFill>
+                  <a:srgbClr val="FFFFFF"/>
+                </a:solidFill>
+              </a14:hiddenFill>
+            </a:ext>
+          </a:extLst>
+        </p:spPr>
+      </p:pic>
     </p:spTree>
     <p:extLst>
       <p:ext uri="{BB962C8B-B14F-4D97-AF65-F5344CB8AC3E}">
@@ -4471,28 +4538,67 @@
           </a:p>
         </p:txBody>
       </p:sp>
-      <p:sp>
-        <p:nvSpPr>
-          <p:cNvPr id="3" name="Tartalom helye 2">
-            <a:extLst>
-              <a:ext uri="{FF2B5EF4-FFF2-40B4-BE49-F238E27FC236}">
-                <a16:creationId xmlns:a16="http://schemas.microsoft.com/office/drawing/2014/main" id="{1BE82491-C013-D66E-8FAF-8357C197129D}"/>
-              </a:ext>
-            </a:extLst>
-          </p:cNvPr>
-          <p:cNvSpPr>
-            <a:spLocks noGrp="1"/>
-          </p:cNvSpPr>
+      <p:pic>
+        <p:nvPicPr>
+          <p:cNvPr id="5" name="Content Placeholder 4">
+            <a:extLst>
+              <a:ext uri="{FF2B5EF4-FFF2-40B4-BE49-F238E27FC236}">
+                <a16:creationId xmlns:a16="http://schemas.microsoft.com/office/drawing/2014/main" id="{66F581A2-857D-4C9B-7AE8-BBA094C37992}"/>
+              </a:ext>
+            </a:extLst>
+          </p:cNvPr>
+          <p:cNvPicPr>
+            <a:picLocks noGrp="1" noChangeAspect="1"/>
+          </p:cNvPicPr>
           <p:nvPr>
             <p:ph idx="1"/>
           </p:nvPr>
-        </p:nvSpPr>
-        <p:spPr/>
-        <p:txBody>
-          <a:bodyPr/>
-          <a:lstStyle/>
-          <a:p>
-            <a:endParaRPr lang="hu-HU"/>
+        </p:nvPicPr>
+        <p:blipFill>
+          <a:blip r:embed="rId2"/>
+          <a:stretch>
+            <a:fillRect/>
+          </a:stretch>
+        </p:blipFill>
+        <p:spPr>
+          <a:xfrm>
+            <a:off x="689162" y="2114503"/>
+            <a:ext cx="6134100" cy="2124075"/>
+          </a:xfrm>
+        </p:spPr>
+      </p:pic>
+      <p:sp>
+        <p:nvSpPr>
+          <p:cNvPr id="6" name="TextBox 5">
+            <a:extLst>
+              <a:ext uri="{FF2B5EF4-FFF2-40B4-BE49-F238E27FC236}">
+                <a16:creationId xmlns:a16="http://schemas.microsoft.com/office/drawing/2014/main" id="{8D0D71D1-04B0-1019-4782-AA5B9E62284F}"/>
+              </a:ext>
+            </a:extLst>
+          </p:cNvPr>
+          <p:cNvSpPr txBox="1"/>
+          <p:nvPr/>
+        </p:nvSpPr>
+        <p:spPr>
+          <a:xfrm>
+            <a:off x="7623110" y="2347769"/>
+            <a:ext cx="4030824" cy="2554545"/>
+          </a:xfrm>
+          <a:prstGeom prst="rect">
+            <a:avLst/>
+          </a:prstGeom>
+          <a:noFill/>
+        </p:spPr>
+        <p:txBody>
+          <a:bodyPr wrap="square" rtlCol="0">
+            <a:spAutoFit/>
+          </a:bodyPr>
+          <a:lstStyle/>
+          <a:p>
+            <a:r>
+              <a:rPr lang="hu-HU" sz="3200" dirty="0"/>
+              <a:t>Klónozás után ellenőrizzük le grafikusan, hogy sikerült-e. Ha látjuk a fájlokat akkor sikeres.</a:t>
+            </a:r>
           </a:p>
         </p:txBody>
       </p:sp>
@@ -4563,28 +4669,155 @@
           </a:p>
         </p:txBody>
       </p:sp>
-      <p:sp>
-        <p:nvSpPr>
-          <p:cNvPr id="3" name="Tartalom helye 2">
-            <a:extLst>
-              <a:ext uri="{FF2B5EF4-FFF2-40B4-BE49-F238E27FC236}">
-                <a16:creationId xmlns:a16="http://schemas.microsoft.com/office/drawing/2014/main" id="{04C143E6-E73E-7E5F-B116-545583F8DE76}"/>
-              </a:ext>
-            </a:extLst>
-          </p:cNvPr>
-          <p:cNvSpPr>
-            <a:spLocks noGrp="1"/>
-          </p:cNvSpPr>
+      <p:pic>
+        <p:nvPicPr>
+          <p:cNvPr id="5" name="Content Placeholder 4" descr="A black screen with white text&#10;&#10;Description automatically generated">
+            <a:extLst>
+              <a:ext uri="{FF2B5EF4-FFF2-40B4-BE49-F238E27FC236}">
+                <a16:creationId xmlns:a16="http://schemas.microsoft.com/office/drawing/2014/main" id="{FACEB463-0E1B-5E57-5A3F-24A0F17F02D7}"/>
+              </a:ext>
+            </a:extLst>
+          </p:cNvPr>
+          <p:cNvPicPr>
+            <a:picLocks noGrp="1" noChangeAspect="1"/>
+          </p:cNvPicPr>
           <p:nvPr>
             <p:ph idx="1"/>
           </p:nvPr>
-        </p:nvSpPr>
-        <p:spPr/>
-        <p:txBody>
-          <a:bodyPr/>
-          <a:lstStyle/>
-          <a:p>
-            <a:endParaRPr lang="hu-HU"/>
+        </p:nvPicPr>
+        <p:blipFill>
+          <a:blip r:embed="rId2">
+            <a:extLst>
+              <a:ext uri="{28A0092B-C50C-407E-A947-70E740481C1C}">
+                <a14:useLocalDpi xmlns:a14="http://schemas.microsoft.com/office/drawing/2010/main" val="0"/>
+              </a:ext>
+            </a:extLst>
+          </a:blip>
+          <a:stretch>
+            <a:fillRect/>
+          </a:stretch>
+        </p:blipFill>
+        <p:spPr>
+          <a:xfrm>
+            <a:off x="210611" y="4943930"/>
+            <a:ext cx="5687219" cy="676369"/>
+          </a:xfrm>
+        </p:spPr>
+      </p:pic>
+      <p:sp>
+        <p:nvSpPr>
+          <p:cNvPr id="6" name="TextBox 5">
+            <a:extLst>
+              <a:ext uri="{FF2B5EF4-FFF2-40B4-BE49-F238E27FC236}">
+                <a16:creationId xmlns:a16="http://schemas.microsoft.com/office/drawing/2014/main" id="{BB38056A-3255-3F70-777D-811F67F295FE}"/>
+              </a:ext>
+            </a:extLst>
+          </p:cNvPr>
+          <p:cNvSpPr txBox="1"/>
+          <p:nvPr/>
+        </p:nvSpPr>
+        <p:spPr>
+          <a:xfrm>
+            <a:off x="6802017" y="1690688"/>
+            <a:ext cx="4805265" cy="2554545"/>
+          </a:xfrm>
+          <a:prstGeom prst="rect">
+            <a:avLst/>
+          </a:prstGeom>
+          <a:noFill/>
+        </p:spPr>
+        <p:txBody>
+          <a:bodyPr wrap="square" rtlCol="0">
+            <a:spAutoFit/>
+          </a:bodyPr>
+          <a:lstStyle/>
+          <a:p>
+            <a:r>
+              <a:rPr lang="hu-HU" sz="3200" dirty="0"/>
+              <a:t>Mielőtt felakarunk pusholni (feltölteni) egy fájlt „git add”-al hozzáadjuk  a feltöltendő elemek listájához.</a:t>
+            </a:r>
+          </a:p>
+        </p:txBody>
+      </p:sp>
+      <p:pic>
+        <p:nvPicPr>
+          <p:cNvPr id="2050" name="Picture 2">
+            <a:extLst>
+              <a:ext uri="{FF2B5EF4-FFF2-40B4-BE49-F238E27FC236}">
+                <a16:creationId xmlns:a16="http://schemas.microsoft.com/office/drawing/2014/main" id="{7CD9F618-513A-AD03-0D9D-B37257473106}"/>
+              </a:ext>
+            </a:extLst>
+          </p:cNvPr>
+          <p:cNvPicPr>
+            <a:picLocks noChangeAspect="1" noChangeArrowheads="1"/>
+          </p:cNvPicPr>
+          <p:nvPr/>
+        </p:nvPicPr>
+        <p:blipFill>
+          <a:blip r:embed="rId3">
+            <a:extLst>
+              <a:ext uri="{28A0092B-C50C-407E-A947-70E740481C1C}">
+                <a14:useLocalDpi xmlns:a14="http://schemas.microsoft.com/office/drawing/2010/main" val="0"/>
+              </a:ext>
+            </a:extLst>
+          </a:blip>
+          <a:srcRect/>
+          <a:stretch>
+            <a:fillRect/>
+          </a:stretch>
+        </p:blipFill>
+        <p:spPr bwMode="auto">
+          <a:xfrm>
+            <a:off x="285255" y="2196516"/>
+            <a:ext cx="6106214" cy="352425"/>
+          </a:xfrm>
+          <a:prstGeom prst="rect">
+            <a:avLst/>
+          </a:prstGeom>
+          <a:noFill/>
+          <a:extLst>
+            <a:ext uri="{909E8E84-426E-40DD-AFC4-6F175D3DCCD1}">
+              <a14:hiddenFill xmlns:a14="http://schemas.microsoft.com/office/drawing/2010/main">
+                <a:solidFill>
+                  <a:srgbClr val="FFFFFF"/>
+                </a:solidFill>
+              </a14:hiddenFill>
+            </a:ext>
+          </a:extLst>
+        </p:spPr>
+      </p:pic>
+      <p:sp>
+        <p:nvSpPr>
+          <p:cNvPr id="7" name="TextBox 6">
+            <a:extLst>
+              <a:ext uri="{FF2B5EF4-FFF2-40B4-BE49-F238E27FC236}">
+                <a16:creationId xmlns:a16="http://schemas.microsoft.com/office/drawing/2014/main" id="{1A865681-BF3F-F0E7-ADCA-B3DE3DFE7491}"/>
+              </a:ext>
+            </a:extLst>
+          </p:cNvPr>
+          <p:cNvSpPr txBox="1"/>
+          <p:nvPr/>
+        </p:nvSpPr>
+        <p:spPr>
+          <a:xfrm>
+            <a:off x="6391469" y="4440777"/>
+            <a:ext cx="5282010" cy="2062103"/>
+          </a:xfrm>
+          <a:prstGeom prst="rect">
+            <a:avLst/>
+          </a:prstGeom>
+          <a:noFill/>
+        </p:spPr>
+        <p:txBody>
+          <a:bodyPr wrap="square" rtlCol="0">
+            <a:spAutoFit/>
+          </a:bodyPr>
+          <a:lstStyle/>
+          <a:p>
+            <a:r>
+              <a:rPr lang="hu-HU" sz="3200" dirty="0"/>
+              <a:t>Majd ezután a „git commit” paranccsal megjegyzést fűzünk hozzá és felkészítjük a pusholásra</a:t>
+            </a:r>
           </a:p>
         </p:txBody>
       </p:sp>

--- a/Git_használat.pptx
+++ b/Git_használat.pptx
@@ -3472,10 +3472,55 @@
         </p:nvSpPr>
         <p:spPr/>
         <p:txBody>
-          <a:bodyPr/>
-          <a:lstStyle/>
-          <a:p>
-            <a:endParaRPr lang="hu-HU" dirty="0"/>
+          <a:bodyPr>
+            <a:normAutofit/>
+          </a:bodyPr>
+          <a:lstStyle/>
+          <a:p>
+            <a:r>
+              <a:rPr lang="hu-HU" sz="3200" dirty="0"/>
+              <a:t>Ezt a </a:t>
+            </a:r>
+            <a:r>
+              <a:rPr lang="hu-HU" sz="3200" dirty="0" err="1"/>
+              <a:t>ppt</a:t>
+            </a:r>
+            <a:r>
+              <a:rPr lang="hu-HU" sz="3200" dirty="0"/>
+              <a:t> legfőképpen a </a:t>
+            </a:r>
+            <a:r>
+              <a:rPr lang="hu-HU" sz="3200" dirty="0" err="1"/>
+              <a:t>git</a:t>
+            </a:r>
+            <a:r>
+              <a:rPr lang="hu-HU" sz="3200" dirty="0"/>
+              <a:t> segítségével bírtuk megcsinálni. </a:t>
+            </a:r>
+            <a:r>
+              <a:rPr lang="hu-HU" sz="3200" dirty="0" err="1"/>
+              <a:t>Roli</a:t>
+            </a:r>
+            <a:r>
+              <a:rPr lang="hu-HU" sz="3200" dirty="0"/>
+              <a:t> 2-4 diákat csinálta. Kimi 5-7 diákat és Bognár a 8-10 diákat. Miközben csináltuk a </a:t>
+            </a:r>
+            <a:r>
+              <a:rPr lang="hu-HU" sz="3200" dirty="0" err="1"/>
+              <a:t>ppt</a:t>
+            </a:r>
+            <a:r>
+              <a:rPr lang="hu-HU" sz="3200" dirty="0"/>
+              <a:t>-t </a:t>
+            </a:r>
+            <a:r>
+              <a:rPr lang="hu-HU" sz="3200" dirty="0" err="1"/>
+              <a:t>discord</a:t>
+            </a:r>
+            <a:r>
+              <a:rPr lang="hu-HU" sz="3200" dirty="0"/>
+              <a:t> hívásba voltunk és segítettük egymás munkáját. Közösen mondtunk igent az ötletekre.</a:t>
+            </a:r>
           </a:p>
         </p:txBody>
       </p:sp>
@@ -3555,10 +3600,146 @@
         </p:nvSpPr>
         <p:spPr/>
         <p:txBody>
-          <a:bodyPr/>
-          <a:lstStyle/>
-          <a:p>
-            <a:endParaRPr lang="hu-HU"/>
+          <a:bodyPr>
+            <a:normAutofit/>
+          </a:bodyPr>
+          <a:lstStyle/>
+          <a:p>
+            <a:r>
+              <a:rPr lang="hu-HU" dirty="0">
+                <a:hlinkClick r:id="rId2"/>
+              </a:rPr>
+              <a:t>https://math.bme.hu/~balazs/git/gitcml.html</a:t>
+            </a:r>
+            <a:r>
+              <a:rPr lang="hu-HU" dirty="0"/>
+              <a:t>  </a:t>
+            </a:r>
+            <a:r>
+              <a:rPr lang="hu-HU" dirty="0">
+                <a:solidFill>
+                  <a:srgbClr val="000000"/>
+                </a:solidFill>
+                <a:latin typeface="inherit"/>
+              </a:rPr>
+              <a:t>2024.10.21</a:t>
+            </a:r>
+            <a:endParaRPr lang="hu-HU" dirty="0"/>
+          </a:p>
+          <a:p>
+            <a:r>
+              <a:rPr lang="hu-HU" dirty="0">
+                <a:hlinkClick r:id="rId3"/>
+              </a:rPr>
+              <a:t>https://www.youtube.com/watch?v=XDKZu9kuEn8&amp;list=PLyriih BWoulw1KQ2aM-NMnAoVPZevfmZq</a:t>
+            </a:r>
+            <a:r>
+              <a:rPr lang="hu-HU" dirty="0"/>
+              <a:t>  </a:t>
+            </a:r>
+            <a:r>
+              <a:rPr lang="hu-HU" dirty="0">
+                <a:solidFill>
+                  <a:srgbClr val="000000"/>
+                </a:solidFill>
+                <a:latin typeface="inherit"/>
+              </a:rPr>
+              <a:t>2024.10.21</a:t>
+            </a:r>
+            <a:endParaRPr lang="hu-HU" dirty="0"/>
+          </a:p>
+          <a:p>
+            <a:pPr fontAlgn="base"/>
+            <a:r>
+              <a:rPr lang="hu-HU" b="0" i="0" dirty="0">
+                <a:solidFill>
+                  <a:srgbClr val="000000"/>
+                </a:solidFill>
+                <a:effectLst/>
+                <a:latin typeface="inherit"/>
+                <a:hlinkClick r:id="rId4" tooltip="https://git-scm.com/downloads"/>
+              </a:rPr>
+              <a:t>https://git-scm.com/downloads</a:t>
+            </a:r>
+            <a:r>
+              <a:rPr lang="hu-HU" b="0" i="0" dirty="0">
+                <a:solidFill>
+                  <a:srgbClr val="000000"/>
+                </a:solidFill>
+                <a:effectLst/>
+                <a:latin typeface="inherit"/>
+              </a:rPr>
+              <a:t> </a:t>
+            </a:r>
+            <a:r>
+              <a:rPr lang="hu-HU" dirty="0">
+                <a:solidFill>
+                  <a:srgbClr val="000000"/>
+                </a:solidFill>
+                <a:latin typeface="inherit"/>
+              </a:rPr>
+              <a:t>2024.10.21</a:t>
+            </a:r>
+            <a:endParaRPr lang="hu-HU" b="0" i="0" dirty="0">
+              <a:solidFill>
+                <a:srgbClr val="000000"/>
+              </a:solidFill>
+              <a:effectLst/>
+              <a:latin typeface="inherit"/>
+            </a:endParaRPr>
+          </a:p>
+          <a:p>
+            <a:pPr fontAlgn="base"/>
+            <a:r>
+              <a:rPr lang="hu-HU" b="0" i="0" dirty="0">
+                <a:solidFill>
+                  <a:srgbClr val="000000"/>
+                </a:solidFill>
+                <a:effectLst/>
+                <a:latin typeface="inherit"/>
+                <a:hlinkClick r:id="rId5" tooltip="https://github.com/"/>
+              </a:rPr>
+              <a:t>https://github.com/</a:t>
+            </a:r>
+            <a:r>
+              <a:rPr lang="hu-HU" b="0" i="0" dirty="0">
+                <a:solidFill>
+                  <a:srgbClr val="000000"/>
+                </a:solidFill>
+                <a:effectLst/>
+                <a:latin typeface="inherit"/>
+              </a:rPr>
+              <a:t> </a:t>
+            </a:r>
+            <a:r>
+              <a:rPr lang="hu-HU" dirty="0">
+                <a:solidFill>
+                  <a:srgbClr val="000000"/>
+                </a:solidFill>
+                <a:latin typeface="inherit"/>
+              </a:rPr>
+              <a:t>2024.10.21</a:t>
+            </a:r>
+            <a:endParaRPr lang="hu-HU" b="0" i="0" dirty="0">
+              <a:solidFill>
+                <a:srgbClr val="000000"/>
+              </a:solidFill>
+              <a:effectLst/>
+              <a:latin typeface="inherit"/>
+            </a:endParaRPr>
+          </a:p>
+          <a:p>
+            <a:pPr fontAlgn="base"/>
+            <a:endParaRPr lang="hu-HU" b="0" i="0" dirty="0">
+              <a:solidFill>
+                <a:srgbClr val="000000"/>
+              </a:solidFill>
+              <a:effectLst/>
+              <a:latin typeface="inherit"/>
+            </a:endParaRPr>
+          </a:p>
+          <a:p>
+            <a:endParaRPr lang="hu-HU" dirty="0"/>
           </a:p>
         </p:txBody>
       </p:sp>
@@ -4907,28 +5088,113 @@
           </a:p>
         </p:txBody>
       </p:sp>
-      <p:sp>
-        <p:nvSpPr>
-          <p:cNvPr id="3" name="Tartalom helye 2">
-            <a:extLst>
-              <a:ext uri="{FF2B5EF4-FFF2-40B4-BE49-F238E27FC236}">
-                <a16:creationId xmlns:a16="http://schemas.microsoft.com/office/drawing/2014/main" id="{68C21A90-7D6C-9845-8E43-99EFE0E119F1}"/>
-              </a:ext>
-            </a:extLst>
-          </p:cNvPr>
-          <p:cNvSpPr>
-            <a:spLocks noGrp="1"/>
-          </p:cNvSpPr>
+      <p:pic>
+        <p:nvPicPr>
+          <p:cNvPr id="5" name="Tartalom helye 4">
+            <a:extLst>
+              <a:ext uri="{FF2B5EF4-FFF2-40B4-BE49-F238E27FC236}">
+                <a16:creationId xmlns:a16="http://schemas.microsoft.com/office/drawing/2014/main" id="{F5B155C1-30DC-65E8-7C2A-DCA37E3F13D3}"/>
+              </a:ext>
+            </a:extLst>
+          </p:cNvPr>
+          <p:cNvPicPr>
+            <a:picLocks noGrp="1" noChangeAspect="1"/>
+          </p:cNvPicPr>
           <p:nvPr>
             <p:ph idx="1"/>
           </p:nvPr>
-        </p:nvSpPr>
-        <p:spPr/>
-        <p:txBody>
-          <a:bodyPr/>
-          <a:lstStyle/>
-          <a:p>
-            <a:endParaRPr lang="hu-HU"/>
+        </p:nvPicPr>
+        <p:blipFill>
+          <a:blip r:embed="rId2">
+            <a:extLst>
+              <a:ext uri="{28A0092B-C50C-407E-A947-70E740481C1C}">
+                <a14:useLocalDpi xmlns:a14="http://schemas.microsoft.com/office/drawing/2010/main" val="0"/>
+              </a:ext>
+            </a:extLst>
+          </a:blip>
+          <a:stretch>
+            <a:fillRect/>
+          </a:stretch>
+        </p:blipFill>
+        <p:spPr>
+          <a:xfrm>
+            <a:off x="456461" y="2221596"/>
+            <a:ext cx="4994429" cy="1305733"/>
+          </a:xfrm>
+        </p:spPr>
+      </p:pic>
+      <p:sp>
+        <p:nvSpPr>
+          <p:cNvPr id="7" name="Szövegdoboz 6">
+            <a:extLst>
+              <a:ext uri="{FF2B5EF4-FFF2-40B4-BE49-F238E27FC236}">
+                <a16:creationId xmlns:a16="http://schemas.microsoft.com/office/drawing/2014/main" id="{F1DAB1E9-F477-A79A-2B6F-0A84B2B6F14C}"/>
+              </a:ext>
+            </a:extLst>
+          </p:cNvPr>
+          <p:cNvSpPr txBox="1"/>
+          <p:nvPr/>
+        </p:nvSpPr>
+        <p:spPr>
+          <a:xfrm>
+            <a:off x="5850384" y="2003835"/>
+            <a:ext cx="5770485" cy="3111108"/>
+          </a:xfrm>
+          <a:prstGeom prst="rect">
+            <a:avLst/>
+          </a:prstGeom>
+          <a:noFill/>
+        </p:spPr>
+        <p:txBody>
+          <a:bodyPr wrap="square" rtlCol="0">
+            <a:spAutoFit/>
+          </a:bodyPr>
+          <a:lstStyle/>
+          <a:p>
+            <a:pPr>
+              <a:spcAft>
+                <a:spcPts val="500"/>
+              </a:spcAft>
+            </a:pPr>
+            <a:r>
+              <a:rPr lang="hu-HU" sz="3200" dirty="0"/>
+              <a:t>Miután felkészítettük a fájlokat a </a:t>
+            </a:r>
+            <a:r>
+              <a:rPr lang="hu-HU" sz="3200" dirty="0" err="1"/>
+              <a:t>pusholásra</a:t>
+            </a:r>
+            <a:r>
+              <a:rPr lang="hu-HU" sz="3200" dirty="0"/>
+              <a:t> elkezdhetjük a feltöltést a „</a:t>
+            </a:r>
+            <a:r>
+              <a:rPr lang="hu-HU" sz="3200" dirty="0" err="1"/>
+              <a:t>push</a:t>
+            </a:r>
+            <a:r>
+              <a:rPr lang="hu-HU" sz="3200" dirty="0"/>
+              <a:t>” </a:t>
+            </a:r>
+            <a:r>
+              <a:rPr lang="hu-HU" sz="3200" dirty="0" err="1"/>
+              <a:t>parancssal</a:t>
+            </a:r>
+            <a:endParaRPr lang="hu-HU" sz="3200" dirty="0"/>
+          </a:p>
+          <a:p>
+            <a:r>
+              <a:rPr lang="hu-HU" sz="3200" dirty="0"/>
+              <a:t>Ezután akik benne vannak a </a:t>
+            </a:r>
+            <a:r>
+              <a:rPr lang="hu-HU" sz="3200" dirty="0" err="1"/>
+              <a:t>repoba</a:t>
+            </a:r>
+            <a:r>
+              <a:rPr lang="hu-HU" sz="3200" dirty="0"/>
+              <a:t> láthatják hogy mit töltöttünk fel.</a:t>
+            </a:r>
           </a:p>
         </p:txBody>
       </p:sp>
@@ -5010,28 +5276,108 @@
           </a:p>
         </p:txBody>
       </p:sp>
-      <p:sp>
-        <p:nvSpPr>
-          <p:cNvPr id="3" name="Tartalom helye 2">
-            <a:extLst>
-              <a:ext uri="{FF2B5EF4-FFF2-40B4-BE49-F238E27FC236}">
-                <a16:creationId xmlns:a16="http://schemas.microsoft.com/office/drawing/2014/main" id="{14EEA2A7-C2F1-B25C-9D5B-30F1E6B02FE5}"/>
-              </a:ext>
-            </a:extLst>
-          </p:cNvPr>
-          <p:cNvSpPr>
-            <a:spLocks noGrp="1"/>
-          </p:cNvSpPr>
+      <p:pic>
+        <p:nvPicPr>
+          <p:cNvPr id="5" name="Tartalom helye 4">
+            <a:extLst>
+              <a:ext uri="{FF2B5EF4-FFF2-40B4-BE49-F238E27FC236}">
+                <a16:creationId xmlns:a16="http://schemas.microsoft.com/office/drawing/2014/main" id="{8B0F14E2-E036-CFC3-A3DB-6058A7C50303}"/>
+              </a:ext>
+            </a:extLst>
+          </p:cNvPr>
+          <p:cNvPicPr>
+            <a:picLocks noGrp="1" noChangeAspect="1"/>
+          </p:cNvPicPr>
           <p:nvPr>
             <p:ph idx="1"/>
           </p:nvPr>
-        </p:nvSpPr>
-        <p:spPr/>
-        <p:txBody>
-          <a:bodyPr/>
-          <a:lstStyle/>
-          <a:p>
-            <a:endParaRPr lang="hu-HU"/>
+        </p:nvPicPr>
+        <p:blipFill>
+          <a:blip r:embed="rId2">
+            <a:extLst>
+              <a:ext uri="{28A0092B-C50C-407E-A947-70E740481C1C}">
+                <a14:useLocalDpi xmlns:a14="http://schemas.microsoft.com/office/drawing/2010/main" val="0"/>
+              </a:ext>
+            </a:extLst>
+          </a:blip>
+          <a:stretch>
+            <a:fillRect/>
+          </a:stretch>
+        </p:blipFill>
+        <p:spPr>
+          <a:xfrm>
+            <a:off x="838200" y="1866627"/>
+            <a:ext cx="4559423" cy="1562373"/>
+          </a:xfrm>
+        </p:spPr>
+      </p:pic>
+      <p:sp>
+        <p:nvSpPr>
+          <p:cNvPr id="6" name="Szövegdoboz 5">
+            <a:extLst>
+              <a:ext uri="{FF2B5EF4-FFF2-40B4-BE49-F238E27FC236}">
+                <a16:creationId xmlns:a16="http://schemas.microsoft.com/office/drawing/2014/main" id="{CB73D24B-D6D3-0FE4-98CD-CFAF40120F81}"/>
+              </a:ext>
+            </a:extLst>
+          </p:cNvPr>
+          <p:cNvSpPr txBox="1"/>
+          <p:nvPr/>
+        </p:nvSpPr>
+        <p:spPr>
+          <a:xfrm>
+            <a:off x="6361591" y="2068497"/>
+            <a:ext cx="4992209" cy="2554545"/>
+          </a:xfrm>
+          <a:prstGeom prst="rect">
+            <a:avLst/>
+          </a:prstGeom>
+          <a:noFill/>
+        </p:spPr>
+        <p:txBody>
+          <a:bodyPr wrap="square" rtlCol="0">
+            <a:spAutoFit/>
+          </a:bodyPr>
+          <a:lstStyle/>
+          <a:p>
+            <a:r>
+              <a:rPr lang="hu-HU" sz="3200" dirty="0"/>
+              <a:t>A </a:t>
+            </a:r>
+            <a:r>
+              <a:rPr lang="hu-HU" sz="3200" dirty="0" err="1"/>
+              <a:t>repoból</a:t>
+            </a:r>
+            <a:r>
+              <a:rPr lang="hu-HU" sz="3200" dirty="0"/>
+              <a:t> lebírjuk tölteni a fájlokat a „</a:t>
+            </a:r>
+            <a:r>
+              <a:rPr lang="hu-HU" sz="3200" dirty="0" err="1"/>
+              <a:t>git</a:t>
+            </a:r>
+            <a:r>
+              <a:rPr lang="hu-HU" sz="3200" dirty="0"/>
+              <a:t> </a:t>
+            </a:r>
+            <a:r>
+              <a:rPr lang="hu-HU" sz="3200" dirty="0" err="1"/>
+              <a:t>pull</a:t>
+            </a:r>
+            <a:r>
+              <a:rPr lang="hu-HU" sz="3200" dirty="0"/>
+              <a:t>” paranccsal. Ezzel tudjuk frissíteni a local </a:t>
+            </a:r>
+            <a:r>
+              <a:rPr lang="hu-HU" sz="3200" dirty="0" err="1"/>
+              <a:t>reponkat</a:t>
+            </a:r>
+            <a:r>
+              <a:rPr lang="hu-HU" sz="3200" dirty="0"/>
+              <a:t>.</a:t>
+            </a:r>
+          </a:p>
+          <a:p>
+            <a:endParaRPr lang="hu-HU" sz="3200" dirty="0"/>
           </a:p>
         </p:txBody>
       </p:sp>

--- a/Git_használat.pptx
+++ b/Git_használat.pptx
@@ -2,7 +2,7 @@
 <file path=ppt/presentation.xml><?xml version="1.0" encoding="utf-8"?>
 <p:presentation xmlns:a="http://schemas.openxmlformats.org/drawingml/2006/main" xmlns:r="http://schemas.openxmlformats.org/officeDocument/2006/relationships" xmlns:p="http://schemas.openxmlformats.org/presentationml/2006/main" saveSubsetFonts="1">
   <p:sldMasterIdLst>
-    <p:sldMasterId id="2147483648" r:id="rId1"/>
+    <p:sldMasterId id="2147483750" r:id="rId1"/>
   </p:sldMasterIdLst>
   <p:sldIdLst>
     <p:sldId id="256" r:id="rId2"/>
@@ -21,9 +21,9 @@
   <p:notesSz cx="6858000" cy="9144000"/>
   <p:defaultTextStyle>
     <a:defPPr>
-      <a:defRPr lang="hu-HU"/>
+      <a:defRPr lang="en-US"/>
     </a:defPPr>
-    <a:lvl1pPr marL="0" algn="l" defTabSz="914400" rtl="0" eaLnBrk="1" latinLnBrk="0" hangingPunct="1">
+    <a:lvl1pPr marL="0" algn="l" defTabSz="457200" rtl="0" eaLnBrk="1" latinLnBrk="0" hangingPunct="1">
       <a:defRPr sz="1800" kern="1200">
         <a:solidFill>
           <a:schemeClr val="tx1"/>
@@ -33,7 +33,7 @@
         <a:cs typeface="+mn-cs"/>
       </a:defRPr>
     </a:lvl1pPr>
-    <a:lvl2pPr marL="457200" algn="l" defTabSz="914400" rtl="0" eaLnBrk="1" latinLnBrk="0" hangingPunct="1">
+    <a:lvl2pPr marL="457200" algn="l" defTabSz="457200" rtl="0" eaLnBrk="1" latinLnBrk="0" hangingPunct="1">
       <a:defRPr sz="1800" kern="1200">
         <a:solidFill>
           <a:schemeClr val="tx1"/>
@@ -43,7 +43,7 @@
         <a:cs typeface="+mn-cs"/>
       </a:defRPr>
     </a:lvl2pPr>
-    <a:lvl3pPr marL="914400" algn="l" defTabSz="914400" rtl="0" eaLnBrk="1" latinLnBrk="0" hangingPunct="1">
+    <a:lvl3pPr marL="914400" algn="l" defTabSz="457200" rtl="0" eaLnBrk="1" latinLnBrk="0" hangingPunct="1">
       <a:defRPr sz="1800" kern="1200">
         <a:solidFill>
           <a:schemeClr val="tx1"/>
@@ -53,7 +53,7 @@
         <a:cs typeface="+mn-cs"/>
       </a:defRPr>
     </a:lvl3pPr>
-    <a:lvl4pPr marL="1371600" algn="l" defTabSz="914400" rtl="0" eaLnBrk="1" latinLnBrk="0" hangingPunct="1">
+    <a:lvl4pPr marL="1371600" algn="l" defTabSz="457200" rtl="0" eaLnBrk="1" latinLnBrk="0" hangingPunct="1">
       <a:defRPr sz="1800" kern="1200">
         <a:solidFill>
           <a:schemeClr val="tx1"/>
@@ -63,7 +63,7 @@
         <a:cs typeface="+mn-cs"/>
       </a:defRPr>
     </a:lvl4pPr>
-    <a:lvl5pPr marL="1828800" algn="l" defTabSz="914400" rtl="0" eaLnBrk="1" latinLnBrk="0" hangingPunct="1">
+    <a:lvl5pPr marL="1828800" algn="l" defTabSz="457200" rtl="0" eaLnBrk="1" latinLnBrk="0" hangingPunct="1">
       <a:defRPr sz="1800" kern="1200">
         <a:solidFill>
           <a:schemeClr val="tx1"/>
@@ -73,7 +73,7 @@
         <a:cs typeface="+mn-cs"/>
       </a:defRPr>
     </a:lvl5pPr>
-    <a:lvl6pPr marL="2286000" algn="l" defTabSz="914400" rtl="0" eaLnBrk="1" latinLnBrk="0" hangingPunct="1">
+    <a:lvl6pPr marL="2286000" algn="l" defTabSz="457200" rtl="0" eaLnBrk="1" latinLnBrk="0" hangingPunct="1">
       <a:defRPr sz="1800" kern="1200">
         <a:solidFill>
           <a:schemeClr val="tx1"/>
@@ -83,7 +83,7 @@
         <a:cs typeface="+mn-cs"/>
       </a:defRPr>
     </a:lvl6pPr>
-    <a:lvl7pPr marL="2743200" algn="l" defTabSz="914400" rtl="0" eaLnBrk="1" latinLnBrk="0" hangingPunct="1">
+    <a:lvl7pPr marL="2743200" algn="l" defTabSz="457200" rtl="0" eaLnBrk="1" latinLnBrk="0" hangingPunct="1">
       <a:defRPr sz="1800" kern="1200">
         <a:solidFill>
           <a:schemeClr val="tx1"/>
@@ -93,7 +93,7 @@
         <a:cs typeface="+mn-cs"/>
       </a:defRPr>
     </a:lvl7pPr>
-    <a:lvl8pPr marL="3200400" algn="l" defTabSz="914400" rtl="0" eaLnBrk="1" latinLnBrk="0" hangingPunct="1">
+    <a:lvl8pPr marL="3200400" algn="l" defTabSz="457200" rtl="0" eaLnBrk="1" latinLnBrk="0" hangingPunct="1">
       <a:defRPr sz="1800" kern="1200">
         <a:solidFill>
           <a:schemeClr val="tx1"/>
@@ -103,7 +103,7 @@
         <a:cs typeface="+mn-cs"/>
       </a:defRPr>
     </a:lvl8pPr>
-    <a:lvl9pPr marL="3657600" algn="l" defTabSz="914400" rtl="0" eaLnBrk="1" latinLnBrk="0" hangingPunct="1">
+    <a:lvl9pPr marL="3657600" algn="l" defTabSz="457200" rtl="0" eaLnBrk="1" latinLnBrk="0" hangingPunct="1">
       <a:defRPr sz="1800" kern="1200">
         <a:solidFill>
           <a:schemeClr val="tx1"/>
@@ -123,7 +123,7 @@
 </file>
 
 <file path=ppt/slideLayouts/slideLayout1.xml><?xml version="1.0" encoding="utf-8"?>
-<p:sldLayout xmlns:a="http://schemas.openxmlformats.org/drawingml/2006/main" xmlns:r="http://schemas.openxmlformats.org/officeDocument/2006/relationships" xmlns:p="http://schemas.openxmlformats.org/presentationml/2006/main" type="title" preserve="1">
+<p:sldLayout xmlns:a="http://schemas.openxmlformats.org/drawingml/2006/main" xmlns:r="http://schemas.openxmlformats.org/officeDocument/2006/relationships" xmlns:p="http://schemas.openxmlformats.org/presentationml/2006/main" showMasterSp="0" type="title" preserve="1">
   <p:cSld name="Címdia">
     <p:spTree>
       <p:nvGrpSpPr>
@@ -141,13 +141,83 @@
       </p:grpSpPr>
       <p:sp>
         <p:nvSpPr>
-          <p:cNvPr id="2" name="Cím 1">
-            <a:extLst>
-              <a:ext uri="{FF2B5EF4-FFF2-40B4-BE49-F238E27FC236}">
-                <a16:creationId xmlns:a16="http://schemas.microsoft.com/office/drawing/2014/main" id="{66AB20CE-2557-8D2E-959F-6F84F9F5437C}"/>
-              </a:ext>
-            </a:extLst>
-          </p:cNvPr>
+          <p:cNvPr id="7" name="Rectangle 6"/>
+          <p:cNvSpPr/>
+          <p:nvPr/>
+        </p:nvSpPr>
+        <p:spPr>
+          <a:xfrm>
+            <a:off x="3175" y="6400800"/>
+            <a:ext cx="12188825" cy="457200"/>
+          </a:xfrm>
+          <a:prstGeom prst="rect">
+            <a:avLst/>
+          </a:prstGeom>
+          <a:solidFill>
+            <a:schemeClr val="accent2"/>
+          </a:solidFill>
+          <a:ln>
+            <a:noFill/>
+          </a:ln>
+        </p:spPr>
+        <p:style>
+          <a:lnRef idx="2">
+            <a:schemeClr val="accent1">
+              <a:shade val="50000"/>
+            </a:schemeClr>
+          </a:lnRef>
+          <a:fillRef idx="1">
+            <a:schemeClr val="accent1"/>
+          </a:fillRef>
+          <a:effectRef idx="0">
+            <a:schemeClr val="accent1"/>
+          </a:effectRef>
+          <a:fontRef idx="minor">
+            <a:schemeClr val="lt1"/>
+          </a:fontRef>
+        </p:style>
+      </p:sp>
+      <p:sp>
+        <p:nvSpPr>
+          <p:cNvPr id="8" name="Rectangle 7"/>
+          <p:cNvSpPr/>
+          <p:nvPr/>
+        </p:nvSpPr>
+        <p:spPr>
+          <a:xfrm>
+            <a:off x="15" y="6334316"/>
+            <a:ext cx="12188825" cy="64008"/>
+          </a:xfrm>
+          <a:prstGeom prst="rect">
+            <a:avLst/>
+          </a:prstGeom>
+          <a:solidFill>
+            <a:schemeClr val="accent1"/>
+          </a:solidFill>
+          <a:ln>
+            <a:noFill/>
+          </a:ln>
+        </p:spPr>
+        <p:style>
+          <a:lnRef idx="2">
+            <a:schemeClr val="accent1">
+              <a:shade val="50000"/>
+            </a:schemeClr>
+          </a:lnRef>
+          <a:fillRef idx="1">
+            <a:schemeClr val="accent1"/>
+          </a:fillRef>
+          <a:effectRef idx="0">
+            <a:schemeClr val="accent1"/>
+          </a:effectRef>
+          <a:fontRef idx="minor">
+            <a:schemeClr val="lt1"/>
+          </a:fontRef>
+        </p:style>
+      </p:sp>
+      <p:sp>
+        <p:nvSpPr>
+          <p:cNvPr id="2" name="Title 1"/>
           <p:cNvSpPr>
             <a:spLocks noGrp="1"/>
           </p:cNvSpPr>
@@ -157,15 +227,27 @@
         </p:nvSpPr>
         <p:spPr>
           <a:xfrm>
-            <a:off x="1524000" y="1122363"/>
-            <a:ext cx="9144000" cy="2387600"/>
-          </a:xfrm>
-        </p:spPr>
-        <p:txBody>
-          <a:bodyPr anchor="b"/>
+            <a:off x="1097280" y="758952"/>
+            <a:ext cx="10058400" cy="3566160"/>
+          </a:xfrm>
+        </p:spPr>
+        <p:txBody>
+          <a:bodyPr anchor="b">
+            <a:normAutofit/>
+          </a:bodyPr>
           <a:lstStyle>
-            <a:lvl1pPr algn="ctr">
-              <a:defRPr sz="6000"/>
+            <a:lvl1pPr algn="l">
+              <a:lnSpc>
+                <a:spcPct val="85000"/>
+              </a:lnSpc>
+              <a:defRPr sz="8000" spc="-50" baseline="0">
+                <a:solidFill>
+                  <a:schemeClr val="tx1">
+                    <a:lumMod val="85000"/>
+                    <a:lumOff val="15000"/>
+                  </a:schemeClr>
+                </a:solidFill>
+              </a:defRPr>
             </a:lvl1pPr>
           </a:lstStyle>
           <a:p>
@@ -173,18 +255,13 @@
               <a:rPr lang="hu-HU"/>
               <a:t>Mintacím szerkesztése</a:t>
             </a:r>
-          </a:p>
-        </p:txBody>
-      </p:sp>
-      <p:sp>
-        <p:nvSpPr>
-          <p:cNvPr id="3" name="Alcím 2">
-            <a:extLst>
-              <a:ext uri="{FF2B5EF4-FFF2-40B4-BE49-F238E27FC236}">
-                <a16:creationId xmlns:a16="http://schemas.microsoft.com/office/drawing/2014/main" id="{72A24A1C-40F7-1DBE-63F7-549D052851C5}"/>
-              </a:ext>
-            </a:extLst>
-          </p:cNvPr>
+            <a:endParaRPr lang="en-US" dirty="0"/>
+          </a:p>
+        </p:txBody>
+      </p:sp>
+      <p:sp>
+        <p:nvSpPr>
+          <p:cNvPr id="3" name="Subtitle 2"/>
           <p:cNvSpPr>
             <a:spLocks noGrp="1"/>
           </p:cNvSpPr>
@@ -194,48 +271,55 @@
         </p:nvSpPr>
         <p:spPr>
           <a:xfrm>
-            <a:off x="1524000" y="3602038"/>
-            <a:ext cx="9144000" cy="1655762"/>
-          </a:xfrm>
-        </p:spPr>
-        <p:txBody>
-          <a:bodyPr/>
+            <a:off x="1100051" y="4455620"/>
+            <a:ext cx="10058400" cy="1143000"/>
+          </a:xfrm>
+        </p:spPr>
+        <p:txBody>
+          <a:bodyPr lIns="91440" rIns="91440">
+            <a:normAutofit/>
+          </a:bodyPr>
           <a:lstStyle>
-            <a:lvl1pPr marL="0" indent="0" algn="ctr">
+            <a:lvl1pPr marL="0" indent="0" algn="l">
               <a:buNone/>
-              <a:defRPr sz="2400"/>
+              <a:defRPr sz="2400" cap="all" spc="200" baseline="0">
+                <a:solidFill>
+                  <a:schemeClr val="tx2"/>
+                </a:solidFill>
+                <a:latin typeface="+mj-lt"/>
+              </a:defRPr>
             </a:lvl1pPr>
             <a:lvl2pPr marL="457200" indent="0" algn="ctr">
               <a:buNone/>
-              <a:defRPr sz="2000"/>
+              <a:defRPr sz="2400"/>
             </a:lvl2pPr>
             <a:lvl3pPr marL="914400" indent="0" algn="ctr">
               <a:buNone/>
-              <a:defRPr sz="1800"/>
+              <a:defRPr sz="2400"/>
             </a:lvl3pPr>
             <a:lvl4pPr marL="1371600" indent="0" algn="ctr">
               <a:buNone/>
-              <a:defRPr sz="1600"/>
+              <a:defRPr sz="2000"/>
             </a:lvl4pPr>
             <a:lvl5pPr marL="1828800" indent="0" algn="ctr">
               <a:buNone/>
-              <a:defRPr sz="1600"/>
+              <a:defRPr sz="2000"/>
             </a:lvl5pPr>
             <a:lvl6pPr marL="2286000" indent="0" algn="ctr">
               <a:buNone/>
-              <a:defRPr sz="1600"/>
+              <a:defRPr sz="2000"/>
             </a:lvl6pPr>
             <a:lvl7pPr marL="2743200" indent="0" algn="ctr">
               <a:buNone/>
-              <a:defRPr sz="1600"/>
+              <a:defRPr sz="2000"/>
             </a:lvl7pPr>
             <a:lvl8pPr marL="3200400" indent="0" algn="ctr">
               <a:buNone/>
-              <a:defRPr sz="1600"/>
+              <a:defRPr sz="2000"/>
             </a:lvl8pPr>
             <a:lvl9pPr marL="3657600" indent="0" algn="ctr">
               <a:buNone/>
-              <a:defRPr sz="1600"/>
+              <a:defRPr sz="2000"/>
             </a:lvl9pPr>
           </a:lstStyle>
           <a:p>
@@ -243,18 +327,13 @@
               <a:rPr lang="hu-HU"/>
               <a:t>Kattintson ide az alcím mintájának szerkesztéséhez</a:t>
             </a:r>
-          </a:p>
-        </p:txBody>
-      </p:sp>
-      <p:sp>
-        <p:nvSpPr>
-          <p:cNvPr id="4" name="Dátum helye 3">
-            <a:extLst>
-              <a:ext uri="{FF2B5EF4-FFF2-40B4-BE49-F238E27FC236}">
-                <a16:creationId xmlns:a16="http://schemas.microsoft.com/office/drawing/2014/main" id="{941F227E-E0B7-B2CB-386F-24587FCC291F}"/>
-              </a:ext>
-            </a:extLst>
-          </p:cNvPr>
+            <a:endParaRPr lang="en-US" dirty="0"/>
+          </a:p>
+        </p:txBody>
+      </p:sp>
+      <p:sp>
+        <p:nvSpPr>
+          <p:cNvPr id="4" name="Date Placeholder 3"/>
           <p:cNvSpPr>
             <a:spLocks noGrp="1"/>
           </p:cNvSpPr>
@@ -277,13 +356,7 @@
       </p:sp>
       <p:sp>
         <p:nvSpPr>
-          <p:cNvPr id="5" name="Élőláb helye 4">
-            <a:extLst>
-              <a:ext uri="{FF2B5EF4-FFF2-40B4-BE49-F238E27FC236}">
-                <a16:creationId xmlns:a16="http://schemas.microsoft.com/office/drawing/2014/main" id="{D44BB767-F31C-6423-424B-75F06E0646E1}"/>
-              </a:ext>
-            </a:extLst>
-          </p:cNvPr>
+          <p:cNvPr id="5" name="Footer Placeholder 4"/>
           <p:cNvSpPr>
             <a:spLocks noGrp="1"/>
           </p:cNvSpPr>
@@ -302,13 +375,7 @@
       </p:sp>
       <p:sp>
         <p:nvSpPr>
-          <p:cNvPr id="6" name="Dia számának helye 5">
-            <a:extLst>
-              <a:ext uri="{FF2B5EF4-FFF2-40B4-BE49-F238E27FC236}">
-                <a16:creationId xmlns:a16="http://schemas.microsoft.com/office/drawing/2014/main" id="{F6F2D119-44CF-61FC-38DB-1C87DDABAD54}"/>
-              </a:ext>
-            </a:extLst>
-          </p:cNvPr>
+          <p:cNvPr id="6" name="Slide Number Placeholder 5"/>
           <p:cNvSpPr>
             <a:spLocks noGrp="1"/>
           </p:cNvSpPr>
@@ -329,10 +396,48 @@
           </a:p>
         </p:txBody>
       </p:sp>
+      <p:cxnSp>
+        <p:nvCxnSpPr>
+          <p:cNvPr id="9" name="Straight Connector 8"/>
+          <p:cNvCxnSpPr/>
+          <p:nvPr/>
+        </p:nvCxnSpPr>
+        <p:spPr>
+          <a:xfrm>
+            <a:off x="1207658" y="4343400"/>
+            <a:ext cx="9875520" cy="0"/>
+          </a:xfrm>
+          <a:prstGeom prst="line">
+            <a:avLst/>
+          </a:prstGeom>
+          <a:ln w="6350">
+            <a:solidFill>
+              <a:schemeClr val="tx1">
+                <a:lumMod val="50000"/>
+                <a:lumOff val="50000"/>
+              </a:schemeClr>
+            </a:solidFill>
+          </a:ln>
+        </p:spPr>
+        <p:style>
+          <a:lnRef idx="1">
+            <a:schemeClr val="accent1"/>
+          </a:lnRef>
+          <a:fillRef idx="0">
+            <a:schemeClr val="accent1"/>
+          </a:fillRef>
+          <a:effectRef idx="0">
+            <a:schemeClr val="accent1"/>
+          </a:effectRef>
+          <a:fontRef idx="minor">
+            <a:schemeClr val="tx1"/>
+          </a:fontRef>
+        </p:style>
+      </p:cxnSp>
     </p:spTree>
     <p:extLst>
       <p:ext uri="{BB962C8B-B14F-4D97-AF65-F5344CB8AC3E}">
-        <p14:creationId xmlns:p14="http://schemas.microsoft.com/office/powerpoint/2010/main" val="1687149346"/>
+        <p14:creationId xmlns:p14="http://schemas.microsoft.com/office/powerpoint/2010/main" val="3210714476"/>
       </p:ext>
     </p:extLst>
   </p:cSld>
@@ -361,13 +466,7 @@
       </p:grpSpPr>
       <p:sp>
         <p:nvSpPr>
-          <p:cNvPr id="2" name="Cím 1">
-            <a:extLst>
-              <a:ext uri="{FF2B5EF4-FFF2-40B4-BE49-F238E27FC236}">
-                <a16:creationId xmlns:a16="http://schemas.microsoft.com/office/drawing/2014/main" id="{3DEB6958-D225-97BD-A222-695D759E4C05}"/>
-              </a:ext>
-            </a:extLst>
-          </p:cNvPr>
+          <p:cNvPr id="2" name="Title 1"/>
           <p:cNvSpPr>
             <a:spLocks noGrp="1"/>
           </p:cNvSpPr>
@@ -384,18 +483,13 @@
               <a:rPr lang="hu-HU"/>
               <a:t>Mintacím szerkesztése</a:t>
             </a:r>
-          </a:p>
-        </p:txBody>
-      </p:sp>
-      <p:sp>
-        <p:nvSpPr>
-          <p:cNvPr id="3" name="Függőleges szöveg helye 2">
-            <a:extLst>
-              <a:ext uri="{FF2B5EF4-FFF2-40B4-BE49-F238E27FC236}">
-                <a16:creationId xmlns:a16="http://schemas.microsoft.com/office/drawing/2014/main" id="{99CC63D7-7DCF-D8D7-478D-49B9FFD9041A}"/>
-              </a:ext>
-            </a:extLst>
-          </p:cNvPr>
+            <a:endParaRPr lang="en-US" dirty="0"/>
+          </a:p>
+        </p:txBody>
+      </p:sp>
+      <p:sp>
+        <p:nvSpPr>
+          <p:cNvPr id="3" name="Vertical Text Placeholder 2"/>
           <p:cNvSpPr>
             <a:spLocks noGrp="1"/>
           </p:cNvSpPr>
@@ -405,7 +499,7 @@
         </p:nvSpPr>
         <p:spPr/>
         <p:txBody>
-          <a:bodyPr vert="eaVert"/>
+          <a:bodyPr vert="eaVert" lIns="45720" tIns="0" rIns="45720" bIns="0"/>
           <a:lstStyle/>
           <a:p>
             <a:pPr lvl="0"/>
@@ -441,18 +535,13 @@
               <a:rPr lang="hu-HU"/>
               <a:t>Ötödik szint</a:t>
             </a:r>
-          </a:p>
-        </p:txBody>
-      </p:sp>
-      <p:sp>
-        <p:nvSpPr>
-          <p:cNvPr id="4" name="Dátum helye 3">
-            <a:extLst>
-              <a:ext uri="{FF2B5EF4-FFF2-40B4-BE49-F238E27FC236}">
-                <a16:creationId xmlns:a16="http://schemas.microsoft.com/office/drawing/2014/main" id="{5AD8C1CB-9C98-C663-0713-A10117725C3A}"/>
-              </a:ext>
-            </a:extLst>
-          </p:cNvPr>
+            <a:endParaRPr lang="en-US" dirty="0"/>
+          </a:p>
+        </p:txBody>
+      </p:sp>
+      <p:sp>
+        <p:nvSpPr>
+          <p:cNvPr id="4" name="Date Placeholder 3"/>
           <p:cNvSpPr>
             <a:spLocks noGrp="1"/>
           </p:cNvSpPr>
@@ -475,13 +564,7 @@
       </p:sp>
       <p:sp>
         <p:nvSpPr>
-          <p:cNvPr id="5" name="Élőláb helye 4">
-            <a:extLst>
-              <a:ext uri="{FF2B5EF4-FFF2-40B4-BE49-F238E27FC236}">
-                <a16:creationId xmlns:a16="http://schemas.microsoft.com/office/drawing/2014/main" id="{212660A1-3299-5865-E984-9CDFE6BB0B7A}"/>
-              </a:ext>
-            </a:extLst>
-          </p:cNvPr>
+          <p:cNvPr id="5" name="Footer Placeholder 4"/>
           <p:cNvSpPr>
             <a:spLocks noGrp="1"/>
           </p:cNvSpPr>
@@ -500,13 +583,7 @@
       </p:sp>
       <p:sp>
         <p:nvSpPr>
-          <p:cNvPr id="6" name="Dia számának helye 5">
-            <a:extLst>
-              <a:ext uri="{FF2B5EF4-FFF2-40B4-BE49-F238E27FC236}">
-                <a16:creationId xmlns:a16="http://schemas.microsoft.com/office/drawing/2014/main" id="{269A2465-86B2-AAD2-9D70-89FE94B07161}"/>
-              </a:ext>
-            </a:extLst>
-          </p:cNvPr>
+          <p:cNvPr id="6" name="Slide Number Placeholder 5"/>
           <p:cNvSpPr>
             <a:spLocks noGrp="1"/>
           </p:cNvSpPr>
@@ -530,7 +607,7 @@
     </p:spTree>
     <p:extLst>
       <p:ext uri="{BB962C8B-B14F-4D97-AF65-F5344CB8AC3E}">
-        <p14:creationId xmlns:p14="http://schemas.microsoft.com/office/powerpoint/2010/main" val="4106438274"/>
+        <p14:creationId xmlns:p14="http://schemas.microsoft.com/office/powerpoint/2010/main" val="3991549043"/>
       </p:ext>
     </p:extLst>
   </p:cSld>
@@ -541,7 +618,7 @@
 </file>
 
 <file path=ppt/slideLayouts/slideLayout11.xml><?xml version="1.0" encoding="utf-8"?>
-<p:sldLayout xmlns:a="http://schemas.openxmlformats.org/drawingml/2006/main" xmlns:r="http://schemas.openxmlformats.org/officeDocument/2006/relationships" xmlns:p="http://schemas.openxmlformats.org/presentationml/2006/main" type="vertTitleAndTx" preserve="1">
+<p:sldLayout xmlns:a="http://schemas.openxmlformats.org/drawingml/2006/main" xmlns:r="http://schemas.openxmlformats.org/officeDocument/2006/relationships" xmlns:p="http://schemas.openxmlformats.org/presentationml/2006/main" showMasterSp="0" type="vertTitleAndTx" preserve="1">
   <p:cSld name="Függőleges cím és szöveg">
     <p:spTree>
       <p:nvGrpSpPr>
@@ -559,13 +636,83 @@
       </p:grpSpPr>
       <p:sp>
         <p:nvSpPr>
-          <p:cNvPr id="2" name="Függőleges cím 1">
-            <a:extLst>
-              <a:ext uri="{FF2B5EF4-FFF2-40B4-BE49-F238E27FC236}">
-                <a16:creationId xmlns:a16="http://schemas.microsoft.com/office/drawing/2014/main" id="{BB080A87-7529-B43B-D81D-B83D01D4FBC4}"/>
-              </a:ext>
-            </a:extLst>
-          </p:cNvPr>
+          <p:cNvPr id="7" name="Rectangle 6"/>
+          <p:cNvSpPr/>
+          <p:nvPr/>
+        </p:nvSpPr>
+        <p:spPr>
+          <a:xfrm>
+            <a:off x="3175" y="6400800"/>
+            <a:ext cx="12188825" cy="457200"/>
+          </a:xfrm>
+          <a:prstGeom prst="rect">
+            <a:avLst/>
+          </a:prstGeom>
+          <a:solidFill>
+            <a:schemeClr val="accent2"/>
+          </a:solidFill>
+          <a:ln>
+            <a:noFill/>
+          </a:ln>
+        </p:spPr>
+        <p:style>
+          <a:lnRef idx="2">
+            <a:schemeClr val="accent1">
+              <a:shade val="50000"/>
+            </a:schemeClr>
+          </a:lnRef>
+          <a:fillRef idx="1">
+            <a:schemeClr val="accent1"/>
+          </a:fillRef>
+          <a:effectRef idx="0">
+            <a:schemeClr val="accent1"/>
+          </a:effectRef>
+          <a:fontRef idx="minor">
+            <a:schemeClr val="lt1"/>
+          </a:fontRef>
+        </p:style>
+      </p:sp>
+      <p:sp>
+        <p:nvSpPr>
+          <p:cNvPr id="8" name="Rectangle 7"/>
+          <p:cNvSpPr/>
+          <p:nvPr/>
+        </p:nvSpPr>
+        <p:spPr>
+          <a:xfrm>
+            <a:off x="15" y="6334316"/>
+            <a:ext cx="12188825" cy="64008"/>
+          </a:xfrm>
+          <a:prstGeom prst="rect">
+            <a:avLst/>
+          </a:prstGeom>
+          <a:solidFill>
+            <a:schemeClr val="accent1"/>
+          </a:solidFill>
+          <a:ln>
+            <a:noFill/>
+          </a:ln>
+        </p:spPr>
+        <p:style>
+          <a:lnRef idx="2">
+            <a:schemeClr val="accent1">
+              <a:shade val="50000"/>
+            </a:schemeClr>
+          </a:lnRef>
+          <a:fillRef idx="1">
+            <a:schemeClr val="accent1"/>
+          </a:fillRef>
+          <a:effectRef idx="0">
+            <a:schemeClr val="accent1"/>
+          </a:effectRef>
+          <a:fontRef idx="minor">
+            <a:schemeClr val="lt1"/>
+          </a:fontRef>
+        </p:style>
+      </p:sp>
+      <p:sp>
+        <p:nvSpPr>
+          <p:cNvPr id="2" name="Vertical Title 1"/>
           <p:cNvSpPr>
             <a:spLocks noGrp="1"/>
           </p:cNvSpPr>
@@ -575,8 +722,8 @@
         </p:nvSpPr>
         <p:spPr>
           <a:xfrm>
-            <a:off x="8724900" y="365125"/>
-            <a:ext cx="2628900" cy="5811838"/>
+            <a:off x="8724900" y="414778"/>
+            <a:ext cx="2628900" cy="5757421"/>
           </a:xfrm>
         </p:spPr>
         <p:txBody>
@@ -587,18 +734,13 @@
               <a:rPr lang="hu-HU"/>
               <a:t>Mintacím szerkesztése</a:t>
             </a:r>
-          </a:p>
-        </p:txBody>
-      </p:sp>
-      <p:sp>
-        <p:nvSpPr>
-          <p:cNvPr id="3" name="Függőleges szöveg helye 2">
-            <a:extLst>
-              <a:ext uri="{FF2B5EF4-FFF2-40B4-BE49-F238E27FC236}">
-                <a16:creationId xmlns:a16="http://schemas.microsoft.com/office/drawing/2014/main" id="{35B53661-3099-FC4D-F0DF-61883132BE18}"/>
-              </a:ext>
-            </a:extLst>
-          </p:cNvPr>
+            <a:endParaRPr lang="en-US" dirty="0"/>
+          </a:p>
+        </p:txBody>
+      </p:sp>
+      <p:sp>
+        <p:nvSpPr>
+          <p:cNvPr id="3" name="Vertical Text Placeholder 2"/>
           <p:cNvSpPr>
             <a:spLocks noGrp="1"/>
           </p:cNvSpPr>
@@ -608,12 +750,12 @@
         </p:nvSpPr>
         <p:spPr>
           <a:xfrm>
-            <a:off x="838200" y="365125"/>
-            <a:ext cx="7734300" cy="5811838"/>
-          </a:xfrm>
-        </p:spPr>
-        <p:txBody>
-          <a:bodyPr vert="eaVert"/>
+            <a:off x="838200" y="414778"/>
+            <a:ext cx="7734300" cy="5757422"/>
+          </a:xfrm>
+        </p:spPr>
+        <p:txBody>
+          <a:bodyPr vert="eaVert" lIns="45720" tIns="0" rIns="45720" bIns="0"/>
           <a:lstStyle/>
           <a:p>
             <a:pPr lvl="0"/>
@@ -649,18 +791,13 @@
               <a:rPr lang="hu-HU"/>
               <a:t>Ötödik szint</a:t>
             </a:r>
-          </a:p>
-        </p:txBody>
-      </p:sp>
-      <p:sp>
-        <p:nvSpPr>
-          <p:cNvPr id="4" name="Dátum helye 3">
-            <a:extLst>
-              <a:ext uri="{FF2B5EF4-FFF2-40B4-BE49-F238E27FC236}">
-                <a16:creationId xmlns:a16="http://schemas.microsoft.com/office/drawing/2014/main" id="{0DD95C53-9DED-018A-FDCE-4C1819A2E3A8}"/>
-              </a:ext>
-            </a:extLst>
-          </p:cNvPr>
+            <a:endParaRPr lang="en-US" dirty="0"/>
+          </a:p>
+        </p:txBody>
+      </p:sp>
+      <p:sp>
+        <p:nvSpPr>
+          <p:cNvPr id="4" name="Date Placeholder 3"/>
           <p:cNvSpPr>
             <a:spLocks noGrp="1"/>
           </p:cNvSpPr>
@@ -683,13 +820,7 @@
       </p:sp>
       <p:sp>
         <p:nvSpPr>
-          <p:cNvPr id="5" name="Élőláb helye 4">
-            <a:extLst>
-              <a:ext uri="{FF2B5EF4-FFF2-40B4-BE49-F238E27FC236}">
-                <a16:creationId xmlns:a16="http://schemas.microsoft.com/office/drawing/2014/main" id="{80FAADB4-4E89-2313-987E-5C770B845AD4}"/>
-              </a:ext>
-            </a:extLst>
-          </p:cNvPr>
+          <p:cNvPr id="5" name="Footer Placeholder 4"/>
           <p:cNvSpPr>
             <a:spLocks noGrp="1"/>
           </p:cNvSpPr>
@@ -708,13 +839,7 @@
       </p:sp>
       <p:sp>
         <p:nvSpPr>
-          <p:cNvPr id="6" name="Dia számának helye 5">
-            <a:extLst>
-              <a:ext uri="{FF2B5EF4-FFF2-40B4-BE49-F238E27FC236}">
-                <a16:creationId xmlns:a16="http://schemas.microsoft.com/office/drawing/2014/main" id="{D1FD5C51-AF59-671B-4165-59F72EAEC6BB}"/>
-              </a:ext>
-            </a:extLst>
-          </p:cNvPr>
+          <p:cNvPr id="6" name="Slide Number Placeholder 5"/>
           <p:cNvSpPr>
             <a:spLocks noGrp="1"/>
           </p:cNvSpPr>
@@ -738,7 +863,7 @@
     </p:spTree>
     <p:extLst>
       <p:ext uri="{BB962C8B-B14F-4D97-AF65-F5344CB8AC3E}">
-        <p14:creationId xmlns:p14="http://schemas.microsoft.com/office/powerpoint/2010/main" val="3633497602"/>
+        <p14:creationId xmlns:p14="http://schemas.microsoft.com/office/powerpoint/2010/main" val="1679214880"/>
       </p:ext>
     </p:extLst>
   </p:cSld>
@@ -767,13 +892,7 @@
       </p:grpSpPr>
       <p:sp>
         <p:nvSpPr>
-          <p:cNvPr id="2" name="Cím 1">
-            <a:extLst>
-              <a:ext uri="{FF2B5EF4-FFF2-40B4-BE49-F238E27FC236}">
-                <a16:creationId xmlns:a16="http://schemas.microsoft.com/office/drawing/2014/main" id="{9C8F70D1-1C7E-B9E9-B301-9AEC2F8D66E3}"/>
-              </a:ext>
-            </a:extLst>
-          </p:cNvPr>
+          <p:cNvPr id="2" name="Title 1"/>
           <p:cNvSpPr>
             <a:spLocks noGrp="1"/>
           </p:cNvSpPr>
@@ -784,24 +903,23 @@
         <p:spPr/>
         <p:txBody>
           <a:bodyPr/>
-          <a:lstStyle/>
+          <a:lstStyle>
+            <a:lvl1pPr marL="0">
+              <a:defRPr/>
+            </a:lvl1pPr>
+          </a:lstStyle>
           <a:p>
             <a:r>
               <a:rPr lang="hu-HU"/>
               <a:t>Mintacím szerkesztése</a:t>
             </a:r>
-          </a:p>
-        </p:txBody>
-      </p:sp>
-      <p:sp>
-        <p:nvSpPr>
-          <p:cNvPr id="3" name="Tartalom helye 2">
-            <a:extLst>
-              <a:ext uri="{FF2B5EF4-FFF2-40B4-BE49-F238E27FC236}">
-                <a16:creationId xmlns:a16="http://schemas.microsoft.com/office/drawing/2014/main" id="{DE14AD5C-A7A8-C023-3646-5A2E43B42859}"/>
-              </a:ext>
-            </a:extLst>
-          </p:cNvPr>
+            <a:endParaRPr lang="en-US" dirty="0"/>
+          </a:p>
+        </p:txBody>
+      </p:sp>
+      <p:sp>
+        <p:nvSpPr>
+          <p:cNvPr id="3" name="Content Placeholder 2"/>
           <p:cNvSpPr>
             <a:spLocks noGrp="1"/>
           </p:cNvSpPr>
@@ -847,18 +965,13 @@
               <a:rPr lang="hu-HU"/>
               <a:t>Ötödik szint</a:t>
             </a:r>
-          </a:p>
-        </p:txBody>
-      </p:sp>
-      <p:sp>
-        <p:nvSpPr>
-          <p:cNvPr id="4" name="Dátum helye 3">
-            <a:extLst>
-              <a:ext uri="{FF2B5EF4-FFF2-40B4-BE49-F238E27FC236}">
-                <a16:creationId xmlns:a16="http://schemas.microsoft.com/office/drawing/2014/main" id="{F20D3B24-5D19-8F36-A54F-D7586E57DF97}"/>
-              </a:ext>
-            </a:extLst>
-          </p:cNvPr>
+            <a:endParaRPr lang="en-US" dirty="0"/>
+          </a:p>
+        </p:txBody>
+      </p:sp>
+      <p:sp>
+        <p:nvSpPr>
+          <p:cNvPr id="4" name="Date Placeholder 3"/>
           <p:cNvSpPr>
             <a:spLocks noGrp="1"/>
           </p:cNvSpPr>
@@ -881,13 +994,7 @@
       </p:sp>
       <p:sp>
         <p:nvSpPr>
-          <p:cNvPr id="5" name="Élőláb helye 4">
-            <a:extLst>
-              <a:ext uri="{FF2B5EF4-FFF2-40B4-BE49-F238E27FC236}">
-                <a16:creationId xmlns:a16="http://schemas.microsoft.com/office/drawing/2014/main" id="{A9B0803F-BF0C-68D2-8D8E-9672E2C23137}"/>
-              </a:ext>
-            </a:extLst>
-          </p:cNvPr>
+          <p:cNvPr id="5" name="Footer Placeholder 4"/>
           <p:cNvSpPr>
             <a:spLocks noGrp="1"/>
           </p:cNvSpPr>
@@ -906,13 +1013,7 @@
       </p:sp>
       <p:sp>
         <p:nvSpPr>
-          <p:cNvPr id="6" name="Dia számának helye 5">
-            <a:extLst>
-              <a:ext uri="{FF2B5EF4-FFF2-40B4-BE49-F238E27FC236}">
-                <a16:creationId xmlns:a16="http://schemas.microsoft.com/office/drawing/2014/main" id="{5B7F5D02-B449-86CC-5D29-9D9D6B5005AB}"/>
-              </a:ext>
-            </a:extLst>
-          </p:cNvPr>
+          <p:cNvPr id="6" name="Slide Number Placeholder 5"/>
           <p:cNvSpPr>
             <a:spLocks noGrp="1"/>
           </p:cNvSpPr>
@@ -936,7 +1037,7 @@
     </p:spTree>
     <p:extLst>
       <p:ext uri="{BB962C8B-B14F-4D97-AF65-F5344CB8AC3E}">
-        <p14:creationId xmlns:p14="http://schemas.microsoft.com/office/powerpoint/2010/main" val="499374737"/>
+        <p14:creationId xmlns:p14="http://schemas.microsoft.com/office/powerpoint/2010/main" val="2089164819"/>
       </p:ext>
     </p:extLst>
   </p:cSld>
@@ -947,8 +1048,16 @@
 </file>
 
 <file path=ppt/slideLayouts/slideLayout3.xml><?xml version="1.0" encoding="utf-8"?>
-<p:sldLayout xmlns:a="http://schemas.openxmlformats.org/drawingml/2006/main" xmlns:r="http://schemas.openxmlformats.org/officeDocument/2006/relationships" xmlns:p="http://schemas.openxmlformats.org/presentationml/2006/main" type="secHead" preserve="1">
+<p:sldLayout xmlns:a="http://schemas.openxmlformats.org/drawingml/2006/main" xmlns:r="http://schemas.openxmlformats.org/officeDocument/2006/relationships" xmlns:p="http://schemas.openxmlformats.org/presentationml/2006/main" showMasterSp="0" type="secHead" preserve="1">
   <p:cSld name="Szakaszfejléc">
+    <p:bg>
+      <p:bgPr>
+        <a:solidFill>
+          <a:schemeClr val="bg1"/>
+        </a:solidFill>
+        <a:effectLst/>
+      </p:bgPr>
+    </p:bg>
     <p:spTree>
       <p:nvGrpSpPr>
         <p:cNvPr id="1" name=""/>
@@ -965,13 +1074,83 @@
       </p:grpSpPr>
       <p:sp>
         <p:nvSpPr>
-          <p:cNvPr id="2" name="Cím 1">
-            <a:extLst>
-              <a:ext uri="{FF2B5EF4-FFF2-40B4-BE49-F238E27FC236}">
-                <a16:creationId xmlns:a16="http://schemas.microsoft.com/office/drawing/2014/main" id="{8209AE4C-331A-E124-BAF5-872EB30F5AF9}"/>
-              </a:ext>
-            </a:extLst>
-          </p:cNvPr>
+          <p:cNvPr id="7" name="Rectangle 6"/>
+          <p:cNvSpPr/>
+          <p:nvPr/>
+        </p:nvSpPr>
+        <p:spPr>
+          <a:xfrm>
+            <a:off x="3175" y="6400800"/>
+            <a:ext cx="12188825" cy="457200"/>
+          </a:xfrm>
+          <a:prstGeom prst="rect">
+            <a:avLst/>
+          </a:prstGeom>
+          <a:solidFill>
+            <a:schemeClr val="accent2"/>
+          </a:solidFill>
+          <a:ln>
+            <a:noFill/>
+          </a:ln>
+        </p:spPr>
+        <p:style>
+          <a:lnRef idx="2">
+            <a:schemeClr val="accent1">
+              <a:shade val="50000"/>
+            </a:schemeClr>
+          </a:lnRef>
+          <a:fillRef idx="1">
+            <a:schemeClr val="accent1"/>
+          </a:fillRef>
+          <a:effectRef idx="0">
+            <a:schemeClr val="accent1"/>
+          </a:effectRef>
+          <a:fontRef idx="minor">
+            <a:schemeClr val="lt1"/>
+          </a:fontRef>
+        </p:style>
+      </p:sp>
+      <p:sp>
+        <p:nvSpPr>
+          <p:cNvPr id="8" name="Rectangle 7"/>
+          <p:cNvSpPr/>
+          <p:nvPr/>
+        </p:nvSpPr>
+        <p:spPr>
+          <a:xfrm>
+            <a:off x="15" y="6334316"/>
+            <a:ext cx="12188825" cy="64008"/>
+          </a:xfrm>
+          <a:prstGeom prst="rect">
+            <a:avLst/>
+          </a:prstGeom>
+          <a:solidFill>
+            <a:schemeClr val="accent1"/>
+          </a:solidFill>
+          <a:ln>
+            <a:noFill/>
+          </a:ln>
+        </p:spPr>
+        <p:style>
+          <a:lnRef idx="2">
+            <a:schemeClr val="accent1">
+              <a:shade val="50000"/>
+            </a:schemeClr>
+          </a:lnRef>
+          <a:fillRef idx="1">
+            <a:schemeClr val="accent1"/>
+          </a:fillRef>
+          <a:effectRef idx="0">
+            <a:schemeClr val="accent1"/>
+          </a:effectRef>
+          <a:fontRef idx="minor">
+            <a:schemeClr val="lt1"/>
+          </a:fontRef>
+        </p:style>
+      </p:sp>
+      <p:sp>
+        <p:nvSpPr>
+          <p:cNvPr id="2" name="Title 1"/>
           <p:cNvSpPr>
             <a:spLocks noGrp="1"/>
           </p:cNvSpPr>
@@ -981,15 +1160,27 @@
         </p:nvSpPr>
         <p:spPr>
           <a:xfrm>
-            <a:off x="831850" y="1709738"/>
-            <a:ext cx="10515600" cy="2852737"/>
-          </a:xfrm>
-        </p:spPr>
-        <p:txBody>
-          <a:bodyPr anchor="b"/>
+            <a:off x="1097280" y="758952"/>
+            <a:ext cx="10058400" cy="3566160"/>
+          </a:xfrm>
+        </p:spPr>
+        <p:txBody>
+          <a:bodyPr anchor="b" anchorCtr="0">
+            <a:normAutofit/>
+          </a:bodyPr>
           <a:lstStyle>
             <a:lvl1pPr>
-              <a:defRPr sz="6000"/>
+              <a:lnSpc>
+                <a:spcPct val="85000"/>
+              </a:lnSpc>
+              <a:defRPr sz="8000" b="0">
+                <a:solidFill>
+                  <a:schemeClr val="tx1">
+                    <a:lumMod val="85000"/>
+                    <a:lumOff val="15000"/>
+                  </a:schemeClr>
+                </a:solidFill>
+              </a:defRPr>
             </a:lvl1pPr>
           </a:lstStyle>
           <a:p>
@@ -997,18 +1188,13 @@
               <a:rPr lang="hu-HU"/>
               <a:t>Mintacím szerkesztése</a:t>
             </a:r>
-          </a:p>
-        </p:txBody>
-      </p:sp>
-      <p:sp>
-        <p:nvSpPr>
-          <p:cNvPr id="3" name="Szöveg helye 2">
-            <a:extLst>
-              <a:ext uri="{FF2B5EF4-FFF2-40B4-BE49-F238E27FC236}">
-                <a16:creationId xmlns:a16="http://schemas.microsoft.com/office/drawing/2014/main" id="{913C595E-CFBC-0E08-B884-A3DF8345BD6A}"/>
-              </a:ext>
-            </a:extLst>
-          </p:cNvPr>
+            <a:endParaRPr lang="en-US" dirty="0"/>
+          </a:p>
+        </p:txBody>
+      </p:sp>
+      <p:sp>
+        <p:nvSpPr>
+          <p:cNvPr id="3" name="Text Placeholder 2"/>
           <p:cNvSpPr>
             <a:spLocks noGrp="1"/>
           </p:cNvSpPr>
@@ -1018,99 +1204,100 @@
         </p:nvSpPr>
         <p:spPr>
           <a:xfrm>
-            <a:off x="831850" y="4589463"/>
-            <a:ext cx="10515600" cy="1500187"/>
-          </a:xfrm>
-        </p:spPr>
-        <p:txBody>
-          <a:bodyPr/>
+            <a:off x="1097280" y="4453128"/>
+            <a:ext cx="10058400" cy="1143000"/>
+          </a:xfrm>
+        </p:spPr>
+        <p:txBody>
+          <a:bodyPr lIns="91440" rIns="91440" anchor="t" anchorCtr="0">
+            <a:normAutofit/>
+          </a:bodyPr>
           <a:lstStyle>
             <a:lvl1pPr marL="0" indent="0">
               <a:buNone/>
-              <a:defRPr sz="2400">
-                <a:solidFill>
-                  <a:schemeClr val="tx1">
-                    <a:tint val="82000"/>
-                  </a:schemeClr>
-                </a:solidFill>
+              <a:defRPr sz="2400" cap="all" spc="200" baseline="0">
+                <a:solidFill>
+                  <a:schemeClr val="tx2"/>
+                </a:solidFill>
+                <a:latin typeface="+mj-lt"/>
               </a:defRPr>
             </a:lvl1pPr>
             <a:lvl2pPr marL="457200" indent="0">
               <a:buNone/>
-              <a:defRPr sz="2000">
+              <a:defRPr sz="1800">
                 <a:solidFill>
                   <a:schemeClr val="tx1">
-                    <a:tint val="82000"/>
+                    <a:tint val="75000"/>
                   </a:schemeClr>
                 </a:solidFill>
               </a:defRPr>
             </a:lvl2pPr>
             <a:lvl3pPr marL="914400" indent="0">
               <a:buNone/>
-              <a:defRPr sz="1800">
+              <a:defRPr sz="1600">
                 <a:solidFill>
                   <a:schemeClr val="tx1">
-                    <a:tint val="82000"/>
+                    <a:tint val="75000"/>
                   </a:schemeClr>
                 </a:solidFill>
               </a:defRPr>
             </a:lvl3pPr>
             <a:lvl4pPr marL="1371600" indent="0">
               <a:buNone/>
-              <a:defRPr sz="1600">
+              <a:defRPr sz="1400">
                 <a:solidFill>
                   <a:schemeClr val="tx1">
-                    <a:tint val="82000"/>
+                    <a:tint val="75000"/>
                   </a:schemeClr>
                 </a:solidFill>
               </a:defRPr>
             </a:lvl4pPr>
             <a:lvl5pPr marL="1828800" indent="0">
               <a:buNone/>
-              <a:defRPr sz="1600">
+              <a:defRPr sz="1400">
                 <a:solidFill>
                   <a:schemeClr val="tx1">
-                    <a:tint val="82000"/>
+                    <a:tint val="75000"/>
                   </a:schemeClr>
                 </a:solidFill>
               </a:defRPr>
             </a:lvl5pPr>
             <a:lvl6pPr marL="2286000" indent="0">
               <a:buNone/>
-              <a:defRPr sz="1600">
+              <a:defRPr sz="1400">
                 <a:solidFill>
                   <a:schemeClr val="tx1">
-                    <a:tint val="82000"/>
+                    <a:tint val="75000"/>
                   </a:schemeClr>
                 </a:solidFill>
               </a:defRPr>
             </a:lvl6pPr>
             <a:lvl7pPr marL="2743200" indent="0">
               <a:buNone/>
-              <a:defRPr sz="1600">
+              <a:defRPr sz="1400">
                 <a:solidFill>
                   <a:schemeClr val="tx1">
-                    <a:tint val="82000"/>
+                    <a:tint val="75000"/>
                   </a:schemeClr>
                 </a:solidFill>
               </a:defRPr>
             </a:lvl7pPr>
             <a:lvl8pPr marL="3200400" indent="0">
               <a:buNone/>
-              <a:defRPr sz="1600">
+              <a:defRPr sz="1400">
                 <a:solidFill>
                   <a:schemeClr val="tx1">
-                    <a:tint val="82000"/>
+                    <a:tint val="75000"/>
                   </a:schemeClr>
                 </a:solidFill>
               </a:defRPr>
             </a:lvl8pPr>
             <a:lvl9pPr marL="3657600" indent="0">
               <a:buNone/>
-              <a:defRPr sz="1600">
+              <a:defRPr sz="1400">
                 <a:solidFill>
                   <a:schemeClr val="tx1">
-                    <a:tint val="82000"/>
+                    <a:tint val="75000"/>
                   </a:schemeClr>
                 </a:solidFill>
               </a:defRPr>
@@ -1127,13 +1314,7 @@
       </p:sp>
       <p:sp>
         <p:nvSpPr>
-          <p:cNvPr id="4" name="Dátum helye 3">
-            <a:extLst>
-              <a:ext uri="{FF2B5EF4-FFF2-40B4-BE49-F238E27FC236}">
-                <a16:creationId xmlns:a16="http://schemas.microsoft.com/office/drawing/2014/main" id="{F698D6E8-A4AE-AC7A-B3FA-555B41A84BAF}"/>
-              </a:ext>
-            </a:extLst>
-          </p:cNvPr>
+          <p:cNvPr id="4" name="Date Placeholder 3"/>
           <p:cNvSpPr>
             <a:spLocks noGrp="1"/>
           </p:cNvSpPr>
@@ -1156,13 +1337,7 @@
       </p:sp>
       <p:sp>
         <p:nvSpPr>
-          <p:cNvPr id="5" name="Élőláb helye 4">
-            <a:extLst>
-              <a:ext uri="{FF2B5EF4-FFF2-40B4-BE49-F238E27FC236}">
-                <a16:creationId xmlns:a16="http://schemas.microsoft.com/office/drawing/2014/main" id="{A46A9766-ED40-C49E-9EF0-68F7E933E461}"/>
-              </a:ext>
-            </a:extLst>
-          </p:cNvPr>
+          <p:cNvPr id="5" name="Footer Placeholder 4"/>
           <p:cNvSpPr>
             <a:spLocks noGrp="1"/>
           </p:cNvSpPr>
@@ -1181,13 +1356,7 @@
       </p:sp>
       <p:sp>
         <p:nvSpPr>
-          <p:cNvPr id="6" name="Dia számának helye 5">
-            <a:extLst>
-              <a:ext uri="{FF2B5EF4-FFF2-40B4-BE49-F238E27FC236}">
-                <a16:creationId xmlns:a16="http://schemas.microsoft.com/office/drawing/2014/main" id="{76E4438B-AD25-2F34-F696-1FB82AA4C651}"/>
-              </a:ext>
-            </a:extLst>
-          </p:cNvPr>
+          <p:cNvPr id="6" name="Slide Number Placeholder 5"/>
           <p:cNvSpPr>
             <a:spLocks noGrp="1"/>
           </p:cNvSpPr>
@@ -1208,10 +1377,48 @@
           </a:p>
         </p:txBody>
       </p:sp>
+      <p:cxnSp>
+        <p:nvCxnSpPr>
+          <p:cNvPr id="9" name="Straight Connector 8"/>
+          <p:cNvCxnSpPr/>
+          <p:nvPr/>
+        </p:nvCxnSpPr>
+        <p:spPr>
+          <a:xfrm>
+            <a:off x="1207658" y="4343400"/>
+            <a:ext cx="9875520" cy="0"/>
+          </a:xfrm>
+          <a:prstGeom prst="line">
+            <a:avLst/>
+          </a:prstGeom>
+          <a:ln w="6350">
+            <a:solidFill>
+              <a:schemeClr val="tx1">
+                <a:lumMod val="50000"/>
+                <a:lumOff val="50000"/>
+              </a:schemeClr>
+            </a:solidFill>
+          </a:ln>
+        </p:spPr>
+        <p:style>
+          <a:lnRef idx="1">
+            <a:schemeClr val="accent1"/>
+          </a:lnRef>
+          <a:fillRef idx="0">
+            <a:schemeClr val="accent1"/>
+          </a:fillRef>
+          <a:effectRef idx="0">
+            <a:schemeClr val="accent1"/>
+          </a:effectRef>
+          <a:fontRef idx="minor">
+            <a:schemeClr val="tx1"/>
+          </a:fontRef>
+        </p:style>
+      </p:cxnSp>
     </p:spTree>
     <p:extLst>
       <p:ext uri="{BB962C8B-B14F-4D97-AF65-F5344CB8AC3E}">
-        <p14:creationId xmlns:p14="http://schemas.microsoft.com/office/powerpoint/2010/main" val="2866226073"/>
+        <p14:creationId xmlns:p14="http://schemas.microsoft.com/office/powerpoint/2010/main" val="1096193385"/>
       </p:ext>
     </p:extLst>
   </p:cSld>
@@ -1240,13 +1447,7 @@
       </p:grpSpPr>
       <p:sp>
         <p:nvSpPr>
-          <p:cNvPr id="2" name="Cím 1">
-            <a:extLst>
-              <a:ext uri="{FF2B5EF4-FFF2-40B4-BE49-F238E27FC236}">
-                <a16:creationId xmlns:a16="http://schemas.microsoft.com/office/drawing/2014/main" id="{B76BC78A-3EA6-A713-5989-0E260CDEC3A7}"/>
-              </a:ext>
-            </a:extLst>
-          </p:cNvPr>
+          <p:cNvPr id="8" name="Title 7"/>
           <p:cNvSpPr>
             <a:spLocks noGrp="1"/>
           </p:cNvSpPr>
@@ -1254,7 +1455,12 @@
             <p:ph type="title"/>
           </p:nvPr>
         </p:nvSpPr>
-        <p:spPr/>
+        <p:spPr>
+          <a:xfrm>
+            <a:off x="1097280" y="286603"/>
+            <a:ext cx="10058400" cy="1450757"/>
+          </a:xfrm>
+        </p:spPr>
         <p:txBody>
           <a:bodyPr/>
           <a:lstStyle/>
@@ -1263,18 +1469,13 @@
               <a:rPr lang="hu-HU"/>
               <a:t>Mintacím szerkesztése</a:t>
             </a:r>
-          </a:p>
-        </p:txBody>
-      </p:sp>
-      <p:sp>
-        <p:nvSpPr>
-          <p:cNvPr id="3" name="Tartalom helye 2">
-            <a:extLst>
-              <a:ext uri="{FF2B5EF4-FFF2-40B4-BE49-F238E27FC236}">
-                <a16:creationId xmlns:a16="http://schemas.microsoft.com/office/drawing/2014/main" id="{E3CDAFBE-0C30-C4CC-52BB-2362A1953CAA}"/>
-              </a:ext>
-            </a:extLst>
-          </p:cNvPr>
+            <a:endParaRPr lang="en-US" dirty="0"/>
+          </a:p>
+        </p:txBody>
+      </p:sp>
+      <p:sp>
+        <p:nvSpPr>
+          <p:cNvPr id="3" name="Content Placeholder 2"/>
           <p:cNvSpPr>
             <a:spLocks noGrp="1"/>
           </p:cNvSpPr>
@@ -1284,8 +1485,8 @@
         </p:nvSpPr>
         <p:spPr>
           <a:xfrm>
-            <a:off x="838200" y="1825625"/>
-            <a:ext cx="5181600" cy="4351338"/>
+            <a:off x="1097279" y="1845734"/>
+            <a:ext cx="4937760" cy="4023360"/>
           </a:xfrm>
         </p:spPr>
         <p:txBody>
@@ -1325,18 +1526,13 @@
               <a:rPr lang="hu-HU"/>
               <a:t>Ötödik szint</a:t>
             </a:r>
-          </a:p>
-        </p:txBody>
-      </p:sp>
-      <p:sp>
-        <p:nvSpPr>
-          <p:cNvPr id="4" name="Tartalom helye 3">
-            <a:extLst>
-              <a:ext uri="{FF2B5EF4-FFF2-40B4-BE49-F238E27FC236}">
-                <a16:creationId xmlns:a16="http://schemas.microsoft.com/office/drawing/2014/main" id="{F6375539-C300-CB6D-6963-A762E932308E}"/>
-              </a:ext>
-            </a:extLst>
-          </p:cNvPr>
+            <a:endParaRPr lang="en-US" dirty="0"/>
+          </a:p>
+        </p:txBody>
+      </p:sp>
+      <p:sp>
+        <p:nvSpPr>
+          <p:cNvPr id="4" name="Content Placeholder 3"/>
           <p:cNvSpPr>
             <a:spLocks noGrp="1"/>
           </p:cNvSpPr>
@@ -1346,8 +1542,8 @@
         </p:nvSpPr>
         <p:spPr>
           <a:xfrm>
-            <a:off x="6172200" y="1825625"/>
-            <a:ext cx="5181600" cy="4351338"/>
+            <a:off x="6217920" y="1845735"/>
+            <a:ext cx="4937760" cy="4023360"/>
           </a:xfrm>
         </p:spPr>
         <p:txBody>
@@ -1387,18 +1583,13 @@
               <a:rPr lang="hu-HU"/>
               <a:t>Ötödik szint</a:t>
             </a:r>
-          </a:p>
-        </p:txBody>
-      </p:sp>
-      <p:sp>
-        <p:nvSpPr>
-          <p:cNvPr id="5" name="Dátum helye 4">
-            <a:extLst>
-              <a:ext uri="{FF2B5EF4-FFF2-40B4-BE49-F238E27FC236}">
-                <a16:creationId xmlns:a16="http://schemas.microsoft.com/office/drawing/2014/main" id="{F2670CDD-CDA9-A816-2AE8-5F412DB8F114}"/>
-              </a:ext>
-            </a:extLst>
-          </p:cNvPr>
+            <a:endParaRPr lang="en-US" dirty="0"/>
+          </a:p>
+        </p:txBody>
+      </p:sp>
+      <p:sp>
+        <p:nvSpPr>
+          <p:cNvPr id="5" name="Date Placeholder 4"/>
           <p:cNvSpPr>
             <a:spLocks noGrp="1"/>
           </p:cNvSpPr>
@@ -1421,13 +1612,7 @@
       </p:sp>
       <p:sp>
         <p:nvSpPr>
-          <p:cNvPr id="6" name="Élőláb helye 5">
-            <a:extLst>
-              <a:ext uri="{FF2B5EF4-FFF2-40B4-BE49-F238E27FC236}">
-                <a16:creationId xmlns:a16="http://schemas.microsoft.com/office/drawing/2014/main" id="{1DCCF9BA-2964-1F35-A06D-C033DE9A7FF6}"/>
-              </a:ext>
-            </a:extLst>
-          </p:cNvPr>
+          <p:cNvPr id="6" name="Footer Placeholder 5"/>
           <p:cNvSpPr>
             <a:spLocks noGrp="1"/>
           </p:cNvSpPr>
@@ -1446,13 +1631,7 @@
       </p:sp>
       <p:sp>
         <p:nvSpPr>
-          <p:cNvPr id="7" name="Dia számának helye 6">
-            <a:extLst>
-              <a:ext uri="{FF2B5EF4-FFF2-40B4-BE49-F238E27FC236}">
-                <a16:creationId xmlns:a16="http://schemas.microsoft.com/office/drawing/2014/main" id="{2451825A-B855-0166-EC06-06E9D248C268}"/>
-              </a:ext>
-            </a:extLst>
-          </p:cNvPr>
+          <p:cNvPr id="7" name="Slide Number Placeholder 6"/>
           <p:cNvSpPr>
             <a:spLocks noGrp="1"/>
           </p:cNvSpPr>
@@ -1476,7 +1655,7 @@
     </p:spTree>
     <p:extLst>
       <p:ext uri="{BB962C8B-B14F-4D97-AF65-F5344CB8AC3E}">
-        <p14:creationId xmlns:p14="http://schemas.microsoft.com/office/powerpoint/2010/main" val="3393669249"/>
+        <p14:creationId xmlns:p14="http://schemas.microsoft.com/office/powerpoint/2010/main" val="3663902396"/>
       </p:ext>
     </p:extLst>
   </p:cSld>
@@ -1505,13 +1684,7 @@
       </p:grpSpPr>
       <p:sp>
         <p:nvSpPr>
-          <p:cNvPr id="2" name="Cím 1">
-            <a:extLst>
-              <a:ext uri="{FF2B5EF4-FFF2-40B4-BE49-F238E27FC236}">
-                <a16:creationId xmlns:a16="http://schemas.microsoft.com/office/drawing/2014/main" id="{6217A9A5-3F0E-864D-BB2B-4F768318F1FB}"/>
-              </a:ext>
-            </a:extLst>
-          </p:cNvPr>
+          <p:cNvPr id="10" name="Title 9"/>
           <p:cNvSpPr>
             <a:spLocks noGrp="1"/>
           </p:cNvSpPr>
@@ -1521,8 +1694,8 @@
         </p:nvSpPr>
         <p:spPr>
           <a:xfrm>
-            <a:off x="839788" y="365125"/>
-            <a:ext cx="10515600" cy="1325563"/>
+            <a:off x="1097280" y="286603"/>
+            <a:ext cx="10058400" cy="1450757"/>
           </a:xfrm>
         </p:spPr>
         <p:txBody>
@@ -1533,18 +1706,13 @@
               <a:rPr lang="hu-HU"/>
               <a:t>Mintacím szerkesztése</a:t>
             </a:r>
-          </a:p>
-        </p:txBody>
-      </p:sp>
-      <p:sp>
-        <p:nvSpPr>
-          <p:cNvPr id="3" name="Szöveg helye 2">
-            <a:extLst>
-              <a:ext uri="{FF2B5EF4-FFF2-40B4-BE49-F238E27FC236}">
-                <a16:creationId xmlns:a16="http://schemas.microsoft.com/office/drawing/2014/main" id="{745062F2-A3F1-F16E-79BE-637FFB0C8CFF}"/>
-              </a:ext>
-            </a:extLst>
-          </p:cNvPr>
+            <a:endParaRPr lang="en-US" dirty="0"/>
+          </a:p>
+        </p:txBody>
+      </p:sp>
+      <p:sp>
+        <p:nvSpPr>
+          <p:cNvPr id="3" name="Text Placeholder 2"/>
           <p:cNvSpPr>
             <a:spLocks noGrp="1"/>
           </p:cNvSpPr>
@@ -1554,16 +1722,22 @@
         </p:nvSpPr>
         <p:spPr>
           <a:xfrm>
-            <a:off x="839788" y="1681163"/>
-            <a:ext cx="5157787" cy="823912"/>
-          </a:xfrm>
-        </p:spPr>
-        <p:txBody>
-          <a:bodyPr anchor="b"/>
+            <a:off x="1097280" y="1846052"/>
+            <a:ext cx="4937760" cy="736282"/>
+          </a:xfrm>
+        </p:spPr>
+        <p:txBody>
+          <a:bodyPr lIns="91440" rIns="91440" anchor="ctr">
+            <a:normAutofit/>
+          </a:bodyPr>
           <a:lstStyle>
             <a:lvl1pPr marL="0" indent="0">
               <a:buNone/>
-              <a:defRPr sz="2400" b="1"/>
+              <a:defRPr sz="2000" b="0" cap="all" baseline="0">
+                <a:solidFill>
+                  <a:schemeClr val="tx2"/>
+                </a:solidFill>
+              </a:defRPr>
             </a:lvl1pPr>
             <a:lvl2pPr marL="457200" indent="0">
               <a:buNone/>
@@ -1609,13 +1783,7 @@
       </p:sp>
       <p:sp>
         <p:nvSpPr>
-          <p:cNvPr id="4" name="Tartalom helye 3">
-            <a:extLst>
-              <a:ext uri="{FF2B5EF4-FFF2-40B4-BE49-F238E27FC236}">
-                <a16:creationId xmlns:a16="http://schemas.microsoft.com/office/drawing/2014/main" id="{59791B28-A75B-B149-3EA0-ECBE8C7753F7}"/>
-              </a:ext>
-            </a:extLst>
-          </p:cNvPr>
+          <p:cNvPr id="4" name="Content Placeholder 3"/>
           <p:cNvSpPr>
             <a:spLocks noGrp="1"/>
           </p:cNvSpPr>
@@ -1625,8 +1793,8 @@
         </p:nvSpPr>
         <p:spPr>
           <a:xfrm>
-            <a:off x="839788" y="2505075"/>
-            <a:ext cx="5157787" cy="3684588"/>
+            <a:off x="1097280" y="2582334"/>
+            <a:ext cx="4937760" cy="3378200"/>
           </a:xfrm>
         </p:spPr>
         <p:txBody>
@@ -1666,18 +1834,13 @@
               <a:rPr lang="hu-HU"/>
               <a:t>Ötödik szint</a:t>
             </a:r>
-          </a:p>
-        </p:txBody>
-      </p:sp>
-      <p:sp>
-        <p:nvSpPr>
-          <p:cNvPr id="5" name="Szöveg helye 4">
-            <a:extLst>
-              <a:ext uri="{FF2B5EF4-FFF2-40B4-BE49-F238E27FC236}">
-                <a16:creationId xmlns:a16="http://schemas.microsoft.com/office/drawing/2014/main" id="{F84E7684-FB2D-B131-4428-F474979CDBE3}"/>
-              </a:ext>
-            </a:extLst>
-          </p:cNvPr>
+            <a:endParaRPr lang="en-US" dirty="0"/>
+          </a:p>
+        </p:txBody>
+      </p:sp>
+      <p:sp>
+        <p:nvSpPr>
+          <p:cNvPr id="5" name="Text Placeholder 4"/>
           <p:cNvSpPr>
             <a:spLocks noGrp="1"/>
           </p:cNvSpPr>
@@ -1687,16 +1850,22 @@
         </p:nvSpPr>
         <p:spPr>
           <a:xfrm>
-            <a:off x="6172200" y="1681163"/>
-            <a:ext cx="5183188" cy="823912"/>
-          </a:xfrm>
-        </p:spPr>
-        <p:txBody>
-          <a:bodyPr anchor="b"/>
+            <a:off x="6217920" y="1846052"/>
+            <a:ext cx="4937760" cy="736282"/>
+          </a:xfrm>
+        </p:spPr>
+        <p:txBody>
+          <a:bodyPr lIns="91440" rIns="91440" anchor="ctr">
+            <a:normAutofit/>
+          </a:bodyPr>
           <a:lstStyle>
             <a:lvl1pPr marL="0" indent="0">
               <a:buNone/>
-              <a:defRPr sz="2400" b="1"/>
+              <a:defRPr sz="2000" b="0" cap="all" baseline="0">
+                <a:solidFill>
+                  <a:schemeClr val="tx2"/>
+                </a:solidFill>
+              </a:defRPr>
             </a:lvl1pPr>
             <a:lvl2pPr marL="457200" indent="0">
               <a:buNone/>
@@ -1742,13 +1911,7 @@
       </p:sp>
       <p:sp>
         <p:nvSpPr>
-          <p:cNvPr id="6" name="Tartalom helye 5">
-            <a:extLst>
-              <a:ext uri="{FF2B5EF4-FFF2-40B4-BE49-F238E27FC236}">
-                <a16:creationId xmlns:a16="http://schemas.microsoft.com/office/drawing/2014/main" id="{F780957B-1C0C-FECF-8342-EA9C53BC3580}"/>
-              </a:ext>
-            </a:extLst>
-          </p:cNvPr>
+          <p:cNvPr id="6" name="Content Placeholder 5"/>
           <p:cNvSpPr>
             <a:spLocks noGrp="1"/>
           </p:cNvSpPr>
@@ -1758,8 +1921,8 @@
         </p:nvSpPr>
         <p:spPr>
           <a:xfrm>
-            <a:off x="6172200" y="2505075"/>
-            <a:ext cx="5183188" cy="3684588"/>
+            <a:off x="6217920" y="2582334"/>
+            <a:ext cx="4937760" cy="3378200"/>
           </a:xfrm>
         </p:spPr>
         <p:txBody>
@@ -1799,18 +1962,13 @@
               <a:rPr lang="hu-HU"/>
               <a:t>Ötödik szint</a:t>
             </a:r>
-          </a:p>
-        </p:txBody>
-      </p:sp>
-      <p:sp>
-        <p:nvSpPr>
-          <p:cNvPr id="7" name="Dátum helye 6">
-            <a:extLst>
-              <a:ext uri="{FF2B5EF4-FFF2-40B4-BE49-F238E27FC236}">
-                <a16:creationId xmlns:a16="http://schemas.microsoft.com/office/drawing/2014/main" id="{BE8090A0-6D3A-B4B6-807A-7F1A8A8FE305}"/>
-              </a:ext>
-            </a:extLst>
-          </p:cNvPr>
+            <a:endParaRPr lang="en-US" dirty="0"/>
+          </a:p>
+        </p:txBody>
+      </p:sp>
+      <p:sp>
+        <p:nvSpPr>
+          <p:cNvPr id="7" name="Date Placeholder 6"/>
           <p:cNvSpPr>
             <a:spLocks noGrp="1"/>
           </p:cNvSpPr>
@@ -1833,13 +1991,7 @@
       </p:sp>
       <p:sp>
         <p:nvSpPr>
-          <p:cNvPr id="8" name="Élőláb helye 7">
-            <a:extLst>
-              <a:ext uri="{FF2B5EF4-FFF2-40B4-BE49-F238E27FC236}">
-                <a16:creationId xmlns:a16="http://schemas.microsoft.com/office/drawing/2014/main" id="{B3106E8A-9F2D-9A80-A365-FEFF3EFE4B0F}"/>
-              </a:ext>
-            </a:extLst>
-          </p:cNvPr>
+          <p:cNvPr id="8" name="Footer Placeholder 7"/>
           <p:cNvSpPr>
             <a:spLocks noGrp="1"/>
           </p:cNvSpPr>
@@ -1858,13 +2010,7 @@
       </p:sp>
       <p:sp>
         <p:nvSpPr>
-          <p:cNvPr id="9" name="Dia számának helye 8">
-            <a:extLst>
-              <a:ext uri="{FF2B5EF4-FFF2-40B4-BE49-F238E27FC236}">
-                <a16:creationId xmlns:a16="http://schemas.microsoft.com/office/drawing/2014/main" id="{20F75758-6C77-5294-84A6-17A6911ED1DF}"/>
-              </a:ext>
-            </a:extLst>
-          </p:cNvPr>
+          <p:cNvPr id="9" name="Slide Number Placeholder 8"/>
           <p:cNvSpPr>
             <a:spLocks noGrp="1"/>
           </p:cNvSpPr>
@@ -1888,7 +2034,7 @@
     </p:spTree>
     <p:extLst>
       <p:ext uri="{BB962C8B-B14F-4D97-AF65-F5344CB8AC3E}">
-        <p14:creationId xmlns:p14="http://schemas.microsoft.com/office/powerpoint/2010/main" val="575762276"/>
+        <p14:creationId xmlns:p14="http://schemas.microsoft.com/office/powerpoint/2010/main" val="1521800156"/>
       </p:ext>
     </p:extLst>
   </p:cSld>
@@ -1917,13 +2063,7 @@
       </p:grpSpPr>
       <p:sp>
         <p:nvSpPr>
-          <p:cNvPr id="2" name="Cím 1">
-            <a:extLst>
-              <a:ext uri="{FF2B5EF4-FFF2-40B4-BE49-F238E27FC236}">
-                <a16:creationId xmlns:a16="http://schemas.microsoft.com/office/drawing/2014/main" id="{B1821441-B039-25EF-F8B5-872C6CD17EE0}"/>
-              </a:ext>
-            </a:extLst>
-          </p:cNvPr>
+          <p:cNvPr id="2" name="Title 1"/>
           <p:cNvSpPr>
             <a:spLocks noGrp="1"/>
           </p:cNvSpPr>
@@ -1940,18 +2080,13 @@
               <a:rPr lang="hu-HU"/>
               <a:t>Mintacím szerkesztése</a:t>
             </a:r>
-          </a:p>
-        </p:txBody>
-      </p:sp>
-      <p:sp>
-        <p:nvSpPr>
-          <p:cNvPr id="3" name="Dátum helye 2">
-            <a:extLst>
-              <a:ext uri="{FF2B5EF4-FFF2-40B4-BE49-F238E27FC236}">
-                <a16:creationId xmlns:a16="http://schemas.microsoft.com/office/drawing/2014/main" id="{C5539AD1-8217-9DD6-22AD-3AD4818AF974}"/>
-              </a:ext>
-            </a:extLst>
-          </p:cNvPr>
+            <a:endParaRPr lang="en-US" dirty="0"/>
+          </a:p>
+        </p:txBody>
+      </p:sp>
+      <p:sp>
+        <p:nvSpPr>
+          <p:cNvPr id="3" name="Date Placeholder 2"/>
           <p:cNvSpPr>
             <a:spLocks noGrp="1"/>
           </p:cNvSpPr>
@@ -1974,13 +2109,7 @@
       </p:sp>
       <p:sp>
         <p:nvSpPr>
-          <p:cNvPr id="4" name="Élőláb helye 3">
-            <a:extLst>
-              <a:ext uri="{FF2B5EF4-FFF2-40B4-BE49-F238E27FC236}">
-                <a16:creationId xmlns:a16="http://schemas.microsoft.com/office/drawing/2014/main" id="{C42B7646-FF10-266E-BBD6-3702357ABD9C}"/>
-              </a:ext>
-            </a:extLst>
-          </p:cNvPr>
+          <p:cNvPr id="4" name="Footer Placeholder 3"/>
           <p:cNvSpPr>
             <a:spLocks noGrp="1"/>
           </p:cNvSpPr>
@@ -1999,13 +2128,7 @@
       </p:sp>
       <p:sp>
         <p:nvSpPr>
-          <p:cNvPr id="5" name="Dia számának helye 4">
-            <a:extLst>
-              <a:ext uri="{FF2B5EF4-FFF2-40B4-BE49-F238E27FC236}">
-                <a16:creationId xmlns:a16="http://schemas.microsoft.com/office/drawing/2014/main" id="{442A859A-7246-76EB-5C77-574B1011A2E4}"/>
-              </a:ext>
-            </a:extLst>
-          </p:cNvPr>
+          <p:cNvPr id="5" name="Slide Number Placeholder 4"/>
           <p:cNvSpPr>
             <a:spLocks noGrp="1"/>
           </p:cNvSpPr>
@@ -2029,7 +2152,7 @@
     </p:spTree>
     <p:extLst>
       <p:ext uri="{BB962C8B-B14F-4D97-AF65-F5344CB8AC3E}">
-        <p14:creationId xmlns:p14="http://schemas.microsoft.com/office/powerpoint/2010/main" val="112623247"/>
+        <p14:creationId xmlns:p14="http://schemas.microsoft.com/office/powerpoint/2010/main" val="2414395964"/>
       </p:ext>
     </p:extLst>
   </p:cSld>
@@ -2040,7 +2163,7 @@
 </file>
 
 <file path=ppt/slideLayouts/slideLayout7.xml><?xml version="1.0" encoding="utf-8"?>
-<p:sldLayout xmlns:a="http://schemas.openxmlformats.org/drawingml/2006/main" xmlns:r="http://schemas.openxmlformats.org/officeDocument/2006/relationships" xmlns:p="http://schemas.openxmlformats.org/presentationml/2006/main" type="blank" preserve="1">
+<p:sldLayout xmlns:a="http://schemas.openxmlformats.org/drawingml/2006/main" xmlns:r="http://schemas.openxmlformats.org/officeDocument/2006/relationships" xmlns:p="http://schemas.openxmlformats.org/presentationml/2006/main" showMasterSp="0" type="blank" preserve="1">
   <p:cSld name="Üres">
     <p:spTree>
       <p:nvGrpSpPr>
@@ -2058,13 +2181,83 @@
       </p:grpSpPr>
       <p:sp>
         <p:nvSpPr>
-          <p:cNvPr id="2" name="Dátum helye 1">
-            <a:extLst>
-              <a:ext uri="{FF2B5EF4-FFF2-40B4-BE49-F238E27FC236}">
-                <a16:creationId xmlns:a16="http://schemas.microsoft.com/office/drawing/2014/main" id="{BB6109DF-2527-E9AB-0DCA-FE8F481EDCD9}"/>
-              </a:ext>
-            </a:extLst>
-          </p:cNvPr>
+          <p:cNvPr id="5" name="Rectangle 4"/>
+          <p:cNvSpPr/>
+          <p:nvPr/>
+        </p:nvSpPr>
+        <p:spPr>
+          <a:xfrm>
+            <a:off x="3175" y="6400800"/>
+            <a:ext cx="12188825" cy="457200"/>
+          </a:xfrm>
+          <a:prstGeom prst="rect">
+            <a:avLst/>
+          </a:prstGeom>
+          <a:solidFill>
+            <a:schemeClr val="accent2"/>
+          </a:solidFill>
+          <a:ln>
+            <a:noFill/>
+          </a:ln>
+        </p:spPr>
+        <p:style>
+          <a:lnRef idx="2">
+            <a:schemeClr val="accent1">
+              <a:shade val="50000"/>
+            </a:schemeClr>
+          </a:lnRef>
+          <a:fillRef idx="1">
+            <a:schemeClr val="accent1"/>
+          </a:fillRef>
+          <a:effectRef idx="0">
+            <a:schemeClr val="accent1"/>
+          </a:effectRef>
+          <a:fontRef idx="minor">
+            <a:schemeClr val="lt1"/>
+          </a:fontRef>
+        </p:style>
+      </p:sp>
+      <p:sp>
+        <p:nvSpPr>
+          <p:cNvPr id="6" name="Rectangle 5"/>
+          <p:cNvSpPr/>
+          <p:nvPr/>
+        </p:nvSpPr>
+        <p:spPr>
+          <a:xfrm>
+            <a:off x="15" y="6334316"/>
+            <a:ext cx="12188825" cy="64008"/>
+          </a:xfrm>
+          <a:prstGeom prst="rect">
+            <a:avLst/>
+          </a:prstGeom>
+          <a:solidFill>
+            <a:schemeClr val="accent1"/>
+          </a:solidFill>
+          <a:ln>
+            <a:noFill/>
+          </a:ln>
+        </p:spPr>
+        <p:style>
+          <a:lnRef idx="2">
+            <a:schemeClr val="accent1">
+              <a:shade val="50000"/>
+            </a:schemeClr>
+          </a:lnRef>
+          <a:fillRef idx="1">
+            <a:schemeClr val="accent1"/>
+          </a:fillRef>
+          <a:effectRef idx="0">
+            <a:schemeClr val="accent1"/>
+          </a:effectRef>
+          <a:fontRef idx="minor">
+            <a:schemeClr val="lt1"/>
+          </a:fontRef>
+        </p:style>
+      </p:sp>
+      <p:sp>
+        <p:nvSpPr>
+          <p:cNvPr id="7" name="Date Placeholder 6"/>
           <p:cNvSpPr>
             <a:spLocks noGrp="1"/>
           </p:cNvSpPr>
@@ -2087,13 +2280,7 @@
       </p:sp>
       <p:sp>
         <p:nvSpPr>
-          <p:cNvPr id="3" name="Élőláb helye 2">
-            <a:extLst>
-              <a:ext uri="{FF2B5EF4-FFF2-40B4-BE49-F238E27FC236}">
-                <a16:creationId xmlns:a16="http://schemas.microsoft.com/office/drawing/2014/main" id="{53C1754D-8630-F723-9CEA-07EBA3A9F12F}"/>
-              </a:ext>
-            </a:extLst>
-          </p:cNvPr>
+          <p:cNvPr id="8" name="Footer Placeholder 7"/>
           <p:cNvSpPr>
             <a:spLocks noGrp="1"/>
           </p:cNvSpPr>
@@ -2104,7 +2291,15 @@
         <p:spPr/>
         <p:txBody>
           <a:bodyPr/>
-          <a:lstStyle/>
+          <a:lstStyle>
+            <a:lvl1pPr>
+              <a:defRPr>
+                <a:solidFill>
+                  <a:srgbClr val="FFFFFF"/>
+                </a:solidFill>
+              </a:defRPr>
+            </a:lvl1pPr>
+          </a:lstStyle>
           <a:p>
             <a:endParaRPr lang="hu-HU"/>
           </a:p>
@@ -2112,13 +2307,7 @@
       </p:sp>
       <p:sp>
         <p:nvSpPr>
-          <p:cNvPr id="4" name="Dia számának helye 3">
-            <a:extLst>
-              <a:ext uri="{FF2B5EF4-FFF2-40B4-BE49-F238E27FC236}">
-                <a16:creationId xmlns:a16="http://schemas.microsoft.com/office/drawing/2014/main" id="{A0996541-A16C-522C-9767-91B7536A2500}"/>
-              </a:ext>
-            </a:extLst>
-          </p:cNvPr>
+          <p:cNvPr id="9" name="Slide Number Placeholder 8"/>
           <p:cNvSpPr>
             <a:spLocks noGrp="1"/>
           </p:cNvSpPr>
@@ -2142,7 +2331,7 @@
     </p:spTree>
     <p:extLst>
       <p:ext uri="{BB962C8B-B14F-4D97-AF65-F5344CB8AC3E}">
-        <p14:creationId xmlns:p14="http://schemas.microsoft.com/office/powerpoint/2010/main" val="2180318310"/>
+        <p14:creationId xmlns:p14="http://schemas.microsoft.com/office/powerpoint/2010/main" val="4258578559"/>
       </p:ext>
     </p:extLst>
   </p:cSld>
@@ -2153,7 +2342,7 @@
 </file>
 
 <file path=ppt/slideLayouts/slideLayout8.xml><?xml version="1.0" encoding="utf-8"?>
-<p:sldLayout xmlns:a="http://schemas.openxmlformats.org/drawingml/2006/main" xmlns:r="http://schemas.openxmlformats.org/officeDocument/2006/relationships" xmlns:p="http://schemas.openxmlformats.org/presentationml/2006/main" type="objTx" preserve="1">
+<p:sldLayout xmlns:a="http://schemas.openxmlformats.org/drawingml/2006/main" xmlns:r="http://schemas.openxmlformats.org/officeDocument/2006/relationships" xmlns:p="http://schemas.openxmlformats.org/presentationml/2006/main" showMasterSp="0" type="objTx" preserve="1">
   <p:cSld name="Tartalomrész képaláírással">
     <p:spTree>
       <p:nvGrpSpPr>
@@ -2171,13 +2360,83 @@
       </p:grpSpPr>
       <p:sp>
         <p:nvSpPr>
-          <p:cNvPr id="2" name="Cím 1">
-            <a:extLst>
-              <a:ext uri="{FF2B5EF4-FFF2-40B4-BE49-F238E27FC236}">
-                <a16:creationId xmlns:a16="http://schemas.microsoft.com/office/drawing/2014/main" id="{00CECC8D-09DE-4E0A-73B6-CCE372FA856D}"/>
-              </a:ext>
-            </a:extLst>
-          </p:cNvPr>
+          <p:cNvPr id="8" name="Rectangle 7"/>
+          <p:cNvSpPr/>
+          <p:nvPr/>
+        </p:nvSpPr>
+        <p:spPr>
+          <a:xfrm>
+            <a:off x="16" y="0"/>
+            <a:ext cx="4050791" cy="6858000"/>
+          </a:xfrm>
+          <a:prstGeom prst="rect">
+            <a:avLst/>
+          </a:prstGeom>
+          <a:solidFill>
+            <a:schemeClr val="accent2"/>
+          </a:solidFill>
+          <a:ln>
+            <a:noFill/>
+          </a:ln>
+        </p:spPr>
+        <p:style>
+          <a:lnRef idx="2">
+            <a:schemeClr val="accent1">
+              <a:shade val="50000"/>
+            </a:schemeClr>
+          </a:lnRef>
+          <a:fillRef idx="1">
+            <a:schemeClr val="accent1"/>
+          </a:fillRef>
+          <a:effectRef idx="0">
+            <a:schemeClr val="accent1"/>
+          </a:effectRef>
+          <a:fontRef idx="minor">
+            <a:schemeClr val="lt1"/>
+          </a:fontRef>
+        </p:style>
+      </p:sp>
+      <p:sp>
+        <p:nvSpPr>
+          <p:cNvPr id="9" name="Rectangle 8"/>
+          <p:cNvSpPr/>
+          <p:nvPr/>
+        </p:nvSpPr>
+        <p:spPr>
+          <a:xfrm>
+            <a:off x="4040071" y="0"/>
+            <a:ext cx="64008" cy="6858000"/>
+          </a:xfrm>
+          <a:prstGeom prst="rect">
+            <a:avLst/>
+          </a:prstGeom>
+          <a:solidFill>
+            <a:schemeClr val="accent1"/>
+          </a:solidFill>
+          <a:ln>
+            <a:noFill/>
+          </a:ln>
+        </p:spPr>
+        <p:style>
+          <a:lnRef idx="2">
+            <a:schemeClr val="accent1">
+              <a:shade val="50000"/>
+            </a:schemeClr>
+          </a:lnRef>
+          <a:fillRef idx="1">
+            <a:schemeClr val="accent1"/>
+          </a:fillRef>
+          <a:effectRef idx="0">
+            <a:schemeClr val="accent1"/>
+          </a:effectRef>
+          <a:fontRef idx="minor">
+            <a:schemeClr val="lt1"/>
+          </a:fontRef>
+        </p:style>
+      </p:sp>
+      <p:sp>
+        <p:nvSpPr>
+          <p:cNvPr id="2" name="Title 1"/>
           <p:cNvSpPr>
             <a:spLocks noGrp="1"/>
           </p:cNvSpPr>
@@ -2187,15 +2446,21 @@
         </p:nvSpPr>
         <p:spPr>
           <a:xfrm>
-            <a:off x="839788" y="457200"/>
-            <a:ext cx="3932237" cy="1600200"/>
-          </a:xfrm>
-        </p:spPr>
-        <p:txBody>
-          <a:bodyPr anchor="b"/>
+            <a:off x="457200" y="594359"/>
+            <a:ext cx="3200400" cy="2286000"/>
+          </a:xfrm>
+        </p:spPr>
+        <p:txBody>
+          <a:bodyPr anchor="b">
+            <a:normAutofit/>
+          </a:bodyPr>
           <a:lstStyle>
             <a:lvl1pPr>
-              <a:defRPr sz="3200"/>
+              <a:defRPr sz="3600" b="0">
+                <a:solidFill>
+                  <a:srgbClr val="FFFFFF"/>
+                </a:solidFill>
+              </a:defRPr>
             </a:lvl1pPr>
           </a:lstStyle>
           <a:p>
@@ -2203,18 +2468,13 @@
               <a:rPr lang="hu-HU"/>
               <a:t>Mintacím szerkesztése</a:t>
             </a:r>
-          </a:p>
-        </p:txBody>
-      </p:sp>
-      <p:sp>
-        <p:nvSpPr>
-          <p:cNvPr id="3" name="Tartalom helye 2">
-            <a:extLst>
-              <a:ext uri="{FF2B5EF4-FFF2-40B4-BE49-F238E27FC236}">
-                <a16:creationId xmlns:a16="http://schemas.microsoft.com/office/drawing/2014/main" id="{DD690582-75E6-056C-5F06-01127F39F883}"/>
-              </a:ext>
-            </a:extLst>
-          </p:cNvPr>
+            <a:endParaRPr lang="en-US" dirty="0"/>
+          </a:p>
+        </p:txBody>
+      </p:sp>
+      <p:sp>
+        <p:nvSpPr>
+          <p:cNvPr id="3" name="Content Placeholder 2"/>
           <p:cNvSpPr>
             <a:spLocks noGrp="1"/>
           </p:cNvSpPr>
@@ -2224,41 +2484,13 @@
         </p:nvSpPr>
         <p:spPr>
           <a:xfrm>
-            <a:off x="5183188" y="987425"/>
-            <a:ext cx="6172200" cy="4873625"/>
+            <a:off x="4800600" y="731520"/>
+            <a:ext cx="6492240" cy="5257800"/>
           </a:xfrm>
         </p:spPr>
         <p:txBody>
           <a:bodyPr/>
-          <a:lstStyle>
-            <a:lvl1pPr>
-              <a:defRPr sz="3200"/>
-            </a:lvl1pPr>
-            <a:lvl2pPr>
-              <a:defRPr sz="2800"/>
-            </a:lvl2pPr>
-            <a:lvl3pPr>
-              <a:defRPr sz="2400"/>
-            </a:lvl3pPr>
-            <a:lvl4pPr>
-              <a:defRPr sz="2000"/>
-            </a:lvl4pPr>
-            <a:lvl5pPr>
-              <a:defRPr sz="2000"/>
-            </a:lvl5pPr>
-            <a:lvl6pPr>
-              <a:defRPr sz="2000"/>
-            </a:lvl6pPr>
-            <a:lvl7pPr>
-              <a:defRPr sz="2000"/>
-            </a:lvl7pPr>
-            <a:lvl8pPr>
-              <a:defRPr sz="2000"/>
-            </a:lvl8pPr>
-            <a:lvl9pPr>
-              <a:defRPr sz="2000"/>
-            </a:lvl9pPr>
-          </a:lstStyle>
+          <a:lstStyle/>
           <a:p>
             <a:pPr lvl="0"/>
             <a:r>
@@ -2293,18 +2525,13 @@
               <a:rPr lang="hu-HU"/>
               <a:t>Ötödik szint</a:t>
             </a:r>
-          </a:p>
-        </p:txBody>
-      </p:sp>
-      <p:sp>
-        <p:nvSpPr>
-          <p:cNvPr id="4" name="Szöveg helye 3">
-            <a:extLst>
-              <a:ext uri="{FF2B5EF4-FFF2-40B4-BE49-F238E27FC236}">
-                <a16:creationId xmlns:a16="http://schemas.microsoft.com/office/drawing/2014/main" id="{51188903-901E-9F94-C9E6-A9BBB496B748}"/>
-              </a:ext>
-            </a:extLst>
-          </p:cNvPr>
+            <a:endParaRPr lang="en-US" dirty="0"/>
+          </a:p>
+        </p:txBody>
+      </p:sp>
+      <p:sp>
+        <p:nvSpPr>
+          <p:cNvPr id="4" name="Text Placeholder 3"/>
           <p:cNvSpPr>
             <a:spLocks noGrp="1"/>
           </p:cNvSpPr>
@@ -2314,48 +2541,54 @@
         </p:nvSpPr>
         <p:spPr>
           <a:xfrm>
-            <a:off x="839788" y="2057400"/>
-            <a:ext cx="3932237" cy="3811588"/>
-          </a:xfrm>
-        </p:spPr>
-        <p:txBody>
-          <a:bodyPr/>
+            <a:off x="457200" y="2926080"/>
+            <a:ext cx="3200400" cy="3379124"/>
+          </a:xfrm>
+        </p:spPr>
+        <p:txBody>
+          <a:bodyPr lIns="91440" rIns="91440">
+            <a:normAutofit/>
+          </a:bodyPr>
           <a:lstStyle>
             <a:lvl1pPr marL="0" indent="0">
               <a:buNone/>
-              <a:defRPr sz="1600"/>
+              <a:defRPr sz="1500">
+                <a:solidFill>
+                  <a:srgbClr val="FFFFFF"/>
+                </a:solidFill>
+              </a:defRPr>
             </a:lvl1pPr>
             <a:lvl2pPr marL="457200" indent="0">
               <a:buNone/>
-              <a:defRPr sz="1400"/>
+              <a:defRPr sz="1200"/>
             </a:lvl2pPr>
             <a:lvl3pPr marL="914400" indent="0">
               <a:buNone/>
-              <a:defRPr sz="1200"/>
+              <a:defRPr sz="1000"/>
             </a:lvl3pPr>
             <a:lvl4pPr marL="1371600" indent="0">
               <a:buNone/>
-              <a:defRPr sz="1000"/>
+              <a:defRPr sz="900"/>
             </a:lvl4pPr>
             <a:lvl5pPr marL="1828800" indent="0">
               <a:buNone/>
-              <a:defRPr sz="1000"/>
+              <a:defRPr sz="900"/>
             </a:lvl5pPr>
             <a:lvl6pPr marL="2286000" indent="0">
               <a:buNone/>
-              <a:defRPr sz="1000"/>
+              <a:defRPr sz="900"/>
             </a:lvl6pPr>
             <a:lvl7pPr marL="2743200" indent="0">
               <a:buNone/>
-              <a:defRPr sz="1000"/>
+              <a:defRPr sz="900"/>
             </a:lvl7pPr>
             <a:lvl8pPr marL="3200400" indent="0">
               <a:buNone/>
-              <a:defRPr sz="1000"/>
+              <a:defRPr sz="900"/>
             </a:lvl8pPr>
             <a:lvl9pPr marL="3657600" indent="0">
               <a:buNone/>
-              <a:defRPr sz="1000"/>
+              <a:defRPr sz="900"/>
             </a:lvl9pPr>
           </a:lstStyle>
           <a:p>
@@ -2369,13 +2602,7 @@
       </p:sp>
       <p:sp>
         <p:nvSpPr>
-          <p:cNvPr id="5" name="Dátum helye 4">
-            <a:extLst>
-              <a:ext uri="{FF2B5EF4-FFF2-40B4-BE49-F238E27FC236}">
-                <a16:creationId xmlns:a16="http://schemas.microsoft.com/office/drawing/2014/main" id="{938C20F1-1BAC-19C5-D048-AC95986F8623}"/>
-              </a:ext>
-            </a:extLst>
-          </p:cNvPr>
+          <p:cNvPr id="5" name="Date Placeholder 4"/>
           <p:cNvSpPr>
             <a:spLocks noGrp="1"/>
           </p:cNvSpPr>
@@ -2383,10 +2610,19 @@
             <p:ph type="dt" sz="half" idx="10"/>
           </p:nvPr>
         </p:nvSpPr>
-        <p:spPr/>
+        <p:spPr>
+          <a:xfrm>
+            <a:off x="465512" y="6459785"/>
+            <a:ext cx="2618510" cy="365125"/>
+          </a:xfrm>
+        </p:spPr>
         <p:txBody>
           <a:bodyPr/>
-          <a:lstStyle/>
+          <a:lstStyle>
+            <a:lvl1pPr algn="l">
+              <a:defRPr/>
+            </a:lvl1pPr>
+          </a:lstStyle>
           <a:p>
             <a:fld id="{837BAD36-7A2E-4BBD-9EE7-519292F2A9F3}" type="datetimeFigureOut">
               <a:rPr lang="hu-HU" smtClean="0"/>
@@ -2398,13 +2634,7 @@
       </p:sp>
       <p:sp>
         <p:nvSpPr>
-          <p:cNvPr id="6" name="Élőláb helye 5">
-            <a:extLst>
-              <a:ext uri="{FF2B5EF4-FFF2-40B4-BE49-F238E27FC236}">
-                <a16:creationId xmlns:a16="http://schemas.microsoft.com/office/drawing/2014/main" id="{ADF69B71-4729-7E91-62C6-3D34B6F6940A}"/>
-              </a:ext>
-            </a:extLst>
-          </p:cNvPr>
+          <p:cNvPr id="6" name="Footer Placeholder 5"/>
           <p:cNvSpPr>
             <a:spLocks noGrp="1"/>
           </p:cNvSpPr>
@@ -2412,35 +2642,50 @@
             <p:ph type="ftr" sz="quarter" idx="11"/>
           </p:nvPr>
         </p:nvSpPr>
+        <p:spPr>
+          <a:xfrm>
+            <a:off x="4800600" y="6459785"/>
+            <a:ext cx="4648200" cy="365125"/>
+          </a:xfrm>
+        </p:spPr>
+        <p:txBody>
+          <a:bodyPr/>
+          <a:lstStyle>
+            <a:lvl1pPr algn="l">
+              <a:defRPr>
+                <a:solidFill>
+                  <a:schemeClr val="tx2"/>
+                </a:solidFill>
+              </a:defRPr>
+            </a:lvl1pPr>
+          </a:lstStyle>
+          <a:p>
+            <a:endParaRPr lang="hu-HU"/>
+          </a:p>
+        </p:txBody>
+      </p:sp>
+      <p:sp>
+        <p:nvSpPr>
+          <p:cNvPr id="7" name="Slide Number Placeholder 6"/>
+          <p:cNvSpPr>
+            <a:spLocks noGrp="1"/>
+          </p:cNvSpPr>
+          <p:nvPr>
+            <p:ph type="sldNum" sz="quarter" idx="12"/>
+          </p:nvPr>
+        </p:nvSpPr>
         <p:spPr/>
         <p:txBody>
           <a:bodyPr/>
-          <a:lstStyle/>
-          <a:p>
-            <a:endParaRPr lang="hu-HU"/>
-          </a:p>
-        </p:txBody>
-      </p:sp>
-      <p:sp>
-        <p:nvSpPr>
-          <p:cNvPr id="7" name="Dia számának helye 6">
-            <a:extLst>
-              <a:ext uri="{FF2B5EF4-FFF2-40B4-BE49-F238E27FC236}">
-                <a16:creationId xmlns:a16="http://schemas.microsoft.com/office/drawing/2014/main" id="{0E7B8BE0-A1FF-6BD5-5009-E30E8023D5DB}"/>
-              </a:ext>
-            </a:extLst>
-          </p:cNvPr>
-          <p:cNvSpPr>
-            <a:spLocks noGrp="1"/>
-          </p:cNvSpPr>
-          <p:nvPr>
-            <p:ph type="sldNum" sz="quarter" idx="12"/>
-          </p:nvPr>
-        </p:nvSpPr>
-        <p:spPr/>
-        <p:txBody>
-          <a:bodyPr/>
-          <a:lstStyle/>
+          <a:lstStyle>
+            <a:lvl1pPr>
+              <a:defRPr>
+                <a:solidFill>
+                  <a:schemeClr val="tx2"/>
+                </a:solidFill>
+              </a:defRPr>
+            </a:lvl1pPr>
+          </a:lstStyle>
           <a:p>
             <a:fld id="{AF55A127-FF04-4368-A3A9-8B763EBF03A9}" type="slidenum">
               <a:rPr lang="hu-HU" smtClean="0"/>
@@ -2453,7 +2698,7 @@
     </p:spTree>
     <p:extLst>
       <p:ext uri="{BB962C8B-B14F-4D97-AF65-F5344CB8AC3E}">
-        <p14:creationId xmlns:p14="http://schemas.microsoft.com/office/powerpoint/2010/main" val="3575250088"/>
+        <p14:creationId xmlns:p14="http://schemas.microsoft.com/office/powerpoint/2010/main" val="3564049972"/>
       </p:ext>
     </p:extLst>
   </p:cSld>
@@ -2464,7 +2709,7 @@
 </file>
 
 <file path=ppt/slideLayouts/slideLayout9.xml><?xml version="1.0" encoding="utf-8"?>
-<p:sldLayout xmlns:a="http://schemas.openxmlformats.org/drawingml/2006/main" xmlns:r="http://schemas.openxmlformats.org/officeDocument/2006/relationships" xmlns:p="http://schemas.openxmlformats.org/presentationml/2006/main" type="picTx" preserve="1">
+<p:sldLayout xmlns:a="http://schemas.openxmlformats.org/drawingml/2006/main" xmlns:r="http://schemas.openxmlformats.org/officeDocument/2006/relationships" xmlns:p="http://schemas.openxmlformats.org/presentationml/2006/main" showMasterSp="0" type="picTx" preserve="1">
   <p:cSld name="Kép képaláírással">
     <p:spTree>
       <p:nvGrpSpPr>
@@ -2482,13 +2727,83 @@
       </p:grpSpPr>
       <p:sp>
         <p:nvSpPr>
-          <p:cNvPr id="2" name="Cím 1">
-            <a:extLst>
-              <a:ext uri="{FF2B5EF4-FFF2-40B4-BE49-F238E27FC236}">
-                <a16:creationId xmlns:a16="http://schemas.microsoft.com/office/drawing/2014/main" id="{8D6BF93C-055B-F80E-3852-D39C15F74AF8}"/>
-              </a:ext>
-            </a:extLst>
-          </p:cNvPr>
+          <p:cNvPr id="8" name="Rectangle 7"/>
+          <p:cNvSpPr/>
+          <p:nvPr/>
+        </p:nvSpPr>
+        <p:spPr>
+          <a:xfrm>
+            <a:off x="0" y="4953000"/>
+            <a:ext cx="12188825" cy="1905000"/>
+          </a:xfrm>
+          <a:prstGeom prst="rect">
+            <a:avLst/>
+          </a:prstGeom>
+          <a:solidFill>
+            <a:schemeClr val="accent2"/>
+          </a:solidFill>
+          <a:ln>
+            <a:noFill/>
+          </a:ln>
+        </p:spPr>
+        <p:style>
+          <a:lnRef idx="2">
+            <a:schemeClr val="accent1">
+              <a:shade val="50000"/>
+            </a:schemeClr>
+          </a:lnRef>
+          <a:fillRef idx="1">
+            <a:schemeClr val="accent1"/>
+          </a:fillRef>
+          <a:effectRef idx="0">
+            <a:schemeClr val="accent1"/>
+          </a:effectRef>
+          <a:fontRef idx="minor">
+            <a:schemeClr val="lt1"/>
+          </a:fontRef>
+        </p:style>
+      </p:sp>
+      <p:sp>
+        <p:nvSpPr>
+          <p:cNvPr id="9" name="Rectangle 8"/>
+          <p:cNvSpPr/>
+          <p:nvPr/>
+        </p:nvSpPr>
+        <p:spPr>
+          <a:xfrm>
+            <a:off x="15" y="4915076"/>
+            <a:ext cx="12188825" cy="64008"/>
+          </a:xfrm>
+          <a:prstGeom prst="rect">
+            <a:avLst/>
+          </a:prstGeom>
+          <a:solidFill>
+            <a:schemeClr val="accent1"/>
+          </a:solidFill>
+          <a:ln>
+            <a:noFill/>
+          </a:ln>
+        </p:spPr>
+        <p:style>
+          <a:lnRef idx="2">
+            <a:schemeClr val="accent1">
+              <a:shade val="50000"/>
+            </a:schemeClr>
+          </a:lnRef>
+          <a:fillRef idx="1">
+            <a:schemeClr val="accent1"/>
+          </a:fillRef>
+          <a:effectRef idx="0">
+            <a:schemeClr val="accent1"/>
+          </a:effectRef>
+          <a:fontRef idx="minor">
+            <a:schemeClr val="lt1"/>
+          </a:fontRef>
+        </p:style>
+      </p:sp>
+      <p:sp>
+        <p:nvSpPr>
+          <p:cNvPr id="2" name="Title 1"/>
           <p:cNvSpPr>
             <a:spLocks noGrp="1"/>
           </p:cNvSpPr>
@@ -2498,15 +2813,21 @@
         </p:nvSpPr>
         <p:spPr>
           <a:xfrm>
-            <a:off x="839788" y="457200"/>
-            <a:ext cx="3932237" cy="1600200"/>
-          </a:xfrm>
-        </p:spPr>
-        <p:txBody>
-          <a:bodyPr anchor="b"/>
+            <a:off x="1097280" y="5074920"/>
+            <a:ext cx="10113264" cy="822960"/>
+          </a:xfrm>
+        </p:spPr>
+        <p:txBody>
+          <a:bodyPr lIns="91440" tIns="0" rIns="91440" bIns="0" anchor="b">
+            <a:noAutofit/>
+          </a:bodyPr>
           <a:lstStyle>
             <a:lvl1pPr>
-              <a:defRPr sz="3200"/>
+              <a:defRPr sz="3600" b="0">
+                <a:solidFill>
+                  <a:srgbClr val="FFFFFF"/>
+                </a:solidFill>
+              </a:defRPr>
             </a:lvl1pPr>
           </a:lstStyle>
           <a:p>
@@ -2514,20 +2835,15 @@
               <a:rPr lang="hu-HU"/>
               <a:t>Mintacím szerkesztése</a:t>
             </a:r>
-          </a:p>
-        </p:txBody>
-      </p:sp>
-      <p:sp>
-        <p:nvSpPr>
-          <p:cNvPr id="3" name="Kép helye 2">
-            <a:extLst>
-              <a:ext uri="{FF2B5EF4-FFF2-40B4-BE49-F238E27FC236}">
-                <a16:creationId xmlns:a16="http://schemas.microsoft.com/office/drawing/2014/main" id="{B730ED60-6D00-A13E-F684-7A554C715252}"/>
-              </a:ext>
-            </a:extLst>
-          </p:cNvPr>
-          <p:cNvSpPr>
-            <a:spLocks noGrp="1"/>
+            <a:endParaRPr lang="en-US" dirty="0"/>
+          </a:p>
+        </p:txBody>
+      </p:sp>
+      <p:sp>
+        <p:nvSpPr>
+          <p:cNvPr id="3" name="Picture Placeholder 2"/>
+          <p:cNvSpPr>
+            <a:spLocks noGrp="1" noChangeAspect="1"/>
           </p:cNvSpPr>
           <p:nvPr>
             <p:ph type="pic" idx="1"/>
@@ -2535,16 +2851,26 @@
         </p:nvSpPr>
         <p:spPr>
           <a:xfrm>
-            <a:off x="5183188" y="987425"/>
-            <a:ext cx="6172200" cy="4873625"/>
-          </a:xfrm>
-        </p:spPr>
-        <p:txBody>
-          <a:bodyPr/>
+            <a:off x="15" y="0"/>
+            <a:ext cx="12191985" cy="4915076"/>
+          </a:xfrm>
+          <a:blipFill>
+            <a:blip r:embed="rId2"/>
+            <a:stretch>
+              <a:fillRect/>
+            </a:stretch>
+          </a:blipFill>
+        </p:spPr>
+        <p:txBody>
+          <a:bodyPr lIns="457200" tIns="457200" anchor="t"/>
           <a:lstStyle>
             <a:lvl1pPr marL="0" indent="0">
               <a:buNone/>
-              <a:defRPr sz="3200"/>
+              <a:defRPr sz="3200">
+                <a:solidFill>
+                  <a:schemeClr val="bg1"/>
+                </a:solidFill>
+              </a:defRPr>
             </a:lvl1pPr>
             <a:lvl2pPr marL="457200" indent="0">
               <a:buNone/>
@@ -2580,19 +2906,17 @@
             </a:lvl9pPr>
           </a:lstStyle>
           <a:p>
-            <a:endParaRPr lang="hu-HU"/>
-          </a:p>
-        </p:txBody>
-      </p:sp>
-      <p:sp>
-        <p:nvSpPr>
-          <p:cNvPr id="4" name="Szöveg helye 3">
-            <a:extLst>
-              <a:ext uri="{FF2B5EF4-FFF2-40B4-BE49-F238E27FC236}">
-                <a16:creationId xmlns:a16="http://schemas.microsoft.com/office/drawing/2014/main" id="{CC4DC80F-473B-162F-A1A4-002ED195945C}"/>
-              </a:ext>
-            </a:extLst>
-          </p:cNvPr>
+            <a:r>
+              <a:rPr lang="hu-HU"/>
+              <a:t>Kép beszúrásához kattintson az ikonra</a:t>
+            </a:r>
+            <a:endParaRPr lang="en-US" dirty="0"/>
+          </a:p>
+        </p:txBody>
+      </p:sp>
+      <p:sp>
+        <p:nvSpPr>
+          <p:cNvPr id="4" name="Text Placeholder 3"/>
           <p:cNvSpPr>
             <a:spLocks noGrp="1"/>
           </p:cNvSpPr>
@@ -2602,48 +2926,60 @@
         </p:nvSpPr>
         <p:spPr>
           <a:xfrm>
-            <a:off x="839788" y="2057400"/>
-            <a:ext cx="3932237" cy="3811588"/>
-          </a:xfrm>
-        </p:spPr>
-        <p:txBody>
-          <a:bodyPr/>
+            <a:off x="1097280" y="5907023"/>
+            <a:ext cx="10113264" cy="594360"/>
+          </a:xfrm>
+        </p:spPr>
+        <p:txBody>
+          <a:bodyPr lIns="91440" tIns="0" rIns="91440" bIns="0">
+            <a:normAutofit/>
+          </a:bodyPr>
           <a:lstStyle>
             <a:lvl1pPr marL="0" indent="0">
+              <a:spcBef>
+                <a:spcPts val="0"/>
+              </a:spcBef>
+              <a:spcAft>
+                <a:spcPts val="600"/>
+              </a:spcAft>
               <a:buNone/>
-              <a:defRPr sz="1600"/>
+              <a:defRPr sz="1500">
+                <a:solidFill>
+                  <a:srgbClr val="FFFFFF"/>
+                </a:solidFill>
+              </a:defRPr>
             </a:lvl1pPr>
             <a:lvl2pPr marL="457200" indent="0">
               <a:buNone/>
-              <a:defRPr sz="1400"/>
+              <a:defRPr sz="1200"/>
             </a:lvl2pPr>
             <a:lvl3pPr marL="914400" indent="0">
               <a:buNone/>
-              <a:defRPr sz="1200"/>
+              <a:defRPr sz="1000"/>
             </a:lvl3pPr>
             <a:lvl4pPr marL="1371600" indent="0">
               <a:buNone/>
-              <a:defRPr sz="1000"/>
+              <a:defRPr sz="900"/>
             </a:lvl4pPr>
             <a:lvl5pPr marL="1828800" indent="0">
               <a:buNone/>
-              <a:defRPr sz="1000"/>
+              <a:defRPr sz="900"/>
             </a:lvl5pPr>
             <a:lvl6pPr marL="2286000" indent="0">
               <a:buNone/>
-              <a:defRPr sz="1000"/>
+              <a:defRPr sz="900"/>
             </a:lvl6pPr>
             <a:lvl7pPr marL="2743200" indent="0">
               <a:buNone/>
-              <a:defRPr sz="1000"/>
+              <a:defRPr sz="900"/>
             </a:lvl7pPr>
             <a:lvl8pPr marL="3200400" indent="0">
               <a:buNone/>
-              <a:defRPr sz="1000"/>
+              <a:defRPr sz="900"/>
             </a:lvl8pPr>
             <a:lvl9pPr marL="3657600" indent="0">
               <a:buNone/>
-              <a:defRPr sz="1000"/>
+              <a:defRPr sz="900"/>
             </a:lvl9pPr>
           </a:lstStyle>
           <a:p>
@@ -2657,13 +2993,7 @@
       </p:sp>
       <p:sp>
         <p:nvSpPr>
-          <p:cNvPr id="5" name="Dátum helye 4">
-            <a:extLst>
-              <a:ext uri="{FF2B5EF4-FFF2-40B4-BE49-F238E27FC236}">
-                <a16:creationId xmlns:a16="http://schemas.microsoft.com/office/drawing/2014/main" id="{E6C84708-992C-1694-87EE-DE6F05B3696B}"/>
-              </a:ext>
-            </a:extLst>
-          </p:cNvPr>
+          <p:cNvPr id="5" name="Date Placeholder 4"/>
           <p:cNvSpPr>
             <a:spLocks noGrp="1"/>
           </p:cNvSpPr>
@@ -2686,13 +3016,7 @@
       </p:sp>
       <p:sp>
         <p:nvSpPr>
-          <p:cNvPr id="6" name="Élőláb helye 5">
-            <a:extLst>
-              <a:ext uri="{FF2B5EF4-FFF2-40B4-BE49-F238E27FC236}">
-                <a16:creationId xmlns:a16="http://schemas.microsoft.com/office/drawing/2014/main" id="{F9C3346D-302C-7A1A-61A4-DC70B8AA4AFB}"/>
-              </a:ext>
-            </a:extLst>
-          </p:cNvPr>
+          <p:cNvPr id="6" name="Footer Placeholder 5"/>
           <p:cNvSpPr>
             <a:spLocks noGrp="1"/>
           </p:cNvSpPr>
@@ -2711,13 +3035,7 @@
       </p:sp>
       <p:sp>
         <p:nvSpPr>
-          <p:cNvPr id="7" name="Dia számának helye 6">
-            <a:extLst>
-              <a:ext uri="{FF2B5EF4-FFF2-40B4-BE49-F238E27FC236}">
-                <a16:creationId xmlns:a16="http://schemas.microsoft.com/office/drawing/2014/main" id="{C6AC8059-8535-17CF-8ADD-7465CF66D6E9}"/>
-              </a:ext>
-            </a:extLst>
-          </p:cNvPr>
+          <p:cNvPr id="7" name="Slide Number Placeholder 6"/>
           <p:cNvSpPr>
             <a:spLocks noGrp="1"/>
           </p:cNvSpPr>
@@ -2741,7 +3059,7 @@
     </p:spTree>
     <p:extLst>
       <p:ext uri="{BB962C8B-B14F-4D97-AF65-F5344CB8AC3E}">
-        <p14:creationId xmlns:p14="http://schemas.microsoft.com/office/powerpoint/2010/main" val="1476392257"/>
+        <p14:creationId xmlns:p14="http://schemas.microsoft.com/office/powerpoint/2010/main" val="1195504143"/>
       </p:ext>
     </p:extLst>
   </p:cSld>
@@ -2775,143 +3093,201 @@
       </p:grpSpPr>
       <p:sp>
         <p:nvSpPr>
-          <p:cNvPr id="2" name="Cím helye 1">
-            <a:extLst>
-              <a:ext uri="{FF2B5EF4-FFF2-40B4-BE49-F238E27FC236}">
-                <a16:creationId xmlns:a16="http://schemas.microsoft.com/office/drawing/2014/main" id="{4382AB98-CB7A-D6A8-2EEF-021FDFAF85CF}"/>
-              </a:ext>
-            </a:extLst>
-          </p:cNvPr>
-          <p:cNvSpPr>
-            <a:spLocks noGrp="1"/>
-          </p:cNvSpPr>
-          <p:nvPr>
-            <p:ph type="title"/>
-          </p:nvPr>
+          <p:cNvPr id="7" name="Rectangle 6"/>
+          <p:cNvSpPr/>
+          <p:nvPr/>
         </p:nvSpPr>
         <p:spPr>
           <a:xfrm>
-            <a:off x="838200" y="365125"/>
-            <a:ext cx="10515600" cy="1325563"/>
+            <a:off x="1" y="6400800"/>
+            <a:ext cx="12192000" cy="457200"/>
           </a:xfrm>
           <a:prstGeom prst="rect">
             <a:avLst/>
           </a:prstGeom>
-        </p:spPr>
-        <p:txBody>
-          <a:bodyPr vert="horz" lIns="91440" tIns="45720" rIns="91440" bIns="45720" rtlCol="0" anchor="ctr">
-            <a:normAutofit/>
-          </a:bodyPr>
-          <a:lstStyle/>
-          <a:p>
-            <a:r>
-              <a:rPr lang="hu-HU"/>
-              <a:t>Mintacím szerkesztése</a:t>
-            </a:r>
-          </a:p>
-        </p:txBody>
-      </p:sp>
-      <p:sp>
-        <p:nvSpPr>
-          <p:cNvPr id="3" name="Szöveg helye 2">
-            <a:extLst>
-              <a:ext uri="{FF2B5EF4-FFF2-40B4-BE49-F238E27FC236}">
-                <a16:creationId xmlns:a16="http://schemas.microsoft.com/office/drawing/2014/main" id="{E1511C91-F0F6-A890-F5CC-7ED7FA7EE736}"/>
-              </a:ext>
-            </a:extLst>
-          </p:cNvPr>
-          <p:cNvSpPr>
-            <a:spLocks noGrp="1"/>
-          </p:cNvSpPr>
-          <p:nvPr>
-            <p:ph type="body" idx="1"/>
-          </p:nvPr>
+          <a:solidFill>
+            <a:schemeClr val="accent2"/>
+          </a:solidFill>
+          <a:ln>
+            <a:noFill/>
+          </a:ln>
+        </p:spPr>
+        <p:style>
+          <a:lnRef idx="2">
+            <a:schemeClr val="accent1">
+              <a:shade val="50000"/>
+            </a:schemeClr>
+          </a:lnRef>
+          <a:fillRef idx="1">
+            <a:schemeClr val="accent1"/>
+          </a:fillRef>
+          <a:effectRef idx="0">
+            <a:schemeClr val="accent1"/>
+          </a:effectRef>
+          <a:fontRef idx="minor">
+            <a:schemeClr val="lt1"/>
+          </a:fontRef>
+        </p:style>
+      </p:sp>
+      <p:sp>
+        <p:nvSpPr>
+          <p:cNvPr id="9" name="Rectangle 8"/>
+          <p:cNvSpPr/>
+          <p:nvPr/>
         </p:nvSpPr>
         <p:spPr>
           <a:xfrm>
-            <a:off x="838200" y="1825625"/>
-            <a:ext cx="10515600" cy="4351338"/>
+            <a:off x="0" y="6334316"/>
+            <a:ext cx="12192001" cy="65998"/>
           </a:xfrm>
           <a:prstGeom prst="rect">
             <a:avLst/>
           </a:prstGeom>
-        </p:spPr>
-        <p:txBody>
-          <a:bodyPr vert="horz" lIns="91440" tIns="45720" rIns="91440" bIns="45720" rtlCol="0">
-            <a:normAutofit/>
-          </a:bodyPr>
-          <a:lstStyle/>
-          <a:p>
-            <a:pPr lvl="0"/>
-            <a:r>
-              <a:rPr lang="hu-HU"/>
-              <a:t>Mintaszöveg szerkesztése</a:t>
-            </a:r>
-          </a:p>
-          <a:p>
-            <a:pPr lvl="1"/>
-            <a:r>
-              <a:rPr lang="hu-HU"/>
-              <a:t>Második szint</a:t>
-            </a:r>
-          </a:p>
-          <a:p>
-            <a:pPr lvl="2"/>
-            <a:r>
-              <a:rPr lang="hu-HU"/>
-              <a:t>Harmadik szint</a:t>
-            </a:r>
-          </a:p>
-          <a:p>
-            <a:pPr lvl="3"/>
-            <a:r>
-              <a:rPr lang="hu-HU"/>
-              <a:t>Negyedik szint</a:t>
-            </a:r>
-          </a:p>
-          <a:p>
-            <a:pPr lvl="4"/>
-            <a:r>
-              <a:rPr lang="hu-HU"/>
-              <a:t>Ötödik szint</a:t>
-            </a:r>
-          </a:p>
-        </p:txBody>
-      </p:sp>
-      <p:sp>
-        <p:nvSpPr>
-          <p:cNvPr id="4" name="Dátum helye 3">
-            <a:extLst>
-              <a:ext uri="{FF2B5EF4-FFF2-40B4-BE49-F238E27FC236}">
-                <a16:creationId xmlns:a16="http://schemas.microsoft.com/office/drawing/2014/main" id="{3620281C-9A47-85CE-E231-7F2C7C6E1083}"/>
-              </a:ext>
-            </a:extLst>
-          </p:cNvPr>
-          <p:cNvSpPr>
-            <a:spLocks noGrp="1"/>
-          </p:cNvSpPr>
-          <p:nvPr>
-            <p:ph type="dt" sz="half" idx="2"/>
+          <a:solidFill>
+            <a:schemeClr val="accent1"/>
+          </a:solidFill>
+          <a:ln>
+            <a:noFill/>
+          </a:ln>
+        </p:spPr>
+        <p:style>
+          <a:lnRef idx="2">
+            <a:schemeClr val="accent1">
+              <a:shade val="50000"/>
+            </a:schemeClr>
+          </a:lnRef>
+          <a:fillRef idx="1">
+            <a:schemeClr val="accent1"/>
+          </a:fillRef>
+          <a:effectRef idx="0">
+            <a:schemeClr val="accent1"/>
+          </a:effectRef>
+          <a:fontRef idx="minor">
+            <a:schemeClr val="lt1"/>
+          </a:fontRef>
+        </p:style>
+      </p:sp>
+      <p:sp>
+        <p:nvSpPr>
+          <p:cNvPr id="2" name="Title Placeholder 1"/>
+          <p:cNvSpPr>
+            <a:spLocks noGrp="1"/>
+          </p:cNvSpPr>
+          <p:nvPr>
+            <p:ph type="title"/>
           </p:nvPr>
         </p:nvSpPr>
         <p:spPr>
           <a:xfrm>
-            <a:off x="838200" y="6356350"/>
-            <a:ext cx="2743200" cy="365125"/>
+            <a:off x="1097280" y="286603"/>
+            <a:ext cx="10058400" cy="1450757"/>
           </a:xfrm>
           <a:prstGeom prst="rect">
             <a:avLst/>
           </a:prstGeom>
         </p:spPr>
         <p:txBody>
+          <a:bodyPr vert="horz" lIns="91440" tIns="45720" rIns="91440" bIns="45720" rtlCol="0" anchor="b">
+            <a:normAutofit/>
+          </a:bodyPr>
+          <a:lstStyle/>
+          <a:p>
+            <a:r>
+              <a:rPr lang="hu-HU"/>
+              <a:t>Mintacím szerkesztése</a:t>
+            </a:r>
+            <a:endParaRPr lang="en-US" dirty="0"/>
+          </a:p>
+        </p:txBody>
+      </p:sp>
+      <p:sp>
+        <p:nvSpPr>
+          <p:cNvPr id="3" name="Text Placeholder 2"/>
+          <p:cNvSpPr>
+            <a:spLocks noGrp="1"/>
+          </p:cNvSpPr>
+          <p:nvPr>
+            <p:ph type="body" idx="1"/>
+          </p:nvPr>
+        </p:nvSpPr>
+        <p:spPr>
+          <a:xfrm>
+            <a:off x="1097280" y="1845734"/>
+            <a:ext cx="10058400" cy="4023360"/>
+          </a:xfrm>
+          <a:prstGeom prst="rect">
+            <a:avLst/>
+          </a:prstGeom>
+        </p:spPr>
+        <p:txBody>
+          <a:bodyPr vert="horz" lIns="0" tIns="45720" rIns="0" bIns="45720" rtlCol="0">
+            <a:normAutofit/>
+          </a:bodyPr>
+          <a:lstStyle/>
+          <a:p>
+            <a:pPr lvl="0"/>
+            <a:r>
+              <a:rPr lang="hu-HU"/>
+              <a:t>Mintaszöveg szerkesztése</a:t>
+            </a:r>
+          </a:p>
+          <a:p>
+            <a:pPr lvl="1"/>
+            <a:r>
+              <a:rPr lang="hu-HU"/>
+              <a:t>Második szint</a:t>
+            </a:r>
+          </a:p>
+          <a:p>
+            <a:pPr lvl="2"/>
+            <a:r>
+              <a:rPr lang="hu-HU"/>
+              <a:t>Harmadik szint</a:t>
+            </a:r>
+          </a:p>
+          <a:p>
+            <a:pPr lvl="3"/>
+            <a:r>
+              <a:rPr lang="hu-HU"/>
+              <a:t>Negyedik szint</a:t>
+            </a:r>
+          </a:p>
+          <a:p>
+            <a:pPr lvl="4"/>
+            <a:r>
+              <a:rPr lang="hu-HU"/>
+              <a:t>Ötödik szint</a:t>
+            </a:r>
+            <a:endParaRPr lang="en-US" dirty="0"/>
+          </a:p>
+        </p:txBody>
+      </p:sp>
+      <p:sp>
+        <p:nvSpPr>
+          <p:cNvPr id="4" name="Date Placeholder 3"/>
+          <p:cNvSpPr>
+            <a:spLocks noGrp="1"/>
+          </p:cNvSpPr>
+          <p:nvPr>
+            <p:ph type="dt" sz="half" idx="2"/>
+          </p:nvPr>
+        </p:nvSpPr>
+        <p:spPr>
+          <a:xfrm>
+            <a:off x="1097280" y="6459785"/>
+            <a:ext cx="2472271" cy="365125"/>
+          </a:xfrm>
+          <a:prstGeom prst="rect">
+            <a:avLst/>
+          </a:prstGeom>
+        </p:spPr>
+        <p:txBody>
           <a:bodyPr vert="horz" lIns="91440" tIns="45720" rIns="91440" bIns="45720" rtlCol="0" anchor="ctr"/>
           <a:lstStyle>
             <a:lvl1pPr algn="l">
-              <a:defRPr sz="1200">
-                <a:solidFill>
-                  <a:schemeClr val="tx1">
-                    <a:tint val="82000"/>
-                  </a:schemeClr>
+              <a:defRPr sz="900">
+                <a:solidFill>
+                  <a:srgbClr val="FFFFFF"/>
                 </a:solidFill>
               </a:defRPr>
             </a:lvl1pPr>
@@ -2927,13 +3303,7 @@
       </p:sp>
       <p:sp>
         <p:nvSpPr>
-          <p:cNvPr id="5" name="Élőláb helye 4">
-            <a:extLst>
-              <a:ext uri="{FF2B5EF4-FFF2-40B4-BE49-F238E27FC236}">
-                <a16:creationId xmlns:a16="http://schemas.microsoft.com/office/drawing/2014/main" id="{C1CAADAB-8467-68FA-4214-BE7B7643487D}"/>
-              </a:ext>
-            </a:extLst>
-          </p:cNvPr>
+          <p:cNvPr id="5" name="Footer Placeholder 4"/>
           <p:cNvSpPr>
             <a:spLocks noGrp="1"/>
           </p:cNvSpPr>
@@ -2943,8 +3313,8 @@
         </p:nvSpPr>
         <p:spPr>
           <a:xfrm>
-            <a:off x="4038600" y="6356350"/>
-            <a:ext cx="4114800" cy="365125"/>
+            <a:off x="3686185" y="6459785"/>
+            <a:ext cx="4822804" cy="365125"/>
           </a:xfrm>
           <a:prstGeom prst="rect">
             <a:avLst/>
@@ -2954,11 +3324,9 @@
           <a:bodyPr vert="horz" lIns="91440" tIns="45720" rIns="91440" bIns="45720" rtlCol="0" anchor="ctr"/>
           <a:lstStyle>
             <a:lvl1pPr algn="ctr">
-              <a:defRPr sz="1200">
-                <a:solidFill>
-                  <a:schemeClr val="tx1">
-                    <a:tint val="82000"/>
-                  </a:schemeClr>
+              <a:defRPr sz="900" cap="all" baseline="0">
+                <a:solidFill>
+                  <a:srgbClr val="FFFFFF"/>
                 </a:solidFill>
               </a:defRPr>
             </a:lvl1pPr>
@@ -2970,13 +3338,7 @@
       </p:sp>
       <p:sp>
         <p:nvSpPr>
-          <p:cNvPr id="6" name="Dia számának helye 5">
-            <a:extLst>
-              <a:ext uri="{FF2B5EF4-FFF2-40B4-BE49-F238E27FC236}">
-                <a16:creationId xmlns:a16="http://schemas.microsoft.com/office/drawing/2014/main" id="{53074D8B-9EE1-6DA5-2D2E-E8E87A44BE49}"/>
-              </a:ext>
-            </a:extLst>
-          </p:cNvPr>
+          <p:cNvPr id="6" name="Slide Number Placeholder 5"/>
           <p:cNvSpPr>
             <a:spLocks noGrp="1"/>
           </p:cNvSpPr>
@@ -2986,8 +3348,8 @@
         </p:nvSpPr>
         <p:spPr>
           <a:xfrm>
-            <a:off x="8610600" y="6356350"/>
-            <a:ext cx="2743200" cy="365125"/>
+            <a:off x="9900458" y="6459785"/>
+            <a:ext cx="1312025" cy="365125"/>
           </a:xfrm>
           <a:prstGeom prst="rect">
             <a:avLst/>
@@ -2997,11 +3359,9 @@
           <a:bodyPr vert="horz" lIns="91440" tIns="45720" rIns="91440" bIns="45720" rtlCol="0" anchor="ctr"/>
           <a:lstStyle>
             <a:lvl1pPr algn="r">
-              <a:defRPr sz="1200">
-                <a:solidFill>
-                  <a:schemeClr val="tx1">
-                    <a:tint val="82000"/>
-                  </a:schemeClr>
+              <a:defRPr sz="1050">
+                <a:solidFill>
+                  <a:srgbClr val="FFFFFF"/>
                 </a:solidFill>
               </a:defRPr>
             </a:lvl1pPr>
@@ -3015,40 +3375,81 @@
           </a:p>
         </p:txBody>
       </p:sp>
+      <p:cxnSp>
+        <p:nvCxnSpPr>
+          <p:cNvPr id="10" name="Straight Connector 9"/>
+          <p:cNvCxnSpPr/>
+          <p:nvPr/>
+        </p:nvCxnSpPr>
+        <p:spPr>
+          <a:xfrm>
+            <a:off x="1193532" y="1737845"/>
+            <a:ext cx="9966960" cy="0"/>
+          </a:xfrm>
+          <a:prstGeom prst="line">
+            <a:avLst/>
+          </a:prstGeom>
+          <a:ln w="6350">
+            <a:solidFill>
+              <a:schemeClr val="tx1">
+                <a:lumMod val="50000"/>
+                <a:lumOff val="50000"/>
+              </a:schemeClr>
+            </a:solidFill>
+          </a:ln>
+        </p:spPr>
+        <p:style>
+          <a:lnRef idx="1">
+            <a:schemeClr val="accent1"/>
+          </a:lnRef>
+          <a:fillRef idx="0">
+            <a:schemeClr val="accent1"/>
+          </a:fillRef>
+          <a:effectRef idx="0">
+            <a:schemeClr val="accent1"/>
+          </a:effectRef>
+          <a:fontRef idx="minor">
+            <a:schemeClr val="tx1"/>
+          </a:fontRef>
+        </p:style>
+      </p:cxnSp>
     </p:spTree>
     <p:extLst>
       <p:ext uri="{BB962C8B-B14F-4D97-AF65-F5344CB8AC3E}">
-        <p14:creationId xmlns:p14="http://schemas.microsoft.com/office/powerpoint/2010/main" val="3435584802"/>
+        <p14:creationId xmlns:p14="http://schemas.microsoft.com/office/powerpoint/2010/main" val="1169489037"/>
       </p:ext>
     </p:extLst>
   </p:cSld>
   <p:clrMap bg1="lt1" tx1="dk1" bg2="lt2" tx2="dk2" accent1="accent1" accent2="accent2" accent3="accent3" accent4="accent4" accent5="accent5" accent6="accent6" hlink="hlink" folHlink="folHlink"/>
   <p:sldLayoutIdLst>
-    <p:sldLayoutId id="2147483649" r:id="rId1"/>
-    <p:sldLayoutId id="2147483650" r:id="rId2"/>
-    <p:sldLayoutId id="2147483651" r:id="rId3"/>
-    <p:sldLayoutId id="2147483652" r:id="rId4"/>
-    <p:sldLayoutId id="2147483653" r:id="rId5"/>
-    <p:sldLayoutId id="2147483654" r:id="rId6"/>
-    <p:sldLayoutId id="2147483655" r:id="rId7"/>
-    <p:sldLayoutId id="2147483656" r:id="rId8"/>
-    <p:sldLayoutId id="2147483657" r:id="rId9"/>
-    <p:sldLayoutId id="2147483658" r:id="rId10"/>
-    <p:sldLayoutId id="2147483659" r:id="rId11"/>
+    <p:sldLayoutId id="2147483751" r:id="rId1"/>
+    <p:sldLayoutId id="2147483752" r:id="rId2"/>
+    <p:sldLayoutId id="2147483753" r:id="rId3"/>
+    <p:sldLayoutId id="2147483754" r:id="rId4"/>
+    <p:sldLayoutId id="2147483755" r:id="rId5"/>
+    <p:sldLayoutId id="2147483756" r:id="rId6"/>
+    <p:sldLayoutId id="2147483757" r:id="rId7"/>
+    <p:sldLayoutId id="2147483758" r:id="rId8"/>
+    <p:sldLayoutId id="2147483759" r:id="rId9"/>
+    <p:sldLayoutId id="2147483760" r:id="rId10"/>
+    <p:sldLayoutId id="2147483761" r:id="rId11"/>
   </p:sldLayoutIdLst>
   <p:txStyles>
     <p:titleStyle>
       <a:lvl1pPr algn="l" defTabSz="914400" rtl="0" eaLnBrk="1" latinLnBrk="0" hangingPunct="1">
         <a:lnSpc>
-          <a:spcPct val="90000"/>
+          <a:spcPct val="85000"/>
         </a:lnSpc>
         <a:spcBef>
           <a:spcPct val="0"/>
         </a:spcBef>
         <a:buNone/>
-        <a:defRPr sz="4400" kern="1200">
+        <a:defRPr sz="4800" kern="1200" spc="-50" baseline="0">
           <a:solidFill>
-            <a:schemeClr val="tx1"/>
+            <a:schemeClr val="tx1">
+              <a:lumMod val="75000"/>
+              <a:lumOff val="25000"/>
+            </a:schemeClr>
           </a:solidFill>
           <a:latin typeface="+mj-lt"/>
           <a:ea typeface="+mj-ea"/>
@@ -3057,162 +3458,244 @@
       </a:lvl1pPr>
     </p:titleStyle>
     <p:bodyStyle>
-      <a:lvl1pPr marL="228600" indent="-228600" algn="l" defTabSz="914400" rtl="0" eaLnBrk="1" latinLnBrk="0" hangingPunct="1">
+      <a:lvl1pPr marL="91440" indent="-91440" algn="l" defTabSz="914400" rtl="0" eaLnBrk="1" latinLnBrk="0" hangingPunct="1">
         <a:lnSpc>
           <a:spcPct val="90000"/>
         </a:lnSpc>
         <a:spcBef>
-          <a:spcPts val="1000"/>
+          <a:spcPts val="1200"/>
         </a:spcBef>
-        <a:buFont typeface="Arial" panose="020B0604020202020204" pitchFamily="34" charset="0"/>
-        <a:buChar char="•"/>
-        <a:defRPr sz="2800" kern="1200">
+        <a:spcAft>
+          <a:spcPts val="200"/>
+        </a:spcAft>
+        <a:buClr>
+          <a:schemeClr val="accent1"/>
+        </a:buClr>
+        <a:buSzPct val="100000"/>
+        <a:buFont typeface="Calibri" panose="020F0502020204030204" pitchFamily="34" charset="0"/>
+        <a:buChar char=" "/>
+        <a:defRPr sz="2000" kern="1200">
           <a:solidFill>
-            <a:schemeClr val="tx1"/>
+            <a:schemeClr val="tx1">
+              <a:lumMod val="75000"/>
+              <a:lumOff val="25000"/>
+            </a:schemeClr>
           </a:solidFill>
           <a:latin typeface="+mn-lt"/>
           <a:ea typeface="+mn-ea"/>
           <a:cs typeface="+mn-cs"/>
         </a:defRPr>
       </a:lvl1pPr>
-      <a:lvl2pPr marL="685800" indent="-228600" algn="l" defTabSz="914400" rtl="0" eaLnBrk="1" latinLnBrk="0" hangingPunct="1">
+      <a:lvl2pPr marL="384048" indent="-182880" algn="l" defTabSz="914400" rtl="0" eaLnBrk="1" latinLnBrk="0" hangingPunct="1">
         <a:lnSpc>
           <a:spcPct val="90000"/>
         </a:lnSpc>
         <a:spcBef>
-          <a:spcPts val="500"/>
+          <a:spcPts val="200"/>
         </a:spcBef>
-        <a:buFont typeface="Arial" panose="020B0604020202020204" pitchFamily="34" charset="0"/>
-        <a:buChar char="•"/>
-        <a:defRPr sz="2400" kern="1200">
+        <a:spcAft>
+          <a:spcPts val="400"/>
+        </a:spcAft>
+        <a:buClr>
+          <a:schemeClr val="accent1"/>
+        </a:buClr>
+        <a:buFont typeface="Calibri" pitchFamily="34" charset="0"/>
+        <a:buChar char="◦"/>
+        <a:defRPr sz="1800" kern="1200">
           <a:solidFill>
-            <a:schemeClr val="tx1"/>
+            <a:schemeClr val="tx1">
+              <a:lumMod val="75000"/>
+              <a:lumOff val="25000"/>
+            </a:schemeClr>
           </a:solidFill>
           <a:latin typeface="+mn-lt"/>
           <a:ea typeface="+mn-ea"/>
           <a:cs typeface="+mn-cs"/>
         </a:defRPr>
       </a:lvl2pPr>
-      <a:lvl3pPr marL="1143000" indent="-228600" algn="l" defTabSz="914400" rtl="0" eaLnBrk="1" latinLnBrk="0" hangingPunct="1">
+      <a:lvl3pPr marL="566928" indent="-182880" algn="l" defTabSz="914400" rtl="0" eaLnBrk="1" latinLnBrk="0" hangingPunct="1">
         <a:lnSpc>
           <a:spcPct val="90000"/>
         </a:lnSpc>
         <a:spcBef>
-          <a:spcPts val="500"/>
+          <a:spcPts val="200"/>
         </a:spcBef>
-        <a:buFont typeface="Arial" panose="020B0604020202020204" pitchFamily="34" charset="0"/>
-        <a:buChar char="•"/>
-        <a:defRPr sz="2000" kern="1200">
+        <a:spcAft>
+          <a:spcPts val="400"/>
+        </a:spcAft>
+        <a:buClr>
+          <a:schemeClr val="accent1"/>
+        </a:buClr>
+        <a:buFont typeface="Calibri" pitchFamily="34" charset="0"/>
+        <a:buChar char="◦"/>
+        <a:defRPr sz="1400" kern="1200">
           <a:solidFill>
-            <a:schemeClr val="tx1"/>
+            <a:schemeClr val="tx1">
+              <a:lumMod val="75000"/>
+              <a:lumOff val="25000"/>
+            </a:schemeClr>
           </a:solidFill>
           <a:latin typeface="+mn-lt"/>
           <a:ea typeface="+mn-ea"/>
           <a:cs typeface="+mn-cs"/>
         </a:defRPr>
       </a:lvl3pPr>
-      <a:lvl4pPr marL="1600200" indent="-228600" algn="l" defTabSz="914400" rtl="0" eaLnBrk="1" latinLnBrk="0" hangingPunct="1">
+      <a:lvl4pPr marL="749808" indent="-182880" algn="l" defTabSz="914400" rtl="0" eaLnBrk="1" latinLnBrk="0" hangingPunct="1">
         <a:lnSpc>
           <a:spcPct val="90000"/>
         </a:lnSpc>
         <a:spcBef>
-          <a:spcPts val="500"/>
+          <a:spcPts val="200"/>
         </a:spcBef>
-        <a:buFont typeface="Arial" panose="020B0604020202020204" pitchFamily="34" charset="0"/>
-        <a:buChar char="•"/>
-        <a:defRPr sz="1800" kern="1200">
+        <a:spcAft>
+          <a:spcPts val="400"/>
+        </a:spcAft>
+        <a:buClr>
+          <a:schemeClr val="accent1"/>
+        </a:buClr>
+        <a:buFont typeface="Calibri" pitchFamily="34" charset="0"/>
+        <a:buChar char="◦"/>
+        <a:defRPr sz="1400" kern="1200">
           <a:solidFill>
-            <a:schemeClr val="tx1"/>
+            <a:schemeClr val="tx1">
+              <a:lumMod val="75000"/>
+              <a:lumOff val="25000"/>
+            </a:schemeClr>
           </a:solidFill>
           <a:latin typeface="+mn-lt"/>
           <a:ea typeface="+mn-ea"/>
           <a:cs typeface="+mn-cs"/>
         </a:defRPr>
       </a:lvl4pPr>
-      <a:lvl5pPr marL="2057400" indent="-228600" algn="l" defTabSz="914400" rtl="0" eaLnBrk="1" latinLnBrk="0" hangingPunct="1">
+      <a:lvl5pPr marL="932688" indent="-182880" algn="l" defTabSz="914400" rtl="0" eaLnBrk="1" latinLnBrk="0" hangingPunct="1">
         <a:lnSpc>
           <a:spcPct val="90000"/>
         </a:lnSpc>
         <a:spcBef>
-          <a:spcPts val="500"/>
+          <a:spcPts val="200"/>
         </a:spcBef>
-        <a:buFont typeface="Arial" panose="020B0604020202020204" pitchFamily="34" charset="0"/>
-        <a:buChar char="•"/>
-        <a:defRPr sz="1800" kern="1200">
+        <a:spcAft>
+          <a:spcPts val="400"/>
+        </a:spcAft>
+        <a:buClr>
+          <a:schemeClr val="accent1"/>
+        </a:buClr>
+        <a:buFont typeface="Calibri" pitchFamily="34" charset="0"/>
+        <a:buChar char="◦"/>
+        <a:defRPr sz="1400" kern="1200">
           <a:solidFill>
-            <a:schemeClr val="tx1"/>
+            <a:schemeClr val="tx1">
+              <a:lumMod val="75000"/>
+              <a:lumOff val="25000"/>
+            </a:schemeClr>
           </a:solidFill>
           <a:latin typeface="+mn-lt"/>
           <a:ea typeface="+mn-ea"/>
           <a:cs typeface="+mn-cs"/>
         </a:defRPr>
       </a:lvl5pPr>
-      <a:lvl6pPr marL="2514600" indent="-228600" algn="l" defTabSz="914400" rtl="0" eaLnBrk="1" latinLnBrk="0" hangingPunct="1">
+      <a:lvl6pPr marL="1100000" indent="-228600" algn="l" defTabSz="914400" rtl="0" eaLnBrk="1" latinLnBrk="0" hangingPunct="1">
         <a:lnSpc>
           <a:spcPct val="90000"/>
         </a:lnSpc>
         <a:spcBef>
-          <a:spcPts val="500"/>
+          <a:spcPts val="200"/>
         </a:spcBef>
-        <a:buFont typeface="Arial" panose="020B0604020202020204" pitchFamily="34" charset="0"/>
-        <a:buChar char="•"/>
-        <a:defRPr sz="1800" kern="1200">
+        <a:spcAft>
+          <a:spcPts val="400"/>
+        </a:spcAft>
+        <a:buClr>
+          <a:schemeClr val="accent1"/>
+        </a:buClr>
+        <a:buFont typeface="Calibri" pitchFamily="34" charset="0"/>
+        <a:buChar char="◦"/>
+        <a:defRPr sz="1400" kern="1200">
           <a:solidFill>
-            <a:schemeClr val="tx1"/>
+            <a:schemeClr val="tx1">
+              <a:lumMod val="75000"/>
+              <a:lumOff val="25000"/>
+            </a:schemeClr>
           </a:solidFill>
           <a:latin typeface="+mn-lt"/>
           <a:ea typeface="+mn-ea"/>
           <a:cs typeface="+mn-cs"/>
         </a:defRPr>
       </a:lvl6pPr>
-      <a:lvl7pPr marL="2971800" indent="-228600" algn="l" defTabSz="914400" rtl="0" eaLnBrk="1" latinLnBrk="0" hangingPunct="1">
+      <a:lvl7pPr marL="1300000" indent="-228600" algn="l" defTabSz="914400" rtl="0" eaLnBrk="1" latinLnBrk="0" hangingPunct="1">
         <a:lnSpc>
           <a:spcPct val="90000"/>
         </a:lnSpc>
         <a:spcBef>
-          <a:spcPts val="500"/>
+          <a:spcPts val="200"/>
         </a:spcBef>
-        <a:buFont typeface="Arial" panose="020B0604020202020204" pitchFamily="34" charset="0"/>
-        <a:buChar char="•"/>
-        <a:defRPr sz="1800" kern="1200">
+        <a:spcAft>
+          <a:spcPts val="400"/>
+        </a:spcAft>
+        <a:buClr>
+          <a:schemeClr val="accent1"/>
+        </a:buClr>
+        <a:buFont typeface="Calibri" pitchFamily="34" charset="0"/>
+        <a:buChar char="◦"/>
+        <a:defRPr sz="1400" kern="1200">
           <a:solidFill>
-            <a:schemeClr val="tx1"/>
+            <a:schemeClr val="tx1">
+              <a:lumMod val="75000"/>
+              <a:lumOff val="25000"/>
+            </a:schemeClr>
           </a:solidFill>
           <a:latin typeface="+mn-lt"/>
           <a:ea typeface="+mn-ea"/>
           <a:cs typeface="+mn-cs"/>
         </a:defRPr>
       </a:lvl7pPr>
-      <a:lvl8pPr marL="3429000" indent="-228600" algn="l" defTabSz="914400" rtl="0" eaLnBrk="1" latinLnBrk="0" hangingPunct="1">
+      <a:lvl8pPr marL="1500000" indent="-228600" algn="l" defTabSz="914400" rtl="0" eaLnBrk="1" latinLnBrk="0" hangingPunct="1">
         <a:lnSpc>
           <a:spcPct val="90000"/>
         </a:lnSpc>
         <a:spcBef>
-          <a:spcPts val="500"/>
+          <a:spcPts val="200"/>
         </a:spcBef>
-        <a:buFont typeface="Arial" panose="020B0604020202020204" pitchFamily="34" charset="0"/>
-        <a:buChar char="•"/>
-        <a:defRPr sz="1800" kern="1200">
+        <a:spcAft>
+          <a:spcPts val="400"/>
+        </a:spcAft>
+        <a:buClr>
+          <a:schemeClr val="accent1"/>
+        </a:buClr>
+        <a:buFont typeface="Calibri" pitchFamily="34" charset="0"/>
+        <a:buChar char="◦"/>
+        <a:defRPr sz="1400" kern="1200">
           <a:solidFill>
-            <a:schemeClr val="tx1"/>
+            <a:schemeClr val="tx1">
+              <a:lumMod val="75000"/>
+              <a:lumOff val="25000"/>
+            </a:schemeClr>
           </a:solidFill>
           <a:latin typeface="+mn-lt"/>
           <a:ea typeface="+mn-ea"/>
           <a:cs typeface="+mn-cs"/>
         </a:defRPr>
       </a:lvl8pPr>
-      <a:lvl9pPr marL="3886200" indent="-228600" algn="l" defTabSz="914400" rtl="0" eaLnBrk="1" latinLnBrk="0" hangingPunct="1">
+      <a:lvl9pPr marL="1700000" indent="-228600" algn="l" defTabSz="914400" rtl="0" eaLnBrk="1" latinLnBrk="0" hangingPunct="1">
         <a:lnSpc>
           <a:spcPct val="90000"/>
         </a:lnSpc>
         <a:spcBef>
-          <a:spcPts val="500"/>
+          <a:spcPts val="200"/>
         </a:spcBef>
-        <a:buFont typeface="Arial" panose="020B0604020202020204" pitchFamily="34" charset="0"/>
-        <a:buChar char="•"/>
-        <a:defRPr sz="1800" kern="1200">
+        <a:spcAft>
+          <a:spcPts val="400"/>
+        </a:spcAft>
+        <a:buClr>
+          <a:schemeClr val="accent1"/>
+        </a:buClr>
+        <a:buFont typeface="Calibri" pitchFamily="34" charset="0"/>
+        <a:buChar char="◦"/>
+        <a:defRPr sz="1400" kern="1200">
           <a:solidFill>
-            <a:schemeClr val="tx1"/>
+            <a:schemeClr val="tx1">
+              <a:lumMod val="75000"/>
+              <a:lumOff val="25000"/>
+            </a:schemeClr>
           </a:solidFill>
           <a:latin typeface="+mn-lt"/>
           <a:ea typeface="+mn-ea"/>
@@ -3222,7 +3705,7 @@
     </p:bodyStyle>
     <p:otherStyle>
       <a:defPPr>
-        <a:defRPr lang="hu-HU"/>
+        <a:defRPr lang="en-US"/>
       </a:defPPr>
       <a:lvl1pPr marL="0" algn="l" defTabSz="914400" rtl="0" eaLnBrk="1" latinLnBrk="0" hangingPunct="1">
         <a:defRPr sz="1800" kern="1200">
@@ -3477,6 +3960,7 @@
           </a:bodyPr>
           <a:lstStyle/>
           <a:p>
+            <a:pPr algn="just"/>
             <a:r>
               <a:rPr lang="hu-HU" sz="3200" dirty="0"/>
               <a:t>Ezt a </a:t>
@@ -3487,23 +3971,39 @@
             </a:r>
             <a:r>
               <a:rPr lang="hu-HU" sz="3200" dirty="0"/>
-              <a:t> legfőképpen a </a:t>
-            </a:r>
-            <a:r>
-              <a:rPr lang="hu-HU" sz="3200" dirty="0" err="1"/>
-              <a:t>git</a:t>
+              <a:t>-t legfőképpen a </a:t>
+            </a:r>
+            <a:r>
+              <a:rPr lang="hu-HU" sz="3200" b="1" dirty="0" err="1"/>
+              <a:t>Git</a:t>
             </a:r>
             <a:r>
               <a:rPr lang="hu-HU" sz="3200" dirty="0"/>
-              <a:t> segítségével bírtuk megcsinálni. </a:t>
-            </a:r>
-            <a:r>
-              <a:rPr lang="hu-HU" sz="3200" dirty="0" err="1"/>
-              <a:t>Roli</a:t>
+              <a:t> segítségével bírtuk megcsinálni. Roli a </a:t>
+            </a:r>
+            <a:r>
+              <a:rPr lang="hu-HU" sz="3200" b="1" dirty="0"/>
+              <a:t>2-4</a:t>
             </a:r>
             <a:r>
               <a:rPr lang="hu-HU" sz="3200" dirty="0"/>
-              <a:t> 2-4 diákat csinálta. Kimi 5-7 diákat és Bognár a 8-10 diákat. Miközben csináltuk a </a:t>
+              <a:t> diákat csinálta. Kimi a </a:t>
+            </a:r>
+            <a:r>
+              <a:rPr lang="hu-HU" sz="3200" b="1" dirty="0"/>
+              <a:t>5-7</a:t>
+            </a:r>
+            <a:r>
+              <a:rPr lang="hu-HU" sz="3200" dirty="0"/>
+              <a:t> diákat, és Bognár a </a:t>
+            </a:r>
+            <a:r>
+              <a:rPr lang="hu-HU" sz="3200" b="1" dirty="0"/>
+              <a:t>8-10 </a:t>
+            </a:r>
+            <a:r>
+              <a:rPr lang="hu-HU" sz="3200" dirty="0"/>
+              <a:t>diákat. Miközben csináltuk a </a:t>
             </a:r>
             <a:r>
               <a:rPr lang="hu-HU" sz="3200" dirty="0" err="1"/>
@@ -3511,11 +4011,11 @@
             </a:r>
             <a:r>
               <a:rPr lang="hu-HU" sz="3200" dirty="0"/>
-              <a:t>-t </a:t>
+              <a:t>-t, </a:t>
             </a:r>
             <a:r>
               <a:rPr lang="hu-HU" sz="3200" dirty="0" err="1"/>
-              <a:t>discord</a:t>
+              <a:t>Discord</a:t>
             </a:r>
             <a:r>
               <a:rPr lang="hu-HU" sz="3200" dirty="0"/>
@@ -3534,6 +4034,9 @@
   <p:clrMapOvr>
     <a:masterClrMapping/>
   </p:clrMapOvr>
+  <p:transition spd="slow">
+    <p:push dir="u"/>
+  </p:transition>
 </p:sld>
 </file>
 
@@ -3753,6 +4256,9 @@
   <p:clrMapOvr>
     <a:masterClrMapping/>
   </p:clrMapOvr>
+  <p:transition spd="slow">
+    <p:push dir="u"/>
+  </p:transition>
 </p:sld>
 </file>
 
@@ -3839,8 +4345,8 @@
         </p:nvSpPr>
         <p:spPr>
           <a:xfrm>
-            <a:off x="5546675" y="1440625"/>
-            <a:ext cx="6534912" cy="2175669"/>
+            <a:off x="5588508" y="2014435"/>
+            <a:ext cx="5567172" cy="2175669"/>
           </a:xfrm>
         </p:spPr>
         <p:txBody>
@@ -3913,7 +4419,7 @@
         </p:blipFill>
         <p:spPr>
           <a:xfrm>
-            <a:off x="2369969" y="1874064"/>
+            <a:off x="2166441" y="2014435"/>
             <a:ext cx="3381607" cy="2071830"/>
           </a:xfrm>
           <a:prstGeom prst="rect">
@@ -3973,7 +4479,7 @@
         </p:blipFill>
         <p:spPr>
           <a:xfrm>
-            <a:off x="110413" y="1440625"/>
+            <a:off x="68580" y="1927287"/>
             <a:ext cx="2057400" cy="1609725"/>
           </a:xfrm>
           <a:prstGeom prst="rect">
@@ -3995,8 +4501,8 @@
         </p:nvSpPr>
         <p:spPr>
           <a:xfrm>
-            <a:off x="5815584" y="3722449"/>
-            <a:ext cx="6026557" cy="2062103"/>
+            <a:off x="5588508" y="4253244"/>
+            <a:ext cx="5567172" cy="2062103"/>
           </a:xfrm>
           <a:prstGeom prst="rect">
             <a:avLst/>
@@ -4011,16 +4517,70 @@
           <a:p>
             <a:pPr algn="just"/>
             <a:r>
-              <a:rPr lang="hu-HU" sz="3200" dirty="0"/>
+              <a:rPr lang="hu-HU" sz="3200" dirty="0">
+                <a:solidFill>
+                  <a:schemeClr val="tx1">
+                    <a:lumMod val="75000"/>
+                    <a:lumOff val="25000"/>
+                  </a:schemeClr>
+                </a:solidFill>
+              </a:rPr>
               <a:t>A képen is látható módon adjunk meg egy nevet és döntsük el hogy ez a </a:t>
             </a:r>
             <a:r>
-              <a:rPr lang="hu-HU" sz="3200" dirty="0" err="1"/>
+              <a:rPr lang="hu-HU" sz="3200" dirty="0" err="1">
+                <a:solidFill>
+                  <a:schemeClr val="tx1">
+                    <a:lumMod val="75000"/>
+                    <a:lumOff val="25000"/>
+                  </a:schemeClr>
+                </a:solidFill>
+              </a:rPr>
               <a:t>repo</a:t>
             </a:r>
             <a:r>
-              <a:rPr lang="hu-HU" sz="3200" dirty="0"/>
-              <a:t> publikus lesz vagy privát</a:t>
+              <a:rPr lang="hu-HU" sz="3200" dirty="0">
+                <a:solidFill>
+                  <a:schemeClr val="tx1">
+                    <a:lumMod val="75000"/>
+                    <a:lumOff val="25000"/>
+                  </a:schemeClr>
+                </a:solidFill>
+              </a:rPr>
+              <a:t> </a:t>
+            </a:r>
+            <a:r>
+              <a:rPr lang="hu-HU" sz="3200" b="1" dirty="0">
+                <a:solidFill>
+                  <a:schemeClr val="tx1">
+                    <a:lumMod val="75000"/>
+                    <a:lumOff val="25000"/>
+                  </a:schemeClr>
+                </a:solidFill>
+              </a:rPr>
+              <a:t>publikus</a:t>
+            </a:r>
+            <a:r>
+              <a:rPr lang="hu-HU" sz="3200" dirty="0">
+                <a:solidFill>
+                  <a:schemeClr val="tx1">
+                    <a:lumMod val="75000"/>
+                    <a:lumOff val="25000"/>
+                  </a:schemeClr>
+                </a:solidFill>
+              </a:rPr>
+              <a:t> lesz, vagy </a:t>
+            </a:r>
+            <a:r>
+              <a:rPr lang="hu-HU" sz="3200" b="1" dirty="0">
+                <a:solidFill>
+                  <a:schemeClr val="tx1">
+                    <a:lumMod val="75000"/>
+                    <a:lumOff val="25000"/>
+                  </a:schemeClr>
+                </a:solidFill>
+              </a:rPr>
+              <a:t>privát.</a:t>
             </a:r>
           </a:p>
         </p:txBody>
@@ -4035,6 +4595,9 @@
   <p:clrMapOvr>
     <a:masterClrMapping/>
   </p:clrMapOvr>
+  <p:transition spd="slow">
+    <p:push dir="u"/>
+  </p:transition>
 </p:sld>
 </file>
 
@@ -4123,20 +4686,21 @@
           </a:bodyPr>
           <a:lstStyle/>
           <a:p>
+            <a:pPr algn="ctr"/>
             <a:r>
               <a:rPr lang="hu-HU" sz="3200" dirty="0"/>
               <a:t>A </a:t>
             </a:r>
             <a:r>
-              <a:rPr lang="hu-HU" sz="3200" dirty="0" err="1"/>
+              <a:rPr lang="hu-HU" sz="3200" b="1" dirty="0" err="1"/>
               <a:t>Git</a:t>
             </a:r>
             <a:r>
-              <a:rPr lang="hu-HU" sz="3200" dirty="0"/>
+              <a:rPr lang="hu-HU" sz="3200" b="1" dirty="0"/>
               <a:t> </a:t>
             </a:r>
             <a:r>
-              <a:rPr lang="hu-HU" sz="3200" dirty="0" err="1"/>
+              <a:rPr lang="hu-HU" sz="3200" b="1" dirty="0" err="1"/>
               <a:t>Bash</a:t>
             </a:r>
             <a:r>
@@ -4154,7 +4718,11 @@
             </a:r>
             <a:r>
               <a:rPr lang="hu-HU" sz="3200" dirty="0"/>
-              <a:t> weboldalán tudjuk letölteni, kattintsunk a Windows</a:t>
+              <a:t> weboldalán tudjuk letölteni, kattintsunk a </a:t>
+            </a:r>
+            <a:r>
+              <a:rPr lang="hu-HU" sz="3200" b="1" dirty="0"/>
+              <a:t>Windows</a:t>
             </a:r>
             <a:br>
               <a:rPr lang="hu-HU" sz="3200" dirty="0"/>
@@ -4165,7 +4733,7 @@
             </a:r>
             <a:r>
               <a:rPr lang="hu-HU" sz="3200" dirty="0" err="1"/>
-              <a:t>git</a:t>
+              <a:t>Git</a:t>
             </a:r>
             <a:r>
               <a:rPr lang="hu-HU" sz="3200" dirty="0"/>
@@ -4173,7 +4741,7 @@
             </a:r>
             <a:r>
               <a:rPr lang="hu-HU" sz="3200" dirty="0" err="1"/>
-              <a:t>bash</a:t>
+              <a:t>Bash</a:t>
             </a:r>
             <a:r>
               <a:rPr lang="hu-HU" sz="3200" dirty="0"/>
@@ -4204,7 +4772,7 @@
         </p:blipFill>
         <p:spPr>
           <a:xfrm>
-            <a:off x="402336" y="1825625"/>
+            <a:off x="877825" y="2136521"/>
             <a:ext cx="4571999" cy="2164446"/>
           </a:xfrm>
           <a:prstGeom prst="rect">
@@ -4222,6 +4790,9 @@
   <p:clrMapOvr>
     <a:masterClrMapping/>
   </p:clrMapOvr>
+  <p:transition spd="slow">
+    <p:push dir="u"/>
+  </p:transition>
 </p:sld>
 </file>
 
@@ -4260,7 +4831,9 @@
         </p:nvSpPr>
         <p:spPr/>
         <p:txBody>
-          <a:bodyPr/>
+          <a:bodyPr>
+            <a:normAutofit/>
+          </a:bodyPr>
           <a:lstStyle/>
           <a:p>
             <a:r>
@@ -4324,11 +4897,19 @@
           <a:lstStyle/>
           <a:p>
             <a:r>
+              <a:rPr lang="hu-HU" sz="3200" b="1" dirty="0"/>
+              <a:t>1. </a:t>
+            </a:r>
+            <a:r>
               <a:rPr lang="hu-HU" sz="3200" dirty="0"/>
-              <a:t>1. Navigáljunk bele a mappába ahol local </a:t>
-            </a:r>
-            <a:r>
-              <a:rPr lang="hu-HU" sz="3200" dirty="0" err="1"/>
+              <a:t>Navigáljunk bele a mappába ahol </a:t>
+            </a:r>
+            <a:r>
+              <a:rPr lang="hu-HU" sz="3200" b="1" dirty="0"/>
+              <a:t>local </a:t>
+            </a:r>
+            <a:r>
+              <a:rPr lang="hu-HU" sz="3200" b="1" dirty="0" err="1"/>
               <a:t>repository</a:t>
             </a:r>
             <a:r>
@@ -4344,15 +4925,15 @@
               <a:t> be hogy „</a:t>
             </a:r>
             <a:r>
-              <a:rPr lang="hu-HU" sz="3200" dirty="0" err="1"/>
+              <a:rPr lang="hu-HU" sz="3200" b="1" dirty="0" err="1"/>
               <a:t>git</a:t>
             </a:r>
             <a:r>
-              <a:rPr lang="hu-HU" sz="3200" dirty="0"/>
+              <a:rPr lang="hu-HU" sz="3200" b="1" dirty="0"/>
               <a:t> </a:t>
             </a:r>
             <a:r>
-              <a:rPr lang="hu-HU" sz="3200" dirty="0" err="1"/>
+              <a:rPr lang="hu-HU" sz="3200" b="1" dirty="0" err="1"/>
               <a:t>init</a:t>
             </a:r>
             <a:r>
@@ -4365,8 +4946,12 @@
           </a:p>
           <a:p>
             <a:r>
+              <a:rPr lang="hu-HU" sz="3200" b="1" dirty="0"/>
+              <a:t>2. </a:t>
+            </a:r>
+            <a:r>
               <a:rPr lang="hu-HU" sz="3200" dirty="0"/>
-              <a:t>2. Majd </a:t>
+              <a:t>Majd </a:t>
             </a:r>
             <a:r>
               <a:rPr lang="hu-HU" sz="3200" dirty="0" err="1"/>
@@ -4377,28 +4962,32 @@
               <a:t> be hogy „</a:t>
             </a:r>
             <a:r>
-              <a:rPr lang="hu-HU" sz="3200" dirty="0" err="1"/>
+              <a:rPr lang="hu-HU" sz="3200" b="1" dirty="0" err="1"/>
               <a:t>git</a:t>
             </a:r>
             <a:r>
+              <a:rPr lang="hu-HU" sz="3200" b="1" dirty="0"/>
+              <a:t> </a:t>
+            </a:r>
+            <a:r>
+              <a:rPr lang="hu-HU" sz="3200" b="1" dirty="0" err="1"/>
+              <a:t>remote</a:t>
+            </a:r>
+            <a:r>
+              <a:rPr lang="hu-HU" sz="3200" b="1" dirty="0"/>
+              <a:t> add </a:t>
+            </a:r>
+            <a:r>
+              <a:rPr lang="hu-HU" sz="3200" b="1" dirty="0" err="1"/>
+              <a:t>origin</a:t>
+            </a:r>
+            <a:r>
+              <a:rPr lang="hu-HU" sz="3200" b="1" dirty="0"/>
+              <a:t> </a:t>
+            </a:r>
+            <a:r>
               <a:rPr lang="hu-HU" sz="3200" dirty="0"/>
-              <a:t> </a:t>
-            </a:r>
-            <a:r>
-              <a:rPr lang="hu-HU" sz="3200" dirty="0" err="1"/>
-              <a:t>remote</a:t>
-            </a:r>
-            <a:r>
-              <a:rPr lang="hu-HU" sz="3200" dirty="0"/>
-              <a:t> add </a:t>
-            </a:r>
-            <a:r>
-              <a:rPr lang="hu-HU" sz="3200" dirty="0" err="1"/>
-              <a:t>origin</a:t>
-            </a:r>
-            <a:r>
-              <a:rPr lang="hu-HU" sz="3200" dirty="0"/>
-              <a:t> [a </a:t>
+              <a:t>[a </a:t>
             </a:r>
             <a:r>
               <a:rPr lang="hu-HU" sz="3200" dirty="0" err="1"/>
@@ -4433,7 +5022,7 @@
         </p:blipFill>
         <p:spPr>
           <a:xfrm>
-            <a:off x="950167" y="1690688"/>
+            <a:off x="908446" y="1865064"/>
             <a:ext cx="3752850" cy="1238250"/>
           </a:xfrm>
           <a:prstGeom prst="rect">
@@ -4493,7 +5082,7 @@
         </p:blipFill>
         <p:spPr>
           <a:xfrm>
-            <a:off x="817959" y="3277690"/>
+            <a:off x="817958" y="3364878"/>
             <a:ext cx="3933825" cy="976811"/>
           </a:xfrm>
           <a:prstGeom prst="rect">
@@ -4511,6 +5100,9 @@
   <p:clrMapOvr>
     <a:masterClrMapping/>
   </p:clrMapOvr>
+  <p:transition spd="slow">
+    <p:push dir="u"/>
+  </p:transition>
 </p:sld>
 </file>
 
@@ -4595,6 +5187,7 @@
           </a:bodyPr>
           <a:lstStyle/>
           <a:p>
+            <a:pPr algn="just"/>
             <a:r>
               <a:rPr lang="hu-HU" sz="3200" dirty="0"/>
               <a:t>Miután megvoltunk az összeköttetéssel ezután következik a klónozás mely a feltöltött fájlokat másolja be a </a:t>
@@ -4624,7 +5217,7 @@
           </p:cNvPicPr>
           <p:nvPr/>
         </p:nvPicPr>
-        <p:blipFill>
+        <p:blipFill rotWithShape="1">
           <a:blip r:embed="rId2">
             <a:extLst>
               <a:ext uri="{28A0092B-C50C-407E-A947-70E740481C1C}">
@@ -4632,15 +5225,13 @@
               </a:ext>
             </a:extLst>
           </a:blip>
-          <a:srcRect/>
-          <a:stretch>
-            <a:fillRect/>
-          </a:stretch>
+          <a:srcRect r="10347" b="-118"/>
+          <a:stretch/>
         </p:blipFill>
         <p:spPr bwMode="auto">
           <a:xfrm>
-            <a:off x="185607" y="2139012"/>
-            <a:ext cx="5372003" cy="1370670"/>
+            <a:off x="542223" y="2449908"/>
+            <a:ext cx="4816161" cy="1372284"/>
           </a:xfrm>
           <a:prstGeom prst="rect">
             <a:avLst/>
@@ -4667,6 +5258,9 @@
   <p:clrMapOvr>
     <a:masterClrMapping/>
   </p:clrMapOvr>
+  <p:transition spd="slow">
+    <p:push dir="u"/>
+  </p:transition>
 </p:sld>
 </file>
 
@@ -4762,8 +5356,8 @@
         </p:nvSpPr>
         <p:spPr>
           <a:xfrm>
-            <a:off x="7623110" y="2347769"/>
-            <a:ext cx="4030824" cy="2554545"/>
+            <a:off x="6995160" y="2114503"/>
+            <a:ext cx="4677062" cy="2062103"/>
           </a:xfrm>
           <a:prstGeom prst="rect">
             <a:avLst/>
@@ -4777,7 +5371,14 @@
           <a:lstStyle/>
           <a:p>
             <a:r>
-              <a:rPr lang="hu-HU" sz="3200" dirty="0"/>
+              <a:rPr lang="hu-HU" sz="3200" dirty="0">
+                <a:solidFill>
+                  <a:schemeClr val="tx1">
+                    <a:lumMod val="75000"/>
+                    <a:lumOff val="25000"/>
+                  </a:schemeClr>
+                </a:solidFill>
+              </a:rPr>
               <a:t>Klónozás után ellenőrizzük le grafikusan, hogy sikerült-e. Ha látjuk a fájlokat akkor sikeres.</a:t>
             </a:r>
           </a:p>
@@ -4793,6 +5394,9 @@
   <p:clrMapOvr>
     <a:masterClrMapping/>
   </p:clrMapOvr>
+  <p:transition spd="slow">
+    <p:push dir="u"/>
+  </p:transition>
 </p:sld>
 </file>
 
@@ -4880,7 +5484,7 @@
         </p:blipFill>
         <p:spPr>
           <a:xfrm>
-            <a:off x="210611" y="4943930"/>
+            <a:off x="567902" y="4943928"/>
             <a:ext cx="5687219" cy="676369"/>
           </a:xfrm>
         </p:spPr>
@@ -4899,7 +5503,7 @@
         </p:nvSpPr>
         <p:spPr>
           <a:xfrm>
-            <a:off x="6802017" y="1690688"/>
+            <a:off x="6699379" y="1696517"/>
             <a:ext cx="4805265" cy="2554545"/>
           </a:xfrm>
           <a:prstGeom prst="rect">
@@ -4914,7 +5518,25 @@
           <a:lstStyle/>
           <a:p>
             <a:r>
-              <a:rPr lang="hu-HU" sz="3200" dirty="0"/>
+              <a:rPr lang="hu-HU" sz="3200" b="1" dirty="0">
+                <a:solidFill>
+                  <a:schemeClr val="tx1">
+                    <a:lumMod val="75000"/>
+                    <a:lumOff val="25000"/>
+                  </a:schemeClr>
+                </a:solidFill>
+              </a:rPr>
+              <a:t>1. </a:t>
+            </a:r>
+            <a:r>
+              <a:rPr lang="hu-HU" sz="3200" dirty="0">
+                <a:solidFill>
+                  <a:schemeClr val="tx1">
+                    <a:lumMod val="75000"/>
+                    <a:lumOff val="25000"/>
+                  </a:schemeClr>
+                </a:solidFill>
+              </a:rPr>
               <a:t>Mielőtt felakarunk pusholni (feltölteni) egy fájlt „git add”-al hozzáadjuk  a feltöltendő elemek listájához.</a:t>
             </a:r>
           </a:p>
@@ -4934,7 +5556,7 @@
           </p:cNvPicPr>
           <p:nvPr/>
         </p:nvPicPr>
-        <p:blipFill>
+        <p:blipFill rotWithShape="1">
           <a:blip r:embed="rId3">
             <a:extLst>
               <a:ext uri="{28A0092B-C50C-407E-A947-70E740481C1C}">
@@ -4942,15 +5564,13 @@
               </a:ext>
             </a:extLst>
           </a:blip>
-          <a:srcRect/>
-          <a:stretch>
-            <a:fillRect/>
-          </a:stretch>
+          <a:srcRect l="1" r="36767" b="-5076"/>
+          <a:stretch/>
         </p:blipFill>
         <p:spPr bwMode="auto">
           <a:xfrm>
-            <a:off x="285255" y="2196516"/>
-            <a:ext cx="6106214" cy="352425"/>
+            <a:off x="567903" y="2701063"/>
+            <a:ext cx="5687219" cy="545451"/>
           </a:xfrm>
           <a:prstGeom prst="rect">
             <a:avLst/>
@@ -4981,8 +5601,8 @@
         </p:nvSpPr>
         <p:spPr>
           <a:xfrm>
-            <a:off x="6391469" y="4440777"/>
-            <a:ext cx="5282010" cy="2062103"/>
+            <a:off x="6699379" y="4251062"/>
+            <a:ext cx="4805265" cy="2062103"/>
           </a:xfrm>
           <a:prstGeom prst="rect">
             <a:avLst/>
@@ -4996,9 +5616,90 @@
           <a:lstStyle/>
           <a:p>
             <a:r>
-              <a:rPr lang="hu-HU" sz="3200" dirty="0"/>
-              <a:t>Majd ezután a „git commit” paranccsal megjegyzést fűzünk hozzá és felkészítjük a pusholásra</a:t>
-            </a:r>
+              <a:rPr lang="hu-HU" sz="3200" b="1" dirty="0">
+                <a:solidFill>
+                  <a:schemeClr val="tx1">
+                    <a:lumMod val="75000"/>
+                    <a:lumOff val="25000"/>
+                  </a:schemeClr>
+                </a:solidFill>
+              </a:rPr>
+              <a:t>2. </a:t>
+            </a:r>
+            <a:r>
+              <a:rPr lang="hu-HU" sz="3200" dirty="0">
+                <a:solidFill>
+                  <a:schemeClr val="tx1">
+                    <a:lumMod val="75000"/>
+                    <a:lumOff val="25000"/>
+                  </a:schemeClr>
+                </a:solidFill>
+              </a:rPr>
+              <a:t>Majd ezután a „</a:t>
+            </a:r>
+            <a:r>
+              <a:rPr lang="hu-HU" sz="3200" dirty="0" err="1">
+                <a:solidFill>
+                  <a:schemeClr val="tx1">
+                    <a:lumMod val="75000"/>
+                    <a:lumOff val="25000"/>
+                  </a:schemeClr>
+                </a:solidFill>
+              </a:rPr>
+              <a:t>git</a:t>
+            </a:r>
+            <a:r>
+              <a:rPr lang="hu-HU" sz="3200" dirty="0">
+                <a:solidFill>
+                  <a:schemeClr val="tx1">
+                    <a:lumMod val="75000"/>
+                    <a:lumOff val="25000"/>
+                  </a:schemeClr>
+                </a:solidFill>
+              </a:rPr>
+              <a:t> </a:t>
+            </a:r>
+            <a:r>
+              <a:rPr lang="hu-HU" sz="3200" dirty="0" err="1">
+                <a:solidFill>
+                  <a:schemeClr val="tx1">
+                    <a:lumMod val="75000"/>
+                    <a:lumOff val="25000"/>
+                  </a:schemeClr>
+                </a:solidFill>
+              </a:rPr>
+              <a:t>commit</a:t>
+            </a:r>
+            <a:r>
+              <a:rPr lang="hu-HU" sz="3200" dirty="0">
+                <a:solidFill>
+                  <a:schemeClr val="tx1">
+                    <a:lumMod val="75000"/>
+                    <a:lumOff val="25000"/>
+                  </a:schemeClr>
+                </a:solidFill>
+              </a:rPr>
+              <a:t>” paranccsal megjegyzést fűzünk hozzá és felkészítjük a </a:t>
+            </a:r>
+            <a:r>
+              <a:rPr lang="hu-HU" sz="3200" dirty="0" err="1">
+                <a:solidFill>
+                  <a:schemeClr val="tx1">
+                    <a:lumMod val="75000"/>
+                    <a:lumOff val="25000"/>
+                  </a:schemeClr>
+                </a:solidFill>
+              </a:rPr>
+              <a:t>pusholásra</a:t>
+            </a:r>
+            <a:endParaRPr lang="hu-HU" sz="3200" dirty="0">
+              <a:solidFill>
+                <a:schemeClr val="tx1">
+                  <a:lumMod val="75000"/>
+                  <a:lumOff val="25000"/>
+                </a:schemeClr>
+              </a:solidFill>
+            </a:endParaRPr>
           </a:p>
         </p:txBody>
       </p:sp>
@@ -5012,6 +5713,9 @@
   <p:clrMapOvr>
     <a:masterClrMapping/>
   </p:clrMapOvr>
+  <p:transition spd="slow">
+    <p:push dir="u"/>
+  </p:transition>
 </p:sld>
 </file>
 
@@ -5118,8 +5822,8 @@
         </p:blipFill>
         <p:spPr>
           <a:xfrm>
-            <a:off x="456461" y="2221596"/>
-            <a:ext cx="4994429" cy="1305733"/>
+            <a:off x="571131" y="2701969"/>
+            <a:ext cx="4994429" cy="1714840"/>
           </a:xfrm>
         </p:spPr>
       </p:pic>
@@ -5157,42 +5861,134 @@
               </a:spcAft>
             </a:pPr>
             <a:r>
-              <a:rPr lang="hu-HU" sz="3200" dirty="0"/>
+              <a:rPr lang="hu-HU" sz="3200" dirty="0">
+                <a:solidFill>
+                  <a:schemeClr val="tx1">
+                    <a:lumMod val="75000"/>
+                    <a:lumOff val="25000"/>
+                  </a:schemeClr>
+                </a:solidFill>
+              </a:rPr>
               <a:t>Miután felkészítettük a fájlokat a </a:t>
             </a:r>
             <a:r>
-              <a:rPr lang="hu-HU" sz="3200" dirty="0" err="1"/>
-              <a:t>pusholásra</a:t>
-            </a:r>
-            <a:r>
-              <a:rPr lang="hu-HU" sz="3200" dirty="0"/>
+              <a:rPr lang="hu-HU" sz="3200" dirty="0" err="1">
+                <a:solidFill>
+                  <a:schemeClr val="tx1">
+                    <a:lumMod val="75000"/>
+                    <a:lumOff val="25000"/>
+                  </a:schemeClr>
+                </a:solidFill>
+              </a:rPr>
+              <a:t>push-olásra</a:t>
+            </a:r>
+            <a:r>
+              <a:rPr lang="hu-HU" sz="3200" dirty="0">
+                <a:solidFill>
+                  <a:schemeClr val="tx1">
+                    <a:lumMod val="75000"/>
+                    <a:lumOff val="25000"/>
+                  </a:schemeClr>
+                </a:solidFill>
+              </a:rPr>
               <a:t> elkezdhetjük a feltöltést a „</a:t>
             </a:r>
             <a:r>
-              <a:rPr lang="hu-HU" sz="3200" dirty="0" err="1"/>
+              <a:rPr lang="hu-HU" sz="3200" b="1" dirty="0" err="1">
+                <a:solidFill>
+                  <a:schemeClr val="tx1">
+                    <a:lumMod val="75000"/>
+                    <a:lumOff val="25000"/>
+                  </a:schemeClr>
+                </a:solidFill>
+              </a:rPr>
+              <a:t>git</a:t>
+            </a:r>
+            <a:r>
+              <a:rPr lang="hu-HU" sz="3200" b="1" dirty="0">
+                <a:solidFill>
+                  <a:schemeClr val="tx1">
+                    <a:lumMod val="75000"/>
+                    <a:lumOff val="25000"/>
+                  </a:schemeClr>
+                </a:solidFill>
+              </a:rPr>
+              <a:t> </a:t>
+            </a:r>
+            <a:r>
+              <a:rPr lang="hu-HU" sz="3200" b="1" dirty="0" err="1">
+                <a:solidFill>
+                  <a:schemeClr val="tx1">
+                    <a:lumMod val="75000"/>
+                    <a:lumOff val="25000"/>
+                  </a:schemeClr>
+                </a:solidFill>
+              </a:rPr>
               <a:t>push</a:t>
             </a:r>
             <a:r>
-              <a:rPr lang="hu-HU" sz="3200" dirty="0"/>
+              <a:rPr lang="hu-HU" sz="3200" dirty="0">
+                <a:solidFill>
+                  <a:schemeClr val="tx1">
+                    <a:lumMod val="75000"/>
+                    <a:lumOff val="25000"/>
+                  </a:schemeClr>
+                </a:solidFill>
+              </a:rPr>
               <a:t>” </a:t>
             </a:r>
             <a:r>
-              <a:rPr lang="hu-HU" sz="3200" dirty="0" err="1"/>
+              <a:rPr lang="hu-HU" sz="3200" dirty="0" err="1">
+                <a:solidFill>
+                  <a:schemeClr val="tx1">
+                    <a:lumMod val="75000"/>
+                    <a:lumOff val="25000"/>
+                  </a:schemeClr>
+                </a:solidFill>
+              </a:rPr>
               <a:t>parancssal</a:t>
             </a:r>
-            <a:endParaRPr lang="hu-HU" sz="3200" dirty="0"/>
-          </a:p>
-          <a:p>
-            <a:r>
-              <a:rPr lang="hu-HU" sz="3200" dirty="0"/>
+            <a:endParaRPr lang="hu-HU" sz="3200" dirty="0">
+              <a:solidFill>
+                <a:schemeClr val="tx1">
+                  <a:lumMod val="75000"/>
+                  <a:lumOff val="25000"/>
+                </a:schemeClr>
+              </a:solidFill>
+            </a:endParaRPr>
+          </a:p>
+          <a:p>
+            <a:r>
+              <a:rPr lang="hu-HU" sz="3200" dirty="0">
+                <a:solidFill>
+                  <a:schemeClr val="tx1">
+                    <a:lumMod val="75000"/>
+                    <a:lumOff val="25000"/>
+                  </a:schemeClr>
+                </a:solidFill>
+              </a:rPr>
               <a:t>Ezután akik benne vannak a </a:t>
             </a:r>
             <a:r>
-              <a:rPr lang="hu-HU" sz="3200" dirty="0" err="1"/>
-              <a:t>repoba</a:t>
-            </a:r>
-            <a:r>
-              <a:rPr lang="hu-HU" sz="3200" dirty="0"/>
+              <a:rPr lang="hu-HU" sz="3200" dirty="0" err="1">
+                <a:solidFill>
+                  <a:schemeClr val="tx1">
+                    <a:lumMod val="75000"/>
+                    <a:lumOff val="25000"/>
+                  </a:schemeClr>
+                </a:solidFill>
+              </a:rPr>
+              <a:t>repo-ba</a:t>
+            </a:r>
+            <a:r>
+              <a:rPr lang="hu-HU" sz="3200" dirty="0">
+                <a:solidFill>
+                  <a:schemeClr val="tx1">
+                    <a:lumMod val="75000"/>
+                    <a:lumOff val="25000"/>
+                  </a:schemeClr>
+                </a:solidFill>
+              </a:rPr>
               <a:t> láthatják hogy mit töltöttünk fel.</a:t>
             </a:r>
           </a:p>
@@ -5208,6 +6004,9 @@
   <p:clrMapOvr>
     <a:masterClrMapping/>
   </p:clrMapOvr>
+  <p:transition spd="slow">
+    <p:push dir="u"/>
+  </p:transition>
 </p:sld>
 </file>
 
@@ -5300,14 +6099,13 @@
               </a:ext>
             </a:extLst>
           </a:blip>
-          <a:stretch>
-            <a:fillRect/>
-          </a:stretch>
+          <a:srcRect r="7882"/>
+          <a:stretch/>
         </p:blipFill>
         <p:spPr>
           <a:xfrm>
-            <a:off x="838200" y="1866627"/>
-            <a:ext cx="4559423" cy="1562373"/>
+            <a:off x="838200" y="2339578"/>
+            <a:ext cx="5409786" cy="2012382"/>
           </a:xfrm>
         </p:spPr>
       </p:pic>
@@ -5325,7 +6123,7 @@
         </p:nvSpPr>
         <p:spPr>
           <a:xfrm>
-            <a:off x="6361591" y="2068497"/>
+            <a:off x="6791359" y="2339578"/>
             <a:ext cx="4992209" cy="2554545"/>
           </a:xfrm>
           <a:prstGeom prst="rect">
@@ -5340,44 +6138,114 @@
           <a:lstStyle/>
           <a:p>
             <a:r>
-              <a:rPr lang="hu-HU" sz="3200" dirty="0"/>
+              <a:rPr lang="hu-HU" sz="3200" dirty="0">
+                <a:solidFill>
+                  <a:schemeClr val="tx1">
+                    <a:lumMod val="75000"/>
+                    <a:lumOff val="25000"/>
+                  </a:schemeClr>
+                </a:solidFill>
+              </a:rPr>
               <a:t>A </a:t>
             </a:r>
             <a:r>
-              <a:rPr lang="hu-HU" sz="3200" dirty="0" err="1"/>
-              <a:t>repoból</a:t>
-            </a:r>
-            <a:r>
-              <a:rPr lang="hu-HU" sz="3200" dirty="0"/>
+              <a:rPr lang="hu-HU" sz="3200" dirty="0" err="1">
+                <a:solidFill>
+                  <a:schemeClr val="tx1">
+                    <a:lumMod val="75000"/>
+                    <a:lumOff val="25000"/>
+                  </a:schemeClr>
+                </a:solidFill>
+              </a:rPr>
+              <a:t>repo-ból</a:t>
+            </a:r>
+            <a:r>
+              <a:rPr lang="hu-HU" sz="3200" dirty="0">
+                <a:solidFill>
+                  <a:schemeClr val="tx1">
+                    <a:lumMod val="75000"/>
+                    <a:lumOff val="25000"/>
+                  </a:schemeClr>
+                </a:solidFill>
+              </a:rPr>
               <a:t> lebírjuk tölteni a fájlokat a „</a:t>
             </a:r>
             <a:r>
-              <a:rPr lang="hu-HU" sz="3200" dirty="0" err="1"/>
+              <a:rPr lang="hu-HU" sz="3200" b="1" dirty="0" err="1">
+                <a:solidFill>
+                  <a:schemeClr val="tx1">
+                    <a:lumMod val="75000"/>
+                    <a:lumOff val="25000"/>
+                  </a:schemeClr>
+                </a:solidFill>
+              </a:rPr>
               <a:t>git</a:t>
             </a:r>
             <a:r>
-              <a:rPr lang="hu-HU" sz="3200" dirty="0"/>
+              <a:rPr lang="hu-HU" sz="3200" b="1" dirty="0">
+                <a:solidFill>
+                  <a:schemeClr val="tx1">
+                    <a:lumMod val="75000"/>
+                    <a:lumOff val="25000"/>
+                  </a:schemeClr>
+                </a:solidFill>
+              </a:rPr>
               <a:t> </a:t>
             </a:r>
             <a:r>
-              <a:rPr lang="hu-HU" sz="3200" dirty="0" err="1"/>
+              <a:rPr lang="hu-HU" sz="3200" b="1" dirty="0" err="1">
+                <a:solidFill>
+                  <a:schemeClr val="tx1">
+                    <a:lumMod val="75000"/>
+                    <a:lumOff val="25000"/>
+                  </a:schemeClr>
+                </a:solidFill>
+              </a:rPr>
               <a:t>pull</a:t>
             </a:r>
             <a:r>
-              <a:rPr lang="hu-HU" sz="3200" dirty="0"/>
+              <a:rPr lang="hu-HU" sz="3200" dirty="0">
+                <a:solidFill>
+                  <a:schemeClr val="tx1">
+                    <a:lumMod val="75000"/>
+                    <a:lumOff val="25000"/>
+                  </a:schemeClr>
+                </a:solidFill>
+              </a:rPr>
               <a:t>” paranccsal. Ezzel tudjuk frissíteni a local </a:t>
             </a:r>
             <a:r>
-              <a:rPr lang="hu-HU" sz="3200" dirty="0" err="1"/>
-              <a:t>reponkat</a:t>
-            </a:r>
-            <a:r>
-              <a:rPr lang="hu-HU" sz="3200" dirty="0"/>
+              <a:rPr lang="hu-HU" sz="3200" dirty="0" err="1">
+                <a:solidFill>
+                  <a:schemeClr val="tx1">
+                    <a:lumMod val="75000"/>
+                    <a:lumOff val="25000"/>
+                  </a:schemeClr>
+                </a:solidFill>
+              </a:rPr>
+              <a:t>repo-nkat</a:t>
+            </a:r>
+            <a:r>
+              <a:rPr lang="hu-HU" sz="3200" dirty="0">
+                <a:solidFill>
+                  <a:schemeClr val="tx1">
+                    <a:lumMod val="75000"/>
+                    <a:lumOff val="25000"/>
+                  </a:schemeClr>
+                </a:solidFill>
+              </a:rPr>
               <a:t>.</a:t>
             </a:r>
           </a:p>
           <a:p>
-            <a:endParaRPr lang="hu-HU" sz="3200" dirty="0"/>
+            <a:endParaRPr lang="hu-HU" sz="3200" dirty="0">
+              <a:solidFill>
+                <a:schemeClr val="tx1">
+                  <a:lumMod val="75000"/>
+                  <a:lumOff val="25000"/>
+                </a:schemeClr>
+              </a:solidFill>
+            </a:endParaRPr>
           </a:p>
         </p:txBody>
       </p:sp>
@@ -5391,58 +6259,61 @@
   <p:clrMapOvr>
     <a:masterClrMapping/>
   </p:clrMapOvr>
+  <p:transition spd="slow">
+    <p:push dir="u"/>
+  </p:transition>
 </p:sld>
 </file>
 
 <file path=ppt/theme/theme1.xml><?xml version="1.0" encoding="utf-8"?>
-<a:theme xmlns:a="http://schemas.openxmlformats.org/drawingml/2006/main" name="Office-téma">
+<a:theme xmlns:a="http://schemas.openxmlformats.org/drawingml/2006/main" name="Retrospektív">
   <a:themeElements>
-    <a:clrScheme name="Office">
+    <a:clrScheme name="Retrospektív">
       <a:dk1>
-        <a:sysClr val="windowText" lastClr="000000"/>
+        <a:srgbClr val="000000"/>
       </a:dk1>
       <a:lt1>
         <a:sysClr val="window" lastClr="FFFFFF"/>
       </a:lt1>
       <a:dk2>
-        <a:srgbClr val="0E2841"/>
+        <a:srgbClr val="637052"/>
       </a:dk2>
       <a:lt2>
-        <a:srgbClr val="E8E8E8"/>
+        <a:srgbClr val="CCDDEA"/>
       </a:lt2>
       <a:accent1>
-        <a:srgbClr val="156082"/>
+        <a:srgbClr val="E48312"/>
       </a:accent1>
       <a:accent2>
-        <a:srgbClr val="E97132"/>
+        <a:srgbClr val="BD582C"/>
       </a:accent2>
       <a:accent3>
-        <a:srgbClr val="196B24"/>
+        <a:srgbClr val="865640"/>
       </a:accent3>
       <a:accent4>
-        <a:srgbClr val="0F9ED5"/>
+        <a:srgbClr val="9B8357"/>
       </a:accent4>
       <a:accent5>
-        <a:srgbClr val="A02B93"/>
+        <a:srgbClr val="C2BC80"/>
       </a:accent5>
       <a:accent6>
-        <a:srgbClr val="4EA72E"/>
+        <a:srgbClr val="94A088"/>
       </a:accent6>
       <a:hlink>
-        <a:srgbClr val="467886"/>
+        <a:srgbClr val="2998E3"/>
       </a:hlink>
       <a:folHlink>
-        <a:srgbClr val="96607D"/>
+        <a:srgbClr val="8C8C8C"/>
       </a:folHlink>
     </a:clrScheme>
-    <a:fontScheme name="Office">
+    <a:fontScheme name="Retrospektív">
       <a:majorFont>
-        <a:latin typeface="Aptos Display" panose="02110004020202020204"/>
+        <a:latin typeface="Calibri Light" panose="020F0302020204030204"/>
         <a:ea typeface=""/>
         <a:cs typeface=""/>
-        <a:font script="Jpan" typeface="游ゴシック Light"/>
+        <a:font script="Jpan" typeface="ＭＳ Ｐゴシック"/>
         <a:font script="Hang" typeface="맑은 고딕"/>
-        <a:font script="Hans" typeface="等线 Light"/>
+        <a:font script="Hans" typeface="宋体"/>
         <a:font script="Hant" typeface="新細明體"/>
         <a:font script="Arab" typeface="Times New Roman"/>
         <a:font script="Hebr" typeface="Times New Roman"/>
@@ -5470,31 +6341,14 @@
         <a:font script="Viet" typeface="Times New Roman"/>
         <a:font script="Uigh" typeface="Microsoft Uighur"/>
         <a:font script="Geor" typeface="Sylfaen"/>
-        <a:font script="Armn" typeface="Arial"/>
-        <a:font script="Bugi" typeface="Leelawadee UI"/>
-        <a:font script="Bopo" typeface="Microsoft JhengHei"/>
-        <a:font script="Java" typeface="Javanese Text"/>
-        <a:font script="Lisu" typeface="Segoe UI"/>
-        <a:font script="Mymr" typeface="Myanmar Text"/>
-        <a:font script="Nkoo" typeface="Ebrima"/>
-        <a:font script="Olck" typeface="Nirmala UI"/>
-        <a:font script="Osma" typeface="Ebrima"/>
-        <a:font script="Phag" typeface="Phagspa"/>
-        <a:font script="Syrn" typeface="Estrangelo Edessa"/>
-        <a:font script="Syrj" typeface="Estrangelo Edessa"/>
-        <a:font script="Syre" typeface="Estrangelo Edessa"/>
-        <a:font script="Sora" typeface="Nirmala UI"/>
-        <a:font script="Tale" typeface="Microsoft Tai Le"/>
-        <a:font script="Talu" typeface="Microsoft New Tai Lue"/>
-        <a:font script="Tfng" typeface="Ebrima"/>
       </a:majorFont>
       <a:minorFont>
-        <a:latin typeface="Aptos" panose="02110004020202020204"/>
+        <a:latin typeface="Calibri" panose="020F0502020204030204"/>
         <a:ea typeface=""/>
         <a:cs typeface=""/>
-        <a:font script="Jpan" typeface="游ゴシック"/>
+        <a:font script="Jpan" typeface="ＭＳ Ｐゴシック"/>
         <a:font script="Hang" typeface="맑은 고딕"/>
-        <a:font script="Hans" typeface="等线"/>
+        <a:font script="Hans" typeface="宋体"/>
         <a:font script="Hant" typeface="新細明體"/>
         <a:font script="Arab" typeface="Arial"/>
         <a:font script="Hebr" typeface="Arial"/>
@@ -5522,26 +6376,9 @@
         <a:font script="Viet" typeface="Arial"/>
         <a:font script="Uigh" typeface="Microsoft Uighur"/>
         <a:font script="Geor" typeface="Sylfaen"/>
-        <a:font script="Armn" typeface="Arial"/>
-        <a:font script="Bugi" typeface="Leelawadee UI"/>
-        <a:font script="Bopo" typeface="Microsoft JhengHei"/>
-        <a:font script="Java" typeface="Javanese Text"/>
-        <a:font script="Lisu" typeface="Segoe UI"/>
-        <a:font script="Mymr" typeface="Myanmar Text"/>
-        <a:font script="Nkoo" typeface="Ebrima"/>
-        <a:font script="Olck" typeface="Nirmala UI"/>
-        <a:font script="Osma" typeface="Ebrima"/>
-        <a:font script="Phag" typeface="Phagspa"/>
-        <a:font script="Syrn" typeface="Estrangelo Edessa"/>
-        <a:font script="Syrj" typeface="Estrangelo Edessa"/>
-        <a:font script="Syre" typeface="Estrangelo Edessa"/>
-        <a:font script="Sora" typeface="Nirmala UI"/>
-        <a:font script="Tale" typeface="Microsoft Tai Le"/>
-        <a:font script="Talu" typeface="Microsoft New Tai Lue"/>
-        <a:font script="Tfng" typeface="Ebrima"/>
       </a:minorFont>
     </a:fontScheme>
-    <a:fmtScheme name="Office">
+    <a:fmtScheme name="Retrospektív">
       <a:fillStyleLst>
         <a:solidFill>
           <a:schemeClr val="phClr"/>
@@ -5550,53 +6387,61 @@
           <a:gsLst>
             <a:gs pos="0">
               <a:schemeClr val="phClr">
-                <a:lumMod val="110000"/>
-                <a:satMod val="105000"/>
-                <a:tint val="67000"/>
+                <a:tint val="65000"/>
+                <a:shade val="92000"/>
+                <a:satMod val="130000"/>
               </a:schemeClr>
             </a:gs>
-            <a:gs pos="50000">
+            <a:gs pos="45000">
               <a:schemeClr val="phClr">
-                <a:lumMod val="105000"/>
-                <a:satMod val="103000"/>
-                <a:tint val="73000"/>
+                <a:tint val="60000"/>
+                <a:shade val="99000"/>
+                <a:satMod val="120000"/>
               </a:schemeClr>
             </a:gs>
             <a:gs pos="100000">
               <a:schemeClr val="phClr">
-                <a:lumMod val="105000"/>
-                <a:satMod val="109000"/>
-                <a:tint val="81000"/>
+                <a:tint val="55000"/>
+                <a:satMod val="140000"/>
               </a:schemeClr>
             </a:gs>
           </a:gsLst>
-          <a:lin ang="5400000" scaled="0"/>
+          <a:path path="circle">
+            <a:fillToRect l="100000" t="100000" r="100000" b="100000"/>
+          </a:path>
         </a:gradFill>
         <a:gradFill rotWithShape="1">
           <a:gsLst>
             <a:gs pos="0">
               <a:schemeClr val="phClr">
-                <a:satMod val="103000"/>
-                <a:lumMod val="102000"/>
-                <a:tint val="94000"/>
+                <a:shade val="85000"/>
+                <a:satMod val="130000"/>
               </a:schemeClr>
             </a:gs>
-            <a:gs pos="50000">
+            <a:gs pos="34000">
               <a:schemeClr val="phClr">
-                <a:satMod val="110000"/>
-                <a:lumMod val="100000"/>
-                <a:shade val="100000"/>
+                <a:shade val="87000"/>
+                <a:satMod val="125000"/>
+              </a:schemeClr>
+            </a:gs>
+            <a:gs pos="70000">
+              <a:schemeClr val="phClr">
+                <a:tint val="100000"/>
+                <a:shade val="90000"/>
+                <a:satMod val="130000"/>
               </a:schemeClr>
             </a:gs>
             <a:gs pos="100000">
               <a:schemeClr val="phClr">
-                <a:lumMod val="99000"/>
-                <a:satMod val="120000"/>
-                <a:shade val="78000"/>
+                <a:tint val="100000"/>
+                <a:shade val="100000"/>
+                <a:satMod val="110000"/>
               </a:schemeClr>
             </a:gs>
           </a:gsLst>
-          <a:lin ang="5400000" scaled="0"/>
+          <a:path path="circle">
+            <a:fillToRect l="100000" t="100000" r="100000" b="100000"/>
+          </a:path>
         </a:gradFill>
       </a:fillStyleLst>
       <a:lnStyleLst>
@@ -5605,21 +6450,18 @@
             <a:schemeClr val="phClr"/>
           </a:solidFill>
           <a:prstDash val="solid"/>
-          <a:miter lim="800000"/>
         </a:ln>
-        <a:ln w="19050" cap="flat" cmpd="sng" algn="ctr">
+        <a:ln w="15875" cap="flat" cmpd="sng" algn="ctr">
           <a:solidFill>
             <a:schemeClr val="phClr"/>
           </a:solidFill>
           <a:prstDash val="solid"/>
-          <a:miter lim="800000"/>
         </a:ln>
         <a:ln w="25400" cap="flat" cmpd="sng" algn="ctr">
           <a:solidFill>
             <a:schemeClr val="phClr"/>
           </a:solidFill>
           <a:prstDash val="solid"/>
-          <a:miter lim="800000"/>
         </a:ln>
       </a:lnStyleLst>
       <a:effectStyleLst>
@@ -5627,16 +6469,33 @@
           <a:effectLst/>
         </a:effectStyle>
         <a:effectStyle>
-          <a:effectLst/>
+          <a:effectLst>
+            <a:outerShdw blurRad="38100" dist="25400" dir="2700000" algn="br" rotWithShape="0">
+              <a:srgbClr val="000000">
+                <a:alpha val="60000"/>
+              </a:srgbClr>
+            </a:outerShdw>
+          </a:effectLst>
         </a:effectStyle>
         <a:effectStyle>
           <a:effectLst>
-            <a:outerShdw blurRad="57150" dist="19050" dir="5400000" algn="ctr" rotWithShape="0">
+            <a:outerShdw blurRad="44450" dist="25400" dir="2700000" algn="br" rotWithShape="0">
               <a:srgbClr val="000000">
-                <a:alpha val="63000"/>
+                <a:alpha val="60000"/>
               </a:srgbClr>
             </a:outerShdw>
           </a:effectLst>
+          <a:scene3d>
+            <a:camera prst="orthographicFront">
+              <a:rot lat="0" lon="0" rev="0"/>
+            </a:camera>
+            <a:lightRig rig="threePt" dir="t">
+              <a:rot lat="0" lon="0" rev="19800000"/>
+            </a:lightRig>
+          </a:scene3d>
+          <a:sp3d prstMaterial="flat">
+            <a:bevelT w="25400" h="31750"/>
+          </a:sp3d>
         </a:effectStyle>
       </a:effectStyleLst>
       <a:bgFillStyleLst>
@@ -5645,65 +6504,45 @@
         </a:solidFill>
         <a:solidFill>
           <a:schemeClr val="phClr">
-            <a:tint val="95000"/>
-            <a:satMod val="170000"/>
+            <a:tint val="90000"/>
+            <a:shade val="97000"/>
+            <a:satMod val="130000"/>
           </a:schemeClr>
         </a:solidFill>
         <a:gradFill rotWithShape="1">
           <a:gsLst>
             <a:gs pos="0">
               <a:schemeClr val="phClr">
-                <a:tint val="93000"/>
-                <a:satMod val="150000"/>
-                <a:shade val="98000"/>
-                <a:lumMod val="102000"/>
+                <a:tint val="96000"/>
+                <a:shade val="99000"/>
+                <a:satMod val="140000"/>
               </a:schemeClr>
             </a:gs>
-            <a:gs pos="50000">
+            <a:gs pos="65000">
               <a:schemeClr val="phClr">
-                <a:tint val="98000"/>
+                <a:tint val="100000"/>
+                <a:shade val="80000"/>
                 <a:satMod val="130000"/>
-                <a:shade val="90000"/>
-                <a:lumMod val="103000"/>
               </a:schemeClr>
             </a:gs>
             <a:gs pos="100000">
               <a:schemeClr val="phClr">
-                <a:shade val="63000"/>
+                <a:tint val="100000"/>
+                <a:shade val="48000"/>
                 <a:satMod val="120000"/>
               </a:schemeClr>
             </a:gs>
           </a:gsLst>
-          <a:lin ang="5400000" scaled="0"/>
+          <a:lin ang="16200000" scaled="0"/>
         </a:gradFill>
       </a:bgFillStyleLst>
     </a:fmtScheme>
   </a:themeElements>
-  <a:objectDefaults>
-    <a:lnDef>
-      <a:spPr/>
-      <a:bodyPr/>
-      <a:lstStyle/>
-      <a:style>
-        <a:lnRef idx="2">
-          <a:schemeClr val="accent1"/>
-        </a:lnRef>
-        <a:fillRef idx="0">
-          <a:schemeClr val="accent1"/>
-        </a:fillRef>
-        <a:effectRef idx="1">
-          <a:schemeClr val="accent1"/>
-        </a:effectRef>
-        <a:fontRef idx="minor">
-          <a:schemeClr val="tx1"/>
-        </a:fontRef>
-      </a:style>
-    </a:lnDef>
-  </a:objectDefaults>
+  <a:objectDefaults/>
   <a:extraClrSchemeLst/>
   <a:extLst>
     <a:ext uri="{05A4C25C-085E-4340-85A3-A5531E510DB2}">
-      <thm15:themeFamily xmlns:thm15="http://schemas.microsoft.com/office/thememl/2012/main" name="Office Theme" id="{2E142A2C-CD16-42D6-873A-C26D2A0506FA}" vid="{1BDDFF52-6CD6-40A5-AB3C-68EB2F1E4D0A}"/>
+      <thm15:themeFamily xmlns:thm15="http://schemas.microsoft.com/office/thememl/2012/main" name="Retrospect" id="{5F128B03-DCCA-4EEB-AB3B-CF2899314A46}" vid="{3F1AAB62-24C6-49D2-8E01-B56FAC9A3DCD}"/>
     </a:ext>
   </a:extLst>
 </a:theme>

--- a/Git_használat.pptx
+++ b/Git_használat.pptx
@@ -348,7 +348,7 @@
           <a:p>
             <a:fld id="{837BAD36-7A2E-4BBD-9EE7-519292F2A9F3}" type="datetimeFigureOut">
               <a:rPr lang="hu-HU" smtClean="0"/>
-              <a:t>2024. 10. 21.</a:t>
+              <a:t>2024.10.22.</a:t>
             </a:fld>
             <a:endParaRPr lang="hu-HU"/>
           </a:p>
@@ -556,7 +556,7 @@
           <a:p>
             <a:fld id="{837BAD36-7A2E-4BBD-9EE7-519292F2A9F3}" type="datetimeFigureOut">
               <a:rPr lang="hu-HU" smtClean="0"/>
-              <a:t>2024. 10. 21.</a:t>
+              <a:t>2024.10.22.</a:t>
             </a:fld>
             <a:endParaRPr lang="hu-HU"/>
           </a:p>
@@ -812,7 +812,7 @@
           <a:p>
             <a:fld id="{837BAD36-7A2E-4BBD-9EE7-519292F2A9F3}" type="datetimeFigureOut">
               <a:rPr lang="hu-HU" smtClean="0"/>
-              <a:t>2024. 10. 21.</a:t>
+              <a:t>2024.10.22.</a:t>
             </a:fld>
             <a:endParaRPr lang="hu-HU"/>
           </a:p>
@@ -986,7 +986,7 @@
           <a:p>
             <a:fld id="{837BAD36-7A2E-4BBD-9EE7-519292F2A9F3}" type="datetimeFigureOut">
               <a:rPr lang="hu-HU" smtClean="0"/>
-              <a:t>2024. 10. 21.</a:t>
+              <a:t>2024.10.22.</a:t>
             </a:fld>
             <a:endParaRPr lang="hu-HU"/>
           </a:p>
@@ -1329,7 +1329,7 @@
           <a:p>
             <a:fld id="{837BAD36-7A2E-4BBD-9EE7-519292F2A9F3}" type="datetimeFigureOut">
               <a:rPr lang="hu-HU" smtClean="0"/>
-              <a:t>2024. 10. 21.</a:t>
+              <a:t>2024.10.22.</a:t>
             </a:fld>
             <a:endParaRPr lang="hu-HU"/>
           </a:p>
@@ -1604,7 +1604,7 @@
           <a:p>
             <a:fld id="{837BAD36-7A2E-4BBD-9EE7-519292F2A9F3}" type="datetimeFigureOut">
               <a:rPr lang="hu-HU" smtClean="0"/>
-              <a:t>2024. 10. 21.</a:t>
+              <a:t>2024.10.22.</a:t>
             </a:fld>
             <a:endParaRPr lang="hu-HU"/>
           </a:p>
@@ -1983,7 +1983,7 @@
           <a:p>
             <a:fld id="{837BAD36-7A2E-4BBD-9EE7-519292F2A9F3}" type="datetimeFigureOut">
               <a:rPr lang="hu-HU" smtClean="0"/>
-              <a:t>2024. 10. 21.</a:t>
+              <a:t>2024.10.22.</a:t>
             </a:fld>
             <a:endParaRPr lang="hu-HU"/>
           </a:p>
@@ -2101,7 +2101,7 @@
           <a:p>
             <a:fld id="{837BAD36-7A2E-4BBD-9EE7-519292F2A9F3}" type="datetimeFigureOut">
               <a:rPr lang="hu-HU" smtClean="0"/>
-              <a:t>2024. 10. 21.</a:t>
+              <a:t>2024.10.22.</a:t>
             </a:fld>
             <a:endParaRPr lang="hu-HU"/>
           </a:p>
@@ -2272,7 +2272,7 @@
           <a:p>
             <a:fld id="{837BAD36-7A2E-4BBD-9EE7-519292F2A9F3}" type="datetimeFigureOut">
               <a:rPr lang="hu-HU" smtClean="0"/>
-              <a:t>2024. 10. 21.</a:t>
+              <a:t>2024.10.22.</a:t>
             </a:fld>
             <a:endParaRPr lang="hu-HU"/>
           </a:p>
@@ -2626,7 +2626,7 @@
           <a:p>
             <a:fld id="{837BAD36-7A2E-4BBD-9EE7-519292F2A9F3}" type="datetimeFigureOut">
               <a:rPr lang="hu-HU" smtClean="0"/>
-              <a:t>2024. 10. 21.</a:t>
+              <a:t>2024.10.22.</a:t>
             </a:fld>
             <a:endParaRPr lang="hu-HU"/>
           </a:p>
@@ -3008,7 +3008,7 @@
           <a:p>
             <a:fld id="{837BAD36-7A2E-4BBD-9EE7-519292F2A9F3}" type="datetimeFigureOut">
               <a:rPr lang="hu-HU" smtClean="0"/>
-              <a:t>2024. 10. 21.</a:t>
+              <a:t>2024.10.22.</a:t>
             </a:fld>
             <a:endParaRPr lang="hu-HU"/>
           </a:p>
@@ -3295,7 +3295,7 @@
           <a:p>
             <a:fld id="{837BAD36-7A2E-4BBD-9EE7-519292F2A9F3}" type="datetimeFigureOut">
               <a:rPr lang="hu-HU" smtClean="0"/>
-              <a:t>2024. 10. 21.</a:t>
+              <a:t>2024.10.22.</a:t>
             </a:fld>
             <a:endParaRPr lang="hu-HU"/>
           </a:p>
@@ -4502,7 +4502,7 @@
         <p:spPr>
           <a:xfrm>
             <a:off x="5588508" y="4253244"/>
-            <a:ext cx="5567172" cy="2062103"/>
+            <a:ext cx="5567172" cy="1569660"/>
           </a:xfrm>
           <a:prstGeom prst="rect">
             <a:avLst/>
@@ -4525,7 +4525,7 @@
                   </a:schemeClr>
                 </a:solidFill>
               </a:rPr>
-              <a:t>A képen is látható módon adjunk meg egy nevet és döntsük el hogy ez a </a:t>
+              <a:t>Adjunk meg egy nevet és döntsük el hogy ez a </a:t>
             </a:r>
             <a:r>
               <a:rPr lang="hu-HU" sz="3200" dirty="0" err="1">

--- a/Git_használat.pptx
+++ b/Git_használat.pptx
@@ -7,15 +7,17 @@
   <p:sldIdLst>
     <p:sldId id="256" r:id="rId2"/>
     <p:sldId id="269" r:id="rId3"/>
-    <p:sldId id="268" r:id="rId4"/>
-    <p:sldId id="257" r:id="rId5"/>
-    <p:sldId id="258" r:id="rId6"/>
-    <p:sldId id="259" r:id="rId7"/>
-    <p:sldId id="260" r:id="rId8"/>
-    <p:sldId id="261" r:id="rId9"/>
-    <p:sldId id="262" r:id="rId10"/>
-    <p:sldId id="263" r:id="rId11"/>
-    <p:sldId id="264" r:id="rId12"/>
+    <p:sldId id="270" r:id="rId4"/>
+    <p:sldId id="268" r:id="rId5"/>
+    <p:sldId id="257" r:id="rId6"/>
+    <p:sldId id="271" r:id="rId7"/>
+    <p:sldId id="258" r:id="rId8"/>
+    <p:sldId id="259" r:id="rId9"/>
+    <p:sldId id="260" r:id="rId10"/>
+    <p:sldId id="261" r:id="rId11"/>
+    <p:sldId id="262" r:id="rId12"/>
+    <p:sldId id="263" r:id="rId13"/>
+    <p:sldId id="264" r:id="rId14"/>
   </p:sldIdLst>
   <p:sldSz cx="12192000" cy="6858000"/>
   <p:notesSz cx="6858000" cy="9144000"/>
@@ -3914,6 +3916,544 @@
           <p:cNvPr id="2" name="Cím 1">
             <a:extLst>
               <a:ext uri="{FF2B5EF4-FFF2-40B4-BE49-F238E27FC236}">
+                <a16:creationId xmlns:a16="http://schemas.microsoft.com/office/drawing/2014/main" id="{103F830D-1880-B1EA-4A50-E2116F7FE27E}"/>
+              </a:ext>
+            </a:extLst>
+          </p:cNvPr>
+          <p:cNvSpPr>
+            <a:spLocks noGrp="1"/>
+          </p:cNvSpPr>
+          <p:nvPr>
+            <p:ph type="title"/>
+          </p:nvPr>
+        </p:nvSpPr>
+        <p:spPr/>
+        <p:txBody>
+          <a:bodyPr/>
+          <a:lstStyle/>
+          <a:p>
+            <a:r>
+              <a:rPr lang="hu-HU" dirty="0"/>
+              <a:t>Fájl(ok) feltöltése a </a:t>
+            </a:r>
+            <a:r>
+              <a:rPr lang="hu-HU" dirty="0" err="1"/>
+              <a:t>remote</a:t>
+            </a:r>
+            <a:r>
+              <a:rPr lang="hu-HU" dirty="0"/>
+              <a:t> </a:t>
+            </a:r>
+            <a:r>
+              <a:rPr lang="hu-HU" dirty="0" err="1"/>
+              <a:t>repo-ba</a:t>
+            </a:r>
+            <a:r>
+              <a:rPr lang="hu-HU" dirty="0"/>
+              <a:t> (</a:t>
+            </a:r>
+            <a:r>
+              <a:rPr lang="hu-HU" dirty="0" err="1"/>
+              <a:t>push-olás</a:t>
+            </a:r>
+            <a:r>
+              <a:rPr lang="hu-HU" dirty="0"/>
+              <a:t>)</a:t>
+            </a:r>
+          </a:p>
+        </p:txBody>
+      </p:sp>
+      <p:pic>
+        <p:nvPicPr>
+          <p:cNvPr id="5" name="Tartalom helye 4">
+            <a:extLst>
+              <a:ext uri="{FF2B5EF4-FFF2-40B4-BE49-F238E27FC236}">
+                <a16:creationId xmlns:a16="http://schemas.microsoft.com/office/drawing/2014/main" id="{F5B155C1-30DC-65E8-7C2A-DCA37E3F13D3}"/>
+              </a:ext>
+            </a:extLst>
+          </p:cNvPr>
+          <p:cNvPicPr>
+            <a:picLocks noGrp="1" noChangeAspect="1"/>
+          </p:cNvPicPr>
+          <p:nvPr>
+            <p:ph idx="1"/>
+          </p:nvPr>
+        </p:nvPicPr>
+        <p:blipFill>
+          <a:blip r:embed="rId2">
+            <a:extLst>
+              <a:ext uri="{28A0092B-C50C-407E-A947-70E740481C1C}">
+                <a14:useLocalDpi xmlns:a14="http://schemas.microsoft.com/office/drawing/2010/main" val="0"/>
+              </a:ext>
+            </a:extLst>
+          </a:blip>
+          <a:stretch>
+            <a:fillRect/>
+          </a:stretch>
+        </p:blipFill>
+        <p:spPr>
+          <a:xfrm>
+            <a:off x="1334610" y="1934642"/>
+            <a:ext cx="9018988" cy="2646236"/>
+          </a:xfrm>
+        </p:spPr>
+      </p:pic>
+      <p:sp>
+        <p:nvSpPr>
+          <p:cNvPr id="7" name="Szövegdoboz 6">
+            <a:extLst>
+              <a:ext uri="{FF2B5EF4-FFF2-40B4-BE49-F238E27FC236}">
+                <a16:creationId xmlns:a16="http://schemas.microsoft.com/office/drawing/2014/main" id="{F1DAB1E9-F477-A79A-2B6F-0A84B2B6F14C}"/>
+              </a:ext>
+            </a:extLst>
+          </p:cNvPr>
+          <p:cNvSpPr txBox="1"/>
+          <p:nvPr/>
+        </p:nvSpPr>
+        <p:spPr>
+          <a:xfrm>
+            <a:off x="426128" y="4702647"/>
+            <a:ext cx="11674136" cy="1633781"/>
+          </a:xfrm>
+          <a:prstGeom prst="rect">
+            <a:avLst/>
+          </a:prstGeom>
+          <a:noFill/>
+        </p:spPr>
+        <p:txBody>
+          <a:bodyPr wrap="square" rtlCol="0">
+            <a:spAutoFit/>
+          </a:bodyPr>
+          <a:lstStyle/>
+          <a:p>
+            <a:pPr>
+              <a:spcAft>
+                <a:spcPts val="500"/>
+              </a:spcAft>
+            </a:pPr>
+            <a:r>
+              <a:rPr lang="hu-HU" sz="3200" dirty="0">
+                <a:solidFill>
+                  <a:schemeClr val="tx1">
+                    <a:lumMod val="75000"/>
+                    <a:lumOff val="25000"/>
+                  </a:schemeClr>
+                </a:solidFill>
+              </a:rPr>
+              <a:t>Miután felkészítettük a fájlokat a </a:t>
+            </a:r>
+            <a:r>
+              <a:rPr lang="hu-HU" sz="3200" dirty="0" err="1">
+                <a:solidFill>
+                  <a:schemeClr val="tx1">
+                    <a:lumMod val="75000"/>
+                    <a:lumOff val="25000"/>
+                  </a:schemeClr>
+                </a:solidFill>
+              </a:rPr>
+              <a:t>push-olásra</a:t>
+            </a:r>
+            <a:r>
+              <a:rPr lang="hu-HU" sz="3200" dirty="0">
+                <a:solidFill>
+                  <a:schemeClr val="tx1">
+                    <a:lumMod val="75000"/>
+                    <a:lumOff val="25000"/>
+                  </a:schemeClr>
+                </a:solidFill>
+              </a:rPr>
+              <a:t> elkezdhetjük a feltöltést a „</a:t>
+            </a:r>
+            <a:r>
+              <a:rPr lang="hu-HU" sz="3200" b="1" dirty="0" err="1">
+                <a:solidFill>
+                  <a:schemeClr val="tx1">
+                    <a:lumMod val="75000"/>
+                    <a:lumOff val="25000"/>
+                  </a:schemeClr>
+                </a:solidFill>
+              </a:rPr>
+              <a:t>git</a:t>
+            </a:r>
+            <a:r>
+              <a:rPr lang="hu-HU" sz="3200" b="1" dirty="0">
+                <a:solidFill>
+                  <a:schemeClr val="tx1">
+                    <a:lumMod val="75000"/>
+                    <a:lumOff val="25000"/>
+                  </a:schemeClr>
+                </a:solidFill>
+              </a:rPr>
+              <a:t> </a:t>
+            </a:r>
+            <a:r>
+              <a:rPr lang="hu-HU" sz="3200" b="1" dirty="0" err="1">
+                <a:solidFill>
+                  <a:schemeClr val="tx1">
+                    <a:lumMod val="75000"/>
+                    <a:lumOff val="25000"/>
+                  </a:schemeClr>
+                </a:solidFill>
+              </a:rPr>
+              <a:t>push</a:t>
+            </a:r>
+            <a:r>
+              <a:rPr lang="hu-HU" sz="3200" dirty="0">
+                <a:solidFill>
+                  <a:schemeClr val="tx1">
+                    <a:lumMod val="75000"/>
+                    <a:lumOff val="25000"/>
+                  </a:schemeClr>
+                </a:solidFill>
+              </a:rPr>
+              <a:t>” </a:t>
+            </a:r>
+            <a:r>
+              <a:rPr lang="hu-HU" sz="3200" dirty="0" err="1">
+                <a:solidFill>
+                  <a:schemeClr val="tx1">
+                    <a:lumMod val="75000"/>
+                    <a:lumOff val="25000"/>
+                  </a:schemeClr>
+                </a:solidFill>
+              </a:rPr>
+              <a:t>parancssal</a:t>
+            </a:r>
+            <a:endParaRPr lang="hu-HU" sz="3200" dirty="0">
+              <a:solidFill>
+                <a:schemeClr val="tx1">
+                  <a:lumMod val="75000"/>
+                  <a:lumOff val="25000"/>
+                </a:schemeClr>
+              </a:solidFill>
+            </a:endParaRPr>
+          </a:p>
+          <a:p>
+            <a:r>
+              <a:rPr lang="hu-HU" sz="3200" dirty="0">
+                <a:solidFill>
+                  <a:schemeClr val="tx1">
+                    <a:lumMod val="75000"/>
+                    <a:lumOff val="25000"/>
+                  </a:schemeClr>
+                </a:solidFill>
+              </a:rPr>
+              <a:t>Ezután akik benne vannak a </a:t>
+            </a:r>
+            <a:r>
+              <a:rPr lang="hu-HU" sz="3200" dirty="0" err="1">
+                <a:solidFill>
+                  <a:schemeClr val="tx1">
+                    <a:lumMod val="75000"/>
+                    <a:lumOff val="25000"/>
+                  </a:schemeClr>
+                </a:solidFill>
+              </a:rPr>
+              <a:t>repo-ba</a:t>
+            </a:r>
+            <a:r>
+              <a:rPr lang="hu-HU" sz="3200" dirty="0">
+                <a:solidFill>
+                  <a:schemeClr val="tx1">
+                    <a:lumMod val="75000"/>
+                    <a:lumOff val="25000"/>
+                  </a:schemeClr>
+                </a:solidFill>
+              </a:rPr>
+              <a:t> láthatják hogy mit töltöttünk fel.</a:t>
+            </a:r>
+          </a:p>
+        </p:txBody>
+      </p:sp>
+    </p:spTree>
+    <p:extLst>
+      <p:ext uri="{BB962C8B-B14F-4D97-AF65-F5344CB8AC3E}">
+        <p14:creationId xmlns:p14="http://schemas.microsoft.com/office/powerpoint/2010/main" val="2937607529"/>
+      </p:ext>
+    </p:extLst>
+  </p:cSld>
+  <p:clrMapOvr>
+    <a:masterClrMapping/>
+  </p:clrMapOvr>
+  <p:transition spd="slow">
+    <p:push dir="u"/>
+  </p:transition>
+</p:sld>
+</file>
+
+<file path=ppt/slides/slide11.xml><?xml version="1.0" encoding="utf-8"?>
+<p:sld xmlns:a="http://schemas.openxmlformats.org/drawingml/2006/main" xmlns:r="http://schemas.openxmlformats.org/officeDocument/2006/relationships" xmlns:p="http://schemas.openxmlformats.org/presentationml/2006/main">
+  <p:cSld>
+    <p:spTree>
+      <p:nvGrpSpPr>
+        <p:cNvPr id="1" name=""/>
+        <p:cNvGrpSpPr/>
+        <p:nvPr/>
+      </p:nvGrpSpPr>
+      <p:grpSpPr>
+        <a:xfrm>
+          <a:off x="0" y="0"/>
+          <a:ext cx="0" cy="0"/>
+          <a:chOff x="0" y="0"/>
+          <a:chExt cx="0" cy="0"/>
+        </a:xfrm>
+      </p:grpSpPr>
+      <p:sp>
+        <p:nvSpPr>
+          <p:cNvPr id="2" name="Cím 1">
+            <a:extLst>
+              <a:ext uri="{FF2B5EF4-FFF2-40B4-BE49-F238E27FC236}">
+                <a16:creationId xmlns:a16="http://schemas.microsoft.com/office/drawing/2014/main" id="{0059DFBF-DAB3-BEDF-9A01-E5FDABC6D7B9}"/>
+              </a:ext>
+            </a:extLst>
+          </p:cNvPr>
+          <p:cNvSpPr>
+            <a:spLocks noGrp="1"/>
+          </p:cNvSpPr>
+          <p:nvPr>
+            <p:ph type="title"/>
+          </p:nvPr>
+        </p:nvSpPr>
+        <p:spPr/>
+        <p:txBody>
+          <a:bodyPr/>
+          <a:lstStyle/>
+          <a:p>
+            <a:r>
+              <a:rPr lang="hu-HU" dirty="0"/>
+              <a:t>Fájlok letöltése a local </a:t>
+            </a:r>
+            <a:r>
+              <a:rPr lang="hu-HU" dirty="0" err="1"/>
+              <a:t>repo-ba</a:t>
+            </a:r>
+            <a:r>
+              <a:rPr lang="hu-HU" dirty="0"/>
+              <a:t> (</a:t>
+            </a:r>
+            <a:r>
+              <a:rPr lang="hu-HU" dirty="0" err="1"/>
+              <a:t>pull-olás</a:t>
+            </a:r>
+            <a:r>
+              <a:rPr lang="hu-HU" dirty="0"/>
+              <a:t>)</a:t>
+            </a:r>
+          </a:p>
+        </p:txBody>
+      </p:sp>
+      <p:pic>
+        <p:nvPicPr>
+          <p:cNvPr id="5" name="Tartalom helye 4">
+            <a:extLst>
+              <a:ext uri="{FF2B5EF4-FFF2-40B4-BE49-F238E27FC236}">
+                <a16:creationId xmlns:a16="http://schemas.microsoft.com/office/drawing/2014/main" id="{8B0F14E2-E036-CFC3-A3DB-6058A7C50303}"/>
+              </a:ext>
+            </a:extLst>
+          </p:cNvPr>
+          <p:cNvPicPr>
+            <a:picLocks noGrp="1" noChangeAspect="1"/>
+          </p:cNvPicPr>
+          <p:nvPr>
+            <p:ph idx="1"/>
+          </p:nvPr>
+        </p:nvPicPr>
+        <p:blipFill>
+          <a:blip r:embed="rId2">
+            <a:extLst>
+              <a:ext uri="{28A0092B-C50C-407E-A947-70E740481C1C}">
+                <a14:useLocalDpi xmlns:a14="http://schemas.microsoft.com/office/drawing/2010/main" val="0"/>
+              </a:ext>
+            </a:extLst>
+          </a:blip>
+          <a:srcRect r="7882"/>
+          <a:stretch/>
+        </p:blipFill>
+        <p:spPr>
+          <a:xfrm>
+            <a:off x="2116585" y="1906728"/>
+            <a:ext cx="7329256" cy="2726404"/>
+          </a:xfrm>
+        </p:spPr>
+      </p:pic>
+      <p:sp>
+        <p:nvSpPr>
+          <p:cNvPr id="6" name="Szövegdoboz 5">
+            <a:extLst>
+              <a:ext uri="{FF2B5EF4-FFF2-40B4-BE49-F238E27FC236}">
+                <a16:creationId xmlns:a16="http://schemas.microsoft.com/office/drawing/2014/main" id="{CB73D24B-D6D3-0FE4-98CD-CFAF40120F81}"/>
+              </a:ext>
+            </a:extLst>
+          </p:cNvPr>
+          <p:cNvSpPr txBox="1"/>
+          <p:nvPr/>
+        </p:nvSpPr>
+        <p:spPr>
+          <a:xfrm>
+            <a:off x="1657135" y="5001737"/>
+            <a:ext cx="8877729" cy="1569660"/>
+          </a:xfrm>
+          <a:prstGeom prst="rect">
+            <a:avLst/>
+          </a:prstGeom>
+          <a:noFill/>
+        </p:spPr>
+        <p:txBody>
+          <a:bodyPr wrap="square" rtlCol="0">
+            <a:spAutoFit/>
+          </a:bodyPr>
+          <a:lstStyle/>
+          <a:p>
+            <a:r>
+              <a:rPr lang="hu-HU" sz="3200" dirty="0">
+                <a:solidFill>
+                  <a:schemeClr val="tx1">
+                    <a:lumMod val="75000"/>
+                    <a:lumOff val="25000"/>
+                  </a:schemeClr>
+                </a:solidFill>
+              </a:rPr>
+              <a:t>A </a:t>
+            </a:r>
+            <a:r>
+              <a:rPr lang="hu-HU" sz="3200" dirty="0" err="1">
+                <a:solidFill>
+                  <a:schemeClr val="tx1">
+                    <a:lumMod val="75000"/>
+                    <a:lumOff val="25000"/>
+                  </a:schemeClr>
+                </a:solidFill>
+              </a:rPr>
+              <a:t>repo-ból</a:t>
+            </a:r>
+            <a:r>
+              <a:rPr lang="hu-HU" sz="3200" dirty="0">
+                <a:solidFill>
+                  <a:schemeClr val="tx1">
+                    <a:lumMod val="75000"/>
+                    <a:lumOff val="25000"/>
+                  </a:schemeClr>
+                </a:solidFill>
+              </a:rPr>
+              <a:t> lebírjuk tölteni a fájlokat a „</a:t>
+            </a:r>
+            <a:r>
+              <a:rPr lang="hu-HU" sz="3200" b="1" dirty="0" err="1">
+                <a:solidFill>
+                  <a:schemeClr val="tx1">
+                    <a:lumMod val="75000"/>
+                    <a:lumOff val="25000"/>
+                  </a:schemeClr>
+                </a:solidFill>
+              </a:rPr>
+              <a:t>git</a:t>
+            </a:r>
+            <a:r>
+              <a:rPr lang="hu-HU" sz="3200" b="1" dirty="0">
+                <a:solidFill>
+                  <a:schemeClr val="tx1">
+                    <a:lumMod val="75000"/>
+                    <a:lumOff val="25000"/>
+                  </a:schemeClr>
+                </a:solidFill>
+              </a:rPr>
+              <a:t> </a:t>
+            </a:r>
+            <a:r>
+              <a:rPr lang="hu-HU" sz="3200" b="1" dirty="0" err="1">
+                <a:solidFill>
+                  <a:schemeClr val="tx1">
+                    <a:lumMod val="75000"/>
+                    <a:lumOff val="25000"/>
+                  </a:schemeClr>
+                </a:solidFill>
+              </a:rPr>
+              <a:t>pull</a:t>
+            </a:r>
+            <a:r>
+              <a:rPr lang="hu-HU" sz="3200" dirty="0">
+                <a:solidFill>
+                  <a:schemeClr val="tx1">
+                    <a:lumMod val="75000"/>
+                    <a:lumOff val="25000"/>
+                  </a:schemeClr>
+                </a:solidFill>
+              </a:rPr>
+              <a:t>” paranccsal. Ezzel tudjuk frissíteni a local </a:t>
+            </a:r>
+            <a:r>
+              <a:rPr lang="hu-HU" sz="3200" dirty="0" err="1">
+                <a:solidFill>
+                  <a:schemeClr val="tx1">
+                    <a:lumMod val="75000"/>
+                    <a:lumOff val="25000"/>
+                  </a:schemeClr>
+                </a:solidFill>
+              </a:rPr>
+              <a:t>repo-nkat</a:t>
+            </a:r>
+            <a:r>
+              <a:rPr lang="hu-HU" sz="3200" dirty="0">
+                <a:solidFill>
+                  <a:schemeClr val="tx1">
+                    <a:lumMod val="75000"/>
+                    <a:lumOff val="25000"/>
+                  </a:schemeClr>
+                </a:solidFill>
+              </a:rPr>
+              <a:t>.</a:t>
+            </a:r>
+          </a:p>
+          <a:p>
+            <a:endParaRPr lang="hu-HU" sz="3200" dirty="0">
+              <a:solidFill>
+                <a:schemeClr val="tx1">
+                  <a:lumMod val="75000"/>
+                  <a:lumOff val="25000"/>
+                </a:schemeClr>
+              </a:solidFill>
+            </a:endParaRPr>
+          </a:p>
+        </p:txBody>
+      </p:sp>
+    </p:spTree>
+    <p:extLst>
+      <p:ext uri="{BB962C8B-B14F-4D97-AF65-F5344CB8AC3E}">
+        <p14:creationId xmlns:p14="http://schemas.microsoft.com/office/powerpoint/2010/main" val="83792643"/>
+      </p:ext>
+    </p:extLst>
+  </p:cSld>
+  <p:clrMapOvr>
+    <a:masterClrMapping/>
+  </p:clrMapOvr>
+  <p:transition spd="slow">
+    <p:push dir="u"/>
+  </p:transition>
+</p:sld>
+</file>
+
+<file path=ppt/slides/slide12.xml><?xml version="1.0" encoding="utf-8"?>
+<p:sld xmlns:a="http://schemas.openxmlformats.org/drawingml/2006/main" xmlns:r="http://schemas.openxmlformats.org/officeDocument/2006/relationships" xmlns:p="http://schemas.openxmlformats.org/presentationml/2006/main">
+  <p:cSld>
+    <p:spTree>
+      <p:nvGrpSpPr>
+        <p:cNvPr id="1" name=""/>
+        <p:cNvGrpSpPr/>
+        <p:nvPr/>
+      </p:nvGrpSpPr>
+      <p:grpSpPr>
+        <a:xfrm>
+          <a:off x="0" y="0"/>
+          <a:ext cx="0" cy="0"/>
+          <a:chOff x="0" y="0"/>
+          <a:chExt cx="0" cy="0"/>
+        </a:xfrm>
+      </p:grpSpPr>
+      <p:sp>
+        <p:nvSpPr>
+          <p:cNvPr id="2" name="Cím 1">
+            <a:extLst>
+              <a:ext uri="{FF2B5EF4-FFF2-40B4-BE49-F238E27FC236}">
                 <a16:creationId xmlns:a16="http://schemas.microsoft.com/office/drawing/2014/main" id="{9EBB0BEF-0605-148F-FD70-15C5A82A2699}"/>
               </a:ext>
             </a:extLst>
@@ -3983,7 +4523,7 @@
             </a:r>
             <a:r>
               <a:rPr lang="hu-HU" sz="3200" b="1" dirty="0"/>
-              <a:t>2-4</a:t>
+              <a:t>2-6</a:t>
             </a:r>
             <a:r>
               <a:rPr lang="hu-HU" sz="3200" dirty="0"/>
@@ -3991,7 +4531,7 @@
             </a:r>
             <a:r>
               <a:rPr lang="hu-HU" sz="3200" b="1" dirty="0"/>
-              <a:t>5-7</a:t>
+              <a:t>7-9</a:t>
             </a:r>
             <a:r>
               <a:rPr lang="hu-HU" sz="3200" dirty="0"/>
@@ -3999,7 +4539,7 @@
             </a:r>
             <a:r>
               <a:rPr lang="hu-HU" sz="3200" b="1" dirty="0"/>
-              <a:t>8-10 </a:t>
+              <a:t>10-12 </a:t>
             </a:r>
             <a:r>
               <a:rPr lang="hu-HU" sz="3200" dirty="0"/>
@@ -4040,7 +4580,7 @@
 </p:sld>
 </file>
 
-<file path=ppt/slides/slide11.xml><?xml version="1.0" encoding="utf-8"?>
+<file path=ppt/slides/slide13.xml><?xml version="1.0" encoding="utf-8"?>
 <p:sld xmlns:a="http://schemas.openxmlformats.org/drawingml/2006/main" xmlns:r="http://schemas.openxmlformats.org/officeDocument/2006/relationships" xmlns:p="http://schemas.openxmlformats.org/presentationml/2006/main">
   <p:cSld>
     <p:spTree>
@@ -4345,8 +4885,8 @@
         </p:nvSpPr>
         <p:spPr>
           <a:xfrm>
-            <a:off x="5588508" y="2014435"/>
-            <a:ext cx="5567172" cy="2175669"/>
+            <a:off x="8131946" y="1927287"/>
+            <a:ext cx="3449862" cy="4322593"/>
           </a:xfrm>
         </p:spPr>
         <p:txBody>
@@ -4355,7 +4895,6 @@
           </a:bodyPr>
           <a:lstStyle/>
           <a:p>
-            <a:pPr algn="just"/>
             <a:r>
               <a:rPr lang="hu-HU" sz="3200" dirty="0"/>
               <a:t>Miután regisztráltunk a </a:t>
@@ -4419,38 +4958,8 @@
         </p:blipFill>
         <p:spPr>
           <a:xfrm>
-            <a:off x="2166441" y="2014435"/>
-            <a:ext cx="3381607" cy="2071830"/>
-          </a:xfrm>
-          <a:prstGeom prst="rect">
-            <a:avLst/>
-          </a:prstGeom>
-        </p:spPr>
-      </p:pic>
-      <p:pic>
-        <p:nvPicPr>
-          <p:cNvPr id="10" name="Kép 9">
-            <a:extLst>
-              <a:ext uri="{FF2B5EF4-FFF2-40B4-BE49-F238E27FC236}">
-                <a16:creationId xmlns:a16="http://schemas.microsoft.com/office/drawing/2014/main" id="{EC972000-81DB-0048-4B22-5706EBEEE7F7}"/>
-              </a:ext>
-            </a:extLst>
-          </p:cNvPr>
-          <p:cNvPicPr>
-            <a:picLocks noChangeAspect="1"/>
-          </p:cNvPicPr>
-          <p:nvPr/>
-        </p:nvPicPr>
-        <p:blipFill>
-          <a:blip r:embed="rId4"/>
-          <a:stretch>
-            <a:fillRect/>
-          </a:stretch>
-        </p:blipFill>
-        <p:spPr>
-          <a:xfrm>
-            <a:off x="349859" y="4125850"/>
-            <a:ext cx="2587587" cy="2189497"/>
+            <a:off x="2526621" y="2880804"/>
+            <a:ext cx="5143946" cy="3151573"/>
           </a:xfrm>
           <a:prstGeom prst="rect">
             <a:avLst/>
@@ -4472,119 +4981,21 @@
           <p:nvPr/>
         </p:nvPicPr>
         <p:blipFill>
-          <a:blip r:embed="rId5"/>
+          <a:blip r:embed="rId4"/>
           <a:stretch>
             <a:fillRect/>
           </a:stretch>
         </p:blipFill>
         <p:spPr>
           <a:xfrm>
-            <a:off x="68580" y="1927287"/>
-            <a:ext cx="2057400" cy="1609725"/>
+            <a:off x="832060" y="1998309"/>
+            <a:ext cx="3141946" cy="2458282"/>
           </a:xfrm>
           <a:prstGeom prst="rect">
             <a:avLst/>
           </a:prstGeom>
         </p:spPr>
       </p:pic>
-      <p:sp>
-        <p:nvSpPr>
-          <p:cNvPr id="14" name="Szövegdoboz 13">
-            <a:extLst>
-              <a:ext uri="{FF2B5EF4-FFF2-40B4-BE49-F238E27FC236}">
-                <a16:creationId xmlns:a16="http://schemas.microsoft.com/office/drawing/2014/main" id="{43DE9973-1172-FBB5-DAF8-17705F463733}"/>
-              </a:ext>
-            </a:extLst>
-          </p:cNvPr>
-          <p:cNvSpPr txBox="1"/>
-          <p:nvPr/>
-        </p:nvSpPr>
-        <p:spPr>
-          <a:xfrm>
-            <a:off x="5588508" y="4253244"/>
-            <a:ext cx="5567172" cy="1569660"/>
-          </a:xfrm>
-          <a:prstGeom prst="rect">
-            <a:avLst/>
-          </a:prstGeom>
-          <a:noFill/>
-        </p:spPr>
-        <p:txBody>
-          <a:bodyPr wrap="square" rtlCol="0">
-            <a:spAutoFit/>
-          </a:bodyPr>
-          <a:lstStyle/>
-          <a:p>
-            <a:pPr algn="just"/>
-            <a:r>
-              <a:rPr lang="hu-HU" sz="3200" dirty="0">
-                <a:solidFill>
-                  <a:schemeClr val="tx1">
-                    <a:lumMod val="75000"/>
-                    <a:lumOff val="25000"/>
-                  </a:schemeClr>
-                </a:solidFill>
-              </a:rPr>
-              <a:t>Adjunk meg egy nevet és döntsük el hogy ez a </a:t>
-            </a:r>
-            <a:r>
-              <a:rPr lang="hu-HU" sz="3200" dirty="0" err="1">
-                <a:solidFill>
-                  <a:schemeClr val="tx1">
-                    <a:lumMod val="75000"/>
-                    <a:lumOff val="25000"/>
-                  </a:schemeClr>
-                </a:solidFill>
-              </a:rPr>
-              <a:t>repo</a:t>
-            </a:r>
-            <a:r>
-              <a:rPr lang="hu-HU" sz="3200" dirty="0">
-                <a:solidFill>
-                  <a:schemeClr val="tx1">
-                    <a:lumMod val="75000"/>
-                    <a:lumOff val="25000"/>
-                  </a:schemeClr>
-                </a:solidFill>
-              </a:rPr>
-              <a:t> </a:t>
-            </a:r>
-            <a:r>
-              <a:rPr lang="hu-HU" sz="3200" b="1" dirty="0">
-                <a:solidFill>
-                  <a:schemeClr val="tx1">
-                    <a:lumMod val="75000"/>
-                    <a:lumOff val="25000"/>
-                  </a:schemeClr>
-                </a:solidFill>
-              </a:rPr>
-              <a:t>publikus</a:t>
-            </a:r>
-            <a:r>
-              <a:rPr lang="hu-HU" sz="3200" dirty="0">
-                <a:solidFill>
-                  <a:schemeClr val="tx1">
-                    <a:lumMod val="75000"/>
-                    <a:lumOff val="25000"/>
-                  </a:schemeClr>
-                </a:solidFill>
-              </a:rPr>
-              <a:t> lesz, vagy </a:t>
-            </a:r>
-            <a:r>
-              <a:rPr lang="hu-HU" sz="3200" b="1" dirty="0">
-                <a:solidFill>
-                  <a:schemeClr val="tx1">
-                    <a:lumMod val="75000"/>
-                    <a:lumOff val="25000"/>
-                  </a:schemeClr>
-                </a:solidFill>
-              </a:rPr>
-              <a:t>privát.</a:t>
-            </a:r>
-          </a:p>
-        </p:txBody>
-      </p:sp>
     </p:spTree>
     <p:extLst>
       <p:ext uri="{BB962C8B-B14F-4D97-AF65-F5344CB8AC3E}">
@@ -4623,7 +5034,7 @@
           <p:cNvPr id="2" name="Cím 1">
             <a:extLst>
               <a:ext uri="{FF2B5EF4-FFF2-40B4-BE49-F238E27FC236}">
-                <a16:creationId xmlns:a16="http://schemas.microsoft.com/office/drawing/2014/main" id="{3DFE6B6F-1209-1B2E-0831-1CDDD930A9B3}"/>
+                <a16:creationId xmlns:a16="http://schemas.microsoft.com/office/drawing/2014/main" id="{096EDB4F-5C9F-393D-03C8-5EFDAE83F79A}"/>
               </a:ext>
             </a:extLst>
           </p:cNvPr>
@@ -4641,7 +5052,15 @@
           <a:p>
             <a:r>
               <a:rPr lang="hu-HU" dirty="0" err="1"/>
-              <a:t>Git</a:t>
+              <a:t>Github</a:t>
+            </a:r>
+            <a:r>
+              <a:rPr lang="hu-HU" dirty="0"/>
+              <a:t> regisztráció, </a:t>
+            </a:r>
+            <a:r>
+              <a:rPr lang="hu-HU" dirty="0" err="1"/>
+              <a:t>remote</a:t>
             </a:r>
             <a:r>
               <a:rPr lang="hu-HU" dirty="0"/>
@@ -4649,113 +5068,21 @@
             </a:r>
             <a:r>
               <a:rPr lang="hu-HU" dirty="0" err="1"/>
-              <a:t>bash</a:t>
+              <a:t>repo</a:t>
             </a:r>
             <a:r>
               <a:rPr lang="hu-HU" dirty="0"/>
-              <a:t> letöltése</a:t>
-            </a:r>
-          </a:p>
-        </p:txBody>
-      </p:sp>
-      <p:sp>
-        <p:nvSpPr>
-          <p:cNvPr id="3" name="Tartalom helye 2">
+              <a:t> létrehozása</a:t>
+            </a:r>
+          </a:p>
+        </p:txBody>
+      </p:sp>
+      <p:pic>
+        <p:nvPicPr>
+          <p:cNvPr id="10" name="Kép 9">
             <a:extLst>
               <a:ext uri="{FF2B5EF4-FFF2-40B4-BE49-F238E27FC236}">
-                <a16:creationId xmlns:a16="http://schemas.microsoft.com/office/drawing/2014/main" id="{819880DE-CEE5-F391-DEBB-E917AD00063D}"/>
-              </a:ext>
-            </a:extLst>
-          </p:cNvPr>
-          <p:cNvSpPr>
-            <a:spLocks noGrp="1"/>
-          </p:cNvSpPr>
-          <p:nvPr>
-            <p:ph idx="1"/>
-          </p:nvPr>
-        </p:nvSpPr>
-        <p:spPr>
-          <a:xfrm>
-            <a:off x="5449824" y="1825625"/>
-            <a:ext cx="6601968" cy="4667250"/>
-          </a:xfrm>
-        </p:spPr>
-        <p:txBody>
-          <a:bodyPr>
-            <a:normAutofit/>
-          </a:bodyPr>
-          <a:lstStyle/>
-          <a:p>
-            <a:pPr algn="ctr"/>
-            <a:r>
-              <a:rPr lang="hu-HU" sz="3200" dirty="0"/>
-              <a:t>A </a:t>
-            </a:r>
-            <a:r>
-              <a:rPr lang="hu-HU" sz="3200" b="1" dirty="0" err="1"/>
-              <a:t>Git</a:t>
-            </a:r>
-            <a:r>
-              <a:rPr lang="hu-HU" sz="3200" b="1" dirty="0"/>
-              <a:t> </a:t>
-            </a:r>
-            <a:r>
-              <a:rPr lang="hu-HU" sz="3200" b="1" dirty="0" err="1"/>
-              <a:t>Bash</a:t>
-            </a:r>
-            <a:r>
-              <a:rPr lang="hu-HU" sz="3200" dirty="0"/>
-              <a:t>-t a</a:t>
-            </a:r>
-            <a:br>
-              <a:rPr lang="hu-HU" sz="3200" dirty="0"/>
-            </a:br>
-            <a:r>
-              <a:rPr lang="hu-HU" sz="3200" dirty="0">
-                <a:hlinkClick r:id="rId2"/>
-              </a:rPr>
-              <a:t>https://git-scm.com/downloads</a:t>
-            </a:r>
-            <a:r>
-              <a:rPr lang="hu-HU" sz="3200" dirty="0"/>
-              <a:t> weboldalán tudjuk letölteni, kattintsunk a </a:t>
-            </a:r>
-            <a:r>
-              <a:rPr lang="hu-HU" sz="3200" b="1" dirty="0"/>
-              <a:t>Windows</a:t>
-            </a:r>
-            <a:br>
-              <a:rPr lang="hu-HU" sz="3200" dirty="0"/>
-            </a:br>
-            <a:r>
-              <a:rPr lang="hu-HU" sz="3200" dirty="0"/>
-              <a:t>feliratra ami letölti a </a:t>
-            </a:r>
-            <a:r>
-              <a:rPr lang="hu-HU" sz="3200" dirty="0" err="1"/>
-              <a:t>Git</a:t>
-            </a:r>
-            <a:r>
-              <a:rPr lang="hu-HU" sz="3200" dirty="0"/>
-              <a:t> </a:t>
-            </a:r>
-            <a:r>
-              <a:rPr lang="hu-HU" sz="3200" dirty="0" err="1"/>
-              <a:t>Bash</a:t>
-            </a:r>
-            <a:r>
-              <a:rPr lang="hu-HU" sz="3200" dirty="0"/>
-              <a:t> telepítőjét.</a:t>
-            </a:r>
-          </a:p>
-        </p:txBody>
-      </p:sp>
-      <p:pic>
-        <p:nvPicPr>
-          <p:cNvPr id="5" name="Kép 4">
-            <a:extLst>
-              <a:ext uri="{FF2B5EF4-FFF2-40B4-BE49-F238E27FC236}">
-                <a16:creationId xmlns:a16="http://schemas.microsoft.com/office/drawing/2014/main" id="{5C87C201-78F9-EC16-E7E8-69919BFDC455}"/>
+                <a16:creationId xmlns:a16="http://schemas.microsoft.com/office/drawing/2014/main" id="{EC972000-81DB-0048-4B22-5706EBEEE7F7}"/>
               </a:ext>
             </a:extLst>
           </p:cNvPr>
@@ -4765,25 +5092,123 @@
           <p:nvPr/>
         </p:nvPicPr>
         <p:blipFill>
-          <a:blip r:embed="rId3"/>
+          <a:blip r:embed="rId2"/>
           <a:stretch>
             <a:fillRect/>
           </a:stretch>
         </p:blipFill>
         <p:spPr>
           <a:xfrm>
-            <a:off x="877825" y="2136521"/>
-            <a:ext cx="4571999" cy="2164446"/>
+            <a:off x="932826" y="1817967"/>
+            <a:ext cx="5617689" cy="4753430"/>
           </a:xfrm>
           <a:prstGeom prst="rect">
             <a:avLst/>
           </a:prstGeom>
         </p:spPr>
       </p:pic>
+      <p:sp>
+        <p:nvSpPr>
+          <p:cNvPr id="14" name="Szövegdoboz 13">
+            <a:extLst>
+              <a:ext uri="{FF2B5EF4-FFF2-40B4-BE49-F238E27FC236}">
+                <a16:creationId xmlns:a16="http://schemas.microsoft.com/office/drawing/2014/main" id="{43DE9973-1172-FBB5-DAF8-17705F463733}"/>
+              </a:ext>
+            </a:extLst>
+          </p:cNvPr>
+          <p:cNvSpPr txBox="1"/>
+          <p:nvPr/>
+        </p:nvSpPr>
+        <p:spPr>
+          <a:xfrm>
+            <a:off x="7128769" y="3058538"/>
+            <a:ext cx="4026911" cy="2062103"/>
+          </a:xfrm>
+          <a:prstGeom prst="rect">
+            <a:avLst/>
+          </a:prstGeom>
+          <a:noFill/>
+        </p:spPr>
+        <p:txBody>
+          <a:bodyPr wrap="square" rtlCol="0">
+            <a:spAutoFit/>
+          </a:bodyPr>
+          <a:lstStyle/>
+          <a:p>
+            <a:pPr algn="just"/>
+            <a:r>
+              <a:rPr lang="hu-HU" sz="3200" dirty="0">
+                <a:solidFill>
+                  <a:schemeClr val="tx1">
+                    <a:lumMod val="75000"/>
+                    <a:lumOff val="25000"/>
+                  </a:schemeClr>
+                </a:solidFill>
+              </a:rPr>
+              <a:t>Adjunk meg egy nevet és döntsük el hogy ez a </a:t>
+            </a:r>
+            <a:r>
+              <a:rPr lang="hu-HU" sz="3200" dirty="0" err="1">
+                <a:solidFill>
+                  <a:schemeClr val="tx1">
+                    <a:lumMod val="75000"/>
+                    <a:lumOff val="25000"/>
+                  </a:schemeClr>
+                </a:solidFill>
+              </a:rPr>
+              <a:t>repo</a:t>
+            </a:r>
+            <a:r>
+              <a:rPr lang="hu-HU" sz="3200" dirty="0">
+                <a:solidFill>
+                  <a:schemeClr val="tx1">
+                    <a:lumMod val="75000"/>
+                    <a:lumOff val="25000"/>
+                  </a:schemeClr>
+                </a:solidFill>
+              </a:rPr>
+              <a:t> </a:t>
+            </a:r>
+            <a:r>
+              <a:rPr lang="hu-HU" sz="3200" b="1" dirty="0">
+                <a:solidFill>
+                  <a:schemeClr val="tx1">
+                    <a:lumMod val="75000"/>
+                    <a:lumOff val="25000"/>
+                  </a:schemeClr>
+                </a:solidFill>
+              </a:rPr>
+              <a:t>publikus</a:t>
+            </a:r>
+            <a:r>
+              <a:rPr lang="hu-HU" sz="3200" dirty="0">
+                <a:solidFill>
+                  <a:schemeClr val="tx1">
+                    <a:lumMod val="75000"/>
+                    <a:lumOff val="25000"/>
+                  </a:schemeClr>
+                </a:solidFill>
+              </a:rPr>
+              <a:t> lesz, vagy </a:t>
+            </a:r>
+            <a:r>
+              <a:rPr lang="hu-HU" sz="3200" b="1" dirty="0">
+                <a:solidFill>
+                  <a:schemeClr val="tx1">
+                    <a:lumMod val="75000"/>
+                    <a:lumOff val="25000"/>
+                  </a:schemeClr>
+                </a:solidFill>
+              </a:rPr>
+              <a:t>privát.</a:t>
+            </a:r>
+          </a:p>
+        </p:txBody>
+      </p:sp>
     </p:spTree>
     <p:extLst>
       <p:ext uri="{BB962C8B-B14F-4D97-AF65-F5344CB8AC3E}">
-        <p14:creationId xmlns:p14="http://schemas.microsoft.com/office/powerpoint/2010/main" val="489037620"/>
+        <p14:creationId xmlns:p14="http://schemas.microsoft.com/office/powerpoint/2010/main" val="2081705362"/>
       </p:ext>
     </p:extLst>
   </p:cSld>
@@ -4818,7 +5243,7 @@
           <p:cNvPr id="2" name="Cím 1">
             <a:extLst>
               <a:ext uri="{FF2B5EF4-FFF2-40B4-BE49-F238E27FC236}">
-                <a16:creationId xmlns:a16="http://schemas.microsoft.com/office/drawing/2014/main" id="{413F723F-4917-548F-DB48-FC3F37F268E9}"/>
+                <a16:creationId xmlns:a16="http://schemas.microsoft.com/office/drawing/2014/main" id="{3DFE6B6F-1209-1B2E-0831-1CDDD930A9B3}"/>
               </a:ext>
             </a:extLst>
           </p:cNvPr>
@@ -4831,102 +5256,64 @@
         </p:nvSpPr>
         <p:spPr/>
         <p:txBody>
+          <a:bodyPr/>
+          <a:lstStyle/>
+          <a:p>
+            <a:r>
+              <a:rPr lang="hu-HU" dirty="0" err="1"/>
+              <a:t>Git</a:t>
+            </a:r>
+            <a:r>
+              <a:rPr lang="hu-HU" dirty="0"/>
+              <a:t> </a:t>
+            </a:r>
+            <a:r>
+              <a:rPr lang="hu-HU" dirty="0" err="1"/>
+              <a:t>bash</a:t>
+            </a:r>
+            <a:r>
+              <a:rPr lang="hu-HU" dirty="0"/>
+              <a:t> letöltése</a:t>
+            </a:r>
+          </a:p>
+        </p:txBody>
+      </p:sp>
+      <p:sp>
+        <p:nvSpPr>
+          <p:cNvPr id="3" name="Tartalom helye 2">
+            <a:extLst>
+              <a:ext uri="{FF2B5EF4-FFF2-40B4-BE49-F238E27FC236}">
+                <a16:creationId xmlns:a16="http://schemas.microsoft.com/office/drawing/2014/main" id="{819880DE-CEE5-F391-DEBB-E917AD00063D}"/>
+              </a:ext>
+            </a:extLst>
+          </p:cNvPr>
+          <p:cNvSpPr>
+            <a:spLocks noGrp="1"/>
+          </p:cNvSpPr>
+          <p:nvPr>
+            <p:ph idx="1"/>
+          </p:nvPr>
+        </p:nvSpPr>
+        <p:spPr>
+          <a:xfrm>
+            <a:off x="5449824" y="1825625"/>
+            <a:ext cx="6601968" cy="4667250"/>
+          </a:xfrm>
+        </p:spPr>
+        <p:txBody>
           <a:bodyPr>
             <a:normAutofit/>
           </a:bodyPr>
           <a:lstStyle/>
           <a:p>
-            <a:r>
-              <a:rPr lang="hu-HU" b="1" dirty="0"/>
-              <a:t>1. </a:t>
-            </a:r>
-            <a:r>
-              <a:rPr lang="hu-HU" dirty="0"/>
-              <a:t>Local </a:t>
-            </a:r>
-            <a:r>
-              <a:rPr lang="hu-HU" dirty="0" err="1"/>
-              <a:t>repository</a:t>
-            </a:r>
-            <a:r>
-              <a:rPr lang="hu-HU" dirty="0"/>
-              <a:t> létrehozása és összeköttetése a </a:t>
-            </a:r>
-            <a:r>
-              <a:rPr lang="hu-HU" dirty="0" err="1"/>
-              <a:t>remote</a:t>
-            </a:r>
-            <a:r>
-              <a:rPr lang="hu-HU" dirty="0"/>
-              <a:t> </a:t>
-            </a:r>
-            <a:r>
-              <a:rPr lang="hu-HU" dirty="0" err="1"/>
-              <a:t>repository-val</a:t>
-            </a:r>
-            <a:endParaRPr lang="hu-HU" dirty="0"/>
-          </a:p>
-        </p:txBody>
-      </p:sp>
-      <p:sp>
-        <p:nvSpPr>
-          <p:cNvPr id="3" name="Tartalom helye 2">
-            <a:extLst>
-              <a:ext uri="{FF2B5EF4-FFF2-40B4-BE49-F238E27FC236}">
-                <a16:creationId xmlns:a16="http://schemas.microsoft.com/office/drawing/2014/main" id="{15CB4F0E-24AB-35C7-FD6C-34EA8C9618FB}"/>
-              </a:ext>
-            </a:extLst>
-          </p:cNvPr>
-          <p:cNvSpPr>
-            <a:spLocks noGrp="1"/>
-          </p:cNvSpPr>
-          <p:nvPr>
-            <p:ph idx="1"/>
-          </p:nvPr>
-        </p:nvSpPr>
-        <p:spPr>
-          <a:xfrm>
-            <a:off x="5036976" y="1830647"/>
-            <a:ext cx="6756918" cy="4351338"/>
-          </a:xfrm>
-        </p:spPr>
-        <p:txBody>
-          <a:bodyPr>
-            <a:normAutofit/>
-          </a:bodyPr>
-          <a:lstStyle/>
-          <a:p>
-            <a:r>
-              <a:rPr lang="hu-HU" sz="3200" b="1" dirty="0"/>
-              <a:t>1. </a:t>
-            </a:r>
+            <a:pPr algn="ctr"/>
             <a:r>
               <a:rPr lang="hu-HU" sz="3200" dirty="0"/>
-              <a:t>Navigáljunk bele a mappába ahol </a:t>
-            </a:r>
-            <a:r>
-              <a:rPr lang="hu-HU" sz="3200" b="1" dirty="0"/>
-              <a:t>local </a:t>
+              <a:t>A </a:t>
             </a:r>
             <a:r>
               <a:rPr lang="hu-HU" sz="3200" b="1" dirty="0" err="1"/>
-              <a:t>repository</a:t>
-            </a:r>
-            <a:r>
-              <a:rPr lang="hu-HU" sz="3200" dirty="0"/>
-              <a:t>-t szeretnénk létrehozni, majd </a:t>
-            </a:r>
-            <a:r>
-              <a:rPr lang="hu-HU" sz="3200" dirty="0" err="1"/>
-              <a:t>irjuk</a:t>
-            </a:r>
-            <a:r>
-              <a:rPr lang="hu-HU" sz="3200" dirty="0"/>
-              <a:t> be hogy „</a:t>
-            </a:r>
-            <a:r>
-              <a:rPr lang="hu-HU" sz="3200" b="1" dirty="0" err="1"/>
-              <a:t>git</a:t>
+              <a:t>Git</a:t>
             </a:r>
             <a:r>
               <a:rPr lang="hu-HU" sz="3200" b="1" dirty="0"/>
@@ -4934,108 +5321,61 @@
             </a:r>
             <a:r>
               <a:rPr lang="hu-HU" sz="3200" b="1" dirty="0" err="1"/>
-              <a:t>init</a:t>
+              <a:t>Bash</a:t>
             </a:r>
             <a:r>
               <a:rPr lang="hu-HU" sz="3200" dirty="0"/>
-              <a:t>” hogy létrehozzuk.</a:t>
-            </a:r>
-          </a:p>
-          <a:p>
-            <a:endParaRPr lang="hu-HU" sz="3200" dirty="0"/>
-          </a:p>
-          <a:p>
+              <a:t>-t a</a:t>
+            </a:r>
+            <a:br>
+              <a:rPr lang="hu-HU" sz="3200" dirty="0"/>
+            </a:br>
+            <a:r>
+              <a:rPr lang="hu-HU" sz="3200" dirty="0">
+                <a:hlinkClick r:id="rId2"/>
+              </a:rPr>
+              <a:t>https://git-scm.com/downloads</a:t>
+            </a:r>
+            <a:r>
+              <a:rPr lang="hu-HU" sz="3200" dirty="0"/>
+              <a:t> weboldalán tudjuk letölteni, kattintsunk a </a:t>
+            </a:r>
             <a:r>
               <a:rPr lang="hu-HU" sz="3200" b="1" dirty="0"/>
-              <a:t>2. </a:t>
-            </a:r>
-            <a:r>
+              <a:t>Windows</a:t>
+            </a:r>
+            <a:br>
               <a:rPr lang="hu-HU" sz="3200" dirty="0"/>
-              <a:t>Majd </a:t>
+            </a:br>
+            <a:r>
+              <a:rPr lang="hu-HU" sz="3200" dirty="0"/>
+              <a:t>feliratra ami letölti a </a:t>
             </a:r>
             <a:r>
               <a:rPr lang="hu-HU" sz="3200" dirty="0" err="1"/>
-              <a:t>irjuk</a:t>
+              <a:t>Git</a:t>
             </a:r>
             <a:r>
               <a:rPr lang="hu-HU" sz="3200" dirty="0"/>
-              <a:t> be hogy „</a:t>
-            </a:r>
-            <a:r>
-              <a:rPr lang="hu-HU" sz="3200" b="1" dirty="0" err="1"/>
-              <a:t>git</a:t>
-            </a:r>
-            <a:r>
-              <a:rPr lang="hu-HU" sz="3200" b="1" dirty="0"/>
               <a:t> </a:t>
             </a:r>
             <a:r>
-              <a:rPr lang="hu-HU" sz="3200" b="1" dirty="0" err="1"/>
-              <a:t>remote</a:t>
-            </a:r>
-            <a:r>
-              <a:rPr lang="hu-HU" sz="3200" b="1" dirty="0"/>
-              <a:t> add </a:t>
-            </a:r>
-            <a:r>
-              <a:rPr lang="hu-HU" sz="3200" b="1" dirty="0" err="1"/>
-              <a:t>origin</a:t>
-            </a:r>
-            <a:r>
-              <a:rPr lang="hu-HU" sz="3200" b="1" dirty="0"/>
-              <a:t> </a:t>
+              <a:rPr lang="hu-HU" sz="3200" dirty="0" err="1"/>
+              <a:t>Bash</a:t>
             </a:r>
             <a:r>
               <a:rPr lang="hu-HU" sz="3200" dirty="0"/>
-              <a:t>[a </a:t>
-            </a:r>
-            <a:r>
-              <a:rPr lang="hu-HU" sz="3200" dirty="0" err="1"/>
-              <a:t>github</a:t>
-            </a:r>
-            <a:r>
-              <a:rPr lang="hu-HU" sz="3200" dirty="0"/>
-              <a:t> oldaláról kimásolt link]”.</a:t>
-            </a:r>
-          </a:p>
-        </p:txBody>
-      </p:sp>
-      <p:pic>
-        <p:nvPicPr>
-          <p:cNvPr id="7" name="Kép 6">
-            <a:extLst>
-              <a:ext uri="{FF2B5EF4-FFF2-40B4-BE49-F238E27FC236}">
-                <a16:creationId xmlns:a16="http://schemas.microsoft.com/office/drawing/2014/main" id="{CF76A9C6-2B72-5D9A-408A-7F9B3857170B}"/>
-              </a:ext>
-            </a:extLst>
-          </p:cNvPr>
-          <p:cNvPicPr>
-            <a:picLocks noChangeAspect="1"/>
-          </p:cNvPicPr>
-          <p:nvPr/>
-        </p:nvPicPr>
-        <p:blipFill>
-          <a:blip r:embed="rId2"/>
-          <a:stretch>
-            <a:fillRect/>
-          </a:stretch>
-        </p:blipFill>
-        <p:spPr>
-          <a:xfrm>
-            <a:off x="908446" y="1865064"/>
-            <a:ext cx="3752850" cy="1238250"/>
-          </a:xfrm>
-          <a:prstGeom prst="rect">
-            <a:avLst/>
-          </a:prstGeom>
-        </p:spPr>
-      </p:pic>
+              <a:t> telepítőjét.</a:t>
+            </a:r>
+          </a:p>
+        </p:txBody>
+      </p:sp>
       <p:pic>
         <p:nvPicPr>
           <p:cNvPr id="5" name="Kép 4">
             <a:extLst>
               <a:ext uri="{FF2B5EF4-FFF2-40B4-BE49-F238E27FC236}">
-                <a16:creationId xmlns:a16="http://schemas.microsoft.com/office/drawing/2014/main" id="{E7B88A81-F3F7-360B-57CB-457B75E41CF5}"/>
+                <a16:creationId xmlns:a16="http://schemas.microsoft.com/office/drawing/2014/main" id="{5C87C201-78F9-EC16-E7E8-69919BFDC455}"/>
               </a:ext>
             </a:extLst>
           </p:cNvPr>
@@ -5052,38 +5392,8 @@
         </p:blipFill>
         <p:spPr>
           <a:xfrm>
-            <a:off x="859679" y="4603253"/>
-            <a:ext cx="3933825" cy="1657350"/>
-          </a:xfrm>
-          <a:prstGeom prst="rect">
-            <a:avLst/>
-          </a:prstGeom>
-        </p:spPr>
-      </p:pic>
-      <p:pic>
-        <p:nvPicPr>
-          <p:cNvPr id="8" name="Kép 7">
-            <a:extLst>
-              <a:ext uri="{FF2B5EF4-FFF2-40B4-BE49-F238E27FC236}">
-                <a16:creationId xmlns:a16="http://schemas.microsoft.com/office/drawing/2014/main" id="{DD399F40-1083-062E-6E89-118D6FBD80F8}"/>
-              </a:ext>
-            </a:extLst>
-          </p:cNvPr>
-          <p:cNvPicPr>
-            <a:picLocks noChangeAspect="1"/>
-          </p:cNvPicPr>
-          <p:nvPr/>
-        </p:nvPicPr>
-        <p:blipFill>
-          <a:blip r:embed="rId4"/>
-          <a:stretch>
-            <a:fillRect/>
-          </a:stretch>
-        </p:blipFill>
-        <p:spPr>
-          <a:xfrm>
-            <a:off x="817958" y="3364878"/>
-            <a:ext cx="3933825" cy="976811"/>
+            <a:off x="380676" y="2118045"/>
+            <a:ext cx="5538309" cy="2621910"/>
           </a:xfrm>
           <a:prstGeom prst="rect">
             <a:avLst/>
@@ -5093,7 +5403,7 @@
     </p:spTree>
     <p:extLst>
       <p:ext uri="{BB962C8B-B14F-4D97-AF65-F5344CB8AC3E}">
-        <p14:creationId xmlns:p14="http://schemas.microsoft.com/office/powerpoint/2010/main" val="418339410"/>
+        <p14:creationId xmlns:p14="http://schemas.microsoft.com/office/powerpoint/2010/main" val="489037620"/>
       </p:ext>
     </p:extLst>
   </p:cSld>
@@ -5128,7 +5438,7 @@
           <p:cNvPr id="2" name="Cím 1">
             <a:extLst>
               <a:ext uri="{FF2B5EF4-FFF2-40B4-BE49-F238E27FC236}">
-                <a16:creationId xmlns:a16="http://schemas.microsoft.com/office/drawing/2014/main" id="{43FE83D7-BBCF-A2B2-ABD2-193BA4B2DBCF}"/>
+                <a16:creationId xmlns:a16="http://schemas.microsoft.com/office/drawing/2014/main" id="{413F723F-4917-548F-DB48-FC3F37F268E9}"/>
               </a:ext>
             </a:extLst>
           </p:cNvPr>
@@ -5141,21 +5451,36 @@
         </p:nvSpPr>
         <p:spPr/>
         <p:txBody>
-          <a:bodyPr/>
-          <a:lstStyle/>
-          <a:p>
-            <a:r>
-              <a:rPr lang="hu-HU" b="1" dirty="0"/>
-              <a:t>2. </a:t>
+          <a:bodyPr>
+            <a:normAutofit/>
+          </a:bodyPr>
+          <a:lstStyle/>
+          <a:p>
+            <a:r>
+              <a:rPr lang="hu-HU" dirty="0"/>
+              <a:t>Local </a:t>
             </a:r>
             <a:r>
               <a:rPr lang="hu-HU" dirty="0" err="1"/>
-              <a:t>Repository</a:t>
+              <a:t>repository</a:t>
             </a:r>
             <a:r>
               <a:rPr lang="hu-HU" dirty="0"/>
-              <a:t> klónozása</a:t>
-            </a:r>
+              <a:t> létrehozása és összeköttetése a </a:t>
+            </a:r>
+            <a:r>
+              <a:rPr lang="hu-HU" dirty="0" err="1"/>
+              <a:t>remote</a:t>
+            </a:r>
+            <a:r>
+              <a:rPr lang="hu-HU" dirty="0"/>
+              <a:t> </a:t>
+            </a:r>
+            <a:r>
+              <a:rPr lang="hu-HU" dirty="0" err="1"/>
+              <a:t>repository-val</a:t>
+            </a:r>
+            <a:endParaRPr lang="hu-HU" dirty="0"/>
           </a:p>
         </p:txBody>
       </p:sp>
@@ -5164,7 +5489,7 @@
           <p:cNvPr id="3" name="Tartalom helye 2">
             <a:extLst>
               <a:ext uri="{FF2B5EF4-FFF2-40B4-BE49-F238E27FC236}">
-                <a16:creationId xmlns:a16="http://schemas.microsoft.com/office/drawing/2014/main" id="{94EB5D69-B103-C495-3433-3B49A3C95A4C}"/>
+                <a16:creationId xmlns:a16="http://schemas.microsoft.com/office/drawing/2014/main" id="{15CB4F0E-24AB-35C7-FD6C-34EA8C9618FB}"/>
               </a:ext>
             </a:extLst>
           </p:cNvPr>
@@ -5177,8 +5502,8 @@
         </p:nvSpPr>
         <p:spPr>
           <a:xfrm>
-            <a:off x="5708088" y="2268757"/>
-            <a:ext cx="6235552" cy="2817523"/>
+            <a:off x="564620" y="4849054"/>
+            <a:ext cx="11123720" cy="4259435"/>
           </a:xfrm>
         </p:spPr>
         <p:txBody>
@@ -5187,71 +5512,87 @@
           </a:bodyPr>
           <a:lstStyle/>
           <a:p>
-            <a:pPr algn="just"/>
+            <a:r>
+              <a:rPr lang="hu-HU" sz="3200" b="1" dirty="0"/>
+              <a:t>1. </a:t>
+            </a:r>
             <a:r>
               <a:rPr lang="hu-HU" sz="3200" dirty="0"/>
-              <a:t>Miután megvoltunk az összeköttetéssel ezután következik a klónozás mely a feltöltött fájlokat másolja be a </a:t>
+              <a:t>Navigáljunk bele a mappába ahol </a:t>
             </a:r>
             <a:r>
               <a:rPr lang="hu-HU" sz="3200" b="1" dirty="0"/>
-              <a:t>Local repository</a:t>
+              <a:t>local </a:t>
+            </a:r>
+            <a:r>
+              <a:rPr lang="hu-HU" sz="3200" b="1" dirty="0" err="1"/>
+              <a:t>repository</a:t>
             </a:r>
             <a:r>
               <a:rPr lang="hu-HU" sz="3200" dirty="0"/>
-              <a:t>-ba.</a:t>
+              <a:t>-t szeretnénk létrehozni, majd </a:t>
+            </a:r>
+            <a:r>
+              <a:rPr lang="hu-HU" sz="3200" dirty="0" err="1"/>
+              <a:t>irjuk</a:t>
+            </a:r>
+            <a:r>
+              <a:rPr lang="hu-HU" sz="3200" dirty="0"/>
+              <a:t> be hogy „</a:t>
+            </a:r>
+            <a:r>
+              <a:rPr lang="hu-HU" sz="3200" b="1" dirty="0" err="1"/>
+              <a:t>git</a:t>
+            </a:r>
+            <a:r>
+              <a:rPr lang="hu-HU" sz="3200" b="1" dirty="0"/>
+              <a:t> </a:t>
+            </a:r>
+            <a:r>
+              <a:rPr lang="hu-HU" sz="3200" b="1" dirty="0" err="1"/>
+              <a:t>init</a:t>
+            </a:r>
+            <a:r>
+              <a:rPr lang="hu-HU" sz="3200" dirty="0"/>
+              <a:t>” hogy létrehozzuk.</a:t>
             </a:r>
           </a:p>
         </p:txBody>
       </p:sp>
       <p:pic>
         <p:nvPicPr>
-          <p:cNvPr id="1028" name="Picture 4">
+          <p:cNvPr id="7" name="Kép 6">
             <a:extLst>
               <a:ext uri="{FF2B5EF4-FFF2-40B4-BE49-F238E27FC236}">
-                <a16:creationId xmlns:a16="http://schemas.microsoft.com/office/drawing/2014/main" id="{05E6BDF5-0332-370C-50D8-58EBEEADA04D}"/>
+                <a16:creationId xmlns:a16="http://schemas.microsoft.com/office/drawing/2014/main" id="{CF76A9C6-2B72-5D9A-408A-7F9B3857170B}"/>
               </a:ext>
             </a:extLst>
           </p:cNvPr>
           <p:cNvPicPr>
-            <a:picLocks noChangeAspect="1" noChangeArrowheads="1"/>
+            <a:picLocks noChangeAspect="1"/>
           </p:cNvPicPr>
           <p:nvPr/>
         </p:nvPicPr>
-        <p:blipFill rotWithShape="1">
-          <a:blip r:embed="rId2">
-            <a:extLst>
-              <a:ext uri="{28A0092B-C50C-407E-A947-70E740481C1C}">
-                <a14:useLocalDpi xmlns:a14="http://schemas.microsoft.com/office/drawing/2010/main" val="0"/>
-              </a:ext>
-            </a:extLst>
-          </a:blip>
-          <a:srcRect r="10347" b="-118"/>
-          <a:stretch/>
+        <p:blipFill>
+          <a:blip r:embed="rId2"/>
+          <a:stretch>
+            <a:fillRect/>
+          </a:stretch>
         </p:blipFill>
-        <p:spPr bwMode="auto">
+        <p:spPr>
           <a:xfrm>
-            <a:off x="542223" y="2449908"/>
-            <a:ext cx="4816161" cy="1372284"/>
+            <a:off x="1556516" y="1889065"/>
+            <a:ext cx="8257910" cy="2724691"/>
           </a:xfrm>
           <a:prstGeom prst="rect">
             <a:avLst/>
           </a:prstGeom>
-          <a:noFill/>
-          <a:extLst>
-            <a:ext uri="{909E8E84-426E-40DD-AFC4-6F175D3DCCD1}">
-              <a14:hiddenFill xmlns:a14="http://schemas.microsoft.com/office/drawing/2010/main">
-                <a:solidFill>
-                  <a:srgbClr val="FFFFFF"/>
-                </a:solidFill>
-              </a14:hiddenFill>
-            </a:ext>
-          </a:extLst>
         </p:spPr>
       </p:pic>
     </p:spTree>
     <p:extLst>
       <p:ext uri="{BB962C8B-B14F-4D97-AF65-F5344CB8AC3E}">
-        <p14:creationId xmlns:p14="http://schemas.microsoft.com/office/powerpoint/2010/main" val="263027883"/>
+        <p14:creationId xmlns:p14="http://schemas.microsoft.com/office/powerpoint/2010/main" val="418339410"/>
       </p:ext>
     </p:extLst>
   </p:cSld>
@@ -5286,7 +5627,7 @@
           <p:cNvPr id="2" name="Cím 1">
             <a:extLst>
               <a:ext uri="{FF2B5EF4-FFF2-40B4-BE49-F238E27FC236}">
-                <a16:creationId xmlns:a16="http://schemas.microsoft.com/office/drawing/2014/main" id="{14FDF42F-A302-8F3E-5203-5DA4D131F042}"/>
+                <a16:creationId xmlns:a16="http://schemas.microsoft.com/office/drawing/2014/main" id="{413F723F-4917-548F-DB48-FC3F37F268E9}"/>
               </a:ext>
             </a:extLst>
           </p:cNvPr>
@@ -5299,35 +5640,138 @@
         </p:nvSpPr>
         <p:spPr/>
         <p:txBody>
-          <a:bodyPr/>
-          <a:lstStyle/>
-          <a:p>
-            <a:r>
-              <a:rPr lang="hu-HU" b="1" dirty="0"/>
-              <a:t>3. </a:t>
-            </a:r>
+          <a:bodyPr>
+            <a:normAutofit/>
+          </a:bodyPr>
+          <a:lstStyle/>
+          <a:p>
             <a:r>
               <a:rPr lang="hu-HU" dirty="0"/>
-              <a:t>Klónozás ellenőrzése</a:t>
+              <a:t>Local </a:t>
+            </a:r>
+            <a:r>
+              <a:rPr lang="hu-HU" dirty="0" err="1"/>
+              <a:t>repository</a:t>
+            </a:r>
+            <a:r>
+              <a:rPr lang="hu-HU" dirty="0"/>
+              <a:t> létrehozása és összeköttetése a </a:t>
+            </a:r>
+            <a:r>
+              <a:rPr lang="hu-HU" dirty="0" err="1"/>
+              <a:t>remote</a:t>
+            </a:r>
+            <a:r>
+              <a:rPr lang="hu-HU" dirty="0"/>
+              <a:t> </a:t>
+            </a:r>
+            <a:r>
+              <a:rPr lang="hu-HU" dirty="0" err="1"/>
+              <a:t>repository-val</a:t>
+            </a:r>
+            <a:endParaRPr lang="hu-HU" dirty="0"/>
+          </a:p>
+        </p:txBody>
+      </p:sp>
+      <p:sp>
+        <p:nvSpPr>
+          <p:cNvPr id="3" name="Tartalom helye 2">
+            <a:extLst>
+              <a:ext uri="{FF2B5EF4-FFF2-40B4-BE49-F238E27FC236}">
+                <a16:creationId xmlns:a16="http://schemas.microsoft.com/office/drawing/2014/main" id="{15CB4F0E-24AB-35C7-FD6C-34EA8C9618FB}"/>
+              </a:ext>
+            </a:extLst>
+          </p:cNvPr>
+          <p:cNvSpPr>
+            <a:spLocks noGrp="1"/>
+          </p:cNvSpPr>
+          <p:nvPr>
+            <p:ph idx="1"/>
+          </p:nvPr>
+        </p:nvSpPr>
+        <p:spPr>
+          <a:xfrm>
+            <a:off x="747204" y="5120640"/>
+            <a:ext cx="10697592" cy="1450757"/>
+          </a:xfrm>
+        </p:spPr>
+        <p:txBody>
+          <a:bodyPr>
+            <a:normAutofit/>
+          </a:bodyPr>
+          <a:lstStyle/>
+          <a:p>
+            <a:pPr marL="0" indent="0">
+              <a:buNone/>
+            </a:pPr>
+            <a:r>
+              <a:rPr lang="hu-HU" sz="3200" b="1" dirty="0"/>
+              <a:t>2. </a:t>
+            </a:r>
+            <a:r>
+              <a:rPr lang="hu-HU" sz="3200" dirty="0"/>
+              <a:t>Majd </a:t>
+            </a:r>
+            <a:r>
+              <a:rPr lang="hu-HU" sz="3200" dirty="0" err="1"/>
+              <a:t>irjuk</a:t>
+            </a:r>
+            <a:r>
+              <a:rPr lang="hu-HU" sz="3200" dirty="0"/>
+              <a:t> be hogy „</a:t>
+            </a:r>
+            <a:r>
+              <a:rPr lang="hu-HU" sz="3200" b="1" dirty="0" err="1"/>
+              <a:t>git</a:t>
+            </a:r>
+            <a:r>
+              <a:rPr lang="hu-HU" sz="3200" b="1" dirty="0"/>
+              <a:t> </a:t>
+            </a:r>
+            <a:r>
+              <a:rPr lang="hu-HU" sz="3200" b="1" dirty="0" err="1"/>
+              <a:t>remote</a:t>
+            </a:r>
+            <a:r>
+              <a:rPr lang="hu-HU" sz="3200" b="1" dirty="0"/>
+              <a:t> add </a:t>
+            </a:r>
+            <a:r>
+              <a:rPr lang="hu-HU" sz="3200" b="1" dirty="0" err="1"/>
+              <a:t>origin</a:t>
+            </a:r>
+            <a:r>
+              <a:rPr lang="hu-HU" sz="3200" b="1" dirty="0"/>
+              <a:t> </a:t>
+            </a:r>
+            <a:r>
+              <a:rPr lang="hu-HU" sz="3200" dirty="0"/>
+              <a:t>[a </a:t>
+            </a:r>
+            <a:r>
+              <a:rPr lang="hu-HU" sz="3200" dirty="0" err="1"/>
+              <a:t>github</a:t>
+            </a:r>
+            <a:r>
+              <a:rPr lang="hu-HU" sz="3200" dirty="0"/>
+              <a:t> oldaláról kimásolt link]”.</a:t>
             </a:r>
           </a:p>
         </p:txBody>
       </p:sp>
       <p:pic>
         <p:nvPicPr>
-          <p:cNvPr id="5" name="Content Placeholder 4">
+          <p:cNvPr id="8" name="Kép 7">
             <a:extLst>
               <a:ext uri="{FF2B5EF4-FFF2-40B4-BE49-F238E27FC236}">
-                <a16:creationId xmlns:a16="http://schemas.microsoft.com/office/drawing/2014/main" id="{66F581A2-857D-4C9B-7AE8-BBA094C37992}"/>
+                <a16:creationId xmlns:a16="http://schemas.microsoft.com/office/drawing/2014/main" id="{DD399F40-1083-062E-6E89-118D6FBD80F8}"/>
               </a:ext>
             </a:extLst>
           </p:cNvPr>
           <p:cNvPicPr>
-            <a:picLocks noGrp="1" noChangeAspect="1"/>
+            <a:picLocks noChangeAspect="1"/>
           </p:cNvPicPr>
-          <p:nvPr>
-            <p:ph idx="1"/>
-          </p:nvPr>
+          <p:nvPr/>
         </p:nvPicPr>
         <p:blipFill>
           <a:blip r:embed="rId2"/>
@@ -5337,57 +5781,47 @@
         </p:blipFill>
         <p:spPr>
           <a:xfrm>
-            <a:off x="689162" y="2114503"/>
-            <a:ext cx="6134100" cy="2124075"/>
-          </a:xfrm>
-        </p:spPr>
-      </p:pic>
-      <p:sp>
-        <p:nvSpPr>
-          <p:cNvPr id="6" name="TextBox 5">
-            <a:extLst>
-              <a:ext uri="{FF2B5EF4-FFF2-40B4-BE49-F238E27FC236}">
-                <a16:creationId xmlns:a16="http://schemas.microsoft.com/office/drawing/2014/main" id="{8D0D71D1-04B0-1019-4782-AA5B9E62284F}"/>
-              </a:ext>
-            </a:extLst>
-          </p:cNvPr>
-          <p:cNvSpPr txBox="1"/>
-          <p:nvPr/>
-        </p:nvSpPr>
-        <p:spPr>
-          <a:xfrm>
-            <a:off x="6995160" y="2114503"/>
-            <a:ext cx="4677062" cy="2062103"/>
+            <a:off x="4433411" y="1815062"/>
+            <a:ext cx="7500823" cy="1862535"/>
           </a:xfrm>
           <a:prstGeom prst="rect">
             <a:avLst/>
           </a:prstGeom>
-          <a:noFill/>
         </p:spPr>
-        <p:txBody>
-          <a:bodyPr wrap="square" rtlCol="0">
-            <a:spAutoFit/>
-          </a:bodyPr>
-          <a:lstStyle/>
-          <a:p>
-            <a:r>
-              <a:rPr lang="hu-HU" sz="3200" dirty="0">
-                <a:solidFill>
-                  <a:schemeClr val="tx1">
-                    <a:lumMod val="75000"/>
-                    <a:lumOff val="25000"/>
-                  </a:schemeClr>
-                </a:solidFill>
-              </a:rPr>
-              <a:t>Klónozás után ellenőrizzük le grafikusan, hogy sikerült-e. Ha látjuk a fájlokat akkor sikeres.</a:t>
-            </a:r>
-          </a:p>
-        </p:txBody>
-      </p:sp>
+      </p:pic>
+      <p:pic>
+        <p:nvPicPr>
+          <p:cNvPr id="5" name="Kép 4">
+            <a:extLst>
+              <a:ext uri="{FF2B5EF4-FFF2-40B4-BE49-F238E27FC236}">
+                <a16:creationId xmlns:a16="http://schemas.microsoft.com/office/drawing/2014/main" id="{E7B88A81-F3F7-360B-57CB-457B75E41CF5}"/>
+              </a:ext>
+            </a:extLst>
+          </p:cNvPr>
+          <p:cNvPicPr>
+            <a:picLocks noChangeAspect="1"/>
+          </p:cNvPicPr>
+          <p:nvPr/>
+        </p:nvPicPr>
+        <p:blipFill rotWithShape="1">
+          <a:blip r:embed="rId3"/>
+          <a:srcRect b="47415"/>
+          <a:stretch/>
+        </p:blipFill>
+        <p:spPr>
+          <a:xfrm>
+            <a:off x="257766" y="3053918"/>
+            <a:ext cx="8407136" cy="1862535"/>
+          </a:xfrm>
+          <a:prstGeom prst="rect">
+            <a:avLst/>
+          </a:prstGeom>
+        </p:spPr>
+      </p:pic>
     </p:spTree>
     <p:extLst>
       <p:ext uri="{BB962C8B-B14F-4D97-AF65-F5344CB8AC3E}">
-        <p14:creationId xmlns:p14="http://schemas.microsoft.com/office/powerpoint/2010/main" val="4283837504"/>
+        <p14:creationId xmlns:p14="http://schemas.microsoft.com/office/powerpoint/2010/main" val="2101754958"/>
       </p:ext>
     </p:extLst>
   </p:cSld>
@@ -5422,7 +5856,7 @@
           <p:cNvPr id="2" name="Cím 1">
             <a:extLst>
               <a:ext uri="{FF2B5EF4-FFF2-40B4-BE49-F238E27FC236}">
-                <a16:creationId xmlns:a16="http://schemas.microsoft.com/office/drawing/2014/main" id="{5287EDD4-57BA-4900-0459-D6264188BC45}"/>
+                <a16:creationId xmlns:a16="http://schemas.microsoft.com/office/drawing/2014/main" id="{43FE83D7-BBCF-A2B2-ABD2-193BA4B2DBCF}"/>
               </a:ext>
             </a:extLst>
           </p:cNvPr>
@@ -5439,115 +5873,66 @@
           <a:lstStyle/>
           <a:p>
             <a:r>
-              <a:rPr lang="hu-HU" b="1" dirty="0"/>
-              <a:t>4. </a:t>
+              <a:rPr lang="hu-HU" dirty="0" err="1"/>
+              <a:t>Repository</a:t>
             </a:r>
             <a:r>
               <a:rPr lang="hu-HU" dirty="0"/>
-              <a:t>Fájl(ok) felkészítése a </a:t>
-            </a:r>
-            <a:r>
-              <a:rPr lang="hu-HU" dirty="0" err="1"/>
-              <a:t>pusholásra</a:t>
-            </a:r>
-            <a:endParaRPr lang="hu-HU" dirty="0"/>
-          </a:p>
-        </p:txBody>
-      </p:sp>
-      <p:pic>
-        <p:nvPicPr>
-          <p:cNvPr id="5" name="Content Placeholder 4" descr="A black screen with white text&#10;&#10;Description automatically generated">
+              <a:t> klónozása</a:t>
+            </a:r>
+          </a:p>
+        </p:txBody>
+      </p:sp>
+      <p:sp>
+        <p:nvSpPr>
+          <p:cNvPr id="3" name="Tartalom helye 2">
             <a:extLst>
               <a:ext uri="{FF2B5EF4-FFF2-40B4-BE49-F238E27FC236}">
-                <a16:creationId xmlns:a16="http://schemas.microsoft.com/office/drawing/2014/main" id="{FACEB463-0E1B-5E57-5A3F-24A0F17F02D7}"/>
+                <a16:creationId xmlns:a16="http://schemas.microsoft.com/office/drawing/2014/main" id="{94EB5D69-B103-C495-3433-3B49A3C95A4C}"/>
               </a:ext>
             </a:extLst>
           </p:cNvPr>
-          <p:cNvPicPr>
-            <a:picLocks noGrp="1" noChangeAspect="1"/>
-          </p:cNvPicPr>
+          <p:cNvSpPr>
+            <a:spLocks noGrp="1"/>
+          </p:cNvSpPr>
           <p:nvPr>
             <p:ph idx="1"/>
           </p:nvPr>
-        </p:nvPicPr>
-        <p:blipFill>
-          <a:blip r:embed="rId2">
-            <a:extLst>
-              <a:ext uri="{28A0092B-C50C-407E-A947-70E740481C1C}">
-                <a14:useLocalDpi xmlns:a14="http://schemas.microsoft.com/office/drawing/2010/main" val="0"/>
-              </a:ext>
-            </a:extLst>
-          </a:blip>
-          <a:stretch>
-            <a:fillRect/>
-          </a:stretch>
-        </p:blipFill>
+        </p:nvSpPr>
         <p:spPr>
           <a:xfrm>
-            <a:off x="567902" y="4943928"/>
-            <a:ext cx="5687219" cy="676369"/>
+            <a:off x="439444" y="5162635"/>
+            <a:ext cx="11313111" cy="2817523"/>
           </a:xfrm>
         </p:spPr>
-      </p:pic>
-      <p:sp>
-        <p:nvSpPr>
-          <p:cNvPr id="6" name="TextBox 5">
+        <p:txBody>
+          <a:bodyPr>
+            <a:normAutofit/>
+          </a:bodyPr>
+          <a:lstStyle/>
+          <a:p>
+            <a:pPr algn="just"/>
+            <a:r>
+              <a:rPr lang="hu-HU" sz="3200" dirty="0"/>
+              <a:t>Miután megvoltunk az összeköttetéssel ezután következik a klónozás mely a feltöltött fájlokat másolja be a </a:t>
+            </a:r>
+            <a:r>
+              <a:rPr lang="hu-HU" sz="3200" b="1" dirty="0"/>
+              <a:t>Local repository</a:t>
+            </a:r>
+            <a:r>
+              <a:rPr lang="hu-HU" sz="3200" dirty="0"/>
+              <a:t>-ba.</a:t>
+            </a:r>
+          </a:p>
+        </p:txBody>
+      </p:sp>
+      <p:pic>
+        <p:nvPicPr>
+          <p:cNvPr id="1028" name="Picture 4">
             <a:extLst>
               <a:ext uri="{FF2B5EF4-FFF2-40B4-BE49-F238E27FC236}">
-                <a16:creationId xmlns:a16="http://schemas.microsoft.com/office/drawing/2014/main" id="{BB38056A-3255-3F70-777D-811F67F295FE}"/>
-              </a:ext>
-            </a:extLst>
-          </p:cNvPr>
-          <p:cNvSpPr txBox="1"/>
-          <p:nvPr/>
-        </p:nvSpPr>
-        <p:spPr>
-          <a:xfrm>
-            <a:off x="6699379" y="1696517"/>
-            <a:ext cx="4805265" cy="2554545"/>
-          </a:xfrm>
-          <a:prstGeom prst="rect">
-            <a:avLst/>
-          </a:prstGeom>
-          <a:noFill/>
-        </p:spPr>
-        <p:txBody>
-          <a:bodyPr wrap="square" rtlCol="0">
-            <a:spAutoFit/>
-          </a:bodyPr>
-          <a:lstStyle/>
-          <a:p>
-            <a:r>
-              <a:rPr lang="hu-HU" sz="3200" b="1" dirty="0">
-                <a:solidFill>
-                  <a:schemeClr val="tx1">
-                    <a:lumMod val="75000"/>
-                    <a:lumOff val="25000"/>
-                  </a:schemeClr>
-                </a:solidFill>
-              </a:rPr>
-              <a:t>1. </a:t>
-            </a:r>
-            <a:r>
-              <a:rPr lang="hu-HU" sz="3200" dirty="0">
-                <a:solidFill>
-                  <a:schemeClr val="tx1">
-                    <a:lumMod val="75000"/>
-                    <a:lumOff val="25000"/>
-                  </a:schemeClr>
-                </a:solidFill>
-              </a:rPr>
-              <a:t>Mielőtt felakarunk pusholni (feltölteni) egy fájlt „git add”-al hozzáadjuk  a feltöltendő elemek listájához.</a:t>
-            </a:r>
-          </a:p>
-        </p:txBody>
-      </p:sp>
-      <p:pic>
-        <p:nvPicPr>
-          <p:cNvPr id="2050" name="Picture 2">
-            <a:extLst>
-              <a:ext uri="{FF2B5EF4-FFF2-40B4-BE49-F238E27FC236}">
-                <a16:creationId xmlns:a16="http://schemas.microsoft.com/office/drawing/2014/main" id="{7CD9F618-513A-AD03-0D9D-B37257473106}"/>
+                <a16:creationId xmlns:a16="http://schemas.microsoft.com/office/drawing/2014/main" id="{05E6BDF5-0332-370C-50D8-58EBEEADA04D}"/>
               </a:ext>
             </a:extLst>
           </p:cNvPr>
@@ -5557,20 +5942,20 @@
           <p:nvPr/>
         </p:nvPicPr>
         <p:blipFill rotWithShape="1">
-          <a:blip r:embed="rId3">
+          <a:blip r:embed="rId2">
             <a:extLst>
               <a:ext uri="{28A0092B-C50C-407E-A947-70E740481C1C}">
                 <a14:useLocalDpi xmlns:a14="http://schemas.microsoft.com/office/drawing/2010/main" val="0"/>
               </a:ext>
             </a:extLst>
           </a:blip>
-          <a:srcRect l="1" r="36767" b="-5076"/>
+          <a:srcRect r="10347" b="-118"/>
           <a:stretch/>
         </p:blipFill>
         <p:spPr bwMode="auto">
           <a:xfrm>
-            <a:off x="567903" y="2701063"/>
-            <a:ext cx="5687219" cy="545451"/>
+            <a:off x="999626" y="2156944"/>
+            <a:ext cx="9888364" cy="2817523"/>
           </a:xfrm>
           <a:prstGeom prst="rect">
             <a:avLst/>
@@ -5587,126 +5972,10 @@
           </a:extLst>
         </p:spPr>
       </p:pic>
-      <p:sp>
-        <p:nvSpPr>
-          <p:cNvPr id="7" name="TextBox 6">
-            <a:extLst>
-              <a:ext uri="{FF2B5EF4-FFF2-40B4-BE49-F238E27FC236}">
-                <a16:creationId xmlns:a16="http://schemas.microsoft.com/office/drawing/2014/main" id="{1A865681-BF3F-F0E7-ADCA-B3DE3DFE7491}"/>
-              </a:ext>
-            </a:extLst>
-          </p:cNvPr>
-          <p:cNvSpPr txBox="1"/>
-          <p:nvPr/>
-        </p:nvSpPr>
-        <p:spPr>
-          <a:xfrm>
-            <a:off x="6699379" y="4251062"/>
-            <a:ext cx="4805265" cy="2062103"/>
-          </a:xfrm>
-          <a:prstGeom prst="rect">
-            <a:avLst/>
-          </a:prstGeom>
-          <a:noFill/>
-        </p:spPr>
-        <p:txBody>
-          <a:bodyPr wrap="square" rtlCol="0">
-            <a:spAutoFit/>
-          </a:bodyPr>
-          <a:lstStyle/>
-          <a:p>
-            <a:r>
-              <a:rPr lang="hu-HU" sz="3200" b="1" dirty="0">
-                <a:solidFill>
-                  <a:schemeClr val="tx1">
-                    <a:lumMod val="75000"/>
-                    <a:lumOff val="25000"/>
-                  </a:schemeClr>
-                </a:solidFill>
-              </a:rPr>
-              <a:t>2. </a:t>
-            </a:r>
-            <a:r>
-              <a:rPr lang="hu-HU" sz="3200" dirty="0">
-                <a:solidFill>
-                  <a:schemeClr val="tx1">
-                    <a:lumMod val="75000"/>
-                    <a:lumOff val="25000"/>
-                  </a:schemeClr>
-                </a:solidFill>
-              </a:rPr>
-              <a:t>Majd ezután a „</a:t>
-            </a:r>
-            <a:r>
-              <a:rPr lang="hu-HU" sz="3200" dirty="0" err="1">
-                <a:solidFill>
-                  <a:schemeClr val="tx1">
-                    <a:lumMod val="75000"/>
-                    <a:lumOff val="25000"/>
-                  </a:schemeClr>
-                </a:solidFill>
-              </a:rPr>
-              <a:t>git</a:t>
-            </a:r>
-            <a:r>
-              <a:rPr lang="hu-HU" sz="3200" dirty="0">
-                <a:solidFill>
-                  <a:schemeClr val="tx1">
-                    <a:lumMod val="75000"/>
-                    <a:lumOff val="25000"/>
-                  </a:schemeClr>
-                </a:solidFill>
-              </a:rPr>
-              <a:t> </a:t>
-            </a:r>
-            <a:r>
-              <a:rPr lang="hu-HU" sz="3200" dirty="0" err="1">
-                <a:solidFill>
-                  <a:schemeClr val="tx1">
-                    <a:lumMod val="75000"/>
-                    <a:lumOff val="25000"/>
-                  </a:schemeClr>
-                </a:solidFill>
-              </a:rPr>
-              <a:t>commit</a:t>
-            </a:r>
-            <a:r>
-              <a:rPr lang="hu-HU" sz="3200" dirty="0">
-                <a:solidFill>
-                  <a:schemeClr val="tx1">
-                    <a:lumMod val="75000"/>
-                    <a:lumOff val="25000"/>
-                  </a:schemeClr>
-                </a:solidFill>
-              </a:rPr>
-              <a:t>” paranccsal megjegyzést fűzünk hozzá és felkészítjük a </a:t>
-            </a:r>
-            <a:r>
-              <a:rPr lang="hu-HU" sz="3200" dirty="0" err="1">
-                <a:solidFill>
-                  <a:schemeClr val="tx1">
-                    <a:lumMod val="75000"/>
-                    <a:lumOff val="25000"/>
-                  </a:schemeClr>
-                </a:solidFill>
-              </a:rPr>
-              <a:t>pusholásra</a:t>
-            </a:r>
-            <a:endParaRPr lang="hu-HU" sz="3200" dirty="0">
-              <a:solidFill>
-                <a:schemeClr val="tx1">
-                  <a:lumMod val="75000"/>
-                  <a:lumOff val="25000"/>
-                </a:schemeClr>
-              </a:solidFill>
-            </a:endParaRPr>
-          </a:p>
-        </p:txBody>
-      </p:sp>
     </p:spTree>
     <p:extLst>
       <p:ext uri="{BB962C8B-B14F-4D97-AF65-F5344CB8AC3E}">
-        <p14:creationId xmlns:p14="http://schemas.microsoft.com/office/powerpoint/2010/main" val="267911924"/>
+        <p14:creationId xmlns:p14="http://schemas.microsoft.com/office/powerpoint/2010/main" val="263027883"/>
       </p:ext>
     </p:extLst>
   </p:cSld>
@@ -5741,7 +6010,7 @@
           <p:cNvPr id="2" name="Cím 1">
             <a:extLst>
               <a:ext uri="{FF2B5EF4-FFF2-40B4-BE49-F238E27FC236}">
-                <a16:creationId xmlns:a16="http://schemas.microsoft.com/office/drawing/2014/main" id="{103F830D-1880-B1EA-4A50-E2116F7FE27E}"/>
+                <a16:creationId xmlns:a16="http://schemas.microsoft.com/office/drawing/2014/main" id="{14FDF42F-A302-8F3E-5203-5DA4D131F042}"/>
               </a:ext>
             </a:extLst>
           </p:cNvPr>
@@ -5758,46 +6027,18 @@
           <a:lstStyle/>
           <a:p>
             <a:r>
-              <a:rPr lang="hu-HU" b="1" dirty="0"/>
-              <a:t>5. </a:t>
-            </a:r>
-            <a:r>
               <a:rPr lang="hu-HU" dirty="0"/>
-              <a:t>Fájl(ok) feltöltése a </a:t>
-            </a:r>
-            <a:r>
-              <a:rPr lang="hu-HU" dirty="0" err="1"/>
-              <a:t>remote</a:t>
-            </a:r>
-            <a:r>
-              <a:rPr lang="hu-HU" dirty="0"/>
-              <a:t> </a:t>
-            </a:r>
-            <a:r>
-              <a:rPr lang="hu-HU" dirty="0" err="1"/>
-              <a:t>repo-ba</a:t>
-            </a:r>
-            <a:r>
-              <a:rPr lang="hu-HU" dirty="0"/>
-              <a:t> (</a:t>
-            </a:r>
-            <a:r>
-              <a:rPr lang="hu-HU" dirty="0" err="1"/>
-              <a:t>push-olás</a:t>
-            </a:r>
-            <a:r>
-              <a:rPr lang="hu-HU" dirty="0"/>
-              <a:t>)</a:t>
+              <a:t>Klónozás ellenőrzése</a:t>
             </a:r>
           </a:p>
         </p:txBody>
       </p:sp>
       <p:pic>
         <p:nvPicPr>
-          <p:cNvPr id="5" name="Tartalom helye 4">
+          <p:cNvPr id="5" name="Content Placeholder 4">
             <a:extLst>
               <a:ext uri="{FF2B5EF4-FFF2-40B4-BE49-F238E27FC236}">
-                <a16:creationId xmlns:a16="http://schemas.microsoft.com/office/drawing/2014/main" id="{F5B155C1-30DC-65E8-7C2A-DCA37E3F13D3}"/>
+                <a16:creationId xmlns:a16="http://schemas.microsoft.com/office/drawing/2014/main" id="{66F581A2-857D-4C9B-7AE8-BBA094C37992}"/>
               </a:ext>
             </a:extLst>
           </p:cNvPr>
@@ -5808,31 +6049,24 @@
             <p:ph idx="1"/>
           </p:nvPr>
         </p:nvPicPr>
-        <p:blipFill>
-          <a:blip r:embed="rId2">
-            <a:extLst>
-              <a:ext uri="{28A0092B-C50C-407E-A947-70E740481C1C}">
-                <a14:useLocalDpi xmlns:a14="http://schemas.microsoft.com/office/drawing/2010/main" val="0"/>
-              </a:ext>
-            </a:extLst>
-          </a:blip>
-          <a:stretch>
-            <a:fillRect/>
-          </a:stretch>
+        <p:blipFill rotWithShape="1">
+          <a:blip r:embed="rId2"/>
+          <a:srcRect r="40319"/>
+          <a:stretch/>
         </p:blipFill>
         <p:spPr>
           <a:xfrm>
-            <a:off x="571131" y="2701969"/>
-            <a:ext cx="4994429" cy="1714840"/>
+            <a:off x="689162" y="2114502"/>
+            <a:ext cx="6178770" cy="3584961"/>
           </a:xfrm>
         </p:spPr>
       </p:pic>
       <p:sp>
         <p:nvSpPr>
-          <p:cNvPr id="7" name="Szövegdoboz 6">
+          <p:cNvPr id="6" name="TextBox 5">
             <a:extLst>
               <a:ext uri="{FF2B5EF4-FFF2-40B4-BE49-F238E27FC236}">
-                <a16:creationId xmlns:a16="http://schemas.microsoft.com/office/drawing/2014/main" id="{F1DAB1E9-F477-A79A-2B6F-0A84B2B6F14C}"/>
+                <a16:creationId xmlns:a16="http://schemas.microsoft.com/office/drawing/2014/main" id="{8D0D71D1-04B0-1019-4782-AA5B9E62284F}"/>
               </a:ext>
             </a:extLst>
           </p:cNvPr>
@@ -5841,8 +6075,8 @@
         </p:nvSpPr>
         <p:spPr>
           <a:xfrm>
-            <a:off x="5850384" y="2003835"/>
-            <a:ext cx="5770485" cy="3111108"/>
+            <a:off x="6995160" y="2114503"/>
+            <a:ext cx="4677062" cy="2062103"/>
           </a:xfrm>
           <a:prstGeom prst="rect">
             <a:avLst/>
@@ -5855,11 +6089,6 @@
           </a:bodyPr>
           <a:lstStyle/>
           <a:p>
-            <a:pPr>
-              <a:spcAft>
-                <a:spcPts val="500"/>
-              </a:spcAft>
-            </a:pPr>
             <a:r>
               <a:rPr lang="hu-HU" sz="3200" dirty="0">
                 <a:solidFill>
@@ -5869,127 +6098,7 @@
                   </a:schemeClr>
                 </a:solidFill>
               </a:rPr>
-              <a:t>Miután felkészítettük a fájlokat a </a:t>
-            </a:r>
-            <a:r>
-              <a:rPr lang="hu-HU" sz="3200" dirty="0" err="1">
-                <a:solidFill>
-                  <a:schemeClr val="tx1">
-                    <a:lumMod val="75000"/>
-                    <a:lumOff val="25000"/>
-                  </a:schemeClr>
-                </a:solidFill>
-              </a:rPr>
-              <a:t>push-olásra</a:t>
-            </a:r>
-            <a:r>
-              <a:rPr lang="hu-HU" sz="3200" dirty="0">
-                <a:solidFill>
-                  <a:schemeClr val="tx1">
-                    <a:lumMod val="75000"/>
-                    <a:lumOff val="25000"/>
-                  </a:schemeClr>
-                </a:solidFill>
-              </a:rPr>
-              <a:t> elkezdhetjük a feltöltést a „</a:t>
-            </a:r>
-            <a:r>
-              <a:rPr lang="hu-HU" sz="3200" b="1" dirty="0" err="1">
-                <a:solidFill>
-                  <a:schemeClr val="tx1">
-                    <a:lumMod val="75000"/>
-                    <a:lumOff val="25000"/>
-                  </a:schemeClr>
-                </a:solidFill>
-              </a:rPr>
-              <a:t>git</a:t>
-            </a:r>
-            <a:r>
-              <a:rPr lang="hu-HU" sz="3200" b="1" dirty="0">
-                <a:solidFill>
-                  <a:schemeClr val="tx1">
-                    <a:lumMod val="75000"/>
-                    <a:lumOff val="25000"/>
-                  </a:schemeClr>
-                </a:solidFill>
-              </a:rPr>
-              <a:t> </a:t>
-            </a:r>
-            <a:r>
-              <a:rPr lang="hu-HU" sz="3200" b="1" dirty="0" err="1">
-                <a:solidFill>
-                  <a:schemeClr val="tx1">
-                    <a:lumMod val="75000"/>
-                    <a:lumOff val="25000"/>
-                  </a:schemeClr>
-                </a:solidFill>
-              </a:rPr>
-              <a:t>push</a:t>
-            </a:r>
-            <a:r>
-              <a:rPr lang="hu-HU" sz="3200" dirty="0">
-                <a:solidFill>
-                  <a:schemeClr val="tx1">
-                    <a:lumMod val="75000"/>
-                    <a:lumOff val="25000"/>
-                  </a:schemeClr>
-                </a:solidFill>
-              </a:rPr>
-              <a:t>” </a:t>
-            </a:r>
-            <a:r>
-              <a:rPr lang="hu-HU" sz="3200" dirty="0" err="1">
-                <a:solidFill>
-                  <a:schemeClr val="tx1">
-                    <a:lumMod val="75000"/>
-                    <a:lumOff val="25000"/>
-                  </a:schemeClr>
-                </a:solidFill>
-              </a:rPr>
-              <a:t>parancssal</a:t>
-            </a:r>
-            <a:endParaRPr lang="hu-HU" sz="3200" dirty="0">
-              <a:solidFill>
-                <a:schemeClr val="tx1">
-                  <a:lumMod val="75000"/>
-                  <a:lumOff val="25000"/>
-                </a:schemeClr>
-              </a:solidFill>
-            </a:endParaRPr>
-          </a:p>
-          <a:p>
-            <a:r>
-              <a:rPr lang="hu-HU" sz="3200" dirty="0">
-                <a:solidFill>
-                  <a:schemeClr val="tx1">
-                    <a:lumMod val="75000"/>
-                    <a:lumOff val="25000"/>
-                  </a:schemeClr>
-                </a:solidFill>
-              </a:rPr>
-              <a:t>Ezután akik benne vannak a </a:t>
-            </a:r>
-            <a:r>
-              <a:rPr lang="hu-HU" sz="3200" dirty="0" err="1">
-                <a:solidFill>
-                  <a:schemeClr val="tx1">
-                    <a:lumMod val="75000"/>
-                    <a:lumOff val="25000"/>
-                  </a:schemeClr>
-                </a:solidFill>
-              </a:rPr>
-              <a:t>repo-ba</a:t>
-            </a:r>
-            <a:r>
-              <a:rPr lang="hu-HU" sz="3200" dirty="0">
-                <a:solidFill>
-                  <a:schemeClr val="tx1">
-                    <a:lumMod val="75000"/>
-                    <a:lumOff val="25000"/>
-                  </a:schemeClr>
-                </a:solidFill>
-              </a:rPr>
-              <a:t> láthatják hogy mit töltöttünk fel.</a:t>
+              <a:t>Klónozás után ellenőrizzük le grafikusan, hogy sikerült-e. Ha látjuk a fájlokat akkor sikeres.</a:t>
             </a:r>
           </a:p>
         </p:txBody>
@@ -5997,7 +6106,7 @@
     </p:spTree>
     <p:extLst>
       <p:ext uri="{BB962C8B-B14F-4D97-AF65-F5344CB8AC3E}">
-        <p14:creationId xmlns:p14="http://schemas.microsoft.com/office/powerpoint/2010/main" val="2937607529"/>
+        <p14:creationId xmlns:p14="http://schemas.microsoft.com/office/powerpoint/2010/main" val="4283837504"/>
       </p:ext>
     </p:extLst>
   </p:cSld>
@@ -6032,7 +6141,7 @@
           <p:cNvPr id="2" name="Cím 1">
             <a:extLst>
               <a:ext uri="{FF2B5EF4-FFF2-40B4-BE49-F238E27FC236}">
-                <a16:creationId xmlns:a16="http://schemas.microsoft.com/office/drawing/2014/main" id="{0059DFBF-DAB3-BEDF-9A01-E5FDABC6D7B9}"/>
+                <a16:creationId xmlns:a16="http://schemas.microsoft.com/office/drawing/2014/main" id="{5287EDD4-57BA-4900-0459-D6264188BC45}"/>
               </a:ext>
             </a:extLst>
           </p:cNvPr>
@@ -6049,38 +6158,23 @@
           <a:lstStyle/>
           <a:p>
             <a:r>
-              <a:rPr lang="hu-HU" b="1" dirty="0"/>
-              <a:t>6. </a:t>
-            </a:r>
-            <a:r>
               <a:rPr lang="hu-HU" dirty="0"/>
-              <a:t>Fájlok letöltése a local </a:t>
+              <a:t>Fájl(ok) felkészítése a </a:t>
             </a:r>
             <a:r>
               <a:rPr lang="hu-HU" dirty="0" err="1"/>
-              <a:t>repo-ba</a:t>
-            </a:r>
-            <a:r>
-              <a:rPr lang="hu-HU" dirty="0"/>
-              <a:t> (</a:t>
-            </a:r>
-            <a:r>
-              <a:rPr lang="hu-HU" dirty="0" err="1"/>
-              <a:t>pull-olás</a:t>
-            </a:r>
-            <a:r>
-              <a:rPr lang="hu-HU" dirty="0"/>
-              <a:t>)</a:t>
-            </a:r>
+              <a:t>pusholásra</a:t>
+            </a:r>
+            <a:endParaRPr lang="hu-HU" dirty="0"/>
           </a:p>
         </p:txBody>
       </p:sp>
       <p:pic>
         <p:nvPicPr>
-          <p:cNvPr id="5" name="Tartalom helye 4">
+          <p:cNvPr id="5" name="Content Placeholder 4" descr="A black screen with white text&#10;&#10;Description automatically generated">
             <a:extLst>
               <a:ext uri="{FF2B5EF4-FFF2-40B4-BE49-F238E27FC236}">
-                <a16:creationId xmlns:a16="http://schemas.microsoft.com/office/drawing/2014/main" id="{8B0F14E2-E036-CFC3-A3DB-6058A7C50303}"/>
+                <a16:creationId xmlns:a16="http://schemas.microsoft.com/office/drawing/2014/main" id="{FACEB463-0E1B-5E57-5A3F-24A0F17F02D7}"/>
               </a:ext>
             </a:extLst>
           </p:cNvPr>
@@ -6091,7 +6185,7 @@
             <p:ph idx="1"/>
           </p:nvPr>
         </p:nvPicPr>
-        <p:blipFill>
+        <p:blipFill rotWithShape="1">
           <a:blip r:embed="rId2">
             <a:extLst>
               <a:ext uri="{28A0092B-C50C-407E-A947-70E740481C1C}">
@@ -6099,22 +6193,22 @@
               </a:ext>
             </a:extLst>
           </a:blip>
-          <a:srcRect r="7882"/>
+          <a:srcRect r="25953"/>
           <a:stretch/>
         </p:blipFill>
         <p:spPr>
           <a:xfrm>
-            <a:off x="838200" y="2339578"/>
-            <a:ext cx="5409786" cy="2012382"/>
+            <a:off x="168412" y="4603292"/>
+            <a:ext cx="6442192" cy="1034697"/>
           </a:xfrm>
         </p:spPr>
       </p:pic>
       <p:sp>
         <p:nvSpPr>
-          <p:cNvPr id="6" name="Szövegdoboz 5">
+          <p:cNvPr id="6" name="TextBox 5">
             <a:extLst>
               <a:ext uri="{FF2B5EF4-FFF2-40B4-BE49-F238E27FC236}">
-                <a16:creationId xmlns:a16="http://schemas.microsoft.com/office/drawing/2014/main" id="{CB73D24B-D6D3-0FE4-98CD-CFAF40120F81}"/>
+                <a16:creationId xmlns:a16="http://schemas.microsoft.com/office/drawing/2014/main" id="{BB38056A-3255-3F70-777D-811F67F295FE}"/>
               </a:ext>
             </a:extLst>
           </p:cNvPr>
@@ -6123,8 +6217,8 @@
         </p:nvSpPr>
         <p:spPr>
           <a:xfrm>
-            <a:off x="6791359" y="2339578"/>
-            <a:ext cx="4992209" cy="2554545"/>
+            <a:off x="6699379" y="1696517"/>
+            <a:ext cx="4805265" cy="2554545"/>
           </a:xfrm>
           <a:prstGeom prst="rect">
             <a:avLst/>
@@ -6138,7 +6232,7 @@
           <a:lstStyle/>
           <a:p>
             <a:r>
-              <a:rPr lang="hu-HU" sz="3200" dirty="0">
+              <a:rPr lang="hu-HU" sz="3200" b="1" dirty="0">
                 <a:solidFill>
                   <a:schemeClr val="tx1">
                     <a:lumMod val="75000"/>
@@ -6146,10 +6240,10 @@
                   </a:schemeClr>
                 </a:solidFill>
               </a:rPr>
-              <a:t>A </a:t>
-            </a:r>
-            <a:r>
-              <a:rPr lang="hu-HU" sz="3200" dirty="0" err="1">
+              <a:t>1. </a:t>
+            </a:r>
+            <a:r>
+              <a:rPr lang="hu-HU" sz="3200" dirty="0">
                 <a:solidFill>
                   <a:schemeClr val="tx1">
                     <a:lumMod val="75000"/>
@@ -6157,10 +6251,86 @@
                   </a:schemeClr>
                 </a:solidFill>
               </a:rPr>
-              <a:t>repo-ból</a:t>
-            </a:r>
-            <a:r>
-              <a:rPr lang="hu-HU" sz="3200" dirty="0">
+              <a:t>Mielőtt felakarunk pusholni (feltölteni) egy fájlt „git add”-al hozzáadjuk  a feltöltendő elemek listájához.</a:t>
+            </a:r>
+          </a:p>
+        </p:txBody>
+      </p:sp>
+      <p:pic>
+        <p:nvPicPr>
+          <p:cNvPr id="2050" name="Picture 2">
+            <a:extLst>
+              <a:ext uri="{FF2B5EF4-FFF2-40B4-BE49-F238E27FC236}">
+                <a16:creationId xmlns:a16="http://schemas.microsoft.com/office/drawing/2014/main" id="{7CD9F618-513A-AD03-0D9D-B37257473106}"/>
+              </a:ext>
+            </a:extLst>
+          </p:cNvPr>
+          <p:cNvPicPr>
+            <a:picLocks noChangeAspect="1" noChangeArrowheads="1"/>
+          </p:cNvPicPr>
+          <p:nvPr/>
+        </p:nvPicPr>
+        <p:blipFill rotWithShape="1">
+          <a:blip r:embed="rId3">
+            <a:extLst>
+              <a:ext uri="{28A0092B-C50C-407E-A947-70E740481C1C}">
+                <a14:useLocalDpi xmlns:a14="http://schemas.microsoft.com/office/drawing/2010/main" val="0"/>
+              </a:ext>
+            </a:extLst>
+          </a:blip>
+          <a:srcRect l="1" t="-1" r="65353" b="-5076"/>
+          <a:stretch/>
+        </p:blipFill>
+        <p:spPr bwMode="auto">
+          <a:xfrm>
+            <a:off x="758625" y="2473589"/>
+            <a:ext cx="5261766" cy="921026"/>
+          </a:xfrm>
+          <a:prstGeom prst="rect">
+            <a:avLst/>
+          </a:prstGeom>
+          <a:noFill/>
+          <a:extLst>
+            <a:ext uri="{909E8E84-426E-40DD-AFC4-6F175D3DCCD1}">
+              <a14:hiddenFill xmlns:a14="http://schemas.microsoft.com/office/drawing/2010/main">
+                <a:solidFill>
+                  <a:srgbClr val="FFFFFF"/>
+                </a:solidFill>
+              </a14:hiddenFill>
+            </a:ext>
+          </a:extLst>
+        </p:spPr>
+      </p:pic>
+      <p:sp>
+        <p:nvSpPr>
+          <p:cNvPr id="7" name="TextBox 6">
+            <a:extLst>
+              <a:ext uri="{FF2B5EF4-FFF2-40B4-BE49-F238E27FC236}">
+                <a16:creationId xmlns:a16="http://schemas.microsoft.com/office/drawing/2014/main" id="{1A865681-BF3F-F0E7-ADCA-B3DE3DFE7491}"/>
+              </a:ext>
+            </a:extLst>
+          </p:cNvPr>
+          <p:cNvSpPr txBox="1"/>
+          <p:nvPr/>
+        </p:nvSpPr>
+        <p:spPr>
+          <a:xfrm>
+            <a:off x="6699379" y="4251062"/>
+            <a:ext cx="4805265" cy="2062103"/>
+          </a:xfrm>
+          <a:prstGeom prst="rect">
+            <a:avLst/>
+          </a:prstGeom>
+          <a:noFill/>
+        </p:spPr>
+        <p:txBody>
+          <a:bodyPr wrap="square" rtlCol="0">
+            <a:spAutoFit/>
+          </a:bodyPr>
+          <a:lstStyle/>
+          <a:p>
+            <a:r>
+              <a:rPr lang="hu-HU" sz="3200" b="1" dirty="0">
                 <a:solidFill>
                   <a:schemeClr val="tx1">
                     <a:lumMod val="75000"/>
@@ -6168,10 +6338,10 @@
                   </a:schemeClr>
                 </a:solidFill>
               </a:rPr>
-              <a:t> lebírjuk tölteni a fájlokat a „</a:t>
-            </a:r>
-            <a:r>
-              <a:rPr lang="hu-HU" sz="3200" b="1" dirty="0" err="1">
+              <a:t>2. </a:t>
+            </a:r>
+            <a:r>
+              <a:rPr lang="hu-HU" sz="3200" dirty="0">
                 <a:solidFill>
                   <a:schemeClr val="tx1">
                     <a:lumMod val="75000"/>
@@ -6179,10 +6349,10 @@
                   </a:schemeClr>
                 </a:solidFill>
               </a:rPr>
-              <a:t>git</a:t>
-            </a:r>
-            <a:r>
-              <a:rPr lang="hu-HU" sz="3200" b="1" dirty="0">
+              <a:t>Majd ezután a „</a:t>
+            </a:r>
+            <a:r>
+              <a:rPr lang="hu-HU" sz="3200" dirty="0" err="1">
                 <a:solidFill>
                   <a:schemeClr val="tx1">
                     <a:lumMod val="75000"/>
@@ -6190,10 +6360,10 @@
                   </a:schemeClr>
                 </a:solidFill>
               </a:rPr>
-              <a:t> </a:t>
-            </a:r>
-            <a:r>
-              <a:rPr lang="hu-HU" sz="3200" b="1" dirty="0" err="1">
+              <a:t>git</a:t>
+            </a:r>
+            <a:r>
+              <a:rPr lang="hu-HU" sz="3200" dirty="0">
                 <a:solidFill>
                   <a:schemeClr val="tx1">
                     <a:lumMod val="75000"/>
@@ -6201,10 +6371,10 @@
                   </a:schemeClr>
                 </a:solidFill>
               </a:rPr>
-              <a:t>pull</a:t>
-            </a:r>
-            <a:r>
-              <a:rPr lang="hu-HU" sz="3200" dirty="0">
+              <a:t> </a:t>
+            </a:r>
+            <a:r>
+              <a:rPr lang="hu-HU" sz="3200" dirty="0" err="1">
                 <a:solidFill>
                   <a:schemeClr val="tx1">
                     <a:lumMod val="75000"/>
@@ -6212,10 +6382,10 @@
                   </a:schemeClr>
                 </a:solidFill>
               </a:rPr>
-              <a:t>” paranccsal. Ezzel tudjuk frissíteni a local </a:t>
-            </a:r>
-            <a:r>
-              <a:rPr lang="hu-HU" sz="3200" dirty="0" err="1">
+              <a:t>commit</a:t>
+            </a:r>
+            <a:r>
+              <a:rPr lang="hu-HU" sz="3200" dirty="0">
                 <a:solidFill>
                   <a:schemeClr val="tx1">
                     <a:lumMod val="75000"/>
@@ -6223,10 +6393,10 @@
                   </a:schemeClr>
                 </a:solidFill>
               </a:rPr>
-              <a:t>repo-nkat</a:t>
-            </a:r>
-            <a:r>
-              <a:rPr lang="hu-HU" sz="3200" dirty="0">
+              <a:t>” paranccsal megjegyzést fűzünk hozzá és felkészítjük a </a:t>
+            </a:r>
+            <a:r>
+              <a:rPr lang="hu-HU" sz="3200" dirty="0" err="1">
                 <a:solidFill>
                   <a:schemeClr val="tx1">
                     <a:lumMod val="75000"/>
@@ -6234,10 +6404,8 @@
                   </a:schemeClr>
                 </a:solidFill>
               </a:rPr>
-              <a:t>.</a:t>
-            </a:r>
-          </a:p>
-          <a:p>
+              <a:t>pusholásra</a:t>
+            </a:r>
             <a:endParaRPr lang="hu-HU" sz="3200" dirty="0">
               <a:solidFill>
                 <a:schemeClr val="tx1">
@@ -6252,7 +6420,7 @@
     </p:spTree>
     <p:extLst>
       <p:ext uri="{BB962C8B-B14F-4D97-AF65-F5344CB8AC3E}">
-        <p14:creationId xmlns:p14="http://schemas.microsoft.com/office/powerpoint/2010/main" val="83792643"/>
+        <p14:creationId xmlns:p14="http://schemas.microsoft.com/office/powerpoint/2010/main" val="267911924"/>
       </p:ext>
     </p:extLst>
   </p:cSld>
